--- a/M1/Skill/Branches/PowerPoint/les 8git branches.pptx
+++ b/M1/Skill/Branches/PowerPoint/les 8git branches.pptx
@@ -9,9 +9,9 @@
   </p:notesMasterIdLst>
   <p:sldIdLst>
     <p:sldId id="256" r:id="rId5"/>
-    <p:sldId id="258" r:id="rId6"/>
-    <p:sldId id="265" r:id="rId7"/>
-    <p:sldId id="266" r:id="rId8"/>
+    <p:sldId id="265" r:id="rId6"/>
+    <p:sldId id="266" r:id="rId7"/>
+    <p:sldId id="324" r:id="rId8"/>
     <p:sldId id="310" r:id="rId9"/>
     <p:sldId id="315" r:id="rId10"/>
     <p:sldId id="311" r:id="rId11"/>
@@ -288,6 +288,2840 @@
 <file path=ppt/changesInfos/changesInfo1.xml><?xml version="1.0" encoding="utf-8"?>
 <pc:chgInfo xmlns:a="http://schemas.openxmlformats.org/drawingml/2006/main" xmlns:r="http://schemas.openxmlformats.org/officeDocument/2006/relationships" xmlns:ac="http://schemas.microsoft.com/office/drawing/2013/main/command" xmlns:pc="http://schemas.microsoft.com/office/powerpoint/2013/main/command">
   <pc:docChgLst>
+    <pc:chgData name="Jaymar Westerlow" userId="S::32333@ma-web.nl::371717c8-0353-4e09-9bac-7f5fe4782bc5" providerId="AD" clId="Web-{E7046F53-AEFC-464E-BD65-BF6C2CB144F0}"/>
+    <pc:docChg chg="modSld sldOrd">
+      <pc:chgData name="Jaymar Westerlow" userId="S::32333@ma-web.nl::371717c8-0353-4e09-9bac-7f5fe4782bc5" providerId="AD" clId="Web-{E7046F53-AEFC-464E-BD65-BF6C2CB144F0}" dt="2020-09-22T12:53:03.502" v="1" actId="1076"/>
+      <pc:docMkLst>
+        <pc:docMk/>
+      </pc:docMkLst>
+      <pc:sldChg chg="modSp ord">
+        <pc:chgData name="Jaymar Westerlow" userId="S::32333@ma-web.nl::371717c8-0353-4e09-9bac-7f5fe4782bc5" providerId="AD" clId="Web-{E7046F53-AEFC-464E-BD65-BF6C2CB144F0}" dt="2020-09-22T12:53:03.502" v="1" actId="1076"/>
+        <pc:sldMkLst>
+          <pc:docMk/>
+          <pc:sldMk cId="3498386614" sldId="280"/>
+        </pc:sldMkLst>
+        <pc:spChg chg="mod">
+          <ac:chgData name="Jaymar Westerlow" userId="S::32333@ma-web.nl::371717c8-0353-4e09-9bac-7f5fe4782bc5" providerId="AD" clId="Web-{E7046F53-AEFC-464E-BD65-BF6C2CB144F0}" dt="2020-09-22T12:53:03.502" v="1" actId="1076"/>
+          <ac:spMkLst>
+            <pc:docMk/>
+            <pc:sldMk cId="3498386614" sldId="280"/>
+            <ac:spMk id="5" creationId="{7CAE2FEB-8465-4B14-AD64-9AF2D6705311}"/>
+          </ac:spMkLst>
+        </pc:spChg>
+      </pc:sldChg>
+    </pc:docChg>
+  </pc:docChgLst>
+  <pc:docChgLst>
+    <pc:chgData name="Dragan Javorac" userId="S::d.javorac@ma-web.nl::913c2858-fb97-4c6e-a42c-b1f1a16b225e" providerId="AD" clId="Web-{F9FB4F6B-60BE-4195-881A-C2A0D0F39379}"/>
+    <pc:docChg chg="delSld modSld">
+      <pc:chgData name="Dragan Javorac" userId="S::d.javorac@ma-web.nl::913c2858-fb97-4c6e-a42c-b1f1a16b225e" providerId="AD" clId="Web-{F9FB4F6B-60BE-4195-881A-C2A0D0F39379}" dt="2021-09-10T08:09:18.763" v="12" actId="14100"/>
+      <pc:docMkLst>
+        <pc:docMk/>
+      </pc:docMkLst>
+      <pc:sldChg chg="modSp">
+        <pc:chgData name="Dragan Javorac" userId="S::d.javorac@ma-web.nl::913c2858-fb97-4c6e-a42c-b1f1a16b225e" providerId="AD" clId="Web-{F9FB4F6B-60BE-4195-881A-C2A0D0F39379}" dt="2021-09-10T08:07:09.901" v="4" actId="20577"/>
+        <pc:sldMkLst>
+          <pc:docMk/>
+          <pc:sldMk cId="0" sldId="272"/>
+        </pc:sldMkLst>
+        <pc:spChg chg="mod">
+          <ac:chgData name="Dragan Javorac" userId="S::d.javorac@ma-web.nl::913c2858-fb97-4c6e-a42c-b1f1a16b225e" providerId="AD" clId="Web-{F9FB4F6B-60BE-4195-881A-C2A0D0F39379}" dt="2021-09-10T08:07:09.901" v="4" actId="20577"/>
+          <ac:spMkLst>
+            <pc:docMk/>
+            <pc:sldMk cId="0" sldId="272"/>
+            <ac:spMk id="173" creationId="{00000000-0000-0000-0000-000000000000}"/>
+          </ac:spMkLst>
+        </pc:spChg>
+      </pc:sldChg>
+      <pc:sldChg chg="addSp delSp modSp">
+        <pc:chgData name="Dragan Javorac" userId="S::d.javorac@ma-web.nl::913c2858-fb97-4c6e-a42c-b1f1a16b225e" providerId="AD" clId="Web-{F9FB4F6B-60BE-4195-881A-C2A0D0F39379}" dt="2021-09-10T08:09:18.763" v="12" actId="14100"/>
+        <pc:sldMkLst>
+          <pc:docMk/>
+          <pc:sldMk cId="0" sldId="275"/>
+        </pc:sldMkLst>
+        <pc:spChg chg="del">
+          <ac:chgData name="Dragan Javorac" userId="S::d.javorac@ma-web.nl::913c2858-fb97-4c6e-a42c-b1f1a16b225e" providerId="AD" clId="Web-{F9FB4F6B-60BE-4195-881A-C2A0D0F39379}" dt="2021-09-10T08:09:15.263" v="10"/>
+          <ac:spMkLst>
+            <pc:docMk/>
+            <pc:sldMk cId="0" sldId="275"/>
+            <ac:spMk id="199" creationId="{00000000-0000-0000-0000-000000000000}"/>
+          </ac:spMkLst>
+        </pc:spChg>
+        <pc:spChg chg="del">
+          <ac:chgData name="Dragan Javorac" userId="S::d.javorac@ma-web.nl::913c2858-fb97-4c6e-a42c-b1f1a16b225e" providerId="AD" clId="Web-{F9FB4F6B-60BE-4195-881A-C2A0D0F39379}" dt="2021-09-10T08:09:14.200" v="9"/>
+          <ac:spMkLst>
+            <pc:docMk/>
+            <pc:sldMk cId="0" sldId="275"/>
+            <ac:spMk id="200" creationId="{00000000-0000-0000-0000-000000000000}"/>
+          </ac:spMkLst>
+        </pc:spChg>
+        <pc:picChg chg="add del mod">
+          <ac:chgData name="Dragan Javorac" userId="S::d.javorac@ma-web.nl::913c2858-fb97-4c6e-a42c-b1f1a16b225e" providerId="AD" clId="Web-{F9FB4F6B-60BE-4195-881A-C2A0D0F39379}" dt="2021-09-10T08:09:03.747" v="7"/>
+          <ac:picMkLst>
+            <pc:docMk/>
+            <pc:sldMk cId="0" sldId="275"/>
+            <ac:picMk id="3" creationId="{25168ADD-D6F5-4AEA-A20A-E0FBF82F7F1B}"/>
+          </ac:picMkLst>
+        </pc:picChg>
+        <pc:picChg chg="add mod">
+          <ac:chgData name="Dragan Javorac" userId="S::d.javorac@ma-web.nl::913c2858-fb97-4c6e-a42c-b1f1a16b225e" providerId="AD" clId="Web-{F9FB4F6B-60BE-4195-881A-C2A0D0F39379}" dt="2021-09-10T08:09:18.763" v="12" actId="14100"/>
+          <ac:picMkLst>
+            <pc:docMk/>
+            <pc:sldMk cId="0" sldId="275"/>
+            <ac:picMk id="4" creationId="{0281DD53-40DD-4EB5-A4D3-D9B07BD8D881}"/>
+          </ac:picMkLst>
+        </pc:picChg>
+        <pc:picChg chg="del">
+          <ac:chgData name="Dragan Javorac" userId="S::d.javorac@ma-web.nl::913c2858-fb97-4c6e-a42c-b1f1a16b225e" providerId="AD" clId="Web-{F9FB4F6B-60BE-4195-881A-C2A0D0F39379}" dt="2021-09-10T08:08:50.668" v="5"/>
+          <ac:picMkLst>
+            <pc:docMk/>
+            <pc:sldMk cId="0" sldId="275"/>
+            <ac:picMk id="198" creationId="{00000000-0000-0000-0000-000000000000}"/>
+          </ac:picMkLst>
+        </pc:picChg>
+      </pc:sldChg>
+      <pc:sldChg chg="del">
+        <pc:chgData name="Dragan Javorac" userId="S::d.javorac@ma-web.nl::913c2858-fb97-4c6e-a42c-b1f1a16b225e" providerId="AD" clId="Web-{F9FB4F6B-60BE-4195-881A-C2A0D0F39379}" dt="2021-09-10T08:06:42.885" v="0"/>
+        <pc:sldMkLst>
+          <pc:docMk/>
+          <pc:sldMk cId="0" sldId="276"/>
+        </pc:sldMkLst>
+      </pc:sldChg>
+      <pc:sldChg chg="del">
+        <pc:chgData name="Dragan Javorac" userId="S::d.javorac@ma-web.nl::913c2858-fb97-4c6e-a42c-b1f1a16b225e" providerId="AD" clId="Web-{F9FB4F6B-60BE-4195-881A-C2A0D0F39379}" dt="2021-09-10T08:06:51.603" v="2"/>
+        <pc:sldMkLst>
+          <pc:docMk/>
+          <pc:sldMk cId="0" sldId="277"/>
+        </pc:sldMkLst>
+      </pc:sldChg>
+      <pc:sldChg chg="del">
+        <pc:chgData name="Dragan Javorac" userId="S::d.javorac@ma-web.nl::913c2858-fb97-4c6e-a42c-b1f1a16b225e" providerId="AD" clId="Web-{F9FB4F6B-60BE-4195-881A-C2A0D0F39379}" dt="2021-09-10T08:06:50.072" v="1"/>
+        <pc:sldMkLst>
+          <pc:docMk/>
+          <pc:sldMk cId="0" sldId="278"/>
+        </pc:sldMkLst>
+      </pc:sldChg>
+    </pc:docChg>
+  </pc:docChgLst>
+  <pc:docChgLst>
+    <pc:chgData name="Hidde Braun" userId="S::h.braun@ma-web.nl::dd5b87d6-85a5-4271-8322-ce6e5fcd58d2" providerId="AD" clId="Web-{B30C5D27-0608-410D-B3E1-BCD79977E8AB}"/>
+    <pc:docChg chg="modSld">
+      <pc:chgData name="Hidde Braun" userId="S::h.braun@ma-web.nl::dd5b87d6-85a5-4271-8322-ce6e5fcd58d2" providerId="AD" clId="Web-{B30C5D27-0608-410D-B3E1-BCD79977E8AB}" dt="2021-09-09T06:56:55.136" v="2" actId="20577"/>
+      <pc:docMkLst>
+        <pc:docMk/>
+      </pc:docMkLst>
+      <pc:sldChg chg="modSp">
+        <pc:chgData name="Hidde Braun" userId="S::h.braun@ma-web.nl::dd5b87d6-85a5-4271-8322-ce6e5fcd58d2" providerId="AD" clId="Web-{B30C5D27-0608-410D-B3E1-BCD79977E8AB}" dt="2021-09-09T06:56:55.136" v="2" actId="20577"/>
+        <pc:sldMkLst>
+          <pc:docMk/>
+          <pc:sldMk cId="0" sldId="261"/>
+        </pc:sldMkLst>
+        <pc:spChg chg="mod">
+          <ac:chgData name="Hidde Braun" userId="S::h.braun@ma-web.nl::dd5b87d6-85a5-4271-8322-ce6e5fcd58d2" providerId="AD" clId="Web-{B30C5D27-0608-410D-B3E1-BCD79977E8AB}" dt="2021-09-09T06:56:55.136" v="2" actId="20577"/>
+          <ac:spMkLst>
+            <pc:docMk/>
+            <pc:sldMk cId="0" sldId="261"/>
+            <ac:spMk id="86" creationId="{00000000-0000-0000-0000-000000000000}"/>
+          </ac:spMkLst>
+        </pc:spChg>
+      </pc:sldChg>
+    </pc:docChg>
+  </pc:docChgLst>
+  <pc:docChgLst>
+    <pc:chgData name="Jayden Held" userId="S::31764@ma-web.nl::4689731f-c808-4d0d-94b6-ee9124daf0e5" providerId="AD" clId="Web-{098D7B84-D4D0-4FCE-B5F8-8716BAF98F0C}"/>
+    <pc:docChg chg="modSld">
+      <pc:chgData name="Jayden Held" userId="S::31764@ma-web.nl::4689731f-c808-4d0d-94b6-ee9124daf0e5" providerId="AD" clId="Web-{098D7B84-D4D0-4FCE-B5F8-8716BAF98F0C}" dt="2020-09-22T12:27:20.688" v="0" actId="1076"/>
+      <pc:docMkLst>
+        <pc:docMk/>
+      </pc:docMkLst>
+      <pc:sldChg chg="modSp">
+        <pc:chgData name="Jayden Held" userId="S::31764@ma-web.nl::4689731f-c808-4d0d-94b6-ee9124daf0e5" providerId="AD" clId="Web-{098D7B84-D4D0-4FCE-B5F8-8716BAF98F0C}" dt="2020-09-22T12:27:20.688" v="0" actId="1076"/>
+        <pc:sldMkLst>
+          <pc:docMk/>
+          <pc:sldMk cId="0" sldId="277"/>
+        </pc:sldMkLst>
+        <pc:spChg chg="mod">
+          <ac:chgData name="Jayden Held" userId="S::31764@ma-web.nl::4689731f-c808-4d0d-94b6-ee9124daf0e5" providerId="AD" clId="Web-{098D7B84-D4D0-4FCE-B5F8-8716BAF98F0C}" dt="2020-09-22T12:27:20.688" v="0" actId="1076"/>
+          <ac:spMkLst>
+            <pc:docMk/>
+            <pc:sldMk cId="0" sldId="277"/>
+            <ac:spMk id="211" creationId="{00000000-0000-0000-0000-000000000000}"/>
+          </ac:spMkLst>
+        </pc:spChg>
+      </pc:sldChg>
+    </pc:docChg>
+  </pc:docChgLst>
+  <pc:docChgLst>
+    <pc:chgData name="Hidde Braun" userId="S::h.braun@ma-web.nl::dd5b87d6-85a5-4271-8322-ce6e5fcd58d2" providerId="AD" clId="Web-{AE0BA4F4-0DED-451C-9AAF-72AE0DC9F54E}"/>
+    <pc:docChg chg="modSld">
+      <pc:chgData name="Hidde Braun" userId="S::h.braun@ma-web.nl::dd5b87d6-85a5-4271-8322-ce6e5fcd58d2" providerId="AD" clId="Web-{AE0BA4F4-0DED-451C-9AAF-72AE0DC9F54E}" dt="2021-09-13T14:45:30.898" v="21" actId="1076"/>
+      <pc:docMkLst>
+        <pc:docMk/>
+      </pc:docMkLst>
+      <pc:sldChg chg="modSp">
+        <pc:chgData name="Hidde Braun" userId="S::h.braun@ma-web.nl::dd5b87d6-85a5-4271-8322-ce6e5fcd58d2" providerId="AD" clId="Web-{AE0BA4F4-0DED-451C-9AAF-72AE0DC9F54E}" dt="2021-09-13T14:43:09.878" v="5" actId="20577"/>
+        <pc:sldMkLst>
+          <pc:docMk/>
+          <pc:sldMk cId="0" sldId="266"/>
+        </pc:sldMkLst>
+        <pc:spChg chg="mod">
+          <ac:chgData name="Hidde Braun" userId="S::h.braun@ma-web.nl::dd5b87d6-85a5-4271-8322-ce6e5fcd58d2" providerId="AD" clId="Web-{AE0BA4F4-0DED-451C-9AAF-72AE0DC9F54E}" dt="2021-09-13T14:43:09.878" v="5" actId="20577"/>
+          <ac:spMkLst>
+            <pc:docMk/>
+            <pc:sldMk cId="0" sldId="266"/>
+            <ac:spMk id="124" creationId="{00000000-0000-0000-0000-000000000000}"/>
+          </ac:spMkLst>
+        </pc:spChg>
+      </pc:sldChg>
+      <pc:sldChg chg="modSp">
+        <pc:chgData name="Hidde Braun" userId="S::h.braun@ma-web.nl::dd5b87d6-85a5-4271-8322-ce6e5fcd58d2" providerId="AD" clId="Web-{AE0BA4F4-0DED-451C-9AAF-72AE0DC9F54E}" dt="2021-09-13T14:45:30.898" v="21" actId="1076"/>
+        <pc:sldMkLst>
+          <pc:docMk/>
+          <pc:sldMk cId="3498386614" sldId="280"/>
+        </pc:sldMkLst>
+        <pc:spChg chg="mod">
+          <ac:chgData name="Hidde Braun" userId="S::h.braun@ma-web.nl::dd5b87d6-85a5-4271-8322-ce6e5fcd58d2" providerId="AD" clId="Web-{AE0BA4F4-0DED-451C-9AAF-72AE0DC9F54E}" dt="2021-09-13T14:45:30.898" v="21" actId="1076"/>
+          <ac:spMkLst>
+            <pc:docMk/>
+            <pc:sldMk cId="3498386614" sldId="280"/>
+            <ac:spMk id="2" creationId="{D2A575BE-15F1-4B99-933E-0800AC4935C1}"/>
+          </ac:spMkLst>
+        </pc:spChg>
+      </pc:sldChg>
+    </pc:docChg>
+  </pc:docChgLst>
+  <pc:docChgLst>
+    <pc:chgData name="Dejorden Moerman" userId="S::d.moerman@ma-web.nl::c3692616-0f9c-4091-b0eb-3846ce219960" providerId="AD" clId="Web-{C98425A4-5303-41E1-8010-CDAFB0CF96D9}"/>
+    <pc:docChg chg="modSld">
+      <pc:chgData name="Dejorden Moerman" userId="S::d.moerman@ma-web.nl::c3692616-0f9c-4091-b0eb-3846ce219960" providerId="AD" clId="Web-{C98425A4-5303-41E1-8010-CDAFB0CF96D9}" dt="2022-10-06T09:57:34.321" v="6" actId="20577"/>
+      <pc:docMkLst>
+        <pc:docMk/>
+      </pc:docMkLst>
+      <pc:sldChg chg="modSp">
+        <pc:chgData name="Dejorden Moerman" userId="S::d.moerman@ma-web.nl::c3692616-0f9c-4091-b0eb-3846ce219960" providerId="AD" clId="Web-{C98425A4-5303-41E1-8010-CDAFB0CF96D9}" dt="2022-10-06T09:57:34.321" v="6" actId="20577"/>
+        <pc:sldMkLst>
+          <pc:docMk/>
+          <pc:sldMk cId="1663220008" sldId="321"/>
+        </pc:sldMkLst>
+        <pc:spChg chg="mod">
+          <ac:chgData name="Dejorden Moerman" userId="S::d.moerman@ma-web.nl::c3692616-0f9c-4091-b0eb-3846ce219960" providerId="AD" clId="Web-{C98425A4-5303-41E1-8010-CDAFB0CF96D9}" dt="2022-10-06T09:57:34.321" v="6" actId="20577"/>
+          <ac:spMkLst>
+            <pc:docMk/>
+            <pc:sldMk cId="1663220008" sldId="321"/>
+            <ac:spMk id="124" creationId="{00000000-0000-0000-0000-000000000000}"/>
+          </ac:spMkLst>
+        </pc:spChg>
+      </pc:sldChg>
+    </pc:docChg>
+  </pc:docChgLst>
+  <pc:docChgLst>
+    <pc:chgData name="Dragan Javorac" userId="S::d.javorac@ma-web.nl::913c2858-fb97-4c6e-a42c-b1f1a16b225e" providerId="AD" clId="Web-{81B3D06A-C464-4F7E-965B-787070BD1171}"/>
+    <pc:docChg chg="addSld delSld modSld sldOrd">
+      <pc:chgData name="Dragan Javorac" userId="S::d.javorac@ma-web.nl::913c2858-fb97-4c6e-a42c-b1f1a16b225e" providerId="AD" clId="Web-{81B3D06A-C464-4F7E-965B-787070BD1171}" dt="2021-09-10T07:27:52.246" v="603" actId="20577"/>
+      <pc:docMkLst>
+        <pc:docMk/>
+      </pc:docMkLst>
+      <pc:sldChg chg="modSp">
+        <pc:chgData name="Dragan Javorac" userId="S::d.javorac@ma-web.nl::913c2858-fb97-4c6e-a42c-b1f1a16b225e" providerId="AD" clId="Web-{81B3D06A-C464-4F7E-965B-787070BD1171}" dt="2021-09-10T07:26:36.258" v="560" actId="20577"/>
+        <pc:sldMkLst>
+          <pc:docMk/>
+          <pc:sldMk cId="0" sldId="257"/>
+        </pc:sldMkLst>
+        <pc:spChg chg="mod">
+          <ac:chgData name="Dragan Javorac" userId="S::d.javorac@ma-web.nl::913c2858-fb97-4c6e-a42c-b1f1a16b225e" providerId="AD" clId="Web-{81B3D06A-C464-4F7E-965B-787070BD1171}" dt="2021-09-10T07:26:36.258" v="560" actId="20577"/>
+          <ac:spMkLst>
+            <pc:docMk/>
+            <pc:sldMk cId="0" sldId="257"/>
+            <ac:spMk id="61" creationId="{00000000-0000-0000-0000-000000000000}"/>
+          </ac:spMkLst>
+        </pc:spChg>
+      </pc:sldChg>
+      <pc:sldChg chg="modSp">
+        <pc:chgData name="Dragan Javorac" userId="S::d.javorac@ma-web.nl::913c2858-fb97-4c6e-a42c-b1f1a16b225e" providerId="AD" clId="Web-{81B3D06A-C464-4F7E-965B-787070BD1171}" dt="2021-09-10T06:47:20.638" v="1" actId="1076"/>
+        <pc:sldMkLst>
+          <pc:docMk/>
+          <pc:sldMk cId="0" sldId="259"/>
+        </pc:sldMkLst>
+        <pc:spChg chg="mod">
+          <ac:chgData name="Dragan Javorac" userId="S::d.javorac@ma-web.nl::913c2858-fb97-4c6e-a42c-b1f1a16b225e" providerId="AD" clId="Web-{81B3D06A-C464-4F7E-965B-787070BD1171}" dt="2021-09-10T06:47:20.638" v="1" actId="1076"/>
+          <ac:spMkLst>
+            <pc:docMk/>
+            <pc:sldMk cId="0" sldId="259"/>
+            <ac:spMk id="72" creationId="{00000000-0000-0000-0000-000000000000}"/>
+          </ac:spMkLst>
+        </pc:spChg>
+      </pc:sldChg>
+      <pc:sldChg chg="modSp">
+        <pc:chgData name="Dragan Javorac" userId="S::d.javorac@ma-web.nl::913c2858-fb97-4c6e-a42c-b1f1a16b225e" providerId="AD" clId="Web-{81B3D06A-C464-4F7E-965B-787070BD1171}" dt="2021-09-10T07:10:46.663" v="100" actId="20577"/>
+        <pc:sldMkLst>
+          <pc:docMk/>
+          <pc:sldMk cId="0" sldId="264"/>
+        </pc:sldMkLst>
+        <pc:spChg chg="mod">
+          <ac:chgData name="Dragan Javorac" userId="S::d.javorac@ma-web.nl::913c2858-fb97-4c6e-a42c-b1f1a16b225e" providerId="AD" clId="Web-{81B3D06A-C464-4F7E-965B-787070BD1171}" dt="2021-09-10T07:10:46.663" v="100" actId="20577"/>
+          <ac:spMkLst>
+            <pc:docMk/>
+            <pc:sldMk cId="0" sldId="264"/>
+            <ac:spMk id="111" creationId="{00000000-0000-0000-0000-000000000000}"/>
+          </ac:spMkLst>
+        </pc:spChg>
+      </pc:sldChg>
+      <pc:sldChg chg="modSp">
+        <pc:chgData name="Dragan Javorac" userId="S::d.javorac@ma-web.nl::913c2858-fb97-4c6e-a42c-b1f1a16b225e" providerId="AD" clId="Web-{81B3D06A-C464-4F7E-965B-787070BD1171}" dt="2021-09-10T07:11:39.900" v="111" actId="20577"/>
+        <pc:sldMkLst>
+          <pc:docMk/>
+          <pc:sldMk cId="0" sldId="269"/>
+        </pc:sldMkLst>
+        <pc:spChg chg="mod">
+          <ac:chgData name="Dragan Javorac" userId="S::d.javorac@ma-web.nl::913c2858-fb97-4c6e-a42c-b1f1a16b225e" providerId="AD" clId="Web-{81B3D06A-C464-4F7E-965B-787070BD1171}" dt="2021-09-10T07:11:39.900" v="111" actId="20577"/>
+          <ac:spMkLst>
+            <pc:docMk/>
+            <pc:sldMk cId="0" sldId="269"/>
+            <ac:spMk id="149" creationId="{00000000-0000-0000-0000-000000000000}"/>
+          </ac:spMkLst>
+        </pc:spChg>
+      </pc:sldChg>
+      <pc:sldChg chg="modSp">
+        <pc:chgData name="Dragan Javorac" userId="S::d.javorac@ma-web.nl::913c2858-fb97-4c6e-a42c-b1f1a16b225e" providerId="AD" clId="Web-{81B3D06A-C464-4F7E-965B-787070BD1171}" dt="2021-09-10T07:26:26.992" v="557" actId="1076"/>
+        <pc:sldMkLst>
+          <pc:docMk/>
+          <pc:sldMk cId="0" sldId="271"/>
+        </pc:sldMkLst>
+        <pc:spChg chg="mod">
+          <ac:chgData name="Dragan Javorac" userId="S::d.javorac@ma-web.nl::913c2858-fb97-4c6e-a42c-b1f1a16b225e" providerId="AD" clId="Web-{81B3D06A-C464-4F7E-965B-787070BD1171}" dt="2021-09-10T07:26:26.992" v="557" actId="1076"/>
+          <ac:spMkLst>
+            <pc:docMk/>
+            <pc:sldMk cId="0" sldId="271"/>
+            <ac:spMk id="167" creationId="{00000000-0000-0000-0000-000000000000}"/>
+          </ac:spMkLst>
+        </pc:spChg>
+      </pc:sldChg>
+      <pc:sldChg chg="addSp delSp modSp add replId">
+        <pc:chgData name="Dragan Javorac" userId="S::d.javorac@ma-web.nl::913c2858-fb97-4c6e-a42c-b1f1a16b225e" providerId="AD" clId="Web-{81B3D06A-C464-4F7E-965B-787070BD1171}" dt="2021-09-10T07:21:39.931" v="419" actId="20577"/>
+        <pc:sldMkLst>
+          <pc:docMk/>
+          <pc:sldMk cId="2627193179" sldId="281"/>
+        </pc:sldMkLst>
+        <pc:spChg chg="mod">
+          <ac:chgData name="Dragan Javorac" userId="S::d.javorac@ma-web.nl::913c2858-fb97-4c6e-a42c-b1f1a16b225e" providerId="AD" clId="Web-{81B3D06A-C464-4F7E-965B-787070BD1171}" dt="2021-09-10T07:14:41.128" v="181" actId="20577"/>
+          <ac:spMkLst>
+            <pc:docMk/>
+            <pc:sldMk cId="2627193179" sldId="281"/>
+            <ac:spMk id="148" creationId="{00000000-0000-0000-0000-000000000000}"/>
+          </ac:spMkLst>
+        </pc:spChg>
+        <pc:spChg chg="mod">
+          <ac:chgData name="Dragan Javorac" userId="S::d.javorac@ma-web.nl::913c2858-fb97-4c6e-a42c-b1f1a16b225e" providerId="AD" clId="Web-{81B3D06A-C464-4F7E-965B-787070BD1171}" dt="2021-09-10T07:21:39.931" v="419" actId="20577"/>
+          <ac:spMkLst>
+            <pc:docMk/>
+            <pc:sldMk cId="2627193179" sldId="281"/>
+            <ac:spMk id="149" creationId="{00000000-0000-0000-0000-000000000000}"/>
+          </ac:spMkLst>
+        </pc:spChg>
+        <pc:picChg chg="add del mod">
+          <ac:chgData name="Dragan Javorac" userId="S::d.javorac@ma-web.nl::913c2858-fb97-4c6e-a42c-b1f1a16b225e" providerId="AD" clId="Web-{81B3D06A-C464-4F7E-965B-787070BD1171}" dt="2021-09-10T07:16:08.195" v="231"/>
+          <ac:picMkLst>
+            <pc:docMk/>
+            <pc:sldMk cId="2627193179" sldId="281"/>
+            <ac:picMk id="3" creationId="{6246AA1B-43A8-42C5-8980-97B0DD37E694}"/>
+          </ac:picMkLst>
+        </pc:picChg>
+        <pc:picChg chg="add mod">
+          <ac:chgData name="Dragan Javorac" userId="S::d.javorac@ma-web.nl::913c2858-fb97-4c6e-a42c-b1f1a16b225e" providerId="AD" clId="Web-{81B3D06A-C464-4F7E-965B-787070BD1171}" dt="2021-09-10T07:16:10.304" v="232" actId="1076"/>
+          <ac:picMkLst>
+            <pc:docMk/>
+            <pc:sldMk cId="2627193179" sldId="281"/>
+            <ac:picMk id="4" creationId="{2290E53D-BA4D-4583-B8AF-7F1E668069C9}"/>
+          </ac:picMkLst>
+        </pc:picChg>
+        <pc:picChg chg="add del mod">
+          <ac:chgData name="Dragan Javorac" userId="S::d.javorac@ma-web.nl::913c2858-fb97-4c6e-a42c-b1f1a16b225e" providerId="AD" clId="Web-{81B3D06A-C464-4F7E-965B-787070BD1171}" dt="2021-09-10T07:16:07.085" v="230"/>
+          <ac:picMkLst>
+            <pc:docMk/>
+            <pc:sldMk cId="2627193179" sldId="281"/>
+            <ac:picMk id="5" creationId="{C5D978C6-73A5-414F-85EF-0B5E63418DB3}"/>
+          </ac:picMkLst>
+        </pc:picChg>
+        <pc:picChg chg="del">
+          <ac:chgData name="Dragan Javorac" userId="S::d.javorac@ma-web.nl::913c2858-fb97-4c6e-a42c-b1f1a16b225e" providerId="AD" clId="Web-{81B3D06A-C464-4F7E-965B-787070BD1171}" dt="2021-09-10T06:49:39.162" v="10"/>
+          <ac:picMkLst>
+            <pc:docMk/>
+            <pc:sldMk cId="2627193179" sldId="281"/>
+            <ac:picMk id="151" creationId="{00000000-0000-0000-0000-000000000000}"/>
+          </ac:picMkLst>
+        </pc:picChg>
+      </pc:sldChg>
+      <pc:sldChg chg="delSp modSp add ord replId">
+        <pc:chgData name="Dragan Javorac" userId="S::d.javorac@ma-web.nl::913c2858-fb97-4c6e-a42c-b1f1a16b225e" providerId="AD" clId="Web-{81B3D06A-C464-4F7E-965B-787070BD1171}" dt="2021-09-10T07:11:07.101" v="109" actId="20577"/>
+        <pc:sldMkLst>
+          <pc:docMk/>
+          <pc:sldMk cId="745908616" sldId="282"/>
+        </pc:sldMkLst>
+        <pc:spChg chg="mod">
+          <ac:chgData name="Dragan Javorac" userId="S::d.javorac@ma-web.nl::913c2858-fb97-4c6e-a42c-b1f1a16b225e" providerId="AD" clId="Web-{81B3D06A-C464-4F7E-965B-787070BD1171}" dt="2021-09-10T07:10:53.976" v="105" actId="20577"/>
+          <ac:spMkLst>
+            <pc:docMk/>
+            <pc:sldMk cId="745908616" sldId="282"/>
+            <ac:spMk id="110" creationId="{00000000-0000-0000-0000-000000000000}"/>
+          </ac:spMkLst>
+        </pc:spChg>
+        <pc:spChg chg="mod">
+          <ac:chgData name="Dragan Javorac" userId="S::d.javorac@ma-web.nl::913c2858-fb97-4c6e-a42c-b1f1a16b225e" providerId="AD" clId="Web-{81B3D06A-C464-4F7E-965B-787070BD1171}" dt="2021-09-10T07:11:07.101" v="109" actId="20577"/>
+          <ac:spMkLst>
+            <pc:docMk/>
+            <pc:sldMk cId="745908616" sldId="282"/>
+            <ac:spMk id="111" creationId="{00000000-0000-0000-0000-000000000000}"/>
+          </ac:spMkLst>
+        </pc:spChg>
+        <pc:spChg chg="del">
+          <ac:chgData name="Dragan Javorac" userId="S::d.javorac@ma-web.nl::913c2858-fb97-4c6e-a42c-b1f1a16b225e" providerId="AD" clId="Web-{81B3D06A-C464-4F7E-965B-787070BD1171}" dt="2021-09-10T07:11:01.789" v="108"/>
+          <ac:spMkLst>
+            <pc:docMk/>
+            <pc:sldMk cId="745908616" sldId="282"/>
+            <ac:spMk id="112" creationId="{00000000-0000-0000-0000-000000000000}"/>
+          </ac:spMkLst>
+        </pc:spChg>
+        <pc:picChg chg="del">
+          <ac:chgData name="Dragan Javorac" userId="S::d.javorac@ma-web.nl::913c2858-fb97-4c6e-a42c-b1f1a16b225e" providerId="AD" clId="Web-{81B3D06A-C464-4F7E-965B-787070BD1171}" dt="2021-09-10T07:10:40.428" v="96"/>
+          <ac:picMkLst>
+            <pc:docMk/>
+            <pc:sldMk cId="745908616" sldId="282"/>
+            <ac:picMk id="113" creationId="{00000000-0000-0000-0000-000000000000}"/>
+          </ac:picMkLst>
+        </pc:picChg>
+      </pc:sldChg>
+      <pc:sldChg chg="addSp delSp modSp add replId">
+        <pc:chgData name="Dragan Javorac" userId="S::d.javorac@ma-web.nl::913c2858-fb97-4c6e-a42c-b1f1a16b225e" providerId="AD" clId="Web-{81B3D06A-C464-4F7E-965B-787070BD1171}" dt="2021-09-10T07:26:16.507" v="555" actId="20577"/>
+        <pc:sldMkLst>
+          <pc:docMk/>
+          <pc:sldMk cId="1010043746" sldId="283"/>
+        </pc:sldMkLst>
+        <pc:spChg chg="mod">
+          <ac:chgData name="Dragan Javorac" userId="S::d.javorac@ma-web.nl::913c2858-fb97-4c6e-a42c-b1f1a16b225e" providerId="AD" clId="Web-{81B3D06A-C464-4F7E-965B-787070BD1171}" dt="2021-09-10T07:26:16.507" v="555" actId="20577"/>
+          <ac:spMkLst>
+            <pc:docMk/>
+            <pc:sldMk cId="1010043746" sldId="283"/>
+            <ac:spMk id="149" creationId="{00000000-0000-0000-0000-000000000000}"/>
+          </ac:spMkLst>
+        </pc:spChg>
+        <pc:picChg chg="del">
+          <ac:chgData name="Dragan Javorac" userId="S::d.javorac@ma-web.nl::913c2858-fb97-4c6e-a42c-b1f1a16b225e" providerId="AD" clId="Web-{81B3D06A-C464-4F7E-965B-787070BD1171}" dt="2021-09-10T07:14:17.517" v="165"/>
+          <ac:picMkLst>
+            <pc:docMk/>
+            <pc:sldMk cId="1010043746" sldId="283"/>
+            <ac:picMk id="3" creationId="{6246AA1B-43A8-42C5-8980-97B0DD37E694}"/>
+          </ac:picMkLst>
+        </pc:picChg>
+        <pc:picChg chg="add mod">
+          <ac:chgData name="Dragan Javorac" userId="S::d.javorac@ma-web.nl::913c2858-fb97-4c6e-a42c-b1f1a16b225e" providerId="AD" clId="Web-{81B3D06A-C464-4F7E-965B-787070BD1171}" dt="2021-09-10T07:25:37.958" v="518" actId="1076"/>
+          <ac:picMkLst>
+            <pc:docMk/>
+            <pc:sldMk cId="1010043746" sldId="283"/>
+            <ac:picMk id="4" creationId="{48B9D4BA-9BA8-4641-A557-D552C07A744A}"/>
+          </ac:picMkLst>
+        </pc:picChg>
+      </pc:sldChg>
+      <pc:sldChg chg="addSp delSp modSp add replId">
+        <pc:chgData name="Dragan Javorac" userId="S::d.javorac@ma-web.nl::913c2858-fb97-4c6e-a42c-b1f1a16b225e" providerId="AD" clId="Web-{81B3D06A-C464-4F7E-965B-787070BD1171}" dt="2021-09-10T07:27:52.246" v="603" actId="20577"/>
+        <pc:sldMkLst>
+          <pc:docMk/>
+          <pc:sldMk cId="2819114601" sldId="284"/>
+        </pc:sldMkLst>
+        <pc:spChg chg="mod">
+          <ac:chgData name="Dragan Javorac" userId="S::d.javorac@ma-web.nl::913c2858-fb97-4c6e-a42c-b1f1a16b225e" providerId="AD" clId="Web-{81B3D06A-C464-4F7E-965B-787070BD1171}" dt="2021-09-10T07:27:52.246" v="603" actId="20577"/>
+          <ac:spMkLst>
+            <pc:docMk/>
+            <pc:sldMk cId="2819114601" sldId="284"/>
+            <ac:spMk id="149" creationId="{00000000-0000-0000-0000-000000000000}"/>
+          </ac:spMkLst>
+        </pc:spChg>
+        <pc:picChg chg="del">
+          <ac:chgData name="Dragan Javorac" userId="S::d.javorac@ma-web.nl::913c2858-fb97-4c6e-a42c-b1f1a16b225e" providerId="AD" clId="Web-{81B3D06A-C464-4F7E-965B-787070BD1171}" dt="2021-09-10T07:23:21.217" v="466"/>
+          <ac:picMkLst>
+            <pc:docMk/>
+            <pc:sldMk cId="2819114601" sldId="284"/>
+            <ac:picMk id="3" creationId="{6246AA1B-43A8-42C5-8980-97B0DD37E694}"/>
+          </ac:picMkLst>
+        </pc:picChg>
+        <pc:picChg chg="del">
+          <ac:chgData name="Dragan Javorac" userId="S::d.javorac@ma-web.nl::913c2858-fb97-4c6e-a42c-b1f1a16b225e" providerId="AD" clId="Web-{81B3D06A-C464-4F7E-965B-787070BD1171}" dt="2021-09-10T07:17:15.932" v="286"/>
+          <ac:picMkLst>
+            <pc:docMk/>
+            <pc:sldMk cId="2819114601" sldId="284"/>
+            <ac:picMk id="4" creationId="{2290E53D-BA4D-4583-B8AF-7F1E668069C9}"/>
+          </ac:picMkLst>
+        </pc:picChg>
+        <pc:picChg chg="del mod">
+          <ac:chgData name="Dragan Javorac" userId="S::d.javorac@ma-web.nl::913c2858-fb97-4c6e-a42c-b1f1a16b225e" providerId="AD" clId="Web-{81B3D06A-C464-4F7E-965B-787070BD1171}" dt="2021-09-10T07:17:58.403" v="317"/>
+          <ac:picMkLst>
+            <pc:docMk/>
+            <pc:sldMk cId="2819114601" sldId="284"/>
+            <ac:picMk id="5" creationId="{C5D978C6-73A5-414F-85EF-0B5E63418DB3}"/>
+          </ac:picMkLst>
+        </pc:picChg>
+        <pc:picChg chg="add del mod">
+          <ac:chgData name="Dragan Javorac" userId="S::d.javorac@ma-web.nl::913c2858-fb97-4c6e-a42c-b1f1a16b225e" providerId="AD" clId="Web-{81B3D06A-C464-4F7E-965B-787070BD1171}" dt="2021-09-10T07:17:58.997" v="318"/>
+          <ac:picMkLst>
+            <pc:docMk/>
+            <pc:sldMk cId="2819114601" sldId="284"/>
+            <ac:picMk id="6" creationId="{4058052C-F984-434A-AC46-645A604EF284}"/>
+          </ac:picMkLst>
+        </pc:picChg>
+        <pc:picChg chg="add del mod">
+          <ac:chgData name="Dragan Javorac" userId="S::d.javorac@ma-web.nl::913c2858-fb97-4c6e-a42c-b1f1a16b225e" providerId="AD" clId="Web-{81B3D06A-C464-4F7E-965B-787070BD1171}" dt="2021-09-10T07:23:23.139" v="467"/>
+          <ac:picMkLst>
+            <pc:docMk/>
+            <pc:sldMk cId="2819114601" sldId="284"/>
+            <ac:picMk id="7" creationId="{7F398606-5A53-42D9-B419-9C25066AD901}"/>
+          </ac:picMkLst>
+        </pc:picChg>
+        <pc:picChg chg="add del mod">
+          <ac:chgData name="Dragan Javorac" userId="S::d.javorac@ma-web.nl::913c2858-fb97-4c6e-a42c-b1f1a16b225e" providerId="AD" clId="Web-{81B3D06A-C464-4F7E-965B-787070BD1171}" dt="2021-09-10T07:23:20.263" v="465"/>
+          <ac:picMkLst>
+            <pc:docMk/>
+            <pc:sldMk cId="2819114601" sldId="284"/>
+            <ac:picMk id="8" creationId="{DD91688F-AE4B-4ED1-B7D5-BE83ABCD8125}"/>
+          </ac:picMkLst>
+        </pc:picChg>
+        <pc:picChg chg="add del mod">
+          <ac:chgData name="Dragan Javorac" userId="S::d.javorac@ma-web.nl::913c2858-fb97-4c6e-a42c-b1f1a16b225e" providerId="AD" clId="Web-{81B3D06A-C464-4F7E-965B-787070BD1171}" dt="2021-09-10T07:23:34.655" v="472"/>
+          <ac:picMkLst>
+            <pc:docMk/>
+            <pc:sldMk cId="2819114601" sldId="284"/>
+            <ac:picMk id="9" creationId="{8BFA1690-4CD5-43FB-8051-FC89CC2CE5E8}"/>
+          </ac:picMkLst>
+        </pc:picChg>
+        <pc:picChg chg="add mod">
+          <ac:chgData name="Dragan Javorac" userId="S::d.javorac@ma-web.nl::913c2858-fb97-4c6e-a42c-b1f1a16b225e" providerId="AD" clId="Web-{81B3D06A-C464-4F7E-965B-787070BD1171}" dt="2021-09-10T07:23:57.750" v="491" actId="14100"/>
+          <ac:picMkLst>
+            <pc:docMk/>
+            <pc:sldMk cId="2819114601" sldId="284"/>
+            <ac:picMk id="10" creationId="{E0CA4AA8-948D-41E8-94A3-5F6A006BD7E1}"/>
+          </ac:picMkLst>
+        </pc:picChg>
+      </pc:sldChg>
+      <pc:sldChg chg="delSp modSp add ord replId">
+        <pc:chgData name="Dragan Javorac" userId="S::d.javorac@ma-web.nl::913c2858-fb97-4c6e-a42c-b1f1a16b225e" providerId="AD" clId="Web-{81B3D06A-C464-4F7E-965B-787070BD1171}" dt="2021-09-10T07:21:36.024" v="417" actId="20577"/>
+        <pc:sldMkLst>
+          <pc:docMk/>
+          <pc:sldMk cId="3476295912" sldId="285"/>
+        </pc:sldMkLst>
+        <pc:spChg chg="mod">
+          <ac:chgData name="Dragan Javorac" userId="S::d.javorac@ma-web.nl::913c2858-fb97-4c6e-a42c-b1f1a16b225e" providerId="AD" clId="Web-{81B3D06A-C464-4F7E-965B-787070BD1171}" dt="2021-09-10T07:21:34.274" v="416" actId="20577"/>
+          <ac:spMkLst>
+            <pc:docMk/>
+            <pc:sldMk cId="3476295912" sldId="285"/>
+            <ac:spMk id="149" creationId="{00000000-0000-0000-0000-000000000000}"/>
+          </ac:spMkLst>
+        </pc:spChg>
+        <pc:spChg chg="mod">
+          <ac:chgData name="Dragan Javorac" userId="S::d.javorac@ma-web.nl::913c2858-fb97-4c6e-a42c-b1f1a16b225e" providerId="AD" clId="Web-{81B3D06A-C464-4F7E-965B-787070BD1171}" dt="2021-09-10T07:21:36.024" v="417" actId="20577"/>
+          <ac:spMkLst>
+            <pc:docMk/>
+            <pc:sldMk cId="3476295912" sldId="285"/>
+            <ac:spMk id="150" creationId="{00000000-0000-0000-0000-000000000000}"/>
+          </ac:spMkLst>
+        </pc:spChg>
+        <pc:picChg chg="del">
+          <ac:chgData name="Dragan Javorac" userId="S::d.javorac@ma-web.nl::913c2858-fb97-4c6e-a42c-b1f1a16b225e" providerId="AD" clId="Web-{81B3D06A-C464-4F7E-965B-787070BD1171}" dt="2021-09-10T07:17:31.386" v="300"/>
+          <ac:picMkLst>
+            <pc:docMk/>
+            <pc:sldMk cId="3476295912" sldId="285"/>
+            <ac:picMk id="3" creationId="{6246AA1B-43A8-42C5-8980-97B0DD37E694}"/>
+          </ac:picMkLst>
+        </pc:picChg>
+        <pc:picChg chg="mod">
+          <ac:chgData name="Dragan Javorac" userId="S::d.javorac@ma-web.nl::913c2858-fb97-4c6e-a42c-b1f1a16b225e" providerId="AD" clId="Web-{81B3D06A-C464-4F7E-965B-787070BD1171}" dt="2021-09-10T07:17:52.357" v="314" actId="1076"/>
+          <ac:picMkLst>
+            <pc:docMk/>
+            <pc:sldMk cId="3476295912" sldId="285"/>
+            <ac:picMk id="5" creationId="{C5D978C6-73A5-414F-85EF-0B5E63418DB3}"/>
+          </ac:picMkLst>
+        </pc:picChg>
+        <pc:picChg chg="mod">
+          <ac:chgData name="Dragan Javorac" userId="S::d.javorac@ma-web.nl::913c2858-fb97-4c6e-a42c-b1f1a16b225e" providerId="AD" clId="Web-{81B3D06A-C464-4F7E-965B-787070BD1171}" dt="2021-09-10T07:17:52.512" v="315" actId="1076"/>
+          <ac:picMkLst>
+            <pc:docMk/>
+            <pc:sldMk cId="3476295912" sldId="285"/>
+            <ac:picMk id="6" creationId="{4058052C-F984-434A-AC46-645A604EF284}"/>
+          </ac:picMkLst>
+        </pc:picChg>
+      </pc:sldChg>
+      <pc:sldChg chg="addSp delSp modSp add ord replId">
+        <pc:chgData name="Dragan Javorac" userId="S::d.javorac@ma-web.nl::913c2858-fb97-4c6e-a42c-b1f1a16b225e" providerId="AD" clId="Web-{81B3D06A-C464-4F7E-965B-787070BD1171}" dt="2021-09-10T07:22:22.307" v="450" actId="1076"/>
+        <pc:sldMkLst>
+          <pc:docMk/>
+          <pc:sldMk cId="3947988643" sldId="286"/>
+        </pc:sldMkLst>
+        <pc:spChg chg="mod">
+          <ac:chgData name="Dragan Javorac" userId="S::d.javorac@ma-web.nl::913c2858-fb97-4c6e-a42c-b1f1a16b225e" providerId="AD" clId="Web-{81B3D06A-C464-4F7E-965B-787070BD1171}" dt="2021-09-10T07:22:20.432" v="448" actId="20577"/>
+          <ac:spMkLst>
+            <pc:docMk/>
+            <pc:sldMk cId="3947988643" sldId="286"/>
+            <ac:spMk id="149" creationId="{00000000-0000-0000-0000-000000000000}"/>
+          </ac:spMkLst>
+        </pc:spChg>
+        <pc:picChg chg="del">
+          <ac:chgData name="Dragan Javorac" userId="S::d.javorac@ma-web.nl::913c2858-fb97-4c6e-a42c-b1f1a16b225e" providerId="AD" clId="Web-{81B3D06A-C464-4F7E-965B-787070BD1171}" dt="2021-09-10T07:20:41.693" v="367"/>
+          <ac:picMkLst>
+            <pc:docMk/>
+            <pc:sldMk cId="3947988643" sldId="286"/>
+            <ac:picMk id="3" creationId="{6246AA1B-43A8-42C5-8980-97B0DD37E694}"/>
+          </ac:picMkLst>
+        </pc:picChg>
+        <pc:picChg chg="add mod">
+          <ac:chgData name="Dragan Javorac" userId="S::d.javorac@ma-web.nl::913c2858-fb97-4c6e-a42c-b1f1a16b225e" providerId="AD" clId="Web-{81B3D06A-C464-4F7E-965B-787070BD1171}" dt="2021-09-10T07:20:47.818" v="370" actId="1076"/>
+          <ac:picMkLst>
+            <pc:docMk/>
+            <pc:sldMk cId="3947988643" sldId="286"/>
+            <ac:picMk id="4" creationId="{A31A2D1B-EDAB-4A98-806C-C3405F2890B8}"/>
+          </ac:picMkLst>
+        </pc:picChg>
+        <pc:picChg chg="add mod">
+          <ac:chgData name="Dragan Javorac" userId="S::d.javorac@ma-web.nl::913c2858-fb97-4c6e-a42c-b1f1a16b225e" providerId="AD" clId="Web-{81B3D06A-C464-4F7E-965B-787070BD1171}" dt="2021-09-10T07:22:22.307" v="450" actId="1076"/>
+          <ac:picMkLst>
+            <pc:docMk/>
+            <pc:sldMk cId="3947988643" sldId="286"/>
+            <ac:picMk id="5" creationId="{CC9DA678-83B6-4940-BB18-F5ACC610ECC8}"/>
+          </ac:picMkLst>
+        </pc:picChg>
+        <pc:picChg chg="mod">
+          <ac:chgData name="Dragan Javorac" userId="S::d.javorac@ma-web.nl::913c2858-fb97-4c6e-a42c-b1f1a16b225e" providerId="AD" clId="Web-{81B3D06A-C464-4F7E-965B-787070BD1171}" dt="2021-09-10T07:20:13.457" v="359" actId="1076"/>
+          <ac:picMkLst>
+            <pc:docMk/>
+            <pc:sldMk cId="3947988643" sldId="286"/>
+            <ac:picMk id="7" creationId="{7F398606-5A53-42D9-B419-9C25066AD901}"/>
+          </ac:picMkLst>
+        </pc:picChg>
+        <pc:picChg chg="del">
+          <ac:chgData name="Dragan Javorac" userId="S::d.javorac@ma-web.nl::913c2858-fb97-4c6e-a42c-b1f1a16b225e" providerId="AD" clId="Web-{81B3D06A-C464-4F7E-965B-787070BD1171}" dt="2021-09-10T07:20:36.161" v="365"/>
+          <ac:picMkLst>
+            <pc:docMk/>
+            <pc:sldMk cId="3947988643" sldId="286"/>
+            <ac:picMk id="8" creationId="{DD91688F-AE4B-4ED1-B7D5-BE83ABCD8125}"/>
+          </ac:picMkLst>
+        </pc:picChg>
+      </pc:sldChg>
+      <pc:sldChg chg="delSp add del ord replId">
+        <pc:chgData name="Dragan Javorac" userId="S::d.javorac@ma-web.nl::913c2858-fb97-4c6e-a42c-b1f1a16b225e" providerId="AD" clId="Web-{81B3D06A-C464-4F7E-965B-787070BD1171}" dt="2021-09-10T07:25:44.708" v="519"/>
+        <pc:sldMkLst>
+          <pc:docMk/>
+          <pc:sldMk cId="1943282406" sldId="287"/>
+        </pc:sldMkLst>
+        <pc:picChg chg="del">
+          <ac:chgData name="Dragan Javorac" userId="S::d.javorac@ma-web.nl::913c2858-fb97-4c6e-a42c-b1f1a16b225e" providerId="AD" clId="Web-{81B3D06A-C464-4F7E-965B-787070BD1171}" dt="2021-09-10T07:23:15.404" v="464"/>
+          <ac:picMkLst>
+            <pc:docMk/>
+            <pc:sldMk cId="1943282406" sldId="287"/>
+            <ac:picMk id="8" creationId="{DD91688F-AE4B-4ED1-B7D5-BE83ABCD8125}"/>
+          </ac:picMkLst>
+        </pc:picChg>
+      </pc:sldChg>
+    </pc:docChg>
+  </pc:docChgLst>
+  <pc:docChgLst>
+    <pc:chgData name="Dragan Javorac" userId="913c2858-fb97-4c6e-a42c-b1f1a16b225e" providerId="ADAL" clId="{0D1D5DA1-06A9-4196-A6FC-486A43896461}"/>
+    <pc:docChg chg="undo custSel addSld modSld sldOrd">
+      <pc:chgData name="Dragan Javorac" userId="913c2858-fb97-4c6e-a42c-b1f1a16b225e" providerId="ADAL" clId="{0D1D5DA1-06A9-4196-A6FC-486A43896461}" dt="2022-09-19T13:24:01.379" v="323" actId="20577"/>
+      <pc:docMkLst>
+        <pc:docMk/>
+      </pc:docMkLst>
+      <pc:sldChg chg="addSp delSp modSp add mod">
+        <pc:chgData name="Dragan Javorac" userId="913c2858-fb97-4c6e-a42c-b1f1a16b225e" providerId="ADAL" clId="{0D1D5DA1-06A9-4196-A6FC-486A43896461}" dt="2022-09-19T13:24:01.379" v="323" actId="20577"/>
+        <pc:sldMkLst>
+          <pc:docMk/>
+          <pc:sldMk cId="1931300285" sldId="307"/>
+        </pc:sldMkLst>
+        <pc:spChg chg="del mod">
+          <ac:chgData name="Dragan Javorac" userId="913c2858-fb97-4c6e-a42c-b1f1a16b225e" providerId="ADAL" clId="{0D1D5DA1-06A9-4196-A6FC-486A43896461}" dt="2022-09-19T13:22:23.693" v="259" actId="478"/>
+          <ac:spMkLst>
+            <pc:docMk/>
+            <pc:sldMk cId="1931300285" sldId="307"/>
+            <ac:spMk id="3" creationId="{D2760693-9F4D-E90E-DE33-9D4131C937A8}"/>
+          </ac:spMkLst>
+        </pc:spChg>
+        <pc:spChg chg="add mod">
+          <ac:chgData name="Dragan Javorac" userId="913c2858-fb97-4c6e-a42c-b1f1a16b225e" providerId="ADAL" clId="{0D1D5DA1-06A9-4196-A6FC-486A43896461}" dt="2022-09-19T13:24:01.379" v="323" actId="20577"/>
+          <ac:spMkLst>
+            <pc:docMk/>
+            <pc:sldMk cId="1931300285" sldId="307"/>
+            <ac:spMk id="11" creationId="{4B86F6CF-D0E8-AA10-B912-866754E7CAA1}"/>
+          </ac:spMkLst>
+        </pc:spChg>
+        <pc:spChg chg="add mod">
+          <ac:chgData name="Dragan Javorac" userId="913c2858-fb97-4c6e-a42c-b1f1a16b225e" providerId="ADAL" clId="{0D1D5DA1-06A9-4196-A6FC-486A43896461}" dt="2022-09-19T13:22:45.941" v="322" actId="20577"/>
+          <ac:spMkLst>
+            <pc:docMk/>
+            <pc:sldMk cId="1931300285" sldId="307"/>
+            <ac:spMk id="12" creationId="{1B14FA2F-07C7-64F3-79C0-E855F50CF5A5}"/>
+          </ac:spMkLst>
+        </pc:spChg>
+        <pc:spChg chg="del">
+          <ac:chgData name="Dragan Javorac" userId="913c2858-fb97-4c6e-a42c-b1f1a16b225e" providerId="ADAL" clId="{0D1D5DA1-06A9-4196-A6FC-486A43896461}" dt="2022-09-19T13:21:10.233" v="189" actId="478"/>
+          <ac:spMkLst>
+            <pc:docMk/>
+            <pc:sldMk cId="1931300285" sldId="307"/>
+            <ac:spMk id="13" creationId="{CB521ED4-6C78-77A2-6526-72C7F7B614F1}"/>
+          </ac:spMkLst>
+        </pc:spChg>
+        <pc:spChg chg="mod">
+          <ac:chgData name="Dragan Javorac" userId="913c2858-fb97-4c6e-a42c-b1f1a16b225e" providerId="ADAL" clId="{0D1D5DA1-06A9-4196-A6FC-486A43896461}" dt="2022-09-19T13:22:01.142" v="251" actId="1076"/>
+          <ac:spMkLst>
+            <pc:docMk/>
+            <pc:sldMk cId="1931300285" sldId="307"/>
+            <ac:spMk id="14" creationId="{DDEE1412-D9DA-432E-C1AB-CEAE927E1C01}"/>
+          </ac:spMkLst>
+        </pc:spChg>
+        <pc:spChg chg="del mod">
+          <ac:chgData name="Dragan Javorac" userId="913c2858-fb97-4c6e-a42c-b1f1a16b225e" providerId="ADAL" clId="{0D1D5DA1-06A9-4196-A6FC-486A43896461}" dt="2022-09-19T13:21:06.658" v="187" actId="478"/>
+          <ac:spMkLst>
+            <pc:docMk/>
+            <pc:sldMk cId="1931300285" sldId="307"/>
+            <ac:spMk id="15" creationId="{13D73B07-DFAF-CEF8-B630-E5505CCD0684}"/>
+          </ac:spMkLst>
+        </pc:spChg>
+        <pc:spChg chg="mod">
+          <ac:chgData name="Dragan Javorac" userId="913c2858-fb97-4c6e-a42c-b1f1a16b225e" providerId="ADAL" clId="{0D1D5DA1-06A9-4196-A6FC-486A43896461}" dt="2022-09-19T13:20:49.405" v="130" actId="20577"/>
+          <ac:spMkLst>
+            <pc:docMk/>
+            <pc:sldMk cId="1931300285" sldId="307"/>
+            <ac:spMk id="123" creationId="{00000000-0000-0000-0000-000000000000}"/>
+          </ac:spMkLst>
+        </pc:spChg>
+        <pc:spChg chg="mod">
+          <ac:chgData name="Dragan Javorac" userId="913c2858-fb97-4c6e-a42c-b1f1a16b225e" providerId="ADAL" clId="{0D1D5DA1-06A9-4196-A6FC-486A43896461}" dt="2022-09-19T13:22:36.518" v="304" actId="20577"/>
+          <ac:spMkLst>
+            <pc:docMk/>
+            <pc:sldMk cId="1931300285" sldId="307"/>
+            <ac:spMk id="124" creationId="{00000000-0000-0000-0000-000000000000}"/>
+          </ac:spMkLst>
+        </pc:spChg>
+        <pc:picChg chg="add del mod">
+          <ac:chgData name="Dragan Javorac" userId="913c2858-fb97-4c6e-a42c-b1f1a16b225e" providerId="ADAL" clId="{0D1D5DA1-06A9-4196-A6FC-486A43896461}" dt="2022-09-19T13:21:14.294" v="191" actId="478"/>
+          <ac:picMkLst>
+            <pc:docMk/>
+            <pc:sldMk cId="1931300285" sldId="307"/>
+            <ac:picMk id="4" creationId="{3738B006-A18C-326D-FB2B-CE571A2DA228}"/>
+          </ac:picMkLst>
+        </pc:picChg>
+        <pc:picChg chg="add del mod">
+          <ac:chgData name="Dragan Javorac" userId="913c2858-fb97-4c6e-a42c-b1f1a16b225e" providerId="ADAL" clId="{0D1D5DA1-06A9-4196-A6FC-486A43896461}" dt="2022-09-19T13:21:14.703" v="192" actId="478"/>
+          <ac:picMkLst>
+            <pc:docMk/>
+            <pc:sldMk cId="1931300285" sldId="307"/>
+            <ac:picMk id="6" creationId="{A3F65F6C-3C75-3D79-EA48-7A56097B2259}"/>
+          </ac:picMkLst>
+        </pc:picChg>
+        <pc:picChg chg="add mod">
+          <ac:chgData name="Dragan Javorac" userId="913c2858-fb97-4c6e-a42c-b1f1a16b225e" providerId="ADAL" clId="{0D1D5DA1-06A9-4196-A6FC-486A43896461}" dt="2022-09-19T13:22:02.686" v="252" actId="1076"/>
+          <ac:picMkLst>
+            <pc:docMk/>
+            <pc:sldMk cId="1931300285" sldId="307"/>
+            <ac:picMk id="8" creationId="{004CEDCD-5DE7-674D-D632-31CC5DD15B0C}"/>
+          </ac:picMkLst>
+        </pc:picChg>
+        <pc:picChg chg="add mod">
+          <ac:chgData name="Dragan Javorac" userId="913c2858-fb97-4c6e-a42c-b1f1a16b225e" providerId="ADAL" clId="{0D1D5DA1-06A9-4196-A6FC-486A43896461}" dt="2022-09-19T13:22:25.368" v="260" actId="1076"/>
+          <ac:picMkLst>
+            <pc:docMk/>
+            <pc:sldMk cId="1931300285" sldId="307"/>
+            <ac:picMk id="10" creationId="{36FF7AFB-FEFA-3A23-0D4A-60536DDFC3DE}"/>
+          </ac:picMkLst>
+        </pc:picChg>
+      </pc:sldChg>
+      <pc:sldChg chg="delSp modSp add mod ord">
+        <pc:chgData name="Dragan Javorac" userId="913c2858-fb97-4c6e-a42c-b1f1a16b225e" providerId="ADAL" clId="{0D1D5DA1-06A9-4196-A6FC-486A43896461}" dt="2022-09-19T13:20:35.326" v="108"/>
+        <pc:sldMkLst>
+          <pc:docMk/>
+          <pc:sldMk cId="104205086" sldId="308"/>
+        </pc:sldMkLst>
+        <pc:spChg chg="mod">
+          <ac:chgData name="Dragan Javorac" userId="913c2858-fb97-4c6e-a42c-b1f1a16b225e" providerId="ADAL" clId="{0D1D5DA1-06A9-4196-A6FC-486A43896461}" dt="2022-09-19T13:20:19.941" v="103" actId="14100"/>
+          <ac:spMkLst>
+            <pc:docMk/>
+            <pc:sldMk cId="104205086" sldId="308"/>
+            <ac:spMk id="3" creationId="{D2760693-9F4D-E90E-DE33-9D4131C937A8}"/>
+          </ac:spMkLst>
+        </pc:spChg>
+        <pc:spChg chg="del">
+          <ac:chgData name="Dragan Javorac" userId="913c2858-fb97-4c6e-a42c-b1f1a16b225e" providerId="ADAL" clId="{0D1D5DA1-06A9-4196-A6FC-486A43896461}" dt="2022-09-19T13:19:48.011" v="93" actId="478"/>
+          <ac:spMkLst>
+            <pc:docMk/>
+            <pc:sldMk cId="104205086" sldId="308"/>
+            <ac:spMk id="13" creationId="{CB521ED4-6C78-77A2-6526-72C7F7B614F1}"/>
+          </ac:spMkLst>
+        </pc:spChg>
+        <pc:spChg chg="mod">
+          <ac:chgData name="Dragan Javorac" userId="913c2858-fb97-4c6e-a42c-b1f1a16b225e" providerId="ADAL" clId="{0D1D5DA1-06A9-4196-A6FC-486A43896461}" dt="2022-09-19T13:20:26.423" v="106" actId="14100"/>
+          <ac:spMkLst>
+            <pc:docMk/>
+            <pc:sldMk cId="104205086" sldId="308"/>
+            <ac:spMk id="14" creationId="{DDEE1412-D9DA-432E-C1AB-CEAE927E1C01}"/>
+          </ac:spMkLst>
+        </pc:spChg>
+        <pc:spChg chg="mod">
+          <ac:chgData name="Dragan Javorac" userId="913c2858-fb97-4c6e-a42c-b1f1a16b225e" providerId="ADAL" clId="{0D1D5DA1-06A9-4196-A6FC-486A43896461}" dt="2022-09-19T13:20:24.502" v="105" actId="1076"/>
+          <ac:spMkLst>
+            <pc:docMk/>
+            <pc:sldMk cId="104205086" sldId="308"/>
+            <ac:spMk id="15" creationId="{13D73B07-DFAF-CEF8-B630-E5505CCD0684}"/>
+          </ac:spMkLst>
+        </pc:spChg>
+        <pc:spChg chg="mod">
+          <ac:chgData name="Dragan Javorac" userId="913c2858-fb97-4c6e-a42c-b1f1a16b225e" providerId="ADAL" clId="{0D1D5DA1-06A9-4196-A6FC-486A43896461}" dt="2022-09-19T13:19:43.773" v="91" actId="14100"/>
+          <ac:spMkLst>
+            <pc:docMk/>
+            <pc:sldMk cId="104205086" sldId="308"/>
+            <ac:spMk id="124" creationId="{00000000-0000-0000-0000-000000000000}"/>
+          </ac:spMkLst>
+        </pc:spChg>
+        <pc:picChg chg="mod">
+          <ac:chgData name="Dragan Javorac" userId="913c2858-fb97-4c6e-a42c-b1f1a16b225e" providerId="ADAL" clId="{0D1D5DA1-06A9-4196-A6FC-486A43896461}" dt="2022-09-19T13:19:41.511" v="90" actId="1076"/>
+          <ac:picMkLst>
+            <pc:docMk/>
+            <pc:sldMk cId="104205086" sldId="308"/>
+            <ac:picMk id="4" creationId="{3738B006-A18C-326D-FB2B-CE571A2DA228}"/>
+          </ac:picMkLst>
+        </pc:picChg>
+        <pc:picChg chg="mod">
+          <ac:chgData name="Dragan Javorac" userId="913c2858-fb97-4c6e-a42c-b1f1a16b225e" providerId="ADAL" clId="{0D1D5DA1-06A9-4196-A6FC-486A43896461}" dt="2022-09-19T13:19:30.310" v="73" actId="1076"/>
+          <ac:picMkLst>
+            <pc:docMk/>
+            <pc:sldMk cId="104205086" sldId="308"/>
+            <ac:picMk id="6" creationId="{A3F65F6C-3C75-3D79-EA48-7A56097B2259}"/>
+          </ac:picMkLst>
+        </pc:picChg>
+        <pc:picChg chg="del">
+          <ac:chgData name="Dragan Javorac" userId="913c2858-fb97-4c6e-a42c-b1f1a16b225e" providerId="ADAL" clId="{0D1D5DA1-06A9-4196-A6FC-486A43896461}" dt="2022-09-19T13:19:25.029" v="72" actId="478"/>
+          <ac:picMkLst>
+            <pc:docMk/>
+            <pc:sldMk cId="104205086" sldId="308"/>
+            <ac:picMk id="8" creationId="{004CEDCD-5DE7-674D-D632-31CC5DD15B0C}"/>
+          </ac:picMkLst>
+        </pc:picChg>
+      </pc:sldChg>
+    </pc:docChg>
+  </pc:docChgLst>
+  <pc:docChgLst>
+    <pc:chgData name="Olli Appelt" userId="S::30849@ma-web.nl::13d99c3c-79e2-4de1-ad16-6eefc6ff8cd0" providerId="AD" clId="Web-{C1A6421E-1D36-42FF-83AC-15B51FA1ADD8}"/>
+    <pc:docChg chg="sldOrd">
+      <pc:chgData name="Olli Appelt" userId="S::30849@ma-web.nl::13d99c3c-79e2-4de1-ad16-6eefc6ff8cd0" providerId="AD" clId="Web-{C1A6421E-1D36-42FF-83AC-15B51FA1ADD8}" dt="2020-09-22T10:04:33.514" v="0"/>
+      <pc:docMkLst>
+        <pc:docMk/>
+      </pc:docMkLst>
+      <pc:sldChg chg="ord">
+        <pc:chgData name="Olli Appelt" userId="S::30849@ma-web.nl::13d99c3c-79e2-4de1-ad16-6eefc6ff8cd0" providerId="AD" clId="Web-{C1A6421E-1D36-42FF-83AC-15B51FA1ADD8}" dt="2020-09-22T10:04:33.514" v="0"/>
+        <pc:sldMkLst>
+          <pc:docMk/>
+          <pc:sldMk cId="3498386614" sldId="280"/>
+        </pc:sldMkLst>
+      </pc:sldChg>
+    </pc:docChg>
+  </pc:docChgLst>
+  <pc:docChgLst>
+    <pc:chgData name="Dragan Javorac" userId="913c2858-fb97-4c6e-a42c-b1f1a16b225e" providerId="ADAL" clId="{CFF70A02-D37A-4A1C-9761-FE9AA042093F}"/>
+    <pc:docChg chg="undo custSel addSld delSld modSld sldOrd modMainMaster">
+      <pc:chgData name="Dragan Javorac" userId="913c2858-fb97-4c6e-a42c-b1f1a16b225e" providerId="ADAL" clId="{CFF70A02-D37A-4A1C-9761-FE9AA042093F}" dt="2022-09-08T08:36:40.709" v="1903" actId="1076"/>
+      <pc:docMkLst>
+        <pc:docMk/>
+      </pc:docMkLst>
+      <pc:sldChg chg="modSp mod">
+        <pc:chgData name="Dragan Javorac" userId="913c2858-fb97-4c6e-a42c-b1f1a16b225e" providerId="ADAL" clId="{CFF70A02-D37A-4A1C-9761-FE9AA042093F}" dt="2022-09-08T08:28:59.381" v="1861" actId="20577"/>
+        <pc:sldMkLst>
+          <pc:docMk/>
+          <pc:sldMk cId="0" sldId="257"/>
+        </pc:sldMkLst>
+        <pc:spChg chg="mod">
+          <ac:chgData name="Dragan Javorac" userId="913c2858-fb97-4c6e-a42c-b1f1a16b225e" providerId="ADAL" clId="{CFF70A02-D37A-4A1C-9761-FE9AA042093F}" dt="2022-09-08T08:28:59.381" v="1861" actId="20577"/>
+          <ac:spMkLst>
+            <pc:docMk/>
+            <pc:sldMk cId="0" sldId="257"/>
+            <ac:spMk id="61" creationId="{00000000-0000-0000-0000-000000000000}"/>
+          </ac:spMkLst>
+        </pc:spChg>
+      </pc:sldChg>
+      <pc:sldChg chg="addSp modSp del mod">
+        <pc:chgData name="Dragan Javorac" userId="913c2858-fb97-4c6e-a42c-b1f1a16b225e" providerId="ADAL" clId="{CFF70A02-D37A-4A1C-9761-FE9AA042093F}" dt="2022-09-08T08:28:20.785" v="1815" actId="47"/>
+        <pc:sldMkLst>
+          <pc:docMk/>
+          <pc:sldMk cId="0" sldId="259"/>
+        </pc:sldMkLst>
+        <pc:picChg chg="add mod">
+          <ac:chgData name="Dragan Javorac" userId="913c2858-fb97-4c6e-a42c-b1f1a16b225e" providerId="ADAL" clId="{CFF70A02-D37A-4A1C-9761-FE9AA042093F}" dt="2022-09-08T08:28:13.669" v="1814" actId="1076"/>
+          <ac:picMkLst>
+            <pc:docMk/>
+            <pc:sldMk cId="0" sldId="259"/>
+            <ac:picMk id="2" creationId="{4D2DD8A4-EBDA-F376-F1BA-8A8CF8BE640C}"/>
+          </ac:picMkLst>
+        </pc:picChg>
+      </pc:sldChg>
+      <pc:sldChg chg="del">
+        <pc:chgData name="Dragan Javorac" userId="913c2858-fb97-4c6e-a42c-b1f1a16b225e" providerId="ADAL" clId="{CFF70A02-D37A-4A1C-9761-FE9AA042093F}" dt="2022-09-08T07:42:38.255" v="0" actId="47"/>
+        <pc:sldMkLst>
+          <pc:docMk/>
+          <pc:sldMk cId="0" sldId="263"/>
+        </pc:sldMkLst>
+      </pc:sldChg>
+      <pc:sldChg chg="del">
+        <pc:chgData name="Dragan Javorac" userId="913c2858-fb97-4c6e-a42c-b1f1a16b225e" providerId="ADAL" clId="{CFF70A02-D37A-4A1C-9761-FE9AA042093F}" dt="2022-09-08T07:42:38.255" v="0" actId="47"/>
+        <pc:sldMkLst>
+          <pc:docMk/>
+          <pc:sldMk cId="0" sldId="264"/>
+        </pc:sldMkLst>
+      </pc:sldChg>
+      <pc:sldChg chg="modSp mod ord">
+        <pc:chgData name="Dragan Javorac" userId="913c2858-fb97-4c6e-a42c-b1f1a16b225e" providerId="ADAL" clId="{CFF70A02-D37A-4A1C-9761-FE9AA042093F}" dt="2022-09-08T07:51:45.555" v="419"/>
+        <pc:sldMkLst>
+          <pc:docMk/>
+          <pc:sldMk cId="0" sldId="266"/>
+        </pc:sldMkLst>
+        <pc:spChg chg="mod">
+          <ac:chgData name="Dragan Javorac" userId="913c2858-fb97-4c6e-a42c-b1f1a16b225e" providerId="ADAL" clId="{CFF70A02-D37A-4A1C-9761-FE9AA042093F}" dt="2022-09-08T07:44:43.315" v="16" actId="20577"/>
+          <ac:spMkLst>
+            <pc:docMk/>
+            <pc:sldMk cId="0" sldId="266"/>
+            <ac:spMk id="124" creationId="{00000000-0000-0000-0000-000000000000}"/>
+          </ac:spMkLst>
+        </pc:spChg>
+      </pc:sldChg>
+      <pc:sldChg chg="addSp delSp modSp mod">
+        <pc:chgData name="Dragan Javorac" userId="913c2858-fb97-4c6e-a42c-b1f1a16b225e" providerId="ADAL" clId="{CFF70A02-D37A-4A1C-9761-FE9AA042093F}" dt="2022-09-08T07:49:04.061" v="154" actId="207"/>
+        <pc:sldMkLst>
+          <pc:docMk/>
+          <pc:sldMk cId="0" sldId="267"/>
+        </pc:sldMkLst>
+        <pc:spChg chg="add mod">
+          <ac:chgData name="Dragan Javorac" userId="913c2858-fb97-4c6e-a42c-b1f1a16b225e" providerId="ADAL" clId="{CFF70A02-D37A-4A1C-9761-FE9AA042093F}" dt="2022-09-08T07:49:04.061" v="154" actId="207"/>
+          <ac:spMkLst>
+            <pc:docMk/>
+            <pc:sldMk cId="0" sldId="267"/>
+            <ac:spMk id="7" creationId="{52DF19C7-1317-5F37-CE7E-EC3B444E69B3}"/>
+          </ac:spMkLst>
+        </pc:spChg>
+        <pc:spChg chg="add mod">
+          <ac:chgData name="Dragan Javorac" userId="913c2858-fb97-4c6e-a42c-b1f1a16b225e" providerId="ADAL" clId="{CFF70A02-D37A-4A1C-9761-FE9AA042093F}" dt="2022-09-08T07:49:04.061" v="154" actId="207"/>
+          <ac:spMkLst>
+            <pc:docMk/>
+            <pc:sldMk cId="0" sldId="267"/>
+            <ac:spMk id="8" creationId="{454C6EAC-F2E3-64A2-E21D-8495448857AE}"/>
+          </ac:spMkLst>
+        </pc:spChg>
+        <pc:spChg chg="add mod">
+          <ac:chgData name="Dragan Javorac" userId="913c2858-fb97-4c6e-a42c-b1f1a16b225e" providerId="ADAL" clId="{CFF70A02-D37A-4A1C-9761-FE9AA042093F}" dt="2022-09-08T07:49:04.061" v="154" actId="207"/>
+          <ac:spMkLst>
+            <pc:docMk/>
+            <pc:sldMk cId="0" sldId="267"/>
+            <ac:spMk id="9" creationId="{6F1F36F8-2969-1E9A-B7BE-6102C38549FE}"/>
+          </ac:spMkLst>
+        </pc:spChg>
+        <pc:picChg chg="add mod">
+          <ac:chgData name="Dragan Javorac" userId="913c2858-fb97-4c6e-a42c-b1f1a16b225e" providerId="ADAL" clId="{CFF70A02-D37A-4A1C-9761-FE9AA042093F}" dt="2022-09-08T07:47:07.874" v="25" actId="1076"/>
+          <ac:picMkLst>
+            <pc:docMk/>
+            <pc:sldMk cId="0" sldId="267"/>
+            <ac:picMk id="4" creationId="{5169E581-485B-0459-962B-77975206680F}"/>
+          </ac:picMkLst>
+        </pc:picChg>
+        <pc:picChg chg="add del">
+          <ac:chgData name="Dragan Javorac" userId="913c2858-fb97-4c6e-a42c-b1f1a16b225e" providerId="ADAL" clId="{CFF70A02-D37A-4A1C-9761-FE9AA042093F}" dt="2022-09-08T07:46:58.132" v="21" actId="478"/>
+          <ac:picMkLst>
+            <pc:docMk/>
+            <pc:sldMk cId="0" sldId="267"/>
+            <ac:picMk id="6" creationId="{1FE29C32-22D9-1B7F-A6BB-BCFC55861BF6}"/>
+          </ac:picMkLst>
+        </pc:picChg>
+        <pc:picChg chg="del">
+          <ac:chgData name="Dragan Javorac" userId="913c2858-fb97-4c6e-a42c-b1f1a16b225e" providerId="ADAL" clId="{CFF70A02-D37A-4A1C-9761-FE9AA042093F}" dt="2022-09-08T07:46:55.897" v="20" actId="478"/>
+          <ac:picMkLst>
+            <pc:docMk/>
+            <pc:sldMk cId="0" sldId="267"/>
+            <ac:picMk id="134" creationId="{00000000-0000-0000-0000-000000000000}"/>
+          </ac:picMkLst>
+        </pc:picChg>
+      </pc:sldChg>
+      <pc:sldChg chg="addSp delSp modSp mod">
+        <pc:chgData name="Dragan Javorac" userId="913c2858-fb97-4c6e-a42c-b1f1a16b225e" providerId="ADAL" clId="{CFF70A02-D37A-4A1C-9761-FE9AA042093F}" dt="2022-09-08T08:02:03.436" v="931" actId="14100"/>
+        <pc:sldMkLst>
+          <pc:docMk/>
+          <pc:sldMk cId="0" sldId="268"/>
+        </pc:sldMkLst>
+        <pc:spChg chg="add mod">
+          <ac:chgData name="Dragan Javorac" userId="913c2858-fb97-4c6e-a42c-b1f1a16b225e" providerId="ADAL" clId="{CFF70A02-D37A-4A1C-9761-FE9AA042093F}" dt="2022-09-08T08:02:03.436" v="931" actId="14100"/>
+          <ac:spMkLst>
+            <pc:docMk/>
+            <pc:sldMk cId="0" sldId="268"/>
+            <ac:spMk id="7" creationId="{76CBA04D-1A86-023C-0A42-5EC04152CC7F}"/>
+          </ac:spMkLst>
+        </pc:spChg>
+        <pc:spChg chg="add mod">
+          <ac:chgData name="Dragan Javorac" userId="913c2858-fb97-4c6e-a42c-b1f1a16b225e" providerId="ADAL" clId="{CFF70A02-D37A-4A1C-9761-FE9AA042093F}" dt="2022-09-08T08:01:34.292" v="850" actId="14100"/>
+          <ac:spMkLst>
+            <pc:docMk/>
+            <pc:sldMk cId="0" sldId="268"/>
+            <ac:spMk id="10" creationId="{5CBB458D-4B60-1961-3B09-2CFE2AED166B}"/>
+          </ac:spMkLst>
+        </pc:spChg>
+        <pc:spChg chg="del">
+          <ac:chgData name="Dragan Javorac" userId="913c2858-fb97-4c6e-a42c-b1f1a16b225e" providerId="ADAL" clId="{CFF70A02-D37A-4A1C-9761-FE9AA042093F}" dt="2022-09-08T07:58:57.804" v="817" actId="478"/>
+          <ac:spMkLst>
+            <pc:docMk/>
+            <pc:sldMk cId="0" sldId="268"/>
+            <ac:spMk id="141" creationId="{00000000-0000-0000-0000-000000000000}"/>
+          </ac:spMkLst>
+        </pc:spChg>
+        <pc:spChg chg="del mod">
+          <ac:chgData name="Dragan Javorac" userId="913c2858-fb97-4c6e-a42c-b1f1a16b225e" providerId="ADAL" clId="{CFF70A02-D37A-4A1C-9761-FE9AA042093F}" dt="2022-09-08T07:58:57.039" v="816" actId="478"/>
+          <ac:spMkLst>
+            <pc:docMk/>
+            <pc:sldMk cId="0" sldId="268"/>
+            <ac:spMk id="142" creationId="{00000000-0000-0000-0000-000000000000}"/>
+          </ac:spMkLst>
+        </pc:spChg>
+        <pc:spChg chg="del">
+          <ac:chgData name="Dragan Javorac" userId="913c2858-fb97-4c6e-a42c-b1f1a16b225e" providerId="ADAL" clId="{CFF70A02-D37A-4A1C-9761-FE9AA042093F}" dt="2022-09-08T07:58:59.763" v="819" actId="478"/>
+          <ac:spMkLst>
+            <pc:docMk/>
+            <pc:sldMk cId="0" sldId="268"/>
+            <ac:spMk id="143" creationId="{00000000-0000-0000-0000-000000000000}"/>
+          </ac:spMkLst>
+        </pc:spChg>
+        <pc:picChg chg="add del">
+          <ac:chgData name="Dragan Javorac" userId="913c2858-fb97-4c6e-a42c-b1f1a16b225e" providerId="ADAL" clId="{CFF70A02-D37A-4A1C-9761-FE9AA042093F}" dt="2022-09-08T07:59:16.937" v="823" actId="478"/>
+          <ac:picMkLst>
+            <pc:docMk/>
+            <pc:sldMk cId="0" sldId="268"/>
+            <ac:picMk id="4" creationId="{3A922504-C192-0157-3ED4-59A21875753E}"/>
+          </ac:picMkLst>
+        </pc:picChg>
+        <pc:picChg chg="add mod modCrop">
+          <ac:chgData name="Dragan Javorac" userId="913c2858-fb97-4c6e-a42c-b1f1a16b225e" providerId="ADAL" clId="{CFF70A02-D37A-4A1C-9761-FE9AA042093F}" dt="2022-09-08T08:01:21.428" v="834" actId="1076"/>
+          <ac:picMkLst>
+            <pc:docMk/>
+            <pc:sldMk cId="0" sldId="268"/>
+            <ac:picMk id="6" creationId="{FFCC90F7-F033-529B-C251-CD265B3B3264}"/>
+          </ac:picMkLst>
+        </pc:picChg>
+        <pc:picChg chg="add mod">
+          <ac:chgData name="Dragan Javorac" userId="913c2858-fb97-4c6e-a42c-b1f1a16b225e" providerId="ADAL" clId="{CFF70A02-D37A-4A1C-9761-FE9AA042093F}" dt="2022-09-08T08:01:24.300" v="835" actId="1076"/>
+          <ac:picMkLst>
+            <pc:docMk/>
+            <pc:sldMk cId="0" sldId="268"/>
+            <ac:picMk id="9" creationId="{F250197B-04EF-D31D-6507-14ED7CB858B0}"/>
+          </ac:picMkLst>
+        </pc:picChg>
+        <pc:picChg chg="del">
+          <ac:chgData name="Dragan Javorac" userId="913c2858-fb97-4c6e-a42c-b1f1a16b225e" providerId="ADAL" clId="{CFF70A02-D37A-4A1C-9761-FE9AA042093F}" dt="2022-09-08T07:58:59.015" v="818" actId="478"/>
+          <ac:picMkLst>
+            <pc:docMk/>
+            <pc:sldMk cId="0" sldId="268"/>
+            <ac:picMk id="139" creationId="{00000000-0000-0000-0000-000000000000}"/>
+          </ac:picMkLst>
+        </pc:picChg>
+      </pc:sldChg>
+      <pc:sldChg chg="del">
+        <pc:chgData name="Dragan Javorac" userId="913c2858-fb97-4c6e-a42c-b1f1a16b225e" providerId="ADAL" clId="{CFF70A02-D37A-4A1C-9761-FE9AA042093F}" dt="2022-09-08T08:08:17.234" v="1047" actId="47"/>
+        <pc:sldMkLst>
+          <pc:docMk/>
+          <pc:sldMk cId="0" sldId="269"/>
+        </pc:sldMkLst>
+      </pc:sldChg>
+      <pc:sldChg chg="addSp delSp modSp mod">
+        <pc:chgData name="Dragan Javorac" userId="913c2858-fb97-4c6e-a42c-b1f1a16b225e" providerId="ADAL" clId="{CFF70A02-D37A-4A1C-9761-FE9AA042093F}" dt="2022-09-08T08:27:15.373" v="1812" actId="732"/>
+        <pc:sldMkLst>
+          <pc:docMk/>
+          <pc:sldMk cId="0" sldId="270"/>
+        </pc:sldMkLst>
+        <pc:spChg chg="del">
+          <ac:chgData name="Dragan Javorac" userId="913c2858-fb97-4c6e-a42c-b1f1a16b225e" providerId="ADAL" clId="{CFF70A02-D37A-4A1C-9761-FE9AA042093F}" dt="2022-09-08T08:26:35.882" v="1795" actId="478"/>
+          <ac:spMkLst>
+            <pc:docMk/>
+            <pc:sldMk cId="0" sldId="270"/>
+            <ac:spMk id="157" creationId="{00000000-0000-0000-0000-000000000000}"/>
+          </ac:spMkLst>
+        </pc:spChg>
+        <pc:spChg chg="mod">
+          <ac:chgData name="Dragan Javorac" userId="913c2858-fb97-4c6e-a42c-b1f1a16b225e" providerId="ADAL" clId="{CFF70A02-D37A-4A1C-9761-FE9AA042093F}" dt="2022-09-08T08:26:58.277" v="1807" actId="14100"/>
+          <ac:spMkLst>
+            <pc:docMk/>
+            <pc:sldMk cId="0" sldId="270"/>
+            <ac:spMk id="159" creationId="{00000000-0000-0000-0000-000000000000}"/>
+          </ac:spMkLst>
+        </pc:spChg>
+        <pc:spChg chg="mod">
+          <ac:chgData name="Dragan Javorac" userId="913c2858-fb97-4c6e-a42c-b1f1a16b225e" providerId="ADAL" clId="{CFF70A02-D37A-4A1C-9761-FE9AA042093F}" dt="2022-09-08T08:27:01.645" v="1808" actId="1076"/>
+          <ac:spMkLst>
+            <pc:docMk/>
+            <pc:sldMk cId="0" sldId="270"/>
+            <ac:spMk id="160" creationId="{00000000-0000-0000-0000-000000000000}"/>
+          </ac:spMkLst>
+        </pc:spChg>
+        <pc:spChg chg="mod">
+          <ac:chgData name="Dragan Javorac" userId="913c2858-fb97-4c6e-a42c-b1f1a16b225e" providerId="ADAL" clId="{CFF70A02-D37A-4A1C-9761-FE9AA042093F}" dt="2022-09-08T08:27:10.605" v="1811" actId="1076"/>
+          <ac:spMkLst>
+            <pc:docMk/>
+            <pc:sldMk cId="0" sldId="270"/>
+            <ac:spMk id="161" creationId="{00000000-0000-0000-0000-000000000000}"/>
+          </ac:spMkLst>
+        </pc:spChg>
+        <pc:spChg chg="mod">
+          <ac:chgData name="Dragan Javorac" userId="913c2858-fb97-4c6e-a42c-b1f1a16b225e" providerId="ADAL" clId="{CFF70A02-D37A-4A1C-9761-FE9AA042093F}" dt="2022-09-08T08:26:50.942" v="1803" actId="14100"/>
+          <ac:spMkLst>
+            <pc:docMk/>
+            <pc:sldMk cId="0" sldId="270"/>
+            <ac:spMk id="162" creationId="{00000000-0000-0000-0000-000000000000}"/>
+          </ac:spMkLst>
+        </pc:spChg>
+        <pc:picChg chg="add mod ord modCrop">
+          <ac:chgData name="Dragan Javorac" userId="913c2858-fb97-4c6e-a42c-b1f1a16b225e" providerId="ADAL" clId="{CFF70A02-D37A-4A1C-9761-FE9AA042093F}" dt="2022-09-08T08:27:15.373" v="1812" actId="732"/>
+          <ac:picMkLst>
+            <pc:docMk/>
+            <pc:sldMk cId="0" sldId="270"/>
+            <ac:picMk id="4" creationId="{B6F7DFCF-66E9-601F-4360-54620A4B8B51}"/>
+          </ac:picMkLst>
+        </pc:picChg>
+        <pc:picChg chg="del">
+          <ac:chgData name="Dragan Javorac" userId="913c2858-fb97-4c6e-a42c-b1f1a16b225e" providerId="ADAL" clId="{CFF70A02-D37A-4A1C-9761-FE9AA042093F}" dt="2022-09-08T08:25:58.425" v="1782" actId="478"/>
+          <ac:picMkLst>
+            <pc:docMk/>
+            <pc:sldMk cId="0" sldId="270"/>
+            <ac:picMk id="158" creationId="{00000000-0000-0000-0000-000000000000}"/>
+          </ac:picMkLst>
+        </pc:picChg>
+      </pc:sldChg>
+      <pc:sldChg chg="ord">
+        <pc:chgData name="Dragan Javorac" userId="913c2858-fb97-4c6e-a42c-b1f1a16b225e" providerId="ADAL" clId="{CFF70A02-D37A-4A1C-9761-FE9AA042093F}" dt="2022-09-08T08:14:11.497" v="1314"/>
+        <pc:sldMkLst>
+          <pc:docMk/>
+          <pc:sldMk cId="0" sldId="271"/>
+        </pc:sldMkLst>
+      </pc:sldChg>
+      <pc:sldChg chg="ord">
+        <pc:chgData name="Dragan Javorac" userId="913c2858-fb97-4c6e-a42c-b1f1a16b225e" providerId="ADAL" clId="{CFF70A02-D37A-4A1C-9761-FE9AA042093F}" dt="2022-09-08T08:14:11.497" v="1314"/>
+        <pc:sldMkLst>
+          <pc:docMk/>
+          <pc:sldMk cId="0" sldId="272"/>
+        </pc:sldMkLst>
+      </pc:sldChg>
+      <pc:sldChg chg="addSp delSp modSp mod ord">
+        <pc:chgData name="Dragan Javorac" userId="913c2858-fb97-4c6e-a42c-b1f1a16b225e" providerId="ADAL" clId="{CFF70A02-D37A-4A1C-9761-FE9AA042093F}" dt="2022-09-08T08:24:58.706" v="1779" actId="478"/>
+        <pc:sldMkLst>
+          <pc:docMk/>
+          <pc:sldMk cId="0" sldId="274"/>
+        </pc:sldMkLst>
+        <pc:spChg chg="mod">
+          <ac:chgData name="Dragan Javorac" userId="913c2858-fb97-4c6e-a42c-b1f1a16b225e" providerId="ADAL" clId="{CFF70A02-D37A-4A1C-9761-FE9AA042093F}" dt="2022-09-08T08:24:54.619" v="1778" actId="6549"/>
+          <ac:spMkLst>
+            <pc:docMk/>
+            <pc:sldMk cId="0" sldId="274"/>
+            <ac:spMk id="189" creationId="{00000000-0000-0000-0000-000000000000}"/>
+          </ac:spMkLst>
+        </pc:spChg>
+        <pc:spChg chg="del">
+          <ac:chgData name="Dragan Javorac" userId="913c2858-fb97-4c6e-a42c-b1f1a16b225e" providerId="ADAL" clId="{CFF70A02-D37A-4A1C-9761-FE9AA042093F}" dt="2022-09-08T08:24:58.706" v="1779" actId="478"/>
+          <ac:spMkLst>
+            <pc:docMk/>
+            <pc:sldMk cId="0" sldId="274"/>
+            <ac:spMk id="190" creationId="{00000000-0000-0000-0000-000000000000}"/>
+          </ac:spMkLst>
+        </pc:spChg>
+        <pc:picChg chg="add mod">
+          <ac:chgData name="Dragan Javorac" userId="913c2858-fb97-4c6e-a42c-b1f1a16b225e" providerId="ADAL" clId="{CFF70A02-D37A-4A1C-9761-FE9AA042093F}" dt="2022-09-08T08:24:41.871" v="1745" actId="1076"/>
+          <ac:picMkLst>
+            <pc:docMk/>
+            <pc:sldMk cId="0" sldId="274"/>
+            <ac:picMk id="4" creationId="{68E812B7-32D2-3A70-A1A5-AF3090CAC27B}"/>
+          </ac:picMkLst>
+        </pc:picChg>
+        <pc:picChg chg="del">
+          <ac:chgData name="Dragan Javorac" userId="913c2858-fb97-4c6e-a42c-b1f1a16b225e" providerId="ADAL" clId="{CFF70A02-D37A-4A1C-9761-FE9AA042093F}" dt="2022-09-08T08:24:27.121" v="1742" actId="478"/>
+          <ac:picMkLst>
+            <pc:docMk/>
+            <pc:sldMk cId="0" sldId="274"/>
+            <ac:picMk id="191" creationId="{00000000-0000-0000-0000-000000000000}"/>
+          </ac:picMkLst>
+        </pc:picChg>
+      </pc:sldChg>
+      <pc:sldChg chg="addSp delSp modSp mod">
+        <pc:chgData name="Dragan Javorac" userId="913c2858-fb97-4c6e-a42c-b1f1a16b225e" providerId="ADAL" clId="{CFF70A02-D37A-4A1C-9761-FE9AA042093F}" dt="2022-09-08T08:24:04.340" v="1740" actId="20577"/>
+        <pc:sldMkLst>
+          <pc:docMk/>
+          <pc:sldMk cId="1010043746" sldId="283"/>
+        </pc:sldMkLst>
+        <pc:spChg chg="add mod">
+          <ac:chgData name="Dragan Javorac" userId="913c2858-fb97-4c6e-a42c-b1f1a16b225e" providerId="ADAL" clId="{CFF70A02-D37A-4A1C-9761-FE9AA042093F}" dt="2022-09-08T08:23:48.434" v="1717" actId="20577"/>
+          <ac:spMkLst>
+            <pc:docMk/>
+            <pc:sldMk cId="1010043746" sldId="283"/>
+            <ac:spMk id="8" creationId="{E186B639-0E3E-8273-8C52-F924EA0273BA}"/>
+          </ac:spMkLst>
+        </pc:spChg>
+        <pc:spChg chg="add mod">
+          <ac:chgData name="Dragan Javorac" userId="913c2858-fb97-4c6e-a42c-b1f1a16b225e" providerId="ADAL" clId="{CFF70A02-D37A-4A1C-9761-FE9AA042093F}" dt="2022-09-08T08:24:00.598" v="1737" actId="20577"/>
+          <ac:spMkLst>
+            <pc:docMk/>
+            <pc:sldMk cId="1010043746" sldId="283"/>
+            <ac:spMk id="9" creationId="{F2E4B7BD-9140-9A71-3106-F8714E1AEE3B}"/>
+          </ac:spMkLst>
+        </pc:spChg>
+        <pc:spChg chg="mod">
+          <ac:chgData name="Dragan Javorac" userId="913c2858-fb97-4c6e-a42c-b1f1a16b225e" providerId="ADAL" clId="{CFF70A02-D37A-4A1C-9761-FE9AA042093F}" dt="2022-09-08T08:24:04.340" v="1740" actId="20577"/>
+          <ac:spMkLst>
+            <pc:docMk/>
+            <pc:sldMk cId="1010043746" sldId="283"/>
+            <ac:spMk id="149" creationId="{00000000-0000-0000-0000-000000000000}"/>
+          </ac:spMkLst>
+        </pc:spChg>
+        <pc:picChg chg="del">
+          <ac:chgData name="Dragan Javorac" userId="913c2858-fb97-4c6e-a42c-b1f1a16b225e" providerId="ADAL" clId="{CFF70A02-D37A-4A1C-9761-FE9AA042093F}" dt="2022-09-08T08:23:15.238" v="1690" actId="478"/>
+          <ac:picMkLst>
+            <pc:docMk/>
+            <pc:sldMk cId="1010043746" sldId="283"/>
+            <ac:picMk id="4" creationId="{48B9D4BA-9BA8-4641-A557-D552C07A744A}"/>
+          </ac:picMkLst>
+        </pc:picChg>
+        <pc:picChg chg="add mod">
+          <ac:chgData name="Dragan Javorac" userId="913c2858-fb97-4c6e-a42c-b1f1a16b225e" providerId="ADAL" clId="{CFF70A02-D37A-4A1C-9761-FE9AA042093F}" dt="2022-09-08T08:23:16.999" v="1692" actId="1076"/>
+          <ac:picMkLst>
+            <pc:docMk/>
+            <pc:sldMk cId="1010043746" sldId="283"/>
+            <ac:picMk id="5" creationId="{7B29F47A-D949-7B2D-2739-5042CC97E3EB}"/>
+          </ac:picMkLst>
+        </pc:picChg>
+        <pc:picChg chg="add del">
+          <ac:chgData name="Dragan Javorac" userId="913c2858-fb97-4c6e-a42c-b1f1a16b225e" providerId="ADAL" clId="{CFF70A02-D37A-4A1C-9761-FE9AA042093F}" dt="2022-09-08T08:23:29.858" v="1694" actId="22"/>
+          <ac:picMkLst>
+            <pc:docMk/>
+            <pc:sldMk cId="1010043746" sldId="283"/>
+            <ac:picMk id="7" creationId="{7C646355-78BE-A211-D04A-C3993BEE60B4}"/>
+          </ac:picMkLst>
+        </pc:picChg>
+      </pc:sldChg>
+      <pc:sldChg chg="delSp modSp mod">
+        <pc:chgData name="Dragan Javorac" userId="913c2858-fb97-4c6e-a42c-b1f1a16b225e" providerId="ADAL" clId="{CFF70A02-D37A-4A1C-9761-FE9AA042093F}" dt="2022-09-08T08:36:40.709" v="1903" actId="1076"/>
+        <pc:sldMkLst>
+          <pc:docMk/>
+          <pc:sldMk cId="2819114601" sldId="284"/>
+        </pc:sldMkLst>
+        <pc:spChg chg="del">
+          <ac:chgData name="Dragan Javorac" userId="913c2858-fb97-4c6e-a42c-b1f1a16b225e" providerId="ADAL" clId="{CFF70A02-D37A-4A1C-9761-FE9AA042093F}" dt="2022-09-08T08:36:35.687" v="1901" actId="478"/>
+          <ac:spMkLst>
+            <pc:docMk/>
+            <pc:sldMk cId="2819114601" sldId="284"/>
+            <ac:spMk id="150" creationId="{00000000-0000-0000-0000-000000000000}"/>
+          </ac:spMkLst>
+        </pc:spChg>
+        <pc:picChg chg="mod">
+          <ac:chgData name="Dragan Javorac" userId="913c2858-fb97-4c6e-a42c-b1f1a16b225e" providerId="ADAL" clId="{CFF70A02-D37A-4A1C-9761-FE9AA042093F}" dt="2022-09-08T08:36:40.709" v="1903" actId="1076"/>
+          <ac:picMkLst>
+            <pc:docMk/>
+            <pc:sldMk cId="2819114601" sldId="284"/>
+            <ac:picMk id="10" creationId="{E0CA4AA8-948D-41E8-94A3-5F6A006BD7E1}"/>
+          </ac:picMkLst>
+        </pc:picChg>
+      </pc:sldChg>
+      <pc:sldChg chg="addSp delSp modSp mod setBg">
+        <pc:chgData name="Dragan Javorac" userId="913c2858-fb97-4c6e-a42c-b1f1a16b225e" providerId="ADAL" clId="{CFF70A02-D37A-4A1C-9761-FE9AA042093F}" dt="2022-09-08T08:35:46.989" v="1899"/>
+        <pc:sldMkLst>
+          <pc:docMk/>
+          <pc:sldMk cId="2710829399" sldId="288"/>
+        </pc:sldMkLst>
+        <pc:spChg chg="mod">
+          <ac:chgData name="Dragan Javorac" userId="913c2858-fb97-4c6e-a42c-b1f1a16b225e" providerId="ADAL" clId="{CFF70A02-D37A-4A1C-9761-FE9AA042093F}" dt="2022-09-08T08:30:47.160" v="1870" actId="404"/>
+          <ac:spMkLst>
+            <pc:docMk/>
+            <pc:sldMk cId="2710829399" sldId="288"/>
+            <ac:spMk id="126" creationId="{00000000-0000-0000-0000-000000000000}"/>
+          </ac:spMkLst>
+        </pc:spChg>
+        <pc:spChg chg="mod">
+          <ac:chgData name="Dragan Javorac" userId="913c2858-fb97-4c6e-a42c-b1f1a16b225e" providerId="ADAL" clId="{CFF70A02-D37A-4A1C-9761-FE9AA042093F}" dt="2022-09-08T07:48:55.511" v="153" actId="207"/>
+          <ac:spMkLst>
+            <pc:docMk/>
+            <pc:sldMk cId="2710829399" sldId="288"/>
+            <ac:spMk id="127" creationId="{00000000-0000-0000-0000-000000000000}"/>
+          </ac:spMkLst>
+        </pc:spChg>
+        <pc:picChg chg="add del mod">
+          <ac:chgData name="Dragan Javorac" userId="913c2858-fb97-4c6e-a42c-b1f1a16b225e" providerId="ADAL" clId="{CFF70A02-D37A-4A1C-9761-FE9AA042093F}" dt="2022-09-08T08:30:40.881" v="1866" actId="478"/>
+          <ac:picMkLst>
+            <pc:docMk/>
+            <pc:sldMk cId="2710829399" sldId="288"/>
+            <ac:picMk id="3" creationId="{0092973C-451D-7B68-A359-01B2AB939341}"/>
+          </ac:picMkLst>
+        </pc:picChg>
+      </pc:sldChg>
+      <pc:sldChg chg="del">
+        <pc:chgData name="Dragan Javorac" userId="913c2858-fb97-4c6e-a42c-b1f1a16b225e" providerId="ADAL" clId="{CFF70A02-D37A-4A1C-9761-FE9AA042093F}" dt="2022-09-08T07:42:38.255" v="0" actId="47"/>
+        <pc:sldMkLst>
+          <pc:docMk/>
+          <pc:sldMk cId="1972725637" sldId="289"/>
+        </pc:sldMkLst>
+      </pc:sldChg>
+      <pc:sldChg chg="del">
+        <pc:chgData name="Dragan Javorac" userId="913c2858-fb97-4c6e-a42c-b1f1a16b225e" providerId="ADAL" clId="{CFF70A02-D37A-4A1C-9761-FE9AA042093F}" dt="2022-09-08T07:42:38.255" v="0" actId="47"/>
+        <pc:sldMkLst>
+          <pc:docMk/>
+          <pc:sldMk cId="0" sldId="292"/>
+        </pc:sldMkLst>
+      </pc:sldChg>
+      <pc:sldChg chg="addSp delSp modSp add mod">
+        <pc:chgData name="Dragan Javorac" userId="913c2858-fb97-4c6e-a42c-b1f1a16b225e" providerId="ADAL" clId="{CFF70A02-D37A-4A1C-9761-FE9AA042093F}" dt="2022-09-08T07:51:31.095" v="413" actId="20577"/>
+        <pc:sldMkLst>
+          <pc:docMk/>
+          <pc:sldMk cId="52050728" sldId="306"/>
+        </pc:sldMkLst>
+        <pc:spChg chg="add mod">
+          <ac:chgData name="Dragan Javorac" userId="913c2858-fb97-4c6e-a42c-b1f1a16b225e" providerId="ADAL" clId="{CFF70A02-D37A-4A1C-9761-FE9AA042093F}" dt="2022-09-08T07:50:08.869" v="229" actId="20577"/>
+          <ac:spMkLst>
+            <pc:docMk/>
+            <pc:sldMk cId="52050728" sldId="306"/>
+            <ac:spMk id="6" creationId="{54558DC9-AF43-8083-99D0-4C5F672193A2}"/>
+          </ac:spMkLst>
+        </pc:spChg>
+        <pc:spChg chg="mod">
+          <ac:chgData name="Dragan Javorac" userId="913c2858-fb97-4c6e-a42c-b1f1a16b225e" providerId="ADAL" clId="{CFF70A02-D37A-4A1C-9761-FE9AA042093F}" dt="2022-09-08T07:50:17.055" v="263" actId="20577"/>
+          <ac:spMkLst>
+            <pc:docMk/>
+            <pc:sldMk cId="52050728" sldId="306"/>
+            <ac:spMk id="7" creationId="{52DF19C7-1317-5F37-CE7E-EC3B444E69B3}"/>
+          </ac:spMkLst>
+        </pc:spChg>
+        <pc:spChg chg="del">
+          <ac:chgData name="Dragan Javorac" userId="913c2858-fb97-4c6e-a42c-b1f1a16b225e" providerId="ADAL" clId="{CFF70A02-D37A-4A1C-9761-FE9AA042093F}" dt="2022-09-08T07:49:21.822" v="184" actId="478"/>
+          <ac:spMkLst>
+            <pc:docMk/>
+            <pc:sldMk cId="52050728" sldId="306"/>
+            <ac:spMk id="8" creationId="{454C6EAC-F2E3-64A2-E21D-8495448857AE}"/>
+          </ac:spMkLst>
+        </pc:spChg>
+        <pc:spChg chg="del">
+          <ac:chgData name="Dragan Javorac" userId="913c2858-fb97-4c6e-a42c-b1f1a16b225e" providerId="ADAL" clId="{CFF70A02-D37A-4A1C-9761-FE9AA042093F}" dt="2022-09-08T07:49:22.632" v="185" actId="478"/>
+          <ac:spMkLst>
+            <pc:docMk/>
+            <pc:sldMk cId="52050728" sldId="306"/>
+            <ac:spMk id="9" creationId="{6F1F36F8-2969-1E9A-B7BE-6102C38549FE}"/>
+          </ac:spMkLst>
+        </pc:spChg>
+        <pc:spChg chg="mod">
+          <ac:chgData name="Dragan Javorac" userId="913c2858-fb97-4c6e-a42c-b1f1a16b225e" providerId="ADAL" clId="{CFF70A02-D37A-4A1C-9761-FE9AA042093F}" dt="2022-09-08T07:49:15.871" v="181" actId="20577"/>
+          <ac:spMkLst>
+            <pc:docMk/>
+            <pc:sldMk cId="52050728" sldId="306"/>
+            <ac:spMk id="132" creationId="{00000000-0000-0000-0000-000000000000}"/>
+          </ac:spMkLst>
+        </pc:spChg>
+        <pc:spChg chg="mod">
+          <ac:chgData name="Dragan Javorac" userId="913c2858-fb97-4c6e-a42c-b1f1a16b225e" providerId="ADAL" clId="{CFF70A02-D37A-4A1C-9761-FE9AA042093F}" dt="2022-09-08T07:51:31.095" v="413" actId="20577"/>
+          <ac:spMkLst>
+            <pc:docMk/>
+            <pc:sldMk cId="52050728" sldId="306"/>
+            <ac:spMk id="133" creationId="{00000000-0000-0000-0000-000000000000}"/>
+          </ac:spMkLst>
+        </pc:spChg>
+        <pc:picChg chg="del">
+          <ac:chgData name="Dragan Javorac" userId="913c2858-fb97-4c6e-a42c-b1f1a16b225e" providerId="ADAL" clId="{CFF70A02-D37A-4A1C-9761-FE9AA042093F}" dt="2022-09-08T07:49:18.625" v="182" actId="478"/>
+          <ac:picMkLst>
+            <pc:docMk/>
+            <pc:sldMk cId="52050728" sldId="306"/>
+            <ac:picMk id="4" creationId="{5169E581-485B-0459-962B-77975206680F}"/>
+          </ac:picMkLst>
+        </pc:picChg>
+        <pc:picChg chg="add mod ord">
+          <ac:chgData name="Dragan Javorac" userId="913c2858-fb97-4c6e-a42c-b1f1a16b225e" providerId="ADAL" clId="{CFF70A02-D37A-4A1C-9761-FE9AA042093F}" dt="2022-09-08T07:49:48.726" v="189" actId="167"/>
+          <ac:picMkLst>
+            <pc:docMk/>
+            <pc:sldMk cId="52050728" sldId="306"/>
+            <ac:picMk id="5" creationId="{C37270CF-758C-0B92-5A78-2A26AEE83A47}"/>
+          </ac:picMkLst>
+        </pc:picChg>
+      </pc:sldChg>
+      <pc:sldChg chg="addSp delSp modSp add mod">
+        <pc:chgData name="Dragan Javorac" userId="913c2858-fb97-4c6e-a42c-b1f1a16b225e" providerId="ADAL" clId="{CFF70A02-D37A-4A1C-9761-FE9AA042093F}" dt="2022-09-08T08:36:09.529" v="1900" actId="16037"/>
+        <pc:sldMkLst>
+          <pc:docMk/>
+          <pc:sldMk cId="3593851730" sldId="307"/>
+        </pc:sldMkLst>
+        <pc:spChg chg="mod">
+          <ac:chgData name="Dragan Javorac" userId="913c2858-fb97-4c6e-a42c-b1f1a16b225e" providerId="ADAL" clId="{CFF70A02-D37A-4A1C-9761-FE9AA042093F}" dt="2022-09-08T08:36:09.529" v="1900" actId="16037"/>
+          <ac:spMkLst>
+            <pc:docMk/>
+            <pc:sldMk cId="3593851730" sldId="307"/>
+            <ac:spMk id="6" creationId="{54558DC9-AF43-8083-99D0-4C5F672193A2}"/>
+          </ac:spMkLst>
+        </pc:spChg>
+        <pc:spChg chg="mod">
+          <ac:chgData name="Dragan Javorac" userId="913c2858-fb97-4c6e-a42c-b1f1a16b225e" providerId="ADAL" clId="{CFF70A02-D37A-4A1C-9761-FE9AA042093F}" dt="2022-09-08T07:55:42.970" v="721" actId="20577"/>
+          <ac:spMkLst>
+            <pc:docMk/>
+            <pc:sldMk cId="3593851730" sldId="307"/>
+            <ac:spMk id="7" creationId="{52DF19C7-1317-5F37-CE7E-EC3B444E69B3}"/>
+          </ac:spMkLst>
+        </pc:spChg>
+        <pc:spChg chg="mod">
+          <ac:chgData name="Dragan Javorac" userId="913c2858-fb97-4c6e-a42c-b1f1a16b225e" providerId="ADAL" clId="{CFF70A02-D37A-4A1C-9761-FE9AA042093F}" dt="2022-09-08T07:54:20.798" v="615" actId="20577"/>
+          <ac:spMkLst>
+            <pc:docMk/>
+            <pc:sldMk cId="3593851730" sldId="307"/>
+            <ac:spMk id="132" creationId="{00000000-0000-0000-0000-000000000000}"/>
+          </ac:spMkLst>
+        </pc:spChg>
+        <pc:spChg chg="mod">
+          <ac:chgData name="Dragan Javorac" userId="913c2858-fb97-4c6e-a42c-b1f1a16b225e" providerId="ADAL" clId="{CFF70A02-D37A-4A1C-9761-FE9AA042093F}" dt="2022-09-08T07:56:35.782" v="814" actId="20577"/>
+          <ac:spMkLst>
+            <pc:docMk/>
+            <pc:sldMk cId="3593851730" sldId="307"/>
+            <ac:spMk id="133" creationId="{00000000-0000-0000-0000-000000000000}"/>
+          </ac:spMkLst>
+        </pc:spChg>
+        <pc:picChg chg="add mod ord">
+          <ac:chgData name="Dragan Javorac" userId="913c2858-fb97-4c6e-a42c-b1f1a16b225e" providerId="ADAL" clId="{CFF70A02-D37A-4A1C-9761-FE9AA042093F}" dt="2022-09-08T07:55:10.559" v="624" actId="1076"/>
+          <ac:picMkLst>
+            <pc:docMk/>
+            <pc:sldMk cId="3593851730" sldId="307"/>
+            <ac:picMk id="4" creationId="{A818E353-8817-4C22-1D4B-BBA711C5E4BA}"/>
+          </ac:picMkLst>
+        </pc:picChg>
+        <pc:picChg chg="del">
+          <ac:chgData name="Dragan Javorac" userId="913c2858-fb97-4c6e-a42c-b1f1a16b225e" providerId="ADAL" clId="{CFF70A02-D37A-4A1C-9761-FE9AA042093F}" dt="2022-09-08T07:54:55.373" v="617" actId="478"/>
+          <ac:picMkLst>
+            <pc:docMk/>
+            <pc:sldMk cId="3593851730" sldId="307"/>
+            <ac:picMk id="5" creationId="{C37270CF-758C-0B92-5A78-2A26AEE83A47}"/>
+          </ac:picMkLst>
+        </pc:picChg>
+      </pc:sldChg>
+      <pc:sldChg chg="addSp delSp modSp add mod ord">
+        <pc:chgData name="Dragan Javorac" userId="913c2858-fb97-4c6e-a42c-b1f1a16b225e" providerId="ADAL" clId="{CFF70A02-D37A-4A1C-9761-FE9AA042093F}" dt="2022-09-08T07:54:09.632" v="597" actId="1076"/>
+        <pc:sldMkLst>
+          <pc:docMk/>
+          <pc:sldMk cId="241724827" sldId="308"/>
+        </pc:sldMkLst>
+        <pc:spChg chg="add mod">
+          <ac:chgData name="Dragan Javorac" userId="913c2858-fb97-4c6e-a42c-b1f1a16b225e" providerId="ADAL" clId="{CFF70A02-D37A-4A1C-9761-FE9AA042093F}" dt="2022-09-08T07:53:47.617" v="591" actId="1076"/>
+          <ac:spMkLst>
+            <pc:docMk/>
+            <pc:sldMk cId="241724827" sldId="308"/>
+            <ac:spMk id="11" creationId="{AB0B9670-351C-AB99-D631-F667093E18DA}"/>
+          </ac:spMkLst>
+        </pc:spChg>
+        <pc:spChg chg="mod">
+          <ac:chgData name="Dragan Javorac" userId="913c2858-fb97-4c6e-a42c-b1f1a16b225e" providerId="ADAL" clId="{CFF70A02-D37A-4A1C-9761-FE9AA042093F}" dt="2022-09-08T07:51:56.641" v="445" actId="20577"/>
+          <ac:spMkLst>
+            <pc:docMk/>
+            <pc:sldMk cId="241724827" sldId="308"/>
+            <ac:spMk id="123" creationId="{00000000-0000-0000-0000-000000000000}"/>
+          </ac:spMkLst>
+        </pc:spChg>
+        <pc:spChg chg="mod">
+          <ac:chgData name="Dragan Javorac" userId="913c2858-fb97-4c6e-a42c-b1f1a16b225e" providerId="ADAL" clId="{CFF70A02-D37A-4A1C-9761-FE9AA042093F}" dt="2022-09-08T07:52:35.519" v="551" actId="20577"/>
+          <ac:spMkLst>
+            <pc:docMk/>
+            <pc:sldMk cId="241724827" sldId="308"/>
+            <ac:spMk id="124" creationId="{00000000-0000-0000-0000-000000000000}"/>
+          </ac:spMkLst>
+        </pc:spChg>
+        <pc:picChg chg="add mod">
+          <ac:chgData name="Dragan Javorac" userId="913c2858-fb97-4c6e-a42c-b1f1a16b225e" providerId="ADAL" clId="{CFF70A02-D37A-4A1C-9761-FE9AA042093F}" dt="2022-09-08T07:52:55.690" v="554" actId="1076"/>
+          <ac:picMkLst>
+            <pc:docMk/>
+            <pc:sldMk cId="241724827" sldId="308"/>
+            <ac:picMk id="4" creationId="{C52E1C42-D29B-1628-0E90-AED809D6A6B5}"/>
+          </ac:picMkLst>
+        </pc:picChg>
+        <pc:picChg chg="del">
+          <ac:chgData name="Dragan Javorac" userId="913c2858-fb97-4c6e-a42c-b1f1a16b225e" providerId="ADAL" clId="{CFF70A02-D37A-4A1C-9761-FE9AA042093F}" dt="2022-09-08T07:52:41.378" v="552" actId="478"/>
+          <ac:picMkLst>
+            <pc:docMk/>
+            <pc:sldMk cId="241724827" sldId="308"/>
+            <ac:picMk id="5" creationId="{28EC5DD6-44F3-4ABD-B19C-D788953EFD09}"/>
+          </ac:picMkLst>
+        </pc:picChg>
+        <pc:picChg chg="add mod">
+          <ac:chgData name="Dragan Javorac" userId="913c2858-fb97-4c6e-a42c-b1f1a16b225e" providerId="ADAL" clId="{CFF70A02-D37A-4A1C-9761-FE9AA042093F}" dt="2022-09-08T07:54:07.503" v="596" actId="1076"/>
+          <ac:picMkLst>
+            <pc:docMk/>
+            <pc:sldMk cId="241724827" sldId="308"/>
+            <ac:picMk id="7" creationId="{E723F42A-55FC-C470-33DB-CBB5FDBCDCFC}"/>
+          </ac:picMkLst>
+        </pc:picChg>
+        <pc:picChg chg="add mod">
+          <ac:chgData name="Dragan Javorac" userId="913c2858-fb97-4c6e-a42c-b1f1a16b225e" providerId="ADAL" clId="{CFF70A02-D37A-4A1C-9761-FE9AA042093F}" dt="2022-09-08T07:54:06.160" v="595" actId="1076"/>
+          <ac:picMkLst>
+            <pc:docMk/>
+            <pc:sldMk cId="241724827" sldId="308"/>
+            <ac:picMk id="9" creationId="{05F4809D-11A5-F37F-A07B-4D45A9415144}"/>
+          </ac:picMkLst>
+        </pc:picChg>
+        <pc:picChg chg="add mod">
+          <ac:chgData name="Dragan Javorac" userId="913c2858-fb97-4c6e-a42c-b1f1a16b225e" providerId="ADAL" clId="{CFF70A02-D37A-4A1C-9761-FE9AA042093F}" dt="2022-09-08T07:54:09.632" v="597" actId="1076"/>
+          <ac:picMkLst>
+            <pc:docMk/>
+            <pc:sldMk cId="241724827" sldId="308"/>
+            <ac:picMk id="10" creationId="{4A103D32-2DDE-14E5-26AA-1BFF5DA40C3A}"/>
+          </ac:picMkLst>
+        </pc:picChg>
+      </pc:sldChg>
+      <pc:sldChg chg="addSp delSp modSp add mod">
+        <pc:chgData name="Dragan Javorac" userId="913c2858-fb97-4c6e-a42c-b1f1a16b225e" providerId="ADAL" clId="{CFF70A02-D37A-4A1C-9761-FE9AA042093F}" dt="2022-09-08T08:07:27.389" v="1046" actId="1076"/>
+        <pc:sldMkLst>
+          <pc:docMk/>
+          <pc:sldMk cId="2373212971" sldId="309"/>
+        </pc:sldMkLst>
+        <pc:spChg chg="add mod">
+          <ac:chgData name="Dragan Javorac" userId="913c2858-fb97-4c6e-a42c-b1f1a16b225e" providerId="ADAL" clId="{CFF70A02-D37A-4A1C-9761-FE9AA042093F}" dt="2022-09-08T08:07:24.950" v="1044" actId="14100"/>
+          <ac:spMkLst>
+            <pc:docMk/>
+            <pc:sldMk cId="2373212971" sldId="309"/>
+            <ac:spMk id="6" creationId="{C4E20C7A-785E-6201-27FD-F372B3CAC054}"/>
+          </ac:spMkLst>
+        </pc:spChg>
+        <pc:spChg chg="del">
+          <ac:chgData name="Dragan Javorac" userId="913c2858-fb97-4c6e-a42c-b1f1a16b225e" providerId="ADAL" clId="{CFF70A02-D37A-4A1C-9761-FE9AA042093F}" dt="2022-09-08T08:07:19.116" v="1042" actId="478"/>
+          <ac:spMkLst>
+            <pc:docMk/>
+            <pc:sldMk cId="2373212971" sldId="309"/>
+            <ac:spMk id="7" creationId="{76CBA04D-1A86-023C-0A42-5EC04152CC7F}"/>
+          </ac:spMkLst>
+        </pc:spChg>
+        <pc:spChg chg="mod">
+          <ac:chgData name="Dragan Javorac" userId="913c2858-fb97-4c6e-a42c-b1f1a16b225e" providerId="ADAL" clId="{CFF70A02-D37A-4A1C-9761-FE9AA042093F}" dt="2022-09-08T08:06:38.773" v="971" actId="14100"/>
+          <ac:spMkLst>
+            <pc:docMk/>
+            <pc:sldMk cId="2373212971" sldId="309"/>
+            <ac:spMk id="10" creationId="{5CBB458D-4B60-1961-3B09-2CFE2AED166B}"/>
+          </ac:spMkLst>
+        </pc:spChg>
+        <pc:spChg chg="mod">
+          <ac:chgData name="Dragan Javorac" userId="913c2858-fb97-4c6e-a42c-b1f1a16b225e" providerId="ADAL" clId="{CFF70A02-D37A-4A1C-9761-FE9AA042093F}" dt="2022-09-08T08:07:27.389" v="1046" actId="1076"/>
+          <ac:spMkLst>
+            <pc:docMk/>
+            <pc:sldMk cId="2373212971" sldId="309"/>
+            <ac:spMk id="140" creationId="{00000000-0000-0000-0000-000000000000}"/>
+          </ac:spMkLst>
+        </pc:spChg>
+        <pc:picChg chg="add mod modCrop">
+          <ac:chgData name="Dragan Javorac" userId="913c2858-fb97-4c6e-a42c-b1f1a16b225e" providerId="ADAL" clId="{CFF70A02-D37A-4A1C-9761-FE9AA042093F}" dt="2022-09-08T08:07:15.837" v="1041" actId="1076"/>
+          <ac:picMkLst>
+            <pc:docMk/>
+            <pc:sldMk cId="2373212971" sldId="309"/>
+            <ac:picMk id="4" creationId="{FF16A8AC-01B8-D080-BD00-7B26EF5DB5C9}"/>
+          </ac:picMkLst>
+        </pc:picChg>
+        <pc:picChg chg="add mod ord">
+          <ac:chgData name="Dragan Javorac" userId="913c2858-fb97-4c6e-a42c-b1f1a16b225e" providerId="ADAL" clId="{CFF70A02-D37A-4A1C-9761-FE9AA042093F}" dt="2022-09-08T08:06:36.830" v="970" actId="167"/>
+          <ac:picMkLst>
+            <pc:docMk/>
+            <pc:sldMk cId="2373212971" sldId="309"/>
+            <ac:picMk id="5" creationId="{1FA2CC54-6D6E-FBA8-FCAE-A7743A3DF029}"/>
+          </ac:picMkLst>
+        </pc:picChg>
+        <pc:picChg chg="del">
+          <ac:chgData name="Dragan Javorac" userId="913c2858-fb97-4c6e-a42c-b1f1a16b225e" providerId="ADAL" clId="{CFF70A02-D37A-4A1C-9761-FE9AA042093F}" dt="2022-09-08T08:02:52.293" v="942" actId="478"/>
+          <ac:picMkLst>
+            <pc:docMk/>
+            <pc:sldMk cId="2373212971" sldId="309"/>
+            <ac:picMk id="6" creationId="{FFCC90F7-F033-529B-C251-CD265B3B3264}"/>
+          </ac:picMkLst>
+        </pc:picChg>
+        <pc:picChg chg="del">
+          <ac:chgData name="Dragan Javorac" userId="913c2858-fb97-4c6e-a42c-b1f1a16b225e" providerId="ADAL" clId="{CFF70A02-D37A-4A1C-9761-FE9AA042093F}" dt="2022-09-08T08:06:23.109" v="944" actId="478"/>
+          <ac:picMkLst>
+            <pc:docMk/>
+            <pc:sldMk cId="2373212971" sldId="309"/>
+            <ac:picMk id="9" creationId="{F250197B-04EF-D31D-6507-14ED7CB858B0}"/>
+          </ac:picMkLst>
+        </pc:picChg>
+      </pc:sldChg>
+      <pc:sldChg chg="addSp delSp modSp add mod">
+        <pc:chgData name="Dragan Javorac" userId="913c2858-fb97-4c6e-a42c-b1f1a16b225e" providerId="ADAL" clId="{CFF70A02-D37A-4A1C-9761-FE9AA042093F}" dt="2022-09-08T08:14:21.225" v="1333" actId="14100"/>
+        <pc:sldMkLst>
+          <pc:docMk/>
+          <pc:sldMk cId="4261168887" sldId="310"/>
+        </pc:sldMkLst>
+        <pc:spChg chg="add mod">
+          <ac:chgData name="Dragan Javorac" userId="913c2858-fb97-4c6e-a42c-b1f1a16b225e" providerId="ADAL" clId="{CFF70A02-D37A-4A1C-9761-FE9AA042093F}" dt="2022-09-08T08:14:21.225" v="1333" actId="14100"/>
+          <ac:spMkLst>
+            <pc:docMk/>
+            <pc:sldMk cId="4261168887" sldId="310"/>
+            <ac:spMk id="3" creationId="{142A05E1-049A-0D8A-F1A6-9E7CB316C583}"/>
+          </ac:spMkLst>
+        </pc:spChg>
+        <pc:spChg chg="del">
+          <ac:chgData name="Dragan Javorac" userId="913c2858-fb97-4c6e-a42c-b1f1a16b225e" providerId="ADAL" clId="{CFF70A02-D37A-4A1C-9761-FE9AA042093F}" dt="2022-09-08T08:08:32.661" v="1078" actId="478"/>
+          <ac:spMkLst>
+            <pc:docMk/>
+            <pc:sldMk cId="4261168887" sldId="310"/>
+            <ac:spMk id="6" creationId="{C4E20C7A-785E-6201-27FD-F372B3CAC054}"/>
+          </ac:spMkLst>
+        </pc:spChg>
+        <pc:spChg chg="del">
+          <ac:chgData name="Dragan Javorac" userId="913c2858-fb97-4c6e-a42c-b1f1a16b225e" providerId="ADAL" clId="{CFF70A02-D37A-4A1C-9761-FE9AA042093F}" dt="2022-09-08T08:08:32.149" v="1077" actId="478"/>
+          <ac:spMkLst>
+            <pc:docMk/>
+            <pc:sldMk cId="4261168887" sldId="310"/>
+            <ac:spMk id="10" creationId="{5CBB458D-4B60-1961-3B09-2CFE2AED166B}"/>
+          </ac:spMkLst>
+        </pc:spChg>
+        <pc:spChg chg="mod">
+          <ac:chgData name="Dragan Javorac" userId="913c2858-fb97-4c6e-a42c-b1f1a16b225e" providerId="ADAL" clId="{CFF70A02-D37A-4A1C-9761-FE9AA042093F}" dt="2022-09-08T08:08:28.756" v="1076" actId="20577"/>
+          <ac:spMkLst>
+            <pc:docMk/>
+            <pc:sldMk cId="4261168887" sldId="310"/>
+            <ac:spMk id="140" creationId="{00000000-0000-0000-0000-000000000000}"/>
+          </ac:spMkLst>
+        </pc:spChg>
+        <pc:picChg chg="del">
+          <ac:chgData name="Dragan Javorac" userId="913c2858-fb97-4c6e-a42c-b1f1a16b225e" providerId="ADAL" clId="{CFF70A02-D37A-4A1C-9761-FE9AA042093F}" dt="2022-09-08T08:08:33.967" v="1080" actId="478"/>
+          <ac:picMkLst>
+            <pc:docMk/>
+            <pc:sldMk cId="4261168887" sldId="310"/>
+            <ac:picMk id="4" creationId="{FF16A8AC-01B8-D080-BD00-7B26EF5DB5C9}"/>
+          </ac:picMkLst>
+        </pc:picChg>
+        <pc:picChg chg="del">
+          <ac:chgData name="Dragan Javorac" userId="913c2858-fb97-4c6e-a42c-b1f1a16b225e" providerId="ADAL" clId="{CFF70A02-D37A-4A1C-9761-FE9AA042093F}" dt="2022-09-08T08:08:33.185" v="1079" actId="478"/>
+          <ac:picMkLst>
+            <pc:docMk/>
+            <pc:sldMk cId="4261168887" sldId="310"/>
+            <ac:picMk id="5" creationId="{1FA2CC54-6D6E-FBA8-FCAE-A7743A3DF029}"/>
+          </ac:picMkLst>
+        </pc:picChg>
+        <pc:picChg chg="add mod">
+          <ac:chgData name="Dragan Javorac" userId="913c2858-fb97-4c6e-a42c-b1f1a16b225e" providerId="ADAL" clId="{CFF70A02-D37A-4A1C-9761-FE9AA042093F}" dt="2022-09-08T08:09:13.724" v="1164" actId="1076"/>
+          <ac:picMkLst>
+            <pc:docMk/>
+            <pc:sldMk cId="4261168887" sldId="310"/>
+            <ac:picMk id="8" creationId="{0144DF8B-F656-C0D5-CF77-77991B09DE5A}"/>
+          </ac:picMkLst>
+        </pc:picChg>
+      </pc:sldChg>
+      <pc:sldChg chg="addSp delSp modSp add mod setBg">
+        <pc:chgData name="Dragan Javorac" userId="913c2858-fb97-4c6e-a42c-b1f1a16b225e" providerId="ADAL" clId="{CFF70A02-D37A-4A1C-9761-FE9AA042093F}" dt="2022-09-08T08:35:00.707" v="1878"/>
+        <pc:sldMkLst>
+          <pc:docMk/>
+          <pc:sldMk cId="2519399557" sldId="311"/>
+        </pc:sldMkLst>
+        <pc:spChg chg="mod">
+          <ac:chgData name="Dragan Javorac" userId="913c2858-fb97-4c6e-a42c-b1f1a16b225e" providerId="ADAL" clId="{CFF70A02-D37A-4A1C-9761-FE9AA042093F}" dt="2022-09-08T08:11:33.850" v="1265" actId="14100"/>
+          <ac:spMkLst>
+            <pc:docMk/>
+            <pc:sldMk cId="2519399557" sldId="311"/>
+            <ac:spMk id="6" creationId="{C4E20C7A-785E-6201-27FD-F372B3CAC054}"/>
+          </ac:spMkLst>
+        </pc:spChg>
+        <pc:spChg chg="add mod">
+          <ac:chgData name="Dragan Javorac" userId="913c2858-fb97-4c6e-a42c-b1f1a16b225e" providerId="ADAL" clId="{CFF70A02-D37A-4A1C-9761-FE9AA042093F}" dt="2022-09-08T08:11:56.369" v="1312" actId="20577"/>
+          <ac:spMkLst>
+            <pc:docMk/>
+            <pc:sldMk cId="2519399557" sldId="311"/>
+            <ac:spMk id="8" creationId="{40092607-BADC-284F-636C-0D4167FF8BB5}"/>
+          </ac:spMkLst>
+        </pc:spChg>
+        <pc:spChg chg="mod">
+          <ac:chgData name="Dragan Javorac" userId="913c2858-fb97-4c6e-a42c-b1f1a16b225e" providerId="ADAL" clId="{CFF70A02-D37A-4A1C-9761-FE9AA042093F}" dt="2022-09-08T08:11:10.212" v="1215" actId="14100"/>
+          <ac:spMkLst>
+            <pc:docMk/>
+            <pc:sldMk cId="2519399557" sldId="311"/>
+            <ac:spMk id="10" creationId="{5CBB458D-4B60-1961-3B09-2CFE2AED166B}"/>
+          </ac:spMkLst>
+        </pc:spChg>
+        <pc:spChg chg="mod">
+          <ac:chgData name="Dragan Javorac" userId="913c2858-fb97-4c6e-a42c-b1f1a16b225e" providerId="ADAL" clId="{CFF70A02-D37A-4A1C-9761-FE9AA042093F}" dt="2022-09-08T08:09:40.150" v="1199" actId="20577"/>
+          <ac:spMkLst>
+            <pc:docMk/>
+            <pc:sldMk cId="2519399557" sldId="311"/>
+            <ac:spMk id="140" creationId="{00000000-0000-0000-0000-000000000000}"/>
+          </ac:spMkLst>
+        </pc:spChg>
+        <pc:picChg chg="del">
+          <ac:chgData name="Dragan Javorac" userId="913c2858-fb97-4c6e-a42c-b1f1a16b225e" providerId="ADAL" clId="{CFF70A02-D37A-4A1C-9761-FE9AA042093F}" dt="2022-09-08T08:11:26.604" v="1262" actId="478"/>
+          <ac:picMkLst>
+            <pc:docMk/>
+            <pc:sldMk cId="2519399557" sldId="311"/>
+            <ac:picMk id="4" creationId="{FF16A8AC-01B8-D080-BD00-7B26EF5DB5C9}"/>
+          </ac:picMkLst>
+        </pc:picChg>
+        <pc:picChg chg="del">
+          <ac:chgData name="Dragan Javorac" userId="913c2858-fb97-4c6e-a42c-b1f1a16b225e" providerId="ADAL" clId="{CFF70A02-D37A-4A1C-9761-FE9AA042093F}" dt="2022-09-08T08:11:00.012" v="1201" actId="478"/>
+          <ac:picMkLst>
+            <pc:docMk/>
+            <pc:sldMk cId="2519399557" sldId="311"/>
+            <ac:picMk id="5" creationId="{1FA2CC54-6D6E-FBA8-FCAE-A7743A3DF029}"/>
+          </ac:picMkLst>
+        </pc:picChg>
+        <pc:picChg chg="add mod ord">
+          <ac:chgData name="Dragan Javorac" userId="913c2858-fb97-4c6e-a42c-b1f1a16b225e" providerId="ADAL" clId="{CFF70A02-D37A-4A1C-9761-FE9AA042093F}" dt="2022-09-08T08:11:07.767" v="1214" actId="167"/>
+          <ac:picMkLst>
+            <pc:docMk/>
+            <pc:sldMk cId="2519399557" sldId="311"/>
+            <ac:picMk id="7" creationId="{C7E0409D-88B3-40FE-338D-858D5D07BD3C}"/>
+          </ac:picMkLst>
+        </pc:picChg>
+      </pc:sldChg>
+      <pc:sldChg chg="addSp delSp modSp add mod">
+        <pc:chgData name="Dragan Javorac" userId="913c2858-fb97-4c6e-a42c-b1f1a16b225e" providerId="ADAL" clId="{CFF70A02-D37A-4A1C-9761-FE9AA042093F}" dt="2022-09-08T08:20:03.027" v="1686" actId="5793"/>
+        <pc:sldMkLst>
+          <pc:docMk/>
+          <pc:sldMk cId="1710459310" sldId="312"/>
+        </pc:sldMkLst>
+        <pc:spChg chg="add mod">
+          <ac:chgData name="Dragan Javorac" userId="913c2858-fb97-4c6e-a42c-b1f1a16b225e" providerId="ADAL" clId="{CFF70A02-D37A-4A1C-9761-FE9AA042093F}" dt="2022-09-08T08:20:03.027" v="1686" actId="5793"/>
+          <ac:spMkLst>
+            <pc:docMk/>
+            <pc:sldMk cId="1710459310" sldId="312"/>
+            <ac:spMk id="2" creationId="{881D63DA-3010-CD95-E555-D188A1562DBF}"/>
+          </ac:spMkLst>
+        </pc:spChg>
+        <pc:spChg chg="add del mod">
+          <ac:chgData name="Dragan Javorac" userId="913c2858-fb97-4c6e-a42c-b1f1a16b225e" providerId="ADAL" clId="{CFF70A02-D37A-4A1C-9761-FE9AA042093F}" dt="2022-09-08T08:15:42.217" v="1380" actId="478"/>
+          <ac:spMkLst>
+            <pc:docMk/>
+            <pc:sldMk cId="1710459310" sldId="312"/>
+            <ac:spMk id="4" creationId="{851B2573-9EB4-7835-7E2F-EA64ED78E4FD}"/>
+          </ac:spMkLst>
+        </pc:spChg>
+        <pc:spChg chg="add mod">
+          <ac:chgData name="Dragan Javorac" userId="913c2858-fb97-4c6e-a42c-b1f1a16b225e" providerId="ADAL" clId="{CFF70A02-D37A-4A1C-9761-FE9AA042093F}" dt="2022-09-08T08:16:35.573" v="1509" actId="1076"/>
+          <ac:spMkLst>
+            <pc:docMk/>
+            <pc:sldMk cId="1710459310" sldId="312"/>
+            <ac:spMk id="5" creationId="{8EC8EC03-8A6F-D1F3-0D07-2AF316946D7D}"/>
+          </ac:spMkLst>
+        </pc:spChg>
+        <pc:spChg chg="add mod">
+          <ac:chgData name="Dragan Javorac" userId="913c2858-fb97-4c6e-a42c-b1f1a16b225e" providerId="ADAL" clId="{CFF70A02-D37A-4A1C-9761-FE9AA042093F}" dt="2022-09-08T08:16:37.412" v="1510" actId="1076"/>
+          <ac:spMkLst>
+            <pc:docMk/>
+            <pc:sldMk cId="1710459310" sldId="312"/>
+            <ac:spMk id="6" creationId="{A383A91F-8623-2242-4C86-CDDB6F86E022}"/>
+          </ac:spMkLst>
+        </pc:spChg>
+        <pc:spChg chg="add mod">
+          <ac:chgData name="Dragan Javorac" userId="913c2858-fb97-4c6e-a42c-b1f1a16b225e" providerId="ADAL" clId="{CFF70A02-D37A-4A1C-9761-FE9AA042093F}" dt="2022-09-08T08:16:39.580" v="1511" actId="1076"/>
+          <ac:spMkLst>
+            <pc:docMk/>
+            <pc:sldMk cId="1710459310" sldId="312"/>
+            <ac:spMk id="10" creationId="{F3303494-008C-821A-AC2A-41EFA72ACBE1}"/>
+          </ac:spMkLst>
+        </pc:spChg>
+        <pc:spChg chg="add">
+          <ac:chgData name="Dragan Javorac" userId="913c2858-fb97-4c6e-a42c-b1f1a16b225e" providerId="ADAL" clId="{CFF70A02-D37A-4A1C-9761-FE9AA042093F}" dt="2022-09-08T08:16:54.997" v="1514" actId="11529"/>
+          <ac:spMkLst>
+            <pc:docMk/>
+            <pc:sldMk cId="1710459310" sldId="312"/>
+            <ac:spMk id="13" creationId="{055FF7C1-C714-5F27-A969-CA91AA5F75A4}"/>
+          </ac:spMkLst>
+        </pc:spChg>
+        <pc:spChg chg="add mod">
+          <ac:chgData name="Dragan Javorac" userId="913c2858-fb97-4c6e-a42c-b1f1a16b225e" providerId="ADAL" clId="{CFF70A02-D37A-4A1C-9761-FE9AA042093F}" dt="2022-09-08T08:16:57.558" v="1516" actId="1076"/>
+          <ac:spMkLst>
+            <pc:docMk/>
+            <pc:sldMk cId="1710459310" sldId="312"/>
+            <ac:spMk id="14" creationId="{1240D8AD-FF15-6D11-E1CC-BACF4255570D}"/>
+          </ac:spMkLst>
+        </pc:spChg>
+        <pc:spChg chg="add mod">
+          <ac:chgData name="Dragan Javorac" userId="913c2858-fb97-4c6e-a42c-b1f1a16b225e" providerId="ADAL" clId="{CFF70A02-D37A-4A1C-9761-FE9AA042093F}" dt="2022-09-08T08:18:53.024" v="1640" actId="164"/>
+          <ac:spMkLst>
+            <pc:docMk/>
+            <pc:sldMk cId="1710459310" sldId="312"/>
+            <ac:spMk id="21" creationId="{8DCE1409-A9B8-B57D-57DE-12D575D0D834}"/>
+          </ac:spMkLst>
+        </pc:spChg>
+        <pc:spChg chg="add mod">
+          <ac:chgData name="Dragan Javorac" userId="913c2858-fb97-4c6e-a42c-b1f1a16b225e" providerId="ADAL" clId="{CFF70A02-D37A-4A1C-9761-FE9AA042093F}" dt="2022-09-08T08:18:53.024" v="1640" actId="164"/>
+          <ac:spMkLst>
+            <pc:docMk/>
+            <pc:sldMk cId="1710459310" sldId="312"/>
+            <ac:spMk id="22" creationId="{8A3803ED-A32C-1D7B-2771-700FEEB5C95F}"/>
+          </ac:spMkLst>
+        </pc:spChg>
+        <pc:spChg chg="add mod">
+          <ac:chgData name="Dragan Javorac" userId="913c2858-fb97-4c6e-a42c-b1f1a16b225e" providerId="ADAL" clId="{CFF70A02-D37A-4A1C-9761-FE9AA042093F}" dt="2022-09-08T08:18:53.024" v="1640" actId="164"/>
+          <ac:spMkLst>
+            <pc:docMk/>
+            <pc:sldMk cId="1710459310" sldId="312"/>
+            <ac:spMk id="24" creationId="{2D405FF8-9CB4-9E04-41A8-1E879C972F2A}"/>
+          </ac:spMkLst>
+        </pc:spChg>
+        <pc:spChg chg="add mod">
+          <ac:chgData name="Dragan Javorac" userId="913c2858-fb97-4c6e-a42c-b1f1a16b225e" providerId="ADAL" clId="{CFF70A02-D37A-4A1C-9761-FE9AA042093F}" dt="2022-09-08T08:18:47.401" v="1639" actId="571"/>
+          <ac:spMkLst>
+            <pc:docMk/>
+            <pc:sldMk cId="1710459310" sldId="312"/>
+            <ac:spMk id="25" creationId="{501A04A8-B539-5D96-83A1-5BA834E24EF6}"/>
+          </ac:spMkLst>
+        </pc:spChg>
+        <pc:spChg chg="add del">
+          <ac:chgData name="Dragan Javorac" userId="913c2858-fb97-4c6e-a42c-b1f1a16b225e" providerId="ADAL" clId="{CFF70A02-D37A-4A1C-9761-FE9AA042093F}" dt="2022-09-08T08:19:18.427" v="1647" actId="478"/>
+          <ac:spMkLst>
+            <pc:docMk/>
+            <pc:sldMk cId="1710459310" sldId="312"/>
+            <ac:spMk id="27" creationId="{2E1EE259-A1B2-2149-A808-F215E26FBFD0}"/>
+          </ac:spMkLst>
+        </pc:spChg>
+        <pc:spChg chg="mod">
+          <ac:chgData name="Dragan Javorac" userId="913c2858-fb97-4c6e-a42c-b1f1a16b225e" providerId="ADAL" clId="{CFF70A02-D37A-4A1C-9761-FE9AA042093F}" dt="2022-09-08T08:17:22.017" v="1545" actId="20577"/>
+          <ac:spMkLst>
+            <pc:docMk/>
+            <pc:sldMk cId="1710459310" sldId="312"/>
+            <ac:spMk id="172" creationId="{00000000-0000-0000-0000-000000000000}"/>
+          </ac:spMkLst>
+        </pc:spChg>
+        <pc:spChg chg="del">
+          <ac:chgData name="Dragan Javorac" userId="913c2858-fb97-4c6e-a42c-b1f1a16b225e" providerId="ADAL" clId="{CFF70A02-D37A-4A1C-9761-FE9AA042093F}" dt="2022-09-08T08:15:31.231" v="1376" actId="478"/>
+          <ac:spMkLst>
+            <pc:docMk/>
+            <pc:sldMk cId="1710459310" sldId="312"/>
+            <ac:spMk id="173" creationId="{00000000-0000-0000-0000-000000000000}"/>
+          </ac:spMkLst>
+        </pc:spChg>
+        <pc:spChg chg="del">
+          <ac:chgData name="Dragan Javorac" userId="913c2858-fb97-4c6e-a42c-b1f1a16b225e" providerId="ADAL" clId="{CFF70A02-D37A-4A1C-9761-FE9AA042093F}" dt="2022-09-08T08:17:03.291" v="1517" actId="478"/>
+          <ac:spMkLst>
+            <pc:docMk/>
+            <pc:sldMk cId="1710459310" sldId="312"/>
+            <ac:spMk id="174" creationId="{00000000-0000-0000-0000-000000000000}"/>
+          </ac:spMkLst>
+        </pc:spChg>
+        <pc:grpChg chg="del">
+          <ac:chgData name="Dragan Javorac" userId="913c2858-fb97-4c6e-a42c-b1f1a16b225e" providerId="ADAL" clId="{CFF70A02-D37A-4A1C-9761-FE9AA042093F}" dt="2022-09-08T08:15:32.545" v="1377" actId="478"/>
+          <ac:grpSpMkLst>
+            <pc:docMk/>
+            <pc:sldMk cId="1710459310" sldId="312"/>
+            <ac:grpSpMk id="7" creationId="{A94BA79B-B3CF-7F49-BD4A-20402A8D2F90}"/>
+          </ac:grpSpMkLst>
+        </pc:grpChg>
+        <pc:grpChg chg="add mod">
+          <ac:chgData name="Dragan Javorac" userId="913c2858-fb97-4c6e-a42c-b1f1a16b225e" providerId="ADAL" clId="{CFF70A02-D37A-4A1C-9761-FE9AA042093F}" dt="2022-09-08T08:19:50.842" v="1661" actId="1076"/>
+          <ac:grpSpMkLst>
+            <pc:docMk/>
+            <pc:sldMk cId="1710459310" sldId="312"/>
+            <ac:grpSpMk id="26" creationId="{615BF236-7A9C-7006-CC99-CA42087675C7}"/>
+          </ac:grpSpMkLst>
+        </pc:grpChg>
+        <pc:picChg chg="add mod">
+          <ac:chgData name="Dragan Javorac" userId="913c2858-fb97-4c6e-a42c-b1f1a16b225e" providerId="ADAL" clId="{CFF70A02-D37A-4A1C-9761-FE9AA042093F}" dt="2022-09-08T08:18:53.024" v="1640" actId="164"/>
+          <ac:picMkLst>
+            <pc:docMk/>
+            <pc:sldMk cId="1710459310" sldId="312"/>
+            <ac:picMk id="16" creationId="{2F09DCF8-D28E-8D6F-2888-D919657A4543}"/>
+          </ac:picMkLst>
+        </pc:picChg>
+        <pc:picChg chg="add mod">
+          <ac:chgData name="Dragan Javorac" userId="913c2858-fb97-4c6e-a42c-b1f1a16b225e" providerId="ADAL" clId="{CFF70A02-D37A-4A1C-9761-FE9AA042093F}" dt="2022-09-08T08:18:53.024" v="1640" actId="164"/>
+          <ac:picMkLst>
+            <pc:docMk/>
+            <pc:sldMk cId="1710459310" sldId="312"/>
+            <ac:picMk id="18" creationId="{E2B100AF-BBD3-1D81-CE74-5FCAC380AABB}"/>
+          </ac:picMkLst>
+        </pc:picChg>
+        <pc:picChg chg="add mod">
+          <ac:chgData name="Dragan Javorac" userId="913c2858-fb97-4c6e-a42c-b1f1a16b225e" providerId="ADAL" clId="{CFF70A02-D37A-4A1C-9761-FE9AA042093F}" dt="2022-09-08T08:18:53.024" v="1640" actId="164"/>
+          <ac:picMkLst>
+            <pc:docMk/>
+            <pc:sldMk cId="1710459310" sldId="312"/>
+            <ac:picMk id="20" creationId="{9FBCC931-0C89-62AC-E5AF-FCB4DB005041}"/>
+          </ac:picMkLst>
+        </pc:picChg>
+        <pc:picChg chg="add mod">
+          <ac:chgData name="Dragan Javorac" userId="913c2858-fb97-4c6e-a42c-b1f1a16b225e" providerId="ADAL" clId="{CFF70A02-D37A-4A1C-9761-FE9AA042093F}" dt="2022-09-08T08:18:53.024" v="1640" actId="164"/>
+          <ac:picMkLst>
+            <pc:docMk/>
+            <pc:sldMk cId="1710459310" sldId="312"/>
+            <ac:picMk id="23" creationId="{84BC7DAE-1FF6-D063-0E8A-58FBB658044A}"/>
+          </ac:picMkLst>
+        </pc:picChg>
+        <pc:picChg chg="add mod">
+          <ac:chgData name="Dragan Javorac" userId="913c2858-fb97-4c6e-a42c-b1f1a16b225e" providerId="ADAL" clId="{CFF70A02-D37A-4A1C-9761-FE9AA042093F}" dt="2022-09-08T08:19:52.881" v="1662" actId="1076"/>
+          <ac:picMkLst>
+            <pc:docMk/>
+            <pc:sldMk cId="1710459310" sldId="312"/>
+            <ac:picMk id="29" creationId="{8F5912D6-BF26-0B72-09FD-1E61294EADC7}"/>
+          </ac:picMkLst>
+        </pc:picChg>
+        <pc:picChg chg="add mod">
+          <ac:chgData name="Dragan Javorac" userId="913c2858-fb97-4c6e-a42c-b1f1a16b225e" providerId="ADAL" clId="{CFF70A02-D37A-4A1C-9761-FE9AA042093F}" dt="2022-09-08T08:19:42.570" v="1655" actId="1076"/>
+          <ac:picMkLst>
+            <pc:docMk/>
+            <pc:sldMk cId="1710459310" sldId="312"/>
+            <ac:picMk id="31" creationId="{DF6EA176-C4C6-1AD6-69F4-69D47B8E8BA8}"/>
+          </ac:picMkLst>
+        </pc:picChg>
+        <pc:picChg chg="add mod">
+          <ac:chgData name="Dragan Javorac" userId="913c2858-fb97-4c6e-a42c-b1f1a16b225e" providerId="ADAL" clId="{CFF70A02-D37A-4A1C-9761-FE9AA042093F}" dt="2022-09-08T08:19:41.874" v="1654" actId="1076"/>
+          <ac:picMkLst>
+            <pc:docMk/>
+            <pc:sldMk cId="1710459310" sldId="312"/>
+            <ac:picMk id="33" creationId="{DF076E56-0CD7-9D65-019C-91C9B4F7F7CE}"/>
+          </ac:picMkLst>
+        </pc:picChg>
+        <pc:picChg chg="add mod">
+          <ac:chgData name="Dragan Javorac" userId="913c2858-fb97-4c6e-a42c-b1f1a16b225e" providerId="ADAL" clId="{CFF70A02-D37A-4A1C-9761-FE9AA042093F}" dt="2022-09-08T08:19:44.882" v="1657" actId="1076"/>
+          <ac:picMkLst>
+            <pc:docMk/>
+            <pc:sldMk cId="1710459310" sldId="312"/>
+            <ac:picMk id="34" creationId="{9E896F0A-5799-BFFA-D6F3-9EF625A7765C}"/>
+          </ac:picMkLst>
+        </pc:picChg>
+        <pc:picChg chg="del">
+          <ac:chgData name="Dragan Javorac" userId="913c2858-fb97-4c6e-a42c-b1f1a16b225e" providerId="ADAL" clId="{CFF70A02-D37A-4A1C-9761-FE9AA042093F}" dt="2022-09-08T08:15:33.364" v="1378" actId="478"/>
+          <ac:picMkLst>
+            <pc:docMk/>
+            <pc:sldMk cId="1710459310" sldId="312"/>
+            <ac:picMk id="175" creationId="{00000000-0000-0000-0000-000000000000}"/>
+          </ac:picMkLst>
+        </pc:picChg>
+        <pc:cxnChg chg="add del mod">
+          <ac:chgData name="Dragan Javorac" userId="913c2858-fb97-4c6e-a42c-b1f1a16b225e" providerId="ADAL" clId="{CFF70A02-D37A-4A1C-9761-FE9AA042093F}" dt="2022-09-08T08:16:48.322" v="1513" actId="11529"/>
+          <ac:cxnSpMkLst>
+            <pc:docMk/>
+            <pc:sldMk cId="1710459310" sldId="312"/>
+            <ac:cxnSpMk id="12" creationId="{4F821D97-6AEC-063F-95FB-EAED9EAABC7D}"/>
+          </ac:cxnSpMkLst>
+        </pc:cxnChg>
+      </pc:sldChg>
+      <pc:sldChg chg="add del ord">
+        <pc:chgData name="Dragan Javorac" userId="913c2858-fb97-4c6e-a42c-b1f1a16b225e" providerId="ADAL" clId="{CFF70A02-D37A-4A1C-9761-FE9AA042093F}" dt="2022-09-08T08:24:13.358" v="1741" actId="47"/>
+        <pc:sldMkLst>
+          <pc:docMk/>
+          <pc:sldMk cId="1556587105" sldId="313"/>
+        </pc:sldMkLst>
+      </pc:sldChg>
+      <pc:sldMasterChg chg="setBg modSldLayout">
+        <pc:chgData name="Dragan Javorac" userId="913c2858-fb97-4c6e-a42c-b1f1a16b225e" providerId="ADAL" clId="{CFF70A02-D37A-4A1C-9761-FE9AA042093F}" dt="2022-09-08T08:35:46.989" v="1899"/>
+        <pc:sldMasterMkLst>
+          <pc:docMk/>
+          <pc:sldMasterMk cId="0" sldId="2147483659"/>
+        </pc:sldMasterMkLst>
+        <pc:sldLayoutChg chg="setBg">
+          <pc:chgData name="Dragan Javorac" userId="913c2858-fb97-4c6e-a42c-b1f1a16b225e" providerId="ADAL" clId="{CFF70A02-D37A-4A1C-9761-FE9AA042093F}" dt="2022-09-08T08:35:46.989" v="1899"/>
+          <pc:sldLayoutMkLst>
+            <pc:docMk/>
+            <pc:sldMasterMk cId="0" sldId="2147483659"/>
+            <pc:sldLayoutMk cId="0" sldId="2147483648"/>
+          </pc:sldLayoutMkLst>
+        </pc:sldLayoutChg>
+        <pc:sldLayoutChg chg="setBg">
+          <pc:chgData name="Dragan Javorac" userId="913c2858-fb97-4c6e-a42c-b1f1a16b225e" providerId="ADAL" clId="{CFF70A02-D37A-4A1C-9761-FE9AA042093F}" dt="2022-09-08T08:35:46.989" v="1899"/>
+          <pc:sldLayoutMkLst>
+            <pc:docMk/>
+            <pc:sldMasterMk cId="0" sldId="2147483659"/>
+            <pc:sldLayoutMk cId="0" sldId="2147483649"/>
+          </pc:sldLayoutMkLst>
+        </pc:sldLayoutChg>
+        <pc:sldLayoutChg chg="setBg">
+          <pc:chgData name="Dragan Javorac" userId="913c2858-fb97-4c6e-a42c-b1f1a16b225e" providerId="ADAL" clId="{CFF70A02-D37A-4A1C-9761-FE9AA042093F}" dt="2022-09-08T08:35:46.989" v="1899"/>
+          <pc:sldLayoutMkLst>
+            <pc:docMk/>
+            <pc:sldMasterMk cId="0" sldId="2147483659"/>
+            <pc:sldLayoutMk cId="0" sldId="2147483650"/>
+          </pc:sldLayoutMkLst>
+        </pc:sldLayoutChg>
+        <pc:sldLayoutChg chg="setBg">
+          <pc:chgData name="Dragan Javorac" userId="913c2858-fb97-4c6e-a42c-b1f1a16b225e" providerId="ADAL" clId="{CFF70A02-D37A-4A1C-9761-FE9AA042093F}" dt="2022-09-08T08:35:46.989" v="1899"/>
+          <pc:sldLayoutMkLst>
+            <pc:docMk/>
+            <pc:sldMasterMk cId="0" sldId="2147483659"/>
+            <pc:sldLayoutMk cId="0" sldId="2147483651"/>
+          </pc:sldLayoutMkLst>
+        </pc:sldLayoutChg>
+        <pc:sldLayoutChg chg="setBg">
+          <pc:chgData name="Dragan Javorac" userId="913c2858-fb97-4c6e-a42c-b1f1a16b225e" providerId="ADAL" clId="{CFF70A02-D37A-4A1C-9761-FE9AA042093F}" dt="2022-09-08T08:35:46.989" v="1899"/>
+          <pc:sldLayoutMkLst>
+            <pc:docMk/>
+            <pc:sldMasterMk cId="0" sldId="2147483659"/>
+            <pc:sldLayoutMk cId="0" sldId="2147483652"/>
+          </pc:sldLayoutMkLst>
+        </pc:sldLayoutChg>
+        <pc:sldLayoutChg chg="setBg">
+          <pc:chgData name="Dragan Javorac" userId="913c2858-fb97-4c6e-a42c-b1f1a16b225e" providerId="ADAL" clId="{CFF70A02-D37A-4A1C-9761-FE9AA042093F}" dt="2022-09-08T08:35:46.989" v="1899"/>
+          <pc:sldLayoutMkLst>
+            <pc:docMk/>
+            <pc:sldMasterMk cId="0" sldId="2147483659"/>
+            <pc:sldLayoutMk cId="0" sldId="2147483653"/>
+          </pc:sldLayoutMkLst>
+        </pc:sldLayoutChg>
+        <pc:sldLayoutChg chg="setBg">
+          <pc:chgData name="Dragan Javorac" userId="913c2858-fb97-4c6e-a42c-b1f1a16b225e" providerId="ADAL" clId="{CFF70A02-D37A-4A1C-9761-FE9AA042093F}" dt="2022-09-08T08:35:46.989" v="1899"/>
+          <pc:sldLayoutMkLst>
+            <pc:docMk/>
+            <pc:sldMasterMk cId="0" sldId="2147483659"/>
+            <pc:sldLayoutMk cId="0" sldId="2147483654"/>
+          </pc:sldLayoutMkLst>
+        </pc:sldLayoutChg>
+        <pc:sldLayoutChg chg="setBg">
+          <pc:chgData name="Dragan Javorac" userId="913c2858-fb97-4c6e-a42c-b1f1a16b225e" providerId="ADAL" clId="{CFF70A02-D37A-4A1C-9761-FE9AA042093F}" dt="2022-09-08T08:35:46.989" v="1899"/>
+          <pc:sldLayoutMkLst>
+            <pc:docMk/>
+            <pc:sldMasterMk cId="0" sldId="2147483659"/>
+            <pc:sldLayoutMk cId="0" sldId="2147483655"/>
+          </pc:sldLayoutMkLst>
+        </pc:sldLayoutChg>
+        <pc:sldLayoutChg chg="setBg">
+          <pc:chgData name="Dragan Javorac" userId="913c2858-fb97-4c6e-a42c-b1f1a16b225e" providerId="ADAL" clId="{CFF70A02-D37A-4A1C-9761-FE9AA042093F}" dt="2022-09-08T08:35:46.989" v="1899"/>
+          <pc:sldLayoutMkLst>
+            <pc:docMk/>
+            <pc:sldMasterMk cId="0" sldId="2147483659"/>
+            <pc:sldLayoutMk cId="0" sldId="2147483656"/>
+          </pc:sldLayoutMkLst>
+        </pc:sldLayoutChg>
+        <pc:sldLayoutChg chg="setBg">
+          <pc:chgData name="Dragan Javorac" userId="913c2858-fb97-4c6e-a42c-b1f1a16b225e" providerId="ADAL" clId="{CFF70A02-D37A-4A1C-9761-FE9AA042093F}" dt="2022-09-08T08:35:46.989" v="1899"/>
+          <pc:sldLayoutMkLst>
+            <pc:docMk/>
+            <pc:sldMasterMk cId="0" sldId="2147483659"/>
+            <pc:sldLayoutMk cId="0" sldId="2147483657"/>
+          </pc:sldLayoutMkLst>
+        </pc:sldLayoutChg>
+      </pc:sldMasterChg>
+    </pc:docChg>
+  </pc:docChgLst>
+  <pc:docChgLst>
+    <pc:chgData name="Dragan Javorac" userId="S::d.javorac@ma-web.nl::913c2858-fb97-4c6e-a42c-b1f1a16b225e" providerId="AD" clId="Web-{7AAA3DEF-22B0-4FE7-9B67-5596CC3FE3C8}"/>
+    <pc:docChg chg="addSld delSld modSld sldOrd">
+      <pc:chgData name="Dragan Javorac" userId="S::d.javorac@ma-web.nl::913c2858-fb97-4c6e-a42c-b1f1a16b225e" providerId="AD" clId="Web-{7AAA3DEF-22B0-4FE7-9B67-5596CC3FE3C8}" dt="2021-09-10T09:03:08.373" v="102" actId="20577"/>
+      <pc:docMkLst>
+        <pc:docMk/>
+      </pc:docMkLst>
+      <pc:sldChg chg="modSp">
+        <pc:chgData name="Dragan Javorac" userId="S::d.javorac@ma-web.nl::913c2858-fb97-4c6e-a42c-b1f1a16b225e" providerId="AD" clId="Web-{7AAA3DEF-22B0-4FE7-9B67-5596CC3FE3C8}" dt="2021-09-10T09:03:06.123" v="101" actId="20577"/>
+        <pc:sldMkLst>
+          <pc:docMk/>
+          <pc:sldMk cId="0" sldId="257"/>
+        </pc:sldMkLst>
+        <pc:spChg chg="mod">
+          <ac:chgData name="Dragan Javorac" userId="S::d.javorac@ma-web.nl::913c2858-fb97-4c6e-a42c-b1f1a16b225e" providerId="AD" clId="Web-{7AAA3DEF-22B0-4FE7-9B67-5596CC3FE3C8}" dt="2021-09-10T09:03:06.123" v="101" actId="20577"/>
+          <ac:spMkLst>
+            <pc:docMk/>
+            <pc:sldMk cId="0" sldId="257"/>
+            <ac:spMk id="61" creationId="{00000000-0000-0000-0000-000000000000}"/>
+          </ac:spMkLst>
+        </pc:spChg>
+      </pc:sldChg>
+      <pc:sldChg chg="modSp">
+        <pc:chgData name="Dragan Javorac" userId="S::d.javorac@ma-web.nl::913c2858-fb97-4c6e-a42c-b1f1a16b225e" providerId="AD" clId="Web-{7AAA3DEF-22B0-4FE7-9B67-5596CC3FE3C8}" dt="2021-09-10T08:58:59.058" v="37" actId="20577"/>
+        <pc:sldMkLst>
+          <pc:docMk/>
+          <pc:sldMk cId="0" sldId="258"/>
+        </pc:sldMkLst>
+        <pc:spChg chg="mod">
+          <ac:chgData name="Dragan Javorac" userId="S::d.javorac@ma-web.nl::913c2858-fb97-4c6e-a42c-b1f1a16b225e" providerId="AD" clId="Web-{7AAA3DEF-22B0-4FE7-9B67-5596CC3FE3C8}" dt="2021-09-10T08:53:44.819" v="8" actId="20577"/>
+          <ac:spMkLst>
+            <pc:docMk/>
+            <pc:sldMk cId="0" sldId="258"/>
+            <ac:spMk id="66" creationId="{00000000-0000-0000-0000-000000000000}"/>
+          </ac:spMkLst>
+        </pc:spChg>
+        <pc:spChg chg="mod">
+          <ac:chgData name="Dragan Javorac" userId="S::d.javorac@ma-web.nl::913c2858-fb97-4c6e-a42c-b1f1a16b225e" providerId="AD" clId="Web-{7AAA3DEF-22B0-4FE7-9B67-5596CC3FE3C8}" dt="2021-09-10T08:58:59.058" v="37" actId="20577"/>
+          <ac:spMkLst>
+            <pc:docMk/>
+            <pc:sldMk cId="0" sldId="258"/>
+            <ac:spMk id="67" creationId="{00000000-0000-0000-0000-000000000000}"/>
+          </ac:spMkLst>
+        </pc:spChg>
+      </pc:sldChg>
+      <pc:sldChg chg="modSp ord">
+        <pc:chgData name="Dragan Javorac" userId="S::d.javorac@ma-web.nl::913c2858-fb97-4c6e-a42c-b1f1a16b225e" providerId="AD" clId="Web-{7AAA3DEF-22B0-4FE7-9B67-5596CC3FE3C8}" dt="2021-09-10T08:59:26.402" v="50"/>
+        <pc:sldMkLst>
+          <pc:docMk/>
+          <pc:sldMk cId="0" sldId="259"/>
+        </pc:sldMkLst>
+        <pc:spChg chg="mod">
+          <ac:chgData name="Dragan Javorac" userId="S::d.javorac@ma-web.nl::913c2858-fb97-4c6e-a42c-b1f1a16b225e" providerId="AD" clId="Web-{7AAA3DEF-22B0-4FE7-9B67-5596CC3FE3C8}" dt="2021-09-10T08:59:24.855" v="49" actId="20577"/>
+          <ac:spMkLst>
+            <pc:docMk/>
+            <pc:sldMk cId="0" sldId="259"/>
+            <ac:spMk id="72" creationId="{00000000-0000-0000-0000-000000000000}"/>
+          </ac:spMkLst>
+        </pc:spChg>
+      </pc:sldChg>
+      <pc:sldChg chg="modSp">
+        <pc:chgData name="Dragan Javorac" userId="S::d.javorac@ma-web.nl::913c2858-fb97-4c6e-a42c-b1f1a16b225e" providerId="AD" clId="Web-{7AAA3DEF-22B0-4FE7-9B67-5596CC3FE3C8}" dt="2021-09-10T09:02:50.326" v="97" actId="20577"/>
+        <pc:sldMkLst>
+          <pc:docMk/>
+          <pc:sldMk cId="0" sldId="271"/>
+        </pc:sldMkLst>
+        <pc:spChg chg="mod">
+          <ac:chgData name="Dragan Javorac" userId="S::d.javorac@ma-web.nl::913c2858-fb97-4c6e-a42c-b1f1a16b225e" providerId="AD" clId="Web-{7AAA3DEF-22B0-4FE7-9B67-5596CC3FE3C8}" dt="2021-09-10T09:02:50.326" v="97" actId="20577"/>
+          <ac:spMkLst>
+            <pc:docMk/>
+            <pc:sldMk cId="0" sldId="271"/>
+            <ac:spMk id="167" creationId="{00000000-0000-0000-0000-000000000000}"/>
+          </ac:spMkLst>
+        </pc:spChg>
+      </pc:sldChg>
+      <pc:sldChg chg="del">
+        <pc:chgData name="Dragan Javorac" userId="S::d.javorac@ma-web.nl::913c2858-fb97-4c6e-a42c-b1f1a16b225e" providerId="AD" clId="Web-{7AAA3DEF-22B0-4FE7-9B67-5596CC3FE3C8}" dt="2021-09-10T08:59:55.433" v="51"/>
+        <pc:sldMkLst>
+          <pc:docMk/>
+          <pc:sldMk cId="0" sldId="279"/>
+        </pc:sldMkLst>
+      </pc:sldChg>
+      <pc:sldChg chg="delSp modSp">
+        <pc:chgData name="Dragan Javorac" userId="S::d.javorac@ma-web.nl::913c2858-fb97-4c6e-a42c-b1f1a16b225e" providerId="AD" clId="Web-{7AAA3DEF-22B0-4FE7-9B67-5596CC3FE3C8}" dt="2021-09-10T09:01:58.607" v="96"/>
+        <pc:sldMkLst>
+          <pc:docMk/>
+          <pc:sldMk cId="3498386614" sldId="280"/>
+        </pc:sldMkLst>
+        <pc:spChg chg="del mod">
+          <ac:chgData name="Dragan Javorac" userId="S::d.javorac@ma-web.nl::913c2858-fb97-4c6e-a42c-b1f1a16b225e" providerId="AD" clId="Web-{7AAA3DEF-22B0-4FE7-9B67-5596CC3FE3C8}" dt="2021-09-10T09:01:58.607" v="96"/>
+          <ac:spMkLst>
+            <pc:docMk/>
+            <pc:sldMk cId="3498386614" sldId="280"/>
+            <ac:spMk id="5" creationId="{7CAE2FEB-8465-4B14-AD64-9AF2D6705311}"/>
+          </ac:spMkLst>
+        </pc:spChg>
+      </pc:sldChg>
+      <pc:sldChg chg="modSp add replId">
+        <pc:chgData name="Dragan Javorac" userId="S::d.javorac@ma-web.nl::913c2858-fb97-4c6e-a42c-b1f1a16b225e" providerId="AD" clId="Web-{7AAA3DEF-22B0-4FE7-9B67-5596CC3FE3C8}" dt="2021-09-10T09:03:08.373" v="102" actId="20577"/>
+        <pc:sldMkLst>
+          <pc:docMk/>
+          <pc:sldMk cId="1972725637" sldId="289"/>
+        </pc:sldMkLst>
+        <pc:spChg chg="mod">
+          <ac:chgData name="Dragan Javorac" userId="S::d.javorac@ma-web.nl::913c2858-fb97-4c6e-a42c-b1f1a16b225e" providerId="AD" clId="Web-{7AAA3DEF-22B0-4FE7-9B67-5596CC3FE3C8}" dt="2021-09-10T09:03:08.373" v="102" actId="20577"/>
+          <ac:spMkLst>
+            <pc:docMk/>
+            <pc:sldMk cId="1972725637" sldId="289"/>
+            <ac:spMk id="72" creationId="{00000000-0000-0000-0000-000000000000}"/>
+          </ac:spMkLst>
+        </pc:spChg>
+      </pc:sldChg>
+    </pc:docChg>
+  </pc:docChgLst>
+  <pc:docChgLst>
+    <pc:chgData name="Theo den Blanken" userId="S::t.denblanken@ma-web.nl::3930183c-d2df-48c9-87a0-a6b49431dd0e" providerId="AD" clId="Web-{46F29928-479D-42D3-A177-6DC1E957BE42}"/>
+    <pc:docChg chg="modSld">
+      <pc:chgData name="Theo den Blanken" userId="S::t.denblanken@ma-web.nl::3930183c-d2df-48c9-87a0-a6b49431dd0e" providerId="AD" clId="Web-{46F29928-479D-42D3-A177-6DC1E957BE42}" dt="2020-09-21T18:30:37.846" v="11" actId="20577"/>
+      <pc:docMkLst>
+        <pc:docMk/>
+      </pc:docMkLst>
+      <pc:sldChg chg="modSp">
+        <pc:chgData name="Theo den Blanken" userId="S::t.denblanken@ma-web.nl::3930183c-d2df-48c9-87a0-a6b49431dd0e" providerId="AD" clId="Web-{46F29928-479D-42D3-A177-6DC1E957BE42}" dt="2020-09-21T18:30:37.846" v="11" actId="20577"/>
+        <pc:sldMkLst>
+          <pc:docMk/>
+          <pc:sldMk cId="0" sldId="256"/>
+        </pc:sldMkLst>
+        <pc:spChg chg="mod">
+          <ac:chgData name="Theo den Blanken" userId="S::t.denblanken@ma-web.nl::3930183c-d2df-48c9-87a0-a6b49431dd0e" providerId="AD" clId="Web-{46F29928-479D-42D3-A177-6DC1E957BE42}" dt="2020-09-21T18:30:19.565" v="5" actId="20577"/>
+          <ac:spMkLst>
+            <pc:docMk/>
+            <pc:sldMk cId="0" sldId="256"/>
+            <ac:spMk id="3" creationId="{08EF0D68-7804-40FD-BC06-C409DA1A58AC}"/>
+          </ac:spMkLst>
+        </pc:spChg>
+        <pc:spChg chg="mod">
+          <ac:chgData name="Theo den Blanken" userId="S::t.denblanken@ma-web.nl::3930183c-d2df-48c9-87a0-a6b49431dd0e" providerId="AD" clId="Web-{46F29928-479D-42D3-A177-6DC1E957BE42}" dt="2020-09-21T18:30:37.846" v="11" actId="20577"/>
+          <ac:spMkLst>
+            <pc:docMk/>
+            <pc:sldMk cId="0" sldId="256"/>
+            <ac:spMk id="54" creationId="{00000000-0000-0000-0000-000000000000}"/>
+          </ac:spMkLst>
+        </pc:spChg>
+      </pc:sldChg>
+    </pc:docChg>
+  </pc:docChgLst>
+  <pc:docChgLst>
+    <pc:chgData name="João Jubitana" userId="S::29061@ma-web.nl::745c5968-aedf-495d-a4cf-705b566ea11f" providerId="AD" clId="Web-{8DAA4051-A0BD-4D10-8EE0-D89365AE9CCD}"/>
+    <pc:docChg chg="modSld">
+      <pc:chgData name="João Jubitana" userId="S::29061@ma-web.nl::745c5968-aedf-495d-a4cf-705b566ea11f" providerId="AD" clId="Web-{8DAA4051-A0BD-4D10-8EE0-D89365AE9CCD}" dt="2020-09-22T13:06:54.646" v="0" actId="1076"/>
+      <pc:docMkLst>
+        <pc:docMk/>
+      </pc:docMkLst>
+      <pc:sldChg chg="modSp">
+        <pc:chgData name="João Jubitana" userId="S::29061@ma-web.nl::745c5968-aedf-495d-a4cf-705b566ea11f" providerId="AD" clId="Web-{8DAA4051-A0BD-4D10-8EE0-D89365AE9CCD}" dt="2020-09-22T13:06:54.646" v="0" actId="1076"/>
+        <pc:sldMkLst>
+          <pc:docMk/>
+          <pc:sldMk cId="0" sldId="263"/>
+        </pc:sldMkLst>
+        <pc:picChg chg="mod">
+          <ac:chgData name="João Jubitana" userId="S::29061@ma-web.nl::745c5968-aedf-495d-a4cf-705b566ea11f" providerId="AD" clId="Web-{8DAA4051-A0BD-4D10-8EE0-D89365AE9CCD}" dt="2020-09-22T13:06:54.646" v="0" actId="1076"/>
+          <ac:picMkLst>
+            <pc:docMk/>
+            <pc:sldMk cId="0" sldId="263"/>
+            <ac:picMk id="105" creationId="{00000000-0000-0000-0000-000000000000}"/>
+          </ac:picMkLst>
+        </pc:picChg>
+      </pc:sldChg>
+    </pc:docChg>
+  </pc:docChgLst>
+  <pc:docChgLst>
+    <pc:chgData name="Dragan Javorac" userId="S::d.javorac@ma-web.nl::913c2858-fb97-4c6e-a42c-b1f1a16b225e" providerId="AD" clId="Web-{F9DD05B4-3B30-40B3-8968-37F0DD3FB73E}"/>
+    <pc:docChg chg="addSld delSld modSld sldOrd">
+      <pc:chgData name="Dragan Javorac" userId="S::d.javorac@ma-web.nl::913c2858-fb97-4c6e-a42c-b1f1a16b225e" providerId="AD" clId="Web-{F9DD05B4-3B30-40B3-8968-37F0DD3FB73E}" dt="2021-09-10T08:21:00.077" v="283" actId="14100"/>
+      <pc:docMkLst>
+        <pc:docMk/>
+      </pc:docMkLst>
+      <pc:sldChg chg="addSp delSp modSp ord">
+        <pc:chgData name="Dragan Javorac" userId="S::d.javorac@ma-web.nl::913c2858-fb97-4c6e-a42c-b1f1a16b225e" providerId="AD" clId="Web-{F9DD05B4-3B30-40B3-8968-37F0DD3FB73E}" dt="2021-09-10T08:21:00.077" v="283" actId="14100"/>
+        <pc:sldMkLst>
+          <pc:docMk/>
+          <pc:sldMk cId="0" sldId="266"/>
+        </pc:sldMkLst>
+        <pc:spChg chg="mod">
+          <ac:chgData name="Dragan Javorac" userId="S::d.javorac@ma-web.nl::913c2858-fb97-4c6e-a42c-b1f1a16b225e" providerId="AD" clId="Web-{F9DD05B4-3B30-40B3-8968-37F0DD3FB73E}" dt="2021-09-10T08:11:41.657" v="12" actId="20577"/>
+          <ac:spMkLst>
+            <pc:docMk/>
+            <pc:sldMk cId="0" sldId="266"/>
+            <ac:spMk id="123" creationId="{00000000-0000-0000-0000-000000000000}"/>
+          </ac:spMkLst>
+        </pc:spChg>
+        <pc:spChg chg="mod">
+          <ac:chgData name="Dragan Javorac" userId="S::d.javorac@ma-web.nl::913c2858-fb97-4c6e-a42c-b1f1a16b225e" providerId="AD" clId="Web-{F9DD05B4-3B30-40B3-8968-37F0DD3FB73E}" dt="2021-09-10T08:20:59.655" v="282" actId="20577"/>
+          <ac:spMkLst>
+            <pc:docMk/>
+            <pc:sldMk cId="0" sldId="266"/>
+            <ac:spMk id="124" creationId="{00000000-0000-0000-0000-000000000000}"/>
+          </ac:spMkLst>
+        </pc:spChg>
+        <pc:spChg chg="mod">
+          <ac:chgData name="Dragan Javorac" userId="S::d.javorac@ma-web.nl::913c2858-fb97-4c6e-a42c-b1f1a16b225e" providerId="AD" clId="Web-{F9DD05B4-3B30-40B3-8968-37F0DD3FB73E}" dt="2021-09-10T08:15:11.693" v="274" actId="20577"/>
+          <ac:spMkLst>
+            <pc:docMk/>
+            <pc:sldMk cId="0" sldId="266"/>
+            <ac:spMk id="126" creationId="{00000000-0000-0000-0000-000000000000}"/>
+          </ac:spMkLst>
+        </pc:spChg>
+        <pc:spChg chg="del">
+          <ac:chgData name="Dragan Javorac" userId="S::d.javorac@ma-web.nl::913c2858-fb97-4c6e-a42c-b1f1a16b225e" providerId="AD" clId="Web-{F9DD05B4-3B30-40B3-8968-37F0DD3FB73E}" dt="2021-09-10T08:12:14.330" v="66"/>
+          <ac:spMkLst>
+            <pc:docMk/>
+            <pc:sldMk cId="0" sldId="266"/>
+            <ac:spMk id="127" creationId="{00000000-0000-0000-0000-000000000000}"/>
+          </ac:spMkLst>
+        </pc:spChg>
+        <pc:picChg chg="add del mod">
+          <ac:chgData name="Dragan Javorac" userId="S::d.javorac@ma-web.nl::913c2858-fb97-4c6e-a42c-b1f1a16b225e" providerId="AD" clId="Web-{F9DD05B4-3B30-40B3-8968-37F0DD3FB73E}" dt="2021-09-10T08:15:39.757" v="276"/>
+          <ac:picMkLst>
+            <pc:docMk/>
+            <pc:sldMk cId="0" sldId="266"/>
+            <ac:picMk id="3" creationId="{A3B0DE03-AAA2-4B64-9ABD-E6698061F1BB}"/>
+          </ac:picMkLst>
+        </pc:picChg>
+        <pc:picChg chg="add del mod">
+          <ac:chgData name="Dragan Javorac" userId="S::d.javorac@ma-web.nl::913c2858-fb97-4c6e-a42c-b1f1a16b225e" providerId="AD" clId="Web-{F9DD05B4-3B30-40B3-8968-37F0DD3FB73E}" dt="2021-09-10T08:20:58.811" v="279"/>
+          <ac:picMkLst>
+            <pc:docMk/>
+            <pc:sldMk cId="0" sldId="266"/>
+            <ac:picMk id="4" creationId="{6B0B2F3F-A7DA-44A8-A9D5-E07B19C67DC5}"/>
+          </ac:picMkLst>
+        </pc:picChg>
+        <pc:picChg chg="add mod">
+          <ac:chgData name="Dragan Javorac" userId="S::d.javorac@ma-web.nl::913c2858-fb97-4c6e-a42c-b1f1a16b225e" providerId="AD" clId="Web-{F9DD05B4-3B30-40B3-8968-37F0DD3FB73E}" dt="2021-09-10T08:21:00.077" v="283" actId="14100"/>
+          <ac:picMkLst>
+            <pc:docMk/>
+            <pc:sldMk cId="0" sldId="266"/>
+            <ac:picMk id="5" creationId="{28EC5DD6-44F3-4ABD-B19C-D788953EFD09}"/>
+          </ac:picMkLst>
+        </pc:picChg>
+        <pc:picChg chg="del">
+          <ac:chgData name="Dragan Javorac" userId="S::d.javorac@ma-web.nl::913c2858-fb97-4c6e-a42c-b1f1a16b225e" providerId="AD" clId="Web-{F9DD05B4-3B30-40B3-8968-37F0DD3FB73E}" dt="2021-09-10T08:11:53.579" v="15"/>
+          <ac:picMkLst>
+            <pc:docMk/>
+            <pc:sldMk cId="0" sldId="266"/>
+            <ac:picMk id="125" creationId="{00000000-0000-0000-0000-000000000000}"/>
+          </ac:picMkLst>
+        </pc:picChg>
+      </pc:sldChg>
+      <pc:sldChg chg="add del replId">
+        <pc:chgData name="Dragan Javorac" userId="S::d.javorac@ma-web.nl::913c2858-fb97-4c6e-a42c-b1f1a16b225e" providerId="AD" clId="Web-{F9DD05B4-3B30-40B3-8968-37F0DD3FB73E}" dt="2021-09-10T08:11:30.954" v="2"/>
+        <pc:sldMkLst>
+          <pc:docMk/>
+          <pc:sldMk cId="1837386783" sldId="287"/>
+        </pc:sldMkLst>
+      </pc:sldChg>
+      <pc:sldChg chg="add replId">
+        <pc:chgData name="Dragan Javorac" userId="S::d.javorac@ma-web.nl::913c2858-fb97-4c6e-a42c-b1f1a16b225e" providerId="AD" clId="Web-{F9DD05B4-3B30-40B3-8968-37F0DD3FB73E}" dt="2021-09-10T08:11:29.250" v="1"/>
+        <pc:sldMkLst>
+          <pc:docMk/>
+          <pc:sldMk cId="2710829399" sldId="288"/>
+        </pc:sldMkLst>
+      </pc:sldChg>
+    </pc:docChg>
+  </pc:docChgLst>
+  <pc:docChgLst>
+    <pc:chgData name="Hidde Braun" userId="dd5b87d6-85a5-4271-8322-ce6e5fcd58d2" providerId="ADAL" clId="{FFBE348E-8B1D-A347-991A-5E80B4DF72B0}"/>
+    <pc:docChg chg="modSld">
+      <pc:chgData name="Hidde Braun" userId="dd5b87d6-85a5-4271-8322-ce6e5fcd58d2" providerId="ADAL" clId="{FFBE348E-8B1D-A347-991A-5E80B4DF72B0}" dt="2021-08-26T10:32:47.940" v="51" actId="20577"/>
+      <pc:docMkLst>
+        <pc:docMk/>
+      </pc:docMkLst>
+      <pc:sldChg chg="modSp mod">
+        <pc:chgData name="Hidde Braun" userId="dd5b87d6-85a5-4271-8322-ce6e5fcd58d2" providerId="ADAL" clId="{FFBE348E-8B1D-A347-991A-5E80B4DF72B0}" dt="2021-08-26T10:32:18.479" v="46" actId="20577"/>
+        <pc:sldMkLst>
+          <pc:docMk/>
+          <pc:sldMk cId="0" sldId="256"/>
+        </pc:sldMkLst>
+        <pc:spChg chg="mod">
+          <ac:chgData name="Hidde Braun" userId="dd5b87d6-85a5-4271-8322-ce6e5fcd58d2" providerId="ADAL" clId="{FFBE348E-8B1D-A347-991A-5E80B4DF72B0}" dt="2021-08-26T10:32:18.479" v="46" actId="20577"/>
+          <ac:spMkLst>
+            <pc:docMk/>
+            <pc:sldMk cId="0" sldId="256"/>
+            <ac:spMk id="54" creationId="{00000000-0000-0000-0000-000000000000}"/>
+          </ac:spMkLst>
+        </pc:spChg>
+      </pc:sldChg>
+      <pc:sldChg chg="modSp mod">
+        <pc:chgData name="Hidde Braun" userId="dd5b87d6-85a5-4271-8322-ce6e5fcd58d2" providerId="ADAL" clId="{FFBE348E-8B1D-A347-991A-5E80B4DF72B0}" dt="2021-08-26T10:32:28.758" v="47" actId="20577"/>
+        <pc:sldMkLst>
+          <pc:docMk/>
+          <pc:sldMk cId="0" sldId="261"/>
+        </pc:sldMkLst>
+        <pc:spChg chg="mod">
+          <ac:chgData name="Hidde Braun" userId="dd5b87d6-85a5-4271-8322-ce6e5fcd58d2" providerId="ADAL" clId="{FFBE348E-8B1D-A347-991A-5E80B4DF72B0}" dt="2021-08-26T10:29:53.416" v="1" actId="20577"/>
+          <ac:spMkLst>
+            <pc:docMk/>
+            <pc:sldMk cId="0" sldId="261"/>
+            <ac:spMk id="86" creationId="{00000000-0000-0000-0000-000000000000}"/>
+          </ac:spMkLst>
+        </pc:spChg>
+        <pc:spChg chg="mod">
+          <ac:chgData name="Hidde Braun" userId="dd5b87d6-85a5-4271-8322-ce6e5fcd58d2" providerId="ADAL" clId="{FFBE348E-8B1D-A347-991A-5E80B4DF72B0}" dt="2021-08-26T10:32:28.758" v="47" actId="20577"/>
+          <ac:spMkLst>
+            <pc:docMk/>
+            <pc:sldMk cId="0" sldId="261"/>
+            <ac:spMk id="87" creationId="{00000000-0000-0000-0000-000000000000}"/>
+          </ac:spMkLst>
+        </pc:spChg>
+      </pc:sldChg>
+      <pc:sldChg chg="modSp mod">
+        <pc:chgData name="Hidde Braun" userId="dd5b87d6-85a5-4271-8322-ce6e5fcd58d2" providerId="ADAL" clId="{FFBE348E-8B1D-A347-991A-5E80B4DF72B0}" dt="2021-08-26T10:32:35.152" v="48" actId="20577"/>
+        <pc:sldMkLst>
+          <pc:docMk/>
+          <pc:sldMk cId="0" sldId="263"/>
+        </pc:sldMkLst>
+        <pc:spChg chg="mod">
+          <ac:chgData name="Hidde Braun" userId="dd5b87d6-85a5-4271-8322-ce6e5fcd58d2" providerId="ADAL" clId="{FFBE348E-8B1D-A347-991A-5E80B4DF72B0}" dt="2021-08-26T10:32:35.152" v="48" actId="20577"/>
+          <ac:spMkLst>
+            <pc:docMk/>
+            <pc:sldMk cId="0" sldId="263"/>
+            <ac:spMk id="103" creationId="{00000000-0000-0000-0000-000000000000}"/>
+          </ac:spMkLst>
+        </pc:spChg>
+      </pc:sldChg>
+      <pc:sldChg chg="modSp mod">
+        <pc:chgData name="Hidde Braun" userId="dd5b87d6-85a5-4271-8322-ce6e5fcd58d2" providerId="ADAL" clId="{FFBE348E-8B1D-A347-991A-5E80B4DF72B0}" dt="2021-08-26T10:32:40.441" v="50" actId="20577"/>
+        <pc:sldMkLst>
+          <pc:docMk/>
+          <pc:sldMk cId="0" sldId="264"/>
+        </pc:sldMkLst>
+        <pc:spChg chg="mod">
+          <ac:chgData name="Hidde Braun" userId="dd5b87d6-85a5-4271-8322-ce6e5fcd58d2" providerId="ADAL" clId="{FFBE348E-8B1D-A347-991A-5E80B4DF72B0}" dt="2021-08-26T10:32:40.441" v="50" actId="20577"/>
+          <ac:spMkLst>
+            <pc:docMk/>
+            <pc:sldMk cId="0" sldId="264"/>
+            <ac:spMk id="110" creationId="{00000000-0000-0000-0000-000000000000}"/>
+          </ac:spMkLst>
+        </pc:spChg>
+      </pc:sldChg>
+      <pc:sldChg chg="modSp mod">
+        <pc:chgData name="Hidde Braun" userId="dd5b87d6-85a5-4271-8322-ce6e5fcd58d2" providerId="ADAL" clId="{FFBE348E-8B1D-A347-991A-5E80B4DF72B0}" dt="2021-08-26T10:31:39.229" v="43" actId="20577"/>
+        <pc:sldMkLst>
+          <pc:docMk/>
+          <pc:sldMk cId="0" sldId="266"/>
+        </pc:sldMkLst>
+        <pc:spChg chg="mod">
+          <ac:chgData name="Hidde Braun" userId="dd5b87d6-85a5-4271-8322-ce6e5fcd58d2" providerId="ADAL" clId="{FFBE348E-8B1D-A347-991A-5E80B4DF72B0}" dt="2021-08-26T10:31:39.229" v="43" actId="20577"/>
+          <ac:spMkLst>
+            <pc:docMk/>
+            <pc:sldMk cId="0" sldId="266"/>
+            <ac:spMk id="126" creationId="{00000000-0000-0000-0000-000000000000}"/>
+          </ac:spMkLst>
+        </pc:spChg>
+      </pc:sldChg>
+      <pc:sldChg chg="modSp mod">
+        <pc:chgData name="Hidde Braun" userId="dd5b87d6-85a5-4271-8322-ce6e5fcd58d2" providerId="ADAL" clId="{FFBE348E-8B1D-A347-991A-5E80B4DF72B0}" dt="2021-08-26T10:32:47.940" v="51" actId="20577"/>
+        <pc:sldMkLst>
+          <pc:docMk/>
+          <pc:sldMk cId="0" sldId="267"/>
+        </pc:sldMkLst>
+        <pc:spChg chg="mod">
+          <ac:chgData name="Hidde Braun" userId="dd5b87d6-85a5-4271-8322-ce6e5fcd58d2" providerId="ADAL" clId="{FFBE348E-8B1D-A347-991A-5E80B4DF72B0}" dt="2021-08-26T10:32:47.940" v="51" actId="20577"/>
+          <ac:spMkLst>
+            <pc:docMk/>
+            <pc:sldMk cId="0" sldId="267"/>
+            <ac:spMk id="133" creationId="{00000000-0000-0000-0000-000000000000}"/>
+          </ac:spMkLst>
+        </pc:spChg>
+      </pc:sldChg>
+    </pc:docChg>
+  </pc:docChgLst>
+  <pc:docChgLst>
+    <pc:chgData name="Theo den Blanken" userId="S::t.denblanken@ma-web.nl::3930183c-d2df-48c9-87a0-a6b49431dd0e" providerId="AD" clId="Web-{D7E9E388-3444-4763-56C3-738EF55A00BE}"/>
+    <pc:docChg chg="modSld">
+      <pc:chgData name="Theo den Blanken" userId="S::t.denblanken@ma-web.nl::3930183c-d2df-48c9-87a0-a6b49431dd0e" providerId="AD" clId="Web-{D7E9E388-3444-4763-56C3-738EF55A00BE}" dt="2020-09-15T08:47:05.214" v="2" actId="20577"/>
+      <pc:docMkLst>
+        <pc:docMk/>
+      </pc:docMkLst>
+      <pc:sldChg chg="modSp">
+        <pc:chgData name="Theo den Blanken" userId="S::t.denblanken@ma-web.nl::3930183c-d2df-48c9-87a0-a6b49431dd0e" providerId="AD" clId="Web-{D7E9E388-3444-4763-56C3-738EF55A00BE}" dt="2020-09-15T08:47:05.214" v="2" actId="20577"/>
+        <pc:sldMkLst>
+          <pc:docMk/>
+          <pc:sldMk cId="0" sldId="264"/>
+        </pc:sldMkLst>
+        <pc:spChg chg="mod">
+          <ac:chgData name="Theo den Blanken" userId="S::t.denblanken@ma-web.nl::3930183c-d2df-48c9-87a0-a6b49431dd0e" providerId="AD" clId="Web-{D7E9E388-3444-4763-56C3-738EF55A00BE}" dt="2020-09-15T08:47:05.214" v="2" actId="20577"/>
+          <ac:spMkLst>
+            <pc:docMk/>
+            <pc:sldMk cId="0" sldId="264"/>
+            <ac:spMk id="111" creationId="{00000000-0000-0000-0000-000000000000}"/>
+          </ac:spMkLst>
+        </pc:spChg>
+      </pc:sldChg>
+      <pc:sldChg chg="modSp">
+        <pc:chgData name="Theo den Blanken" userId="S::t.denblanken@ma-web.nl::3930183c-d2df-48c9-87a0-a6b49431dd0e" providerId="AD" clId="Web-{D7E9E388-3444-4763-56C3-738EF55A00BE}" dt="2020-09-15T08:44:58.907" v="1" actId="20577"/>
+        <pc:sldMkLst>
+          <pc:docMk/>
+          <pc:sldMk cId="0" sldId="268"/>
+        </pc:sldMkLst>
+        <pc:spChg chg="mod">
+          <ac:chgData name="Theo den Blanken" userId="S::t.denblanken@ma-web.nl::3930183c-d2df-48c9-87a0-a6b49431dd0e" providerId="AD" clId="Web-{D7E9E388-3444-4763-56C3-738EF55A00BE}" dt="2020-09-15T08:44:58.907" v="1" actId="20577"/>
+          <ac:spMkLst>
+            <pc:docMk/>
+            <pc:sldMk cId="0" sldId="268"/>
+            <ac:spMk id="142" creationId="{00000000-0000-0000-0000-000000000000}"/>
+          </ac:spMkLst>
+        </pc:spChg>
+      </pc:sldChg>
+    </pc:docChg>
+  </pc:docChgLst>
+  <pc:docChgLst>
+    <pc:chgData name="Theo den Blanken" userId="S::t.denblanken@ma-web.nl::3930183c-d2df-48c9-87a0-a6b49431dd0e" providerId="AD" clId="Web-{E332237D-9350-4CC4-9CA4-89D3C465EF36}"/>
+    <pc:docChg chg="modSld">
+      <pc:chgData name="Theo den Blanken" userId="S::t.denblanken@ma-web.nl::3930183c-d2df-48c9-87a0-a6b49431dd0e" providerId="AD" clId="Web-{E332237D-9350-4CC4-9CA4-89D3C465EF36}" dt="2020-09-20T10:55:41.229" v="42" actId="14100"/>
+      <pc:docMkLst>
+        <pc:docMk/>
+      </pc:docMkLst>
+      <pc:sldChg chg="addSp modSp">
+        <pc:chgData name="Theo den Blanken" userId="S::t.denblanken@ma-web.nl::3930183c-d2df-48c9-87a0-a6b49431dd0e" providerId="AD" clId="Web-{E332237D-9350-4CC4-9CA4-89D3C465EF36}" dt="2020-09-20T10:49:07.569" v="4" actId="1076"/>
+        <pc:sldMkLst>
+          <pc:docMk/>
+          <pc:sldMk cId="0" sldId="256"/>
+        </pc:sldMkLst>
+        <pc:spChg chg="mod">
+          <ac:chgData name="Theo den Blanken" userId="S::t.denblanken@ma-web.nl::3930183c-d2df-48c9-87a0-a6b49431dd0e" providerId="AD" clId="Web-{E332237D-9350-4CC4-9CA4-89D3C465EF36}" dt="2020-09-20T10:48:31.912" v="0" actId="20577"/>
+          <ac:spMkLst>
+            <pc:docMk/>
+            <pc:sldMk cId="0" sldId="256"/>
+            <ac:spMk id="55" creationId="{00000000-0000-0000-0000-000000000000}"/>
+          </ac:spMkLst>
+        </pc:spChg>
+        <pc:picChg chg="add mod">
+          <ac:chgData name="Theo den Blanken" userId="S::t.denblanken@ma-web.nl::3930183c-d2df-48c9-87a0-a6b49431dd0e" providerId="AD" clId="Web-{E332237D-9350-4CC4-9CA4-89D3C465EF36}" dt="2020-09-20T10:49:07.569" v="4" actId="1076"/>
+          <ac:picMkLst>
+            <pc:docMk/>
+            <pc:sldMk cId="0" sldId="256"/>
+            <ac:picMk id="2" creationId="{DF0D9B61-2351-48E4-87F3-3DDD13DD3682}"/>
+          </ac:picMkLst>
+        </pc:picChg>
+      </pc:sldChg>
+      <pc:sldChg chg="addSp modSp">
+        <pc:chgData name="Theo den Blanken" userId="S::t.denblanken@ma-web.nl::3930183c-d2df-48c9-87a0-a6b49431dd0e" providerId="AD" clId="Web-{E332237D-9350-4CC4-9CA4-89D3C465EF36}" dt="2020-09-20T10:52:57.478" v="21" actId="20577"/>
+        <pc:sldMkLst>
+          <pc:docMk/>
+          <pc:sldMk cId="0" sldId="265"/>
+        </pc:sldMkLst>
+        <pc:spChg chg="mod">
+          <ac:chgData name="Theo den Blanken" userId="S::t.denblanken@ma-web.nl::3930183c-d2df-48c9-87a0-a6b49431dd0e" providerId="AD" clId="Web-{E332237D-9350-4CC4-9CA4-89D3C465EF36}" dt="2020-09-20T10:52:57.478" v="21" actId="20577"/>
+          <ac:spMkLst>
+            <pc:docMk/>
+            <pc:sldMk cId="0" sldId="265"/>
+            <ac:spMk id="118" creationId="{00000000-0000-0000-0000-000000000000}"/>
+          </ac:spMkLst>
+        </pc:spChg>
+        <pc:picChg chg="add">
+          <ac:chgData name="Theo den Blanken" userId="S::t.denblanken@ma-web.nl::3930183c-d2df-48c9-87a0-a6b49431dd0e" providerId="AD" clId="Web-{E332237D-9350-4CC4-9CA4-89D3C465EF36}" dt="2020-09-20T10:49:21.100" v="5"/>
+          <ac:picMkLst>
+            <pc:docMk/>
+            <pc:sldMk cId="0" sldId="265"/>
+            <ac:picMk id="2" creationId="{68DEAF07-F8CE-4256-A849-9DAA5FA79599}"/>
+          </ac:picMkLst>
+        </pc:picChg>
+      </pc:sldChg>
+      <pc:sldChg chg="addSp modSp">
+        <pc:chgData name="Theo den Blanken" userId="S::t.denblanken@ma-web.nl::3930183c-d2df-48c9-87a0-a6b49431dd0e" providerId="AD" clId="Web-{E332237D-9350-4CC4-9CA4-89D3C465EF36}" dt="2020-09-20T10:54:18.416" v="28" actId="1076"/>
+        <pc:sldMkLst>
+          <pc:docMk/>
+          <pc:sldMk cId="0" sldId="266"/>
+        </pc:sldMkLst>
+        <pc:picChg chg="add mod">
+          <ac:chgData name="Theo den Blanken" userId="S::t.denblanken@ma-web.nl::3930183c-d2df-48c9-87a0-a6b49431dd0e" providerId="AD" clId="Web-{E332237D-9350-4CC4-9CA4-89D3C465EF36}" dt="2020-09-20T10:54:18.416" v="28" actId="1076"/>
+          <ac:picMkLst>
+            <pc:docMk/>
+            <pc:sldMk cId="0" sldId="266"/>
+            <ac:picMk id="2" creationId="{29EBCF2B-02D4-4A90-B36F-0E010945E346}"/>
+          </ac:picMkLst>
+        </pc:picChg>
+      </pc:sldChg>
+      <pc:sldChg chg="addSp">
+        <pc:chgData name="Theo den Blanken" userId="S::t.denblanken@ma-web.nl::3930183c-d2df-48c9-87a0-a6b49431dd0e" providerId="AD" clId="Web-{E332237D-9350-4CC4-9CA4-89D3C465EF36}" dt="2020-09-20T10:54:31.932" v="29"/>
+        <pc:sldMkLst>
+          <pc:docMk/>
+          <pc:sldMk cId="0" sldId="267"/>
+        </pc:sldMkLst>
+        <pc:picChg chg="add">
+          <ac:chgData name="Theo den Blanken" userId="S::t.denblanken@ma-web.nl::3930183c-d2df-48c9-87a0-a6b49431dd0e" providerId="AD" clId="Web-{E332237D-9350-4CC4-9CA4-89D3C465EF36}" dt="2020-09-20T10:54:31.932" v="29"/>
+          <ac:picMkLst>
+            <pc:docMk/>
+            <pc:sldMk cId="0" sldId="267"/>
+            <ac:picMk id="2" creationId="{764F4A1A-0F91-4848-B824-BC360B4A69DE}"/>
+          </ac:picMkLst>
+        </pc:picChg>
+      </pc:sldChg>
+      <pc:sldChg chg="addSp">
+        <pc:chgData name="Theo den Blanken" userId="S::t.denblanken@ma-web.nl::3930183c-d2df-48c9-87a0-a6b49431dd0e" providerId="AD" clId="Web-{E332237D-9350-4CC4-9CA4-89D3C465EF36}" dt="2020-09-20T10:54:36.026" v="30"/>
+        <pc:sldMkLst>
+          <pc:docMk/>
+          <pc:sldMk cId="0" sldId="268"/>
+        </pc:sldMkLst>
+        <pc:picChg chg="add">
+          <ac:chgData name="Theo den Blanken" userId="S::t.denblanken@ma-web.nl::3930183c-d2df-48c9-87a0-a6b49431dd0e" providerId="AD" clId="Web-{E332237D-9350-4CC4-9CA4-89D3C465EF36}" dt="2020-09-20T10:54:36.026" v="30"/>
+          <ac:picMkLst>
+            <pc:docMk/>
+            <pc:sldMk cId="0" sldId="268"/>
+            <ac:picMk id="2" creationId="{F7670763-1CAF-493E-8775-AD21EBFC7761}"/>
+          </ac:picMkLst>
+        </pc:picChg>
+      </pc:sldChg>
+      <pc:sldChg chg="addSp">
+        <pc:chgData name="Theo den Blanken" userId="S::t.denblanken@ma-web.nl::3930183c-d2df-48c9-87a0-a6b49431dd0e" providerId="AD" clId="Web-{E332237D-9350-4CC4-9CA4-89D3C465EF36}" dt="2020-09-20T10:54:42.119" v="31"/>
+        <pc:sldMkLst>
+          <pc:docMk/>
+          <pc:sldMk cId="0" sldId="269"/>
+        </pc:sldMkLst>
+        <pc:picChg chg="add">
+          <ac:chgData name="Theo den Blanken" userId="S::t.denblanken@ma-web.nl::3930183c-d2df-48c9-87a0-a6b49431dd0e" providerId="AD" clId="Web-{E332237D-9350-4CC4-9CA4-89D3C465EF36}" dt="2020-09-20T10:54:42.119" v="31"/>
+          <ac:picMkLst>
+            <pc:docMk/>
+            <pc:sldMk cId="0" sldId="269"/>
+            <ac:picMk id="2" creationId="{163D86EE-7824-4A53-AA0C-7915644C84D4}"/>
+          </ac:picMkLst>
+        </pc:picChg>
+      </pc:sldChg>
+      <pc:sldChg chg="addSp modSp">
+        <pc:chgData name="Theo den Blanken" userId="S::t.denblanken@ma-web.nl::3930183c-d2df-48c9-87a0-a6b49431dd0e" providerId="AD" clId="Web-{E332237D-9350-4CC4-9CA4-89D3C465EF36}" dt="2020-09-20T10:54:44.182" v="32"/>
+        <pc:sldMkLst>
+          <pc:docMk/>
+          <pc:sldMk cId="0" sldId="270"/>
+        </pc:sldMkLst>
+        <pc:spChg chg="mod">
+          <ac:chgData name="Theo den Blanken" userId="S::t.denblanken@ma-web.nl::3930183c-d2df-48c9-87a0-a6b49431dd0e" providerId="AD" clId="Web-{E332237D-9350-4CC4-9CA4-89D3C465EF36}" dt="2020-09-20T10:53:21.056" v="23" actId="20577"/>
+          <ac:spMkLst>
+            <pc:docMk/>
+            <pc:sldMk cId="0" sldId="270"/>
+            <ac:spMk id="156" creationId="{00000000-0000-0000-0000-000000000000}"/>
+          </ac:spMkLst>
+        </pc:spChg>
+        <pc:picChg chg="add">
+          <ac:chgData name="Theo den Blanken" userId="S::t.denblanken@ma-web.nl::3930183c-d2df-48c9-87a0-a6b49431dd0e" providerId="AD" clId="Web-{E332237D-9350-4CC4-9CA4-89D3C465EF36}" dt="2020-09-20T10:54:44.182" v="32"/>
+          <ac:picMkLst>
+            <pc:docMk/>
+            <pc:sldMk cId="0" sldId="270"/>
+            <ac:picMk id="2" creationId="{CB91B26E-3311-46BD-83AC-D6218A6563ED}"/>
+          </ac:picMkLst>
+        </pc:picChg>
+      </pc:sldChg>
+      <pc:sldChg chg="addSp">
+        <pc:chgData name="Theo den Blanken" userId="S::t.denblanken@ma-web.nl::3930183c-d2df-48c9-87a0-a6b49431dd0e" providerId="AD" clId="Web-{E332237D-9350-4CC4-9CA4-89D3C465EF36}" dt="2020-09-20T10:49:26.319" v="6"/>
+        <pc:sldMkLst>
+          <pc:docMk/>
+          <pc:sldMk cId="0" sldId="271"/>
+        </pc:sldMkLst>
+        <pc:picChg chg="add">
+          <ac:chgData name="Theo den Blanken" userId="S::t.denblanken@ma-web.nl::3930183c-d2df-48c9-87a0-a6b49431dd0e" providerId="AD" clId="Web-{E332237D-9350-4CC4-9CA4-89D3C465EF36}" dt="2020-09-20T10:49:26.319" v="6"/>
+          <ac:picMkLst>
+            <pc:docMk/>
+            <pc:sldMk cId="0" sldId="271"/>
+            <ac:picMk id="2" creationId="{059DD54D-5BD3-4894-B0F1-B3A7321E7653}"/>
+          </ac:picMkLst>
+        </pc:picChg>
+      </pc:sldChg>
+      <pc:sldChg chg="addSp modSp">
+        <pc:chgData name="Theo den Blanken" userId="S::t.denblanken@ma-web.nl::3930183c-d2df-48c9-87a0-a6b49431dd0e" providerId="AD" clId="Web-{E332237D-9350-4CC4-9CA4-89D3C465EF36}" dt="2020-09-20T10:55:01.385" v="35"/>
+        <pc:sldMkLst>
+          <pc:docMk/>
+          <pc:sldMk cId="0" sldId="274"/>
+        </pc:sldMkLst>
+        <pc:spChg chg="mod">
+          <ac:chgData name="Theo den Blanken" userId="S::t.denblanken@ma-web.nl::3930183c-d2df-48c9-87a0-a6b49431dd0e" providerId="AD" clId="Web-{E332237D-9350-4CC4-9CA4-89D3C465EF36}" dt="2020-09-20T10:54:59.307" v="34" actId="20577"/>
+          <ac:spMkLst>
+            <pc:docMk/>
+            <pc:sldMk cId="0" sldId="274"/>
+            <ac:spMk id="188" creationId="{00000000-0000-0000-0000-000000000000}"/>
+          </ac:spMkLst>
+        </pc:spChg>
+        <pc:picChg chg="add">
+          <ac:chgData name="Theo den Blanken" userId="S::t.denblanken@ma-web.nl::3930183c-d2df-48c9-87a0-a6b49431dd0e" providerId="AD" clId="Web-{E332237D-9350-4CC4-9CA4-89D3C465EF36}" dt="2020-09-20T10:55:01.385" v="35"/>
+          <ac:picMkLst>
+            <pc:docMk/>
+            <pc:sldMk cId="0" sldId="274"/>
+            <ac:picMk id="2" creationId="{8D687D8E-0697-492E-AD10-001516C71391}"/>
+          </ac:picMkLst>
+        </pc:picChg>
+      </pc:sldChg>
+      <pc:sldChg chg="addSp modSp">
+        <pc:chgData name="Theo den Blanken" userId="S::t.denblanken@ma-web.nl::3930183c-d2df-48c9-87a0-a6b49431dd0e" providerId="AD" clId="Web-{E332237D-9350-4CC4-9CA4-89D3C465EF36}" dt="2020-09-20T10:55:07.776" v="36"/>
+        <pc:sldMkLst>
+          <pc:docMk/>
+          <pc:sldMk cId="0" sldId="275"/>
+        </pc:sldMkLst>
+        <pc:spChg chg="mod">
+          <ac:chgData name="Theo den Blanken" userId="S::t.denblanken@ma-web.nl::3930183c-d2df-48c9-87a0-a6b49431dd0e" providerId="AD" clId="Web-{E332237D-9350-4CC4-9CA4-89D3C465EF36}" dt="2020-09-20T10:53:47.978" v="25" actId="20577"/>
+          <ac:spMkLst>
+            <pc:docMk/>
+            <pc:sldMk cId="0" sldId="275"/>
+            <ac:spMk id="196" creationId="{00000000-0000-0000-0000-000000000000}"/>
+          </ac:spMkLst>
+        </pc:spChg>
+        <pc:picChg chg="add">
+          <ac:chgData name="Theo den Blanken" userId="S::t.denblanken@ma-web.nl::3930183c-d2df-48c9-87a0-a6b49431dd0e" providerId="AD" clId="Web-{E332237D-9350-4CC4-9CA4-89D3C465EF36}" dt="2020-09-20T10:55:07.776" v="36"/>
+          <ac:picMkLst>
+            <pc:docMk/>
+            <pc:sldMk cId="0" sldId="275"/>
+            <ac:picMk id="2" creationId="{8CAD382E-9227-448F-A5FD-B3CA9796732C}"/>
+          </ac:picMkLst>
+        </pc:picChg>
+      </pc:sldChg>
+      <pc:sldChg chg="addSp modSp">
+        <pc:chgData name="Theo den Blanken" userId="S::t.denblanken@ma-web.nl::3930183c-d2df-48c9-87a0-a6b49431dd0e" providerId="AD" clId="Web-{E332237D-9350-4CC4-9CA4-89D3C465EF36}" dt="2020-09-20T10:50:21.179" v="8" actId="1076"/>
+        <pc:sldMkLst>
+          <pc:docMk/>
+          <pc:sldMk cId="0" sldId="276"/>
+        </pc:sldMkLst>
+        <pc:picChg chg="add mod">
+          <ac:chgData name="Theo den Blanken" userId="S::t.denblanken@ma-web.nl::3930183c-d2df-48c9-87a0-a6b49431dd0e" providerId="AD" clId="Web-{E332237D-9350-4CC4-9CA4-89D3C465EF36}" dt="2020-09-20T10:50:21.179" v="8" actId="1076"/>
+          <ac:picMkLst>
+            <pc:docMk/>
+            <pc:sldMk cId="0" sldId="276"/>
+            <ac:picMk id="2" creationId="{99DDC664-A5E4-481D-A7CD-5BAB3BBCD241}"/>
+          </ac:picMkLst>
+        </pc:picChg>
+      </pc:sldChg>
+      <pc:sldChg chg="addSp modSp">
+        <pc:chgData name="Theo den Blanken" userId="S::t.denblanken@ma-web.nl::3930183c-d2df-48c9-87a0-a6b49431dd0e" providerId="AD" clId="Web-{E332237D-9350-4CC4-9CA4-89D3C465EF36}" dt="2020-09-20T10:55:41.229" v="42" actId="14100"/>
+        <pc:sldMkLst>
+          <pc:docMk/>
+          <pc:sldMk cId="0" sldId="277"/>
+        </pc:sldMkLst>
+        <pc:picChg chg="add mod">
+          <ac:chgData name="Theo den Blanken" userId="S::t.denblanken@ma-web.nl::3930183c-d2df-48c9-87a0-a6b49431dd0e" providerId="AD" clId="Web-{E332237D-9350-4CC4-9CA4-89D3C465EF36}" dt="2020-09-20T10:55:41.229" v="42" actId="14100"/>
+          <ac:picMkLst>
+            <pc:docMk/>
+            <pc:sldMk cId="0" sldId="277"/>
+            <ac:picMk id="2" creationId="{3B40BF36-7D02-46B3-9497-15EF4E346699}"/>
+          </ac:picMkLst>
+        </pc:picChg>
+      </pc:sldChg>
+      <pc:sldChg chg="addSp modSp">
+        <pc:chgData name="Theo den Blanken" userId="S::t.denblanken@ma-web.nl::3930183c-d2df-48c9-87a0-a6b49431dd0e" providerId="AD" clId="Web-{E332237D-9350-4CC4-9CA4-89D3C465EF36}" dt="2020-09-20T10:55:18.057" v="38"/>
+        <pc:sldMkLst>
+          <pc:docMk/>
+          <pc:sldMk cId="0" sldId="278"/>
+        </pc:sldMkLst>
+        <pc:spChg chg="mod">
+          <ac:chgData name="Theo den Blanken" userId="S::t.denblanken@ma-web.nl::3930183c-d2df-48c9-87a0-a6b49431dd0e" providerId="AD" clId="Web-{E332237D-9350-4CC4-9CA4-89D3C465EF36}" dt="2020-09-20T10:51:17.133" v="15" actId="20577"/>
+          <ac:spMkLst>
+            <pc:docMk/>
+            <pc:sldMk cId="0" sldId="278"/>
+            <ac:spMk id="218" creationId="{00000000-0000-0000-0000-000000000000}"/>
+          </ac:spMkLst>
+        </pc:spChg>
+        <pc:spChg chg="mod">
+          <ac:chgData name="Theo den Blanken" userId="S::t.denblanken@ma-web.nl::3930183c-d2df-48c9-87a0-a6b49431dd0e" providerId="AD" clId="Web-{E332237D-9350-4CC4-9CA4-89D3C465EF36}" dt="2020-09-20T10:51:51.102" v="17" actId="20577"/>
+          <ac:spMkLst>
+            <pc:docMk/>
+            <pc:sldMk cId="0" sldId="278"/>
+            <ac:spMk id="219" creationId="{00000000-0000-0000-0000-000000000000}"/>
+          </ac:spMkLst>
+        </pc:spChg>
+        <pc:picChg chg="add">
+          <ac:chgData name="Theo den Blanken" userId="S::t.denblanken@ma-web.nl::3930183c-d2df-48c9-87a0-a6b49431dd0e" providerId="AD" clId="Web-{E332237D-9350-4CC4-9CA4-89D3C465EF36}" dt="2020-09-20T10:55:18.057" v="38"/>
+          <ac:picMkLst>
+            <pc:docMk/>
+            <pc:sldMk cId="0" sldId="278"/>
+            <ac:picMk id="2" creationId="{1BA6A3F7-5F4E-4FFE-865F-31C746F7DEE8}"/>
+          </ac:picMkLst>
+        </pc:picChg>
+      </pc:sldChg>
+      <pc:sldChg chg="addSp modSp">
+        <pc:chgData name="Theo den Blanken" userId="S::t.denblanken@ma-web.nl::3930183c-d2df-48c9-87a0-a6b49431dd0e" providerId="AD" clId="Web-{E332237D-9350-4CC4-9CA4-89D3C465EF36}" dt="2020-09-20T10:55:14.573" v="37"/>
+        <pc:sldMkLst>
+          <pc:docMk/>
+          <pc:sldMk cId="0" sldId="279"/>
+        </pc:sldMkLst>
+        <pc:spChg chg="mod">
+          <ac:chgData name="Theo den Blanken" userId="S::t.denblanken@ma-web.nl::3930183c-d2df-48c9-87a0-a6b49431dd0e" providerId="AD" clId="Web-{E332237D-9350-4CC4-9CA4-89D3C465EF36}" dt="2020-09-20T10:52:25.602" v="19" actId="20577"/>
+          <ac:spMkLst>
+            <pc:docMk/>
+            <pc:sldMk cId="0" sldId="279"/>
+            <ac:spMk id="226" creationId="{00000000-0000-0000-0000-000000000000}"/>
+          </ac:spMkLst>
+        </pc:spChg>
+        <pc:picChg chg="add">
+          <ac:chgData name="Theo den Blanken" userId="S::t.denblanken@ma-web.nl::3930183c-d2df-48c9-87a0-a6b49431dd0e" providerId="AD" clId="Web-{E332237D-9350-4CC4-9CA4-89D3C465EF36}" dt="2020-09-20T10:55:14.573" v="37"/>
+          <ac:picMkLst>
+            <pc:docMk/>
+            <pc:sldMk cId="0" sldId="279"/>
+            <ac:picMk id="2" creationId="{5AD4DF15-780F-434A-989C-A2507A33000A}"/>
+          </ac:picMkLst>
+        </pc:picChg>
+      </pc:sldChg>
+    </pc:docChg>
+  </pc:docChgLst>
+  <pc:docChgLst>
+    <pc:chgData name="Gaël Griffith" userId="S::25393@ma-web.nl::6be9e67f-10d8-411a-9f9d-6868b1a89518" providerId="AD" clId="Web-{9770246A-E0B9-462A-B7F5-B1948BF31F61}"/>
+    <pc:docChg chg="modSld">
+      <pc:chgData name="Gaël Griffith" userId="S::25393@ma-web.nl::6be9e67f-10d8-411a-9f9d-6868b1a89518" providerId="AD" clId="Web-{9770246A-E0B9-462A-B7F5-B1948BF31F61}" dt="2020-09-15T11:59:22.850" v="0" actId="1076"/>
+      <pc:docMkLst>
+        <pc:docMk/>
+      </pc:docMkLst>
+      <pc:sldChg chg="modSp">
+        <pc:chgData name="Gaël Griffith" userId="S::25393@ma-web.nl::6be9e67f-10d8-411a-9f9d-6868b1a89518" providerId="AD" clId="Web-{9770246A-E0B9-462A-B7F5-B1948BF31F61}" dt="2020-09-15T11:59:22.850" v="0" actId="1076"/>
+        <pc:sldMkLst>
+          <pc:docMk/>
+          <pc:sldMk cId="0" sldId="256"/>
+        </pc:sldMkLst>
+        <pc:spChg chg="mod">
+          <ac:chgData name="Gaël Griffith" userId="S::25393@ma-web.nl::6be9e67f-10d8-411a-9f9d-6868b1a89518" providerId="AD" clId="Web-{9770246A-E0B9-462A-B7F5-B1948BF31F61}" dt="2020-09-15T11:59:22.850" v="0" actId="1076"/>
+          <ac:spMkLst>
+            <pc:docMk/>
+            <pc:sldMk cId="0" sldId="256"/>
+            <ac:spMk id="54" creationId="{00000000-0000-0000-0000-000000000000}"/>
+          </ac:spMkLst>
+        </pc:spChg>
+      </pc:sldChg>
+    </pc:docChg>
+  </pc:docChgLst>
+  <pc:docChgLst>
+    <pc:chgData name="Dragan Javorac" userId="S::d.javorac@ma-web.nl::913c2858-fb97-4c6e-a42c-b1f1a16b225e" providerId="AD" clId="Web-{258425E5-4C16-47EA-90C4-4C25AE509D14}"/>
+    <pc:docChg chg="modSld">
+      <pc:chgData name="Dragan Javorac" userId="S::d.javorac@ma-web.nl::913c2858-fb97-4c6e-a42c-b1f1a16b225e" providerId="AD" clId="Web-{258425E5-4C16-47EA-90C4-4C25AE509D14}" dt="2021-09-13T11:03:03.348" v="5" actId="20577"/>
+      <pc:docMkLst>
+        <pc:docMk/>
+      </pc:docMkLst>
+      <pc:sldChg chg="modSp">
+        <pc:chgData name="Dragan Javorac" userId="S::d.javorac@ma-web.nl::913c2858-fb97-4c6e-a42c-b1f1a16b225e" providerId="AD" clId="Web-{258425E5-4C16-47EA-90C4-4C25AE509D14}" dt="2021-09-13T11:03:03.348" v="5" actId="20577"/>
+        <pc:sldMkLst>
+          <pc:docMk/>
+          <pc:sldMk cId="0" sldId="260"/>
+        </pc:sldMkLst>
+        <pc:spChg chg="mod">
+          <ac:chgData name="Dragan Javorac" userId="S::d.javorac@ma-web.nl::913c2858-fb97-4c6e-a42c-b1f1a16b225e" providerId="AD" clId="Web-{258425E5-4C16-47EA-90C4-4C25AE509D14}" dt="2021-09-13T11:03:03.348" v="5" actId="20577"/>
+          <ac:spMkLst>
+            <pc:docMk/>
+            <pc:sldMk cId="0" sldId="260"/>
+            <ac:spMk id="78" creationId="{00000000-0000-0000-0000-000000000000}"/>
+          </ac:spMkLst>
+        </pc:spChg>
+      </pc:sldChg>
+    </pc:docChg>
+  </pc:docChgLst>
+  <pc:docChgLst>
+    <pc:chgData name="Dragan Javorac" userId="913c2858-fb97-4c6e-a42c-b1f1a16b225e" providerId="ADAL" clId="{5AC97985-0A90-4BAD-81FB-88F74D5EE673}"/>
+    <pc:docChg chg="modSld modMainMaster">
+      <pc:chgData name="Dragan Javorac" userId="913c2858-fb97-4c6e-a42c-b1f1a16b225e" providerId="ADAL" clId="{5AC97985-0A90-4BAD-81FB-88F74D5EE673}" dt="2022-09-12T12:06:47.423" v="80"/>
+      <pc:docMkLst>
+        <pc:docMk/>
+      </pc:docMkLst>
+      <pc:sldChg chg="setBg">
+        <pc:chgData name="Dragan Javorac" userId="913c2858-fb97-4c6e-a42c-b1f1a16b225e" providerId="ADAL" clId="{5AC97985-0A90-4BAD-81FB-88F74D5EE673}" dt="2022-09-12T12:06:47.423" v="80"/>
+        <pc:sldMkLst>
+          <pc:docMk/>
+          <pc:sldMk cId="1710459310" sldId="312"/>
+        </pc:sldMkLst>
+      </pc:sldChg>
+      <pc:sldMasterChg chg="setBg modSldLayout">
+        <pc:chgData name="Dragan Javorac" userId="913c2858-fb97-4c6e-a42c-b1f1a16b225e" providerId="ADAL" clId="{5AC97985-0A90-4BAD-81FB-88F74D5EE673}" dt="2022-09-12T12:06:47.423" v="80"/>
+        <pc:sldMasterMkLst>
+          <pc:docMk/>
+          <pc:sldMasterMk cId="0" sldId="2147483659"/>
+        </pc:sldMasterMkLst>
+        <pc:sldLayoutChg chg="setBg">
+          <pc:chgData name="Dragan Javorac" userId="913c2858-fb97-4c6e-a42c-b1f1a16b225e" providerId="ADAL" clId="{5AC97985-0A90-4BAD-81FB-88F74D5EE673}" dt="2022-09-12T12:06:47.423" v="80"/>
+          <pc:sldLayoutMkLst>
+            <pc:docMk/>
+            <pc:sldMasterMk cId="0" sldId="2147483659"/>
+            <pc:sldLayoutMk cId="0" sldId="2147483648"/>
+          </pc:sldLayoutMkLst>
+        </pc:sldLayoutChg>
+        <pc:sldLayoutChg chg="setBg">
+          <pc:chgData name="Dragan Javorac" userId="913c2858-fb97-4c6e-a42c-b1f1a16b225e" providerId="ADAL" clId="{5AC97985-0A90-4BAD-81FB-88F74D5EE673}" dt="2022-09-12T12:06:47.423" v="80"/>
+          <pc:sldLayoutMkLst>
+            <pc:docMk/>
+            <pc:sldMasterMk cId="0" sldId="2147483659"/>
+            <pc:sldLayoutMk cId="0" sldId="2147483649"/>
+          </pc:sldLayoutMkLst>
+        </pc:sldLayoutChg>
+        <pc:sldLayoutChg chg="setBg">
+          <pc:chgData name="Dragan Javorac" userId="913c2858-fb97-4c6e-a42c-b1f1a16b225e" providerId="ADAL" clId="{5AC97985-0A90-4BAD-81FB-88F74D5EE673}" dt="2022-09-12T12:06:47.423" v="80"/>
+          <pc:sldLayoutMkLst>
+            <pc:docMk/>
+            <pc:sldMasterMk cId="0" sldId="2147483659"/>
+            <pc:sldLayoutMk cId="0" sldId="2147483650"/>
+          </pc:sldLayoutMkLst>
+        </pc:sldLayoutChg>
+        <pc:sldLayoutChg chg="setBg">
+          <pc:chgData name="Dragan Javorac" userId="913c2858-fb97-4c6e-a42c-b1f1a16b225e" providerId="ADAL" clId="{5AC97985-0A90-4BAD-81FB-88F74D5EE673}" dt="2022-09-12T12:06:47.423" v="80"/>
+          <pc:sldLayoutMkLst>
+            <pc:docMk/>
+            <pc:sldMasterMk cId="0" sldId="2147483659"/>
+            <pc:sldLayoutMk cId="0" sldId="2147483651"/>
+          </pc:sldLayoutMkLst>
+        </pc:sldLayoutChg>
+        <pc:sldLayoutChg chg="setBg">
+          <pc:chgData name="Dragan Javorac" userId="913c2858-fb97-4c6e-a42c-b1f1a16b225e" providerId="ADAL" clId="{5AC97985-0A90-4BAD-81FB-88F74D5EE673}" dt="2022-09-12T12:06:47.423" v="80"/>
+          <pc:sldLayoutMkLst>
+            <pc:docMk/>
+            <pc:sldMasterMk cId="0" sldId="2147483659"/>
+            <pc:sldLayoutMk cId="0" sldId="2147483652"/>
+          </pc:sldLayoutMkLst>
+        </pc:sldLayoutChg>
+        <pc:sldLayoutChg chg="setBg">
+          <pc:chgData name="Dragan Javorac" userId="913c2858-fb97-4c6e-a42c-b1f1a16b225e" providerId="ADAL" clId="{5AC97985-0A90-4BAD-81FB-88F74D5EE673}" dt="2022-09-12T12:06:47.423" v="80"/>
+          <pc:sldLayoutMkLst>
+            <pc:docMk/>
+            <pc:sldMasterMk cId="0" sldId="2147483659"/>
+            <pc:sldLayoutMk cId="0" sldId="2147483653"/>
+          </pc:sldLayoutMkLst>
+        </pc:sldLayoutChg>
+        <pc:sldLayoutChg chg="setBg">
+          <pc:chgData name="Dragan Javorac" userId="913c2858-fb97-4c6e-a42c-b1f1a16b225e" providerId="ADAL" clId="{5AC97985-0A90-4BAD-81FB-88F74D5EE673}" dt="2022-09-12T12:06:47.423" v="80"/>
+          <pc:sldLayoutMkLst>
+            <pc:docMk/>
+            <pc:sldMasterMk cId="0" sldId="2147483659"/>
+            <pc:sldLayoutMk cId="0" sldId="2147483654"/>
+          </pc:sldLayoutMkLst>
+        </pc:sldLayoutChg>
+        <pc:sldLayoutChg chg="setBg">
+          <pc:chgData name="Dragan Javorac" userId="913c2858-fb97-4c6e-a42c-b1f1a16b225e" providerId="ADAL" clId="{5AC97985-0A90-4BAD-81FB-88F74D5EE673}" dt="2022-09-12T12:06:47.423" v="80"/>
+          <pc:sldLayoutMkLst>
+            <pc:docMk/>
+            <pc:sldMasterMk cId="0" sldId="2147483659"/>
+            <pc:sldLayoutMk cId="0" sldId="2147483655"/>
+          </pc:sldLayoutMkLst>
+        </pc:sldLayoutChg>
+        <pc:sldLayoutChg chg="setBg">
+          <pc:chgData name="Dragan Javorac" userId="913c2858-fb97-4c6e-a42c-b1f1a16b225e" providerId="ADAL" clId="{5AC97985-0A90-4BAD-81FB-88F74D5EE673}" dt="2022-09-12T12:06:47.423" v="80"/>
+          <pc:sldLayoutMkLst>
+            <pc:docMk/>
+            <pc:sldMasterMk cId="0" sldId="2147483659"/>
+            <pc:sldLayoutMk cId="0" sldId="2147483656"/>
+          </pc:sldLayoutMkLst>
+        </pc:sldLayoutChg>
+        <pc:sldLayoutChg chg="setBg">
+          <pc:chgData name="Dragan Javorac" userId="913c2858-fb97-4c6e-a42c-b1f1a16b225e" providerId="ADAL" clId="{5AC97985-0A90-4BAD-81FB-88F74D5EE673}" dt="2022-09-12T12:06:47.423" v="80"/>
+          <pc:sldLayoutMkLst>
+            <pc:docMk/>
+            <pc:sldMasterMk cId="0" sldId="2147483659"/>
+            <pc:sldLayoutMk cId="0" sldId="2147483657"/>
+          </pc:sldLayoutMkLst>
+        </pc:sldLayoutChg>
+      </pc:sldMasterChg>
+    </pc:docChg>
+  </pc:docChgLst>
+  <pc:docChgLst>
     <pc:chgData name="Byron van Herrewaarden" userId="S::22826@ma-web.nl::5cb2fe25-37e9-44a0-bab9-598d4f7a020f" providerId="AD" clId="Web-{5D5314C7-74CC-4643-BA56-4B1FE4326F85}"/>
     <pc:docChg chg="modSld">
       <pc:chgData name="Byron van Herrewaarden" userId="S::22826@ma-web.nl::5cb2fe25-37e9-44a0-bab9-598d4f7a020f" providerId="AD" clId="Web-{5D5314C7-74CC-4643-BA56-4B1FE4326F85}" dt="2020-09-22T12:18:13.170" v="1" actId="1076"/>
@@ -309,6 +3143,747 @@
           </ac:spMkLst>
         </pc:spChg>
       </pc:sldChg>
+    </pc:docChg>
+  </pc:docChgLst>
+  <pc:docChgLst>
+    <pc:chgData name="Theo den Blanken" userId="S::t.denblanken@ma-web.nl::3930183c-d2df-48c9-87a0-a6b49431dd0e" providerId="AD" clId="Web-{8DE76574-72CB-42D5-B5AE-8B943B924FB4}"/>
+    <pc:docChg chg="sldOrd">
+      <pc:chgData name="Theo den Blanken" userId="S::t.denblanken@ma-web.nl::3930183c-d2df-48c9-87a0-a6b49431dd0e" providerId="AD" clId="Web-{8DE76574-72CB-42D5-B5AE-8B943B924FB4}" dt="2020-09-22T12:08:39.803" v="0"/>
+      <pc:docMkLst>
+        <pc:docMk/>
+      </pc:docMkLst>
+      <pc:sldChg chg="ord">
+        <pc:chgData name="Theo den Blanken" userId="S::t.denblanken@ma-web.nl::3930183c-d2df-48c9-87a0-a6b49431dd0e" providerId="AD" clId="Web-{8DE76574-72CB-42D5-B5AE-8B943B924FB4}" dt="2020-09-22T12:08:39.803" v="0"/>
+        <pc:sldMkLst>
+          <pc:docMk/>
+          <pc:sldMk cId="3498386614" sldId="280"/>
+        </pc:sldMkLst>
+      </pc:sldChg>
+    </pc:docChg>
+  </pc:docChgLst>
+  <pc:docChgLst>
+    <pc:chgData name="Theo den Blanken" userId="S::t.denblanken@ma-web.nl::3930183c-d2df-48c9-87a0-a6b49431dd0e" providerId="AD" clId="Web-{0B48A62D-765A-4A9F-9A55-72A06796F534}"/>
+    <pc:docChg chg="addSld modSld">
+      <pc:chgData name="Theo den Blanken" userId="S::t.denblanken@ma-web.nl::3930183c-d2df-48c9-87a0-a6b49431dd0e" providerId="AD" clId="Web-{0B48A62D-765A-4A9F-9A55-72A06796F534}" dt="2020-09-22T07:55:25.765" v="209" actId="20577"/>
+      <pc:docMkLst>
+        <pc:docMk/>
+      </pc:docMkLst>
+      <pc:sldChg chg="modSp">
+        <pc:chgData name="Theo den Blanken" userId="S::t.denblanken@ma-web.nl::3930183c-d2df-48c9-87a0-a6b49431dd0e" providerId="AD" clId="Web-{0B48A62D-765A-4A9F-9A55-72A06796F534}" dt="2020-09-22T07:39:47.209" v="79" actId="20577"/>
+        <pc:sldMkLst>
+          <pc:docMk/>
+          <pc:sldMk cId="0" sldId="272"/>
+        </pc:sldMkLst>
+        <pc:spChg chg="mod">
+          <ac:chgData name="Theo den Blanken" userId="S::t.denblanken@ma-web.nl::3930183c-d2df-48c9-87a0-a6b49431dd0e" providerId="AD" clId="Web-{0B48A62D-765A-4A9F-9A55-72A06796F534}" dt="2020-09-22T07:39:47.209" v="79" actId="20577"/>
+          <ac:spMkLst>
+            <pc:docMk/>
+            <pc:sldMk cId="0" sldId="272"/>
+            <ac:spMk id="173" creationId="{00000000-0000-0000-0000-000000000000}"/>
+          </ac:spMkLst>
+        </pc:spChg>
+      </pc:sldChg>
+      <pc:sldChg chg="modSp">
+        <pc:chgData name="Theo den Blanken" userId="S::t.denblanken@ma-web.nl::3930183c-d2df-48c9-87a0-a6b49431dd0e" providerId="AD" clId="Web-{0B48A62D-765A-4A9F-9A55-72A06796F534}" dt="2020-09-22T07:43:17.602" v="96" actId="20577"/>
+        <pc:sldMkLst>
+          <pc:docMk/>
+          <pc:sldMk cId="0" sldId="277"/>
+        </pc:sldMkLst>
+        <pc:spChg chg="mod">
+          <ac:chgData name="Theo den Blanken" userId="S::t.denblanken@ma-web.nl::3930183c-d2df-48c9-87a0-a6b49431dd0e" providerId="AD" clId="Web-{0B48A62D-765A-4A9F-9A55-72A06796F534}" dt="2020-09-22T07:43:17.602" v="96" actId="20577"/>
+          <ac:spMkLst>
+            <pc:docMk/>
+            <pc:sldMk cId="0" sldId="277"/>
+            <ac:spMk id="211" creationId="{00000000-0000-0000-0000-000000000000}"/>
+          </ac:spMkLst>
+        </pc:spChg>
+      </pc:sldChg>
+      <pc:sldChg chg="addSp modSp new">
+        <pc:chgData name="Theo den Blanken" userId="S::t.denblanken@ma-web.nl::3930183c-d2df-48c9-87a0-a6b49431dd0e" providerId="AD" clId="Web-{0B48A62D-765A-4A9F-9A55-72A06796F534}" dt="2020-09-22T07:55:25.109" v="207" actId="20577"/>
+        <pc:sldMkLst>
+          <pc:docMk/>
+          <pc:sldMk cId="3498386614" sldId="280"/>
+        </pc:sldMkLst>
+        <pc:spChg chg="mod">
+          <ac:chgData name="Theo den Blanken" userId="S::t.denblanken@ma-web.nl::3930183c-d2df-48c9-87a0-a6b49431dd0e" providerId="AD" clId="Web-{0B48A62D-765A-4A9F-9A55-72A06796F534}" dt="2020-09-22T07:54:21.311" v="187" actId="1076"/>
+          <ac:spMkLst>
+            <pc:docMk/>
+            <pc:sldMk cId="3498386614" sldId="280"/>
+            <ac:spMk id="2" creationId="{D2A575BE-15F1-4B99-933E-0800AC4935C1}"/>
+          </ac:spMkLst>
+        </pc:spChg>
+        <pc:spChg chg="add mod">
+          <ac:chgData name="Theo den Blanken" userId="S::t.denblanken@ma-web.nl::3930183c-d2df-48c9-87a0-a6b49431dd0e" providerId="AD" clId="Web-{0B48A62D-765A-4A9F-9A55-72A06796F534}" dt="2020-09-22T07:55:25.109" v="207" actId="20577"/>
+          <ac:spMkLst>
+            <pc:docMk/>
+            <pc:sldMk cId="3498386614" sldId="280"/>
+            <ac:spMk id="5" creationId="{7CAE2FEB-8465-4B14-AD64-9AF2D6705311}"/>
+          </ac:spMkLst>
+        </pc:spChg>
+        <pc:picChg chg="add mod">
+          <ac:chgData name="Theo den Blanken" userId="S::t.denblanken@ma-web.nl::3930183c-d2df-48c9-87a0-a6b49431dd0e" providerId="AD" clId="Web-{0B48A62D-765A-4A9F-9A55-72A06796F534}" dt="2020-09-22T07:54:21.358" v="188" actId="1076"/>
+          <ac:picMkLst>
+            <pc:docMk/>
+            <pc:sldMk cId="3498386614" sldId="280"/>
+            <ac:picMk id="4" creationId="{0F6B11A0-748E-4B29-A769-D4333DECFBDE}"/>
+          </ac:picMkLst>
+        </pc:picChg>
+      </pc:sldChg>
+    </pc:docChg>
+  </pc:docChgLst>
+  <pc:docChgLst>
+    <pc:chgData name="Bram de Vries" userId="S::32018@ma-web.nl::4a465a1c-bf44-4b44-8c1b-d17b3d3bc55c" providerId="AD" clId="Web-{0653E803-6DA8-159F-A8E1-4BA24DF9782E}"/>
+    <pc:docChg chg="sldOrd">
+      <pc:chgData name="Bram de Vries" userId="S::32018@ma-web.nl::4a465a1c-bf44-4b44-8c1b-d17b3d3bc55c" providerId="AD" clId="Web-{0653E803-6DA8-159F-A8E1-4BA24DF9782E}" dt="2020-09-22T13:10:34.837" v="0"/>
+      <pc:docMkLst>
+        <pc:docMk/>
+      </pc:docMkLst>
+      <pc:sldChg chg="ord">
+        <pc:chgData name="Bram de Vries" userId="S::32018@ma-web.nl::4a465a1c-bf44-4b44-8c1b-d17b3d3bc55c" providerId="AD" clId="Web-{0653E803-6DA8-159F-A8E1-4BA24DF9782E}" dt="2020-09-22T13:10:34.837" v="0"/>
+        <pc:sldMkLst>
+          <pc:docMk/>
+          <pc:sldMk cId="3498386614" sldId="280"/>
+        </pc:sldMkLst>
+      </pc:sldChg>
+    </pc:docChg>
+  </pc:docChgLst>
+  <pc:docChgLst>
+    <pc:chgData name="Rick Dohmen" userId="S::30476@ma-web.nl::b09bd7e2-1d9e-4809-8adf-28d02244fbfb" providerId="AD" clId="Web-{CFB8AEF8-2481-44E7-841A-B56EE42CE31E}"/>
+    <pc:docChg chg="sldOrd">
+      <pc:chgData name="Rick Dohmen" userId="S::30476@ma-web.nl::b09bd7e2-1d9e-4809-8adf-28d02244fbfb" providerId="AD" clId="Web-{CFB8AEF8-2481-44E7-841A-B56EE42CE31E}" dt="2020-09-22T10:03:27.325" v="1"/>
+      <pc:docMkLst>
+        <pc:docMk/>
+      </pc:docMkLst>
+      <pc:sldChg chg="ord">
+        <pc:chgData name="Rick Dohmen" userId="S::30476@ma-web.nl::b09bd7e2-1d9e-4809-8adf-28d02244fbfb" providerId="AD" clId="Web-{CFB8AEF8-2481-44E7-841A-B56EE42CE31E}" dt="2020-09-22T10:03:27.325" v="1"/>
+        <pc:sldMkLst>
+          <pc:docMk/>
+          <pc:sldMk cId="0" sldId="278"/>
+        </pc:sldMkLst>
+      </pc:sldChg>
+    </pc:docChg>
+  </pc:docChgLst>
+  <pc:docChgLst>
+    <pc:chgData name="Vincent Pinas" userId="S::30472@ma-web.nl::c7212e72-f849-4d45-aea2-0ff92b67f944" providerId="AD" clId="Web-{70D41DEE-34DE-43F5-9B18-C4AAA835B021}"/>
+    <pc:docChg chg="modSld">
+      <pc:chgData name="Vincent Pinas" userId="S::30472@ma-web.nl::c7212e72-f849-4d45-aea2-0ff92b67f944" providerId="AD" clId="Web-{70D41DEE-34DE-43F5-9B18-C4AAA835B021}" dt="2020-09-22T12:12:47.745" v="0" actId="1076"/>
+      <pc:docMkLst>
+        <pc:docMk/>
+      </pc:docMkLst>
+      <pc:sldChg chg="modSp">
+        <pc:chgData name="Vincent Pinas" userId="S::30472@ma-web.nl::c7212e72-f849-4d45-aea2-0ff92b67f944" providerId="AD" clId="Web-{70D41DEE-34DE-43F5-9B18-C4AAA835B021}" dt="2020-09-22T12:12:47.745" v="0" actId="1076"/>
+        <pc:sldMkLst>
+          <pc:docMk/>
+          <pc:sldMk cId="0" sldId="277"/>
+        </pc:sldMkLst>
+        <pc:picChg chg="mod">
+          <ac:chgData name="Vincent Pinas" userId="S::30472@ma-web.nl::c7212e72-f849-4d45-aea2-0ff92b67f944" providerId="AD" clId="Web-{70D41DEE-34DE-43F5-9B18-C4AAA835B021}" dt="2020-09-22T12:12:47.745" v="0" actId="1076"/>
+          <ac:picMkLst>
+            <pc:docMk/>
+            <pc:sldMk cId="0" sldId="277"/>
+            <ac:picMk id="213" creationId="{00000000-0000-0000-0000-000000000000}"/>
+          </ac:picMkLst>
+        </pc:picChg>
+      </pc:sldChg>
+    </pc:docChg>
+  </pc:docChgLst>
+  <pc:docChgLst>
+    <pc:chgData name="Leon Boussen" userId="S::30542@ma-web.nl::4c4bdcad-5434-46d3-9c0d-43321ec09323" providerId="AD" clId="Web-{D842B0EF-B0D4-4F73-92FB-C9443D3C5811}"/>
+    <pc:docChg chg="modSld">
+      <pc:chgData name="Leon Boussen" userId="S::30542@ma-web.nl::4c4bdcad-5434-46d3-9c0d-43321ec09323" providerId="AD" clId="Web-{D842B0EF-B0D4-4F73-92FB-C9443D3C5811}" dt="2020-09-22T12:46:41.647" v="0" actId="1076"/>
+      <pc:docMkLst>
+        <pc:docMk/>
+      </pc:docMkLst>
+      <pc:sldChg chg="modSp">
+        <pc:chgData name="Leon Boussen" userId="S::30542@ma-web.nl::4c4bdcad-5434-46d3-9c0d-43321ec09323" providerId="AD" clId="Web-{D842B0EF-B0D4-4F73-92FB-C9443D3C5811}" dt="2020-09-22T12:46:41.647" v="0" actId="1076"/>
+        <pc:sldMkLst>
+          <pc:docMk/>
+          <pc:sldMk cId="0" sldId="256"/>
+        </pc:sldMkLst>
+        <pc:spChg chg="mod">
+          <ac:chgData name="Leon Boussen" userId="S::30542@ma-web.nl::4c4bdcad-5434-46d3-9c0d-43321ec09323" providerId="AD" clId="Web-{D842B0EF-B0D4-4F73-92FB-C9443D3C5811}" dt="2020-09-22T12:46:41.647" v="0" actId="1076"/>
+          <ac:spMkLst>
+            <pc:docMk/>
+            <pc:sldMk cId="0" sldId="256"/>
+            <ac:spMk id="3" creationId="{08EF0D68-7804-40FD-BC06-C409DA1A58AC}"/>
+          </ac:spMkLst>
+        </pc:spChg>
+      </pc:sldChg>
+    </pc:docChg>
+  </pc:docChgLst>
+  <pc:docChgLst>
+    <pc:chgData name="Damon Jellema" userId="S::31037@ma-web.nl::57242738-5d7d-4073-974f-16c2c05ddd17" providerId="AD" clId="Web-{9581094C-17D1-4268-8DD6-55B40F32FBEB}"/>
+    <pc:docChg chg="addSld delSld modSld">
+      <pc:chgData name="Damon Jellema" userId="S::31037@ma-web.nl::57242738-5d7d-4073-974f-16c2c05ddd17" providerId="AD" clId="Web-{9581094C-17D1-4268-8DD6-55B40F32FBEB}" dt="2020-09-22T12:22:36.768" v="5" actId="1076"/>
+      <pc:docMkLst>
+        <pc:docMk/>
+      </pc:docMkLst>
+      <pc:sldChg chg="del">
+        <pc:chgData name="Damon Jellema" userId="S::31037@ma-web.nl::57242738-5d7d-4073-974f-16c2c05ddd17" providerId="AD" clId="Web-{9581094C-17D1-4268-8DD6-55B40F32FBEB}" dt="2020-09-22T12:13:57.701" v="2"/>
+        <pc:sldMkLst>
+          <pc:docMk/>
+          <pc:sldMk cId="0" sldId="273"/>
+        </pc:sldMkLst>
+      </pc:sldChg>
+      <pc:sldChg chg="modSp">
+        <pc:chgData name="Damon Jellema" userId="S::31037@ma-web.nl::57242738-5d7d-4073-974f-16c2c05ddd17" providerId="AD" clId="Web-{9581094C-17D1-4268-8DD6-55B40F32FBEB}" dt="2020-09-22T12:22:36.768" v="5" actId="1076"/>
+        <pc:sldMkLst>
+          <pc:docMk/>
+          <pc:sldMk cId="0" sldId="277"/>
+        </pc:sldMkLst>
+        <pc:picChg chg="mod">
+          <ac:chgData name="Damon Jellema" userId="S::31037@ma-web.nl::57242738-5d7d-4073-974f-16c2c05ddd17" providerId="AD" clId="Web-{9581094C-17D1-4268-8DD6-55B40F32FBEB}" dt="2020-09-22T12:22:36.768" v="5" actId="1076"/>
+          <ac:picMkLst>
+            <pc:docMk/>
+            <pc:sldMk cId="0" sldId="277"/>
+            <ac:picMk id="213" creationId="{00000000-0000-0000-0000-000000000000}"/>
+          </ac:picMkLst>
+        </pc:picChg>
+      </pc:sldChg>
+      <pc:sldChg chg="new del">
+        <pc:chgData name="Damon Jellema" userId="S::31037@ma-web.nl::57242738-5d7d-4073-974f-16c2c05ddd17" providerId="AD" clId="Web-{9581094C-17D1-4268-8DD6-55B40F32FBEB}" dt="2020-09-22T12:11:11.606" v="1"/>
+        <pc:sldMkLst>
+          <pc:docMk/>
+          <pc:sldMk cId="277405177" sldId="281"/>
+        </pc:sldMkLst>
+      </pc:sldChg>
+      <pc:sldChg chg="new del">
+        <pc:chgData name="Damon Jellema" userId="S::31037@ma-web.nl::57242738-5d7d-4073-974f-16c2c05ddd17" providerId="AD" clId="Web-{9581094C-17D1-4268-8DD6-55B40F32FBEB}" dt="2020-09-22T12:14:38.826" v="4"/>
+        <pc:sldMkLst>
+          <pc:docMk/>
+          <pc:sldMk cId="313410937" sldId="281"/>
+        </pc:sldMkLst>
+      </pc:sldChg>
+    </pc:docChg>
+  </pc:docChgLst>
+  <pc:docChgLst>
+    <pc:chgData name="Kilian Rijks" userId="S::30697@ma-web.nl::f8ce6190-20f5-4f44-ad1c-c5dcb23f9695" providerId="AD" clId="Web-{D02C8E39-8AB5-45AA-A943-2F33A4BAEB8E}"/>
+    <pc:docChg chg="sldOrd">
+      <pc:chgData name="Kilian Rijks" userId="S::30697@ma-web.nl::f8ce6190-20f5-4f44-ad1c-c5dcb23f9695" providerId="AD" clId="Web-{D02C8E39-8AB5-45AA-A943-2F33A4BAEB8E}" dt="2020-09-22T12:28:56.255" v="0"/>
+      <pc:docMkLst>
+        <pc:docMk/>
+      </pc:docMkLst>
+      <pc:sldChg chg="ord">
+        <pc:chgData name="Kilian Rijks" userId="S::30697@ma-web.nl::f8ce6190-20f5-4f44-ad1c-c5dcb23f9695" providerId="AD" clId="Web-{D02C8E39-8AB5-45AA-A943-2F33A4BAEB8E}" dt="2020-09-22T12:28:56.255" v="0"/>
+        <pc:sldMkLst>
+          <pc:docMk/>
+          <pc:sldMk cId="3498386614" sldId="280"/>
+        </pc:sldMkLst>
+      </pc:sldChg>
+    </pc:docChg>
+  </pc:docChgLst>
+  <pc:docChgLst>
+    <pc:chgData name="Sam Derakhshandeh" userId="S::27741@ma-web.nl::25dbf886-86ce-40a8-a7a4-33199b4fd093" providerId="AD" clId="Web-{A15E7CBA-987D-4FC5-806E-9C0674420E45}"/>
+    <pc:docChg chg="modSld">
+      <pc:chgData name="Sam Derakhshandeh" userId="S::27741@ma-web.nl::25dbf886-86ce-40a8-a7a4-33199b4fd093" providerId="AD" clId="Web-{A15E7CBA-987D-4FC5-806E-9C0674420E45}" dt="2020-09-22T12:27:39.317" v="0" actId="1076"/>
+      <pc:docMkLst>
+        <pc:docMk/>
+      </pc:docMkLst>
+      <pc:sldChg chg="modSp">
+        <pc:chgData name="Sam Derakhshandeh" userId="S::27741@ma-web.nl::25dbf886-86ce-40a8-a7a4-33199b4fd093" providerId="AD" clId="Web-{A15E7CBA-987D-4FC5-806E-9C0674420E45}" dt="2020-09-22T12:27:39.317" v="0" actId="1076"/>
+        <pc:sldMkLst>
+          <pc:docMk/>
+          <pc:sldMk cId="0" sldId="277"/>
+        </pc:sldMkLst>
+        <pc:spChg chg="mod">
+          <ac:chgData name="Sam Derakhshandeh" userId="S::27741@ma-web.nl::25dbf886-86ce-40a8-a7a4-33199b4fd093" providerId="AD" clId="Web-{A15E7CBA-987D-4FC5-806E-9C0674420E45}" dt="2020-09-22T12:27:39.317" v="0" actId="1076"/>
+          <ac:spMkLst>
+            <pc:docMk/>
+            <pc:sldMk cId="0" sldId="277"/>
+            <ac:spMk id="211" creationId="{00000000-0000-0000-0000-000000000000}"/>
+          </ac:spMkLst>
+        </pc:spChg>
+      </pc:sldChg>
+    </pc:docChg>
+  </pc:docChgLst>
+  <pc:docChgLst>
+    <pc:chgData name="Dragan Javorac" userId="913c2858-fb97-4c6e-a42c-b1f1a16b225e" providerId="ADAL" clId="{8A676685-C88E-42C7-BB02-C6F664646BD8}"/>
+    <pc:docChg chg="custSel delSld modSld">
+      <pc:chgData name="Dragan Javorac" userId="913c2858-fb97-4c6e-a42c-b1f1a16b225e" providerId="ADAL" clId="{8A676685-C88E-42C7-BB02-C6F664646BD8}" dt="2021-09-10T08:02:06.505" v="53" actId="1076"/>
+      <pc:docMkLst>
+        <pc:docMk/>
+      </pc:docMkLst>
+      <pc:sldChg chg="addSp delSp modSp mod">
+        <pc:chgData name="Dragan Javorac" userId="913c2858-fb97-4c6e-a42c-b1f1a16b225e" providerId="ADAL" clId="{8A676685-C88E-42C7-BB02-C6F664646BD8}" dt="2021-09-10T08:02:06.505" v="53" actId="1076"/>
+        <pc:sldMkLst>
+          <pc:docMk/>
+          <pc:sldMk cId="0" sldId="260"/>
+        </pc:sldMkLst>
+        <pc:spChg chg="mod">
+          <ac:chgData name="Dragan Javorac" userId="913c2858-fb97-4c6e-a42c-b1f1a16b225e" providerId="ADAL" clId="{8A676685-C88E-42C7-BB02-C6F664646BD8}" dt="2021-09-10T08:00:41.904" v="33" actId="20577"/>
+          <ac:spMkLst>
+            <pc:docMk/>
+            <pc:sldMk cId="0" sldId="260"/>
+            <ac:spMk id="77" creationId="{00000000-0000-0000-0000-000000000000}"/>
+          </ac:spMkLst>
+        </pc:spChg>
+        <pc:spChg chg="mod">
+          <ac:chgData name="Dragan Javorac" userId="913c2858-fb97-4c6e-a42c-b1f1a16b225e" providerId="ADAL" clId="{8A676685-C88E-42C7-BB02-C6F664646BD8}" dt="2021-09-10T08:01:47.203" v="42" actId="20577"/>
+          <ac:spMkLst>
+            <pc:docMk/>
+            <pc:sldMk cId="0" sldId="260"/>
+            <ac:spMk id="78" creationId="{00000000-0000-0000-0000-000000000000}"/>
+          </ac:spMkLst>
+        </pc:spChg>
+        <pc:spChg chg="mod">
+          <ac:chgData name="Dragan Javorac" userId="913c2858-fb97-4c6e-a42c-b1f1a16b225e" providerId="ADAL" clId="{8A676685-C88E-42C7-BB02-C6F664646BD8}" dt="2021-09-10T08:02:04.006" v="52" actId="20577"/>
+          <ac:spMkLst>
+            <pc:docMk/>
+            <pc:sldMk cId="0" sldId="260"/>
+            <ac:spMk id="79" creationId="{00000000-0000-0000-0000-000000000000}"/>
+          </ac:spMkLst>
+        </pc:spChg>
+        <pc:picChg chg="mod">
+          <ac:chgData name="Dragan Javorac" userId="913c2858-fb97-4c6e-a42c-b1f1a16b225e" providerId="ADAL" clId="{8A676685-C88E-42C7-BB02-C6F664646BD8}" dt="2021-09-10T08:01:49.889" v="43" actId="1076"/>
+          <ac:picMkLst>
+            <pc:docMk/>
+            <pc:sldMk cId="0" sldId="260"/>
+            <ac:picMk id="80" creationId="{00000000-0000-0000-0000-000000000000}"/>
+          </ac:picMkLst>
+        </pc:picChg>
+        <pc:picChg chg="del">
+          <ac:chgData name="Dragan Javorac" userId="913c2858-fb97-4c6e-a42c-b1f1a16b225e" providerId="ADAL" clId="{8A676685-C88E-42C7-BB02-C6F664646BD8}" dt="2021-09-10T08:01:07.898" v="34" actId="478"/>
+          <ac:picMkLst>
+            <pc:docMk/>
+            <pc:sldMk cId="0" sldId="260"/>
+            <ac:picMk id="81" creationId="{00000000-0000-0000-0000-000000000000}"/>
+          </ac:picMkLst>
+        </pc:picChg>
+        <pc:picChg chg="add mod">
+          <ac:chgData name="Dragan Javorac" userId="913c2858-fb97-4c6e-a42c-b1f1a16b225e" providerId="ADAL" clId="{8A676685-C88E-42C7-BB02-C6F664646BD8}" dt="2021-09-10T08:02:06.505" v="53" actId="1076"/>
+          <ac:picMkLst>
+            <pc:docMk/>
+            <pc:sldMk cId="0" sldId="260"/>
+            <ac:picMk id="1026" creationId="{1CC81E10-2845-4AF2-A224-36BC74209F85}"/>
+          </ac:picMkLst>
+        </pc:picChg>
+        <pc:picChg chg="add mod">
+          <ac:chgData name="Dragan Javorac" userId="913c2858-fb97-4c6e-a42c-b1f1a16b225e" providerId="ADAL" clId="{8A676685-C88E-42C7-BB02-C6F664646BD8}" dt="2021-09-10T08:01:43.830" v="37" actId="1076"/>
+          <ac:picMkLst>
+            <pc:docMk/>
+            <pc:sldMk cId="0" sldId="260"/>
+            <ac:picMk id="1027" creationId="{4EC5CD85-2658-426E-9477-3CEC2C5897A2}"/>
+          </ac:picMkLst>
+        </pc:picChg>
+      </pc:sldChg>
+      <pc:sldChg chg="del">
+        <pc:chgData name="Dragan Javorac" userId="913c2858-fb97-4c6e-a42c-b1f1a16b225e" providerId="ADAL" clId="{8A676685-C88E-42C7-BB02-C6F664646BD8}" dt="2021-09-10T07:59:44.800" v="0" actId="2696"/>
+        <pc:sldMkLst>
+          <pc:docMk/>
+          <pc:sldMk cId="745908616" sldId="282"/>
+        </pc:sldMkLst>
+      </pc:sldChg>
+    </pc:docChg>
+  </pc:docChgLst>
+  <pc:docChgLst>
+    <pc:chgData name="Simon Hitipeuw" userId="ba61fe65-476a-4611-b813-31bb818e518c" providerId="ADAL" clId="{D7912EC4-88AF-F345-AE4E-6C91C674C27B}"/>
+    <pc:docChg chg="undo custSel addSld delSld modSld sldOrd">
+      <pc:chgData name="Simon Hitipeuw" userId="ba61fe65-476a-4611-b813-31bb818e518c" providerId="ADAL" clId="{D7912EC4-88AF-F345-AE4E-6C91C674C27B}" dt="2021-09-16T07:41:40.761" v="1800"/>
+      <pc:docMkLst>
+        <pc:docMk/>
+      </pc:docMkLst>
+      <pc:sldChg chg="delSp modSp mod">
+        <pc:chgData name="Simon Hitipeuw" userId="ba61fe65-476a-4611-b813-31bb818e518c" providerId="ADAL" clId="{D7912EC4-88AF-F345-AE4E-6C91C674C27B}" dt="2021-09-14T13:12:35.277" v="1142" actId="478"/>
+        <pc:sldMkLst>
+          <pc:docMk/>
+          <pc:sldMk cId="0" sldId="256"/>
+        </pc:sldMkLst>
+        <pc:spChg chg="del mod">
+          <ac:chgData name="Simon Hitipeuw" userId="ba61fe65-476a-4611-b813-31bb818e518c" providerId="ADAL" clId="{D7912EC4-88AF-F345-AE4E-6C91C674C27B}" dt="2021-09-14T13:12:35.277" v="1142" actId="478"/>
+          <ac:spMkLst>
+            <pc:docMk/>
+            <pc:sldMk cId="0" sldId="256"/>
+            <ac:spMk id="3" creationId="{08EF0D68-7804-40FD-BC06-C409DA1A58AC}"/>
+          </ac:spMkLst>
+        </pc:spChg>
+      </pc:sldChg>
+      <pc:sldChg chg="addSp delSp modSp del mod modShow">
+        <pc:chgData name="Simon Hitipeuw" userId="ba61fe65-476a-4611-b813-31bb818e518c" providerId="ADAL" clId="{D7912EC4-88AF-F345-AE4E-6C91C674C27B}" dt="2021-09-14T12:53:36.454" v="810" actId="2696"/>
+        <pc:sldMkLst>
+          <pc:docMk/>
+          <pc:sldMk cId="0" sldId="260"/>
+        </pc:sldMkLst>
+        <pc:spChg chg="add del mod">
+          <ac:chgData name="Simon Hitipeuw" userId="ba61fe65-476a-4611-b813-31bb818e518c" providerId="ADAL" clId="{D7912EC4-88AF-F345-AE4E-6C91C674C27B}" dt="2021-09-14T12:52:09.593" v="740" actId="478"/>
+          <ac:spMkLst>
+            <pc:docMk/>
+            <pc:sldMk cId="0" sldId="260"/>
+            <ac:spMk id="2" creationId="{42FFF797-732B-A840-AAC7-483F7184FEB0}"/>
+          </ac:spMkLst>
+        </pc:spChg>
+        <pc:spChg chg="add mod">
+          <ac:chgData name="Simon Hitipeuw" userId="ba61fe65-476a-4611-b813-31bb818e518c" providerId="ADAL" clId="{D7912EC4-88AF-F345-AE4E-6C91C674C27B}" dt="2021-09-14T12:52:34.822" v="778" actId="20577"/>
+          <ac:spMkLst>
+            <pc:docMk/>
+            <pc:sldMk cId="0" sldId="260"/>
+            <ac:spMk id="4" creationId="{83A31EE2-07C5-414E-B409-CF7F823C388D}"/>
+          </ac:spMkLst>
+        </pc:spChg>
+        <pc:spChg chg="mod">
+          <ac:chgData name="Simon Hitipeuw" userId="ba61fe65-476a-4611-b813-31bb818e518c" providerId="ADAL" clId="{D7912EC4-88AF-F345-AE4E-6C91C674C27B}" dt="2021-09-14T12:53:26.202" v="807" actId="20577"/>
+          <ac:spMkLst>
+            <pc:docMk/>
+            <pc:sldMk cId="0" sldId="260"/>
+            <ac:spMk id="77" creationId="{00000000-0000-0000-0000-000000000000}"/>
+          </ac:spMkLst>
+        </pc:spChg>
+        <pc:spChg chg="del">
+          <ac:chgData name="Simon Hitipeuw" userId="ba61fe65-476a-4611-b813-31bb818e518c" providerId="ADAL" clId="{D7912EC4-88AF-F345-AE4E-6C91C674C27B}" dt="2021-09-14T12:51:48.929" v="732" actId="478"/>
+          <ac:spMkLst>
+            <pc:docMk/>
+            <pc:sldMk cId="0" sldId="260"/>
+            <ac:spMk id="78" creationId="{00000000-0000-0000-0000-000000000000}"/>
+          </ac:spMkLst>
+        </pc:spChg>
+        <pc:spChg chg="del mod">
+          <ac:chgData name="Simon Hitipeuw" userId="ba61fe65-476a-4611-b813-31bb818e518c" providerId="ADAL" clId="{D7912EC4-88AF-F345-AE4E-6C91C674C27B}" dt="2021-09-14T12:51:54.333" v="734" actId="478"/>
+          <ac:spMkLst>
+            <pc:docMk/>
+            <pc:sldMk cId="0" sldId="260"/>
+            <ac:spMk id="79" creationId="{00000000-0000-0000-0000-000000000000}"/>
+          </ac:spMkLst>
+        </pc:spChg>
+        <pc:picChg chg="del">
+          <ac:chgData name="Simon Hitipeuw" userId="ba61fe65-476a-4611-b813-31bb818e518c" providerId="ADAL" clId="{D7912EC4-88AF-F345-AE4E-6C91C674C27B}" dt="2021-09-14T12:52:11.956" v="741" actId="478"/>
+          <ac:picMkLst>
+            <pc:docMk/>
+            <pc:sldMk cId="0" sldId="260"/>
+            <ac:picMk id="80" creationId="{00000000-0000-0000-0000-000000000000}"/>
+          </ac:picMkLst>
+        </pc:picChg>
+        <pc:picChg chg="del">
+          <ac:chgData name="Simon Hitipeuw" userId="ba61fe65-476a-4611-b813-31bb818e518c" providerId="ADAL" clId="{D7912EC4-88AF-F345-AE4E-6C91C674C27B}" dt="2021-09-14T12:51:48.929" v="732" actId="478"/>
+          <ac:picMkLst>
+            <pc:docMk/>
+            <pc:sldMk cId="0" sldId="260"/>
+            <ac:picMk id="1026" creationId="{1CC81E10-2845-4AF2-A224-36BC74209F85}"/>
+          </ac:picMkLst>
+        </pc:picChg>
+        <pc:picChg chg="del">
+          <ac:chgData name="Simon Hitipeuw" userId="ba61fe65-476a-4611-b813-31bb818e518c" providerId="ADAL" clId="{D7912EC4-88AF-F345-AE4E-6C91C674C27B}" dt="2021-09-14T12:51:48.929" v="732" actId="478"/>
+          <ac:picMkLst>
+            <pc:docMk/>
+            <pc:sldMk cId="0" sldId="260"/>
+            <ac:picMk id="1027" creationId="{4EC5CD85-2658-426E-9477-3CEC2C5897A2}"/>
+          </ac:picMkLst>
+        </pc:picChg>
+      </pc:sldChg>
+      <pc:sldChg chg="del mod modShow">
+        <pc:chgData name="Simon Hitipeuw" userId="ba61fe65-476a-4611-b813-31bb818e518c" providerId="ADAL" clId="{D7912EC4-88AF-F345-AE4E-6C91C674C27B}" dt="2021-09-14T13:50:10.017" v="1559" actId="2696"/>
+        <pc:sldMkLst>
+          <pc:docMk/>
+          <pc:sldMk cId="0" sldId="261"/>
+        </pc:sldMkLst>
+      </pc:sldChg>
+      <pc:sldChg chg="del mod modShow">
+        <pc:chgData name="Simon Hitipeuw" userId="ba61fe65-476a-4611-b813-31bb818e518c" providerId="ADAL" clId="{D7912EC4-88AF-F345-AE4E-6C91C674C27B}" dt="2021-09-14T13:50:10.500" v="1560" actId="2696"/>
+        <pc:sldMkLst>
+          <pc:docMk/>
+          <pc:sldMk cId="0" sldId="262"/>
+        </pc:sldMkLst>
+      </pc:sldChg>
+      <pc:sldChg chg="addSp delSp modSp mod">
+        <pc:chgData name="Simon Hitipeuw" userId="ba61fe65-476a-4611-b813-31bb818e518c" providerId="ADAL" clId="{D7912EC4-88AF-F345-AE4E-6C91C674C27B}" dt="2021-09-14T13:30:52.542" v="1454" actId="1076"/>
+        <pc:sldMkLst>
+          <pc:docMk/>
+          <pc:sldMk cId="0" sldId="263"/>
+        </pc:sldMkLst>
+        <pc:spChg chg="add del mod topLvl">
+          <ac:chgData name="Simon Hitipeuw" userId="ba61fe65-476a-4611-b813-31bb818e518c" providerId="ADAL" clId="{D7912EC4-88AF-F345-AE4E-6C91C674C27B}" dt="2021-09-14T13:24:27.598" v="1224" actId="478"/>
+          <ac:spMkLst>
+            <pc:docMk/>
+            <pc:sldMk cId="0" sldId="263"/>
+            <ac:spMk id="2" creationId="{9532DF3E-B889-5A4F-876E-520B9B970177}"/>
+          </ac:spMkLst>
+        </pc:spChg>
+        <pc:spChg chg="add mod">
+          <ac:chgData name="Simon Hitipeuw" userId="ba61fe65-476a-4611-b813-31bb818e518c" providerId="ADAL" clId="{D7912EC4-88AF-F345-AE4E-6C91C674C27B}" dt="2021-09-14T13:30:44.194" v="1452" actId="14100"/>
+          <ac:spMkLst>
+            <pc:docMk/>
+            <pc:sldMk cId="0" sldId="263"/>
+            <ac:spMk id="4" creationId="{4172C29A-7A8E-1645-B9F4-64BB78C54684}"/>
+          </ac:spMkLst>
+        </pc:spChg>
+        <pc:spChg chg="mod">
+          <ac:chgData name="Simon Hitipeuw" userId="ba61fe65-476a-4611-b813-31bb818e518c" providerId="ADAL" clId="{D7912EC4-88AF-F345-AE4E-6C91C674C27B}" dt="2021-09-14T13:16:09.832" v="1198" actId="255"/>
+          <ac:spMkLst>
+            <pc:docMk/>
+            <pc:sldMk cId="0" sldId="263"/>
+            <ac:spMk id="102" creationId="{00000000-0000-0000-0000-000000000000}"/>
+          </ac:spMkLst>
+        </pc:spChg>
+        <pc:spChg chg="mod">
+          <ac:chgData name="Simon Hitipeuw" userId="ba61fe65-476a-4611-b813-31bb818e518c" providerId="ADAL" clId="{D7912EC4-88AF-F345-AE4E-6C91C674C27B}" dt="2021-09-14T13:30:49.669" v="1453" actId="1076"/>
+          <ac:spMkLst>
+            <pc:docMk/>
+            <pc:sldMk cId="0" sldId="263"/>
+            <ac:spMk id="103" creationId="{00000000-0000-0000-0000-000000000000}"/>
+          </ac:spMkLst>
+        </pc:spChg>
+        <pc:spChg chg="del">
+          <ac:chgData name="Simon Hitipeuw" userId="ba61fe65-476a-4611-b813-31bb818e518c" providerId="ADAL" clId="{D7912EC4-88AF-F345-AE4E-6C91C674C27B}" dt="2021-09-14T13:15:35.580" v="1195" actId="478"/>
+          <ac:spMkLst>
+            <pc:docMk/>
+            <pc:sldMk cId="0" sldId="263"/>
+            <ac:spMk id="104" creationId="{00000000-0000-0000-0000-000000000000}"/>
+          </ac:spMkLst>
+        </pc:spChg>
+        <pc:grpChg chg="add del mod">
+          <ac:chgData name="Simon Hitipeuw" userId="ba61fe65-476a-4611-b813-31bb818e518c" providerId="ADAL" clId="{D7912EC4-88AF-F345-AE4E-6C91C674C27B}" dt="2021-09-14T13:24:27.598" v="1224" actId="478"/>
+          <ac:grpSpMkLst>
+            <pc:docMk/>
+            <pc:sldMk cId="0" sldId="263"/>
+            <ac:grpSpMk id="3" creationId="{47B2F440-F89C-5444-9769-C1D7F10107DE}"/>
+          </ac:grpSpMkLst>
+        </pc:grpChg>
+        <pc:grpChg chg="add mod">
+          <ac:chgData name="Simon Hitipeuw" userId="ba61fe65-476a-4611-b813-31bb818e518c" providerId="ADAL" clId="{D7912EC4-88AF-F345-AE4E-6C91C674C27B}" dt="2021-09-14T13:30:44.194" v="1452" actId="14100"/>
+          <ac:grpSpMkLst>
+            <pc:docMk/>
+            <pc:sldMk cId="0" sldId="263"/>
+            <ac:grpSpMk id="5" creationId="{6169B463-61DE-F64E-A7A1-053D4971A02A}"/>
+          </ac:grpSpMkLst>
+        </pc:grpChg>
+        <pc:picChg chg="add del mod">
+          <ac:chgData name="Simon Hitipeuw" userId="ba61fe65-476a-4611-b813-31bb818e518c" providerId="ADAL" clId="{D7912EC4-88AF-F345-AE4E-6C91C674C27B}" dt="2021-09-14T13:22:09.153" v="1208" actId="21"/>
+          <ac:picMkLst>
+            <pc:docMk/>
+            <pc:sldMk cId="0" sldId="263"/>
+            <ac:picMk id="7" creationId="{54491822-E1D9-4C4E-9B79-FDB52524F305}"/>
+          </ac:picMkLst>
+        </pc:picChg>
+        <pc:picChg chg="add del mod topLvl">
+          <ac:chgData name="Simon Hitipeuw" userId="ba61fe65-476a-4611-b813-31bb818e518c" providerId="ADAL" clId="{D7912EC4-88AF-F345-AE4E-6C91C674C27B}" dt="2021-09-14T13:24:29.676" v="1225" actId="478"/>
+          <ac:picMkLst>
+            <pc:docMk/>
+            <pc:sldMk cId="0" sldId="263"/>
+            <ac:picMk id="8" creationId="{2E08E2A2-FADA-2444-8EB3-C1B538CDC6EA}"/>
+          </ac:picMkLst>
+        </pc:picChg>
+        <pc:picChg chg="add mod">
+          <ac:chgData name="Simon Hitipeuw" userId="ba61fe65-476a-4611-b813-31bb818e518c" providerId="ADAL" clId="{D7912EC4-88AF-F345-AE4E-6C91C674C27B}" dt="2021-09-14T13:30:44.194" v="1452" actId="14100"/>
+          <ac:picMkLst>
+            <pc:docMk/>
+            <pc:sldMk cId="0" sldId="263"/>
+            <ac:picMk id="11" creationId="{2431C16D-C88B-4A49-A3DC-1CA852A3CAD6}"/>
+          </ac:picMkLst>
+        </pc:picChg>
+        <pc:picChg chg="mod">
+          <ac:chgData name="Simon Hitipeuw" userId="ba61fe65-476a-4611-b813-31bb818e518c" providerId="ADAL" clId="{D7912EC4-88AF-F345-AE4E-6C91C674C27B}" dt="2021-09-14T13:30:52.542" v="1454" actId="1076"/>
+          <ac:picMkLst>
+            <pc:docMk/>
+            <pc:sldMk cId="0" sldId="263"/>
+            <ac:picMk id="105" creationId="{00000000-0000-0000-0000-000000000000}"/>
+          </ac:picMkLst>
+        </pc:picChg>
+      </pc:sldChg>
+      <pc:sldChg chg="modSp mod">
+        <pc:chgData name="Simon Hitipeuw" userId="ba61fe65-476a-4611-b813-31bb818e518c" providerId="ADAL" clId="{D7912EC4-88AF-F345-AE4E-6C91C674C27B}" dt="2021-09-16T07:41:40.761" v="1800"/>
+        <pc:sldMkLst>
+          <pc:docMk/>
+          <pc:sldMk cId="0" sldId="266"/>
+        </pc:sldMkLst>
+        <pc:spChg chg="mod">
+          <ac:chgData name="Simon Hitipeuw" userId="ba61fe65-476a-4611-b813-31bb818e518c" providerId="ADAL" clId="{D7912EC4-88AF-F345-AE4E-6C91C674C27B}" dt="2021-09-16T07:41:40.761" v="1800"/>
+          <ac:spMkLst>
+            <pc:docMk/>
+            <pc:sldMk cId="0" sldId="266"/>
+            <ac:spMk id="124" creationId="{00000000-0000-0000-0000-000000000000}"/>
+          </ac:spMkLst>
+        </pc:spChg>
+      </pc:sldChg>
+      <pc:sldChg chg="addSp delSp modSp mod">
+        <pc:chgData name="Simon Hitipeuw" userId="ba61fe65-476a-4611-b813-31bb818e518c" providerId="ADAL" clId="{D7912EC4-88AF-F345-AE4E-6C91C674C27B}" dt="2021-09-14T13:40:30.634" v="1555" actId="14100"/>
+        <pc:sldMkLst>
+          <pc:docMk/>
+          <pc:sldMk cId="0" sldId="272"/>
+        </pc:sldMkLst>
+        <pc:spChg chg="mod">
+          <ac:chgData name="Simon Hitipeuw" userId="ba61fe65-476a-4611-b813-31bb818e518c" providerId="ADAL" clId="{D7912EC4-88AF-F345-AE4E-6C91C674C27B}" dt="2021-09-14T13:40:03.670" v="1550" actId="14100"/>
+          <ac:spMkLst>
+            <pc:docMk/>
+            <pc:sldMk cId="0" sldId="272"/>
+            <ac:spMk id="8" creationId="{EED8E4F0-2976-3346-8DFC-772C6929F265}"/>
+          </ac:spMkLst>
+        </pc:spChg>
+        <pc:spChg chg="mod">
+          <ac:chgData name="Simon Hitipeuw" userId="ba61fe65-476a-4611-b813-31bb818e518c" providerId="ADAL" clId="{D7912EC4-88AF-F345-AE4E-6C91C674C27B}" dt="2021-09-14T13:04:54.003" v="1117" actId="20577"/>
+          <ac:spMkLst>
+            <pc:docMk/>
+            <pc:sldMk cId="0" sldId="272"/>
+            <ac:spMk id="172" creationId="{00000000-0000-0000-0000-000000000000}"/>
+          </ac:spMkLst>
+        </pc:spChg>
+        <pc:spChg chg="mod">
+          <ac:chgData name="Simon Hitipeuw" userId="ba61fe65-476a-4611-b813-31bb818e518c" providerId="ADAL" clId="{D7912EC4-88AF-F345-AE4E-6C91C674C27B}" dt="2021-09-14T13:40:30.634" v="1555" actId="14100"/>
+          <ac:spMkLst>
+            <pc:docMk/>
+            <pc:sldMk cId="0" sldId="272"/>
+            <ac:spMk id="173" creationId="{00000000-0000-0000-0000-000000000000}"/>
+          </ac:spMkLst>
+        </pc:spChg>
+        <pc:grpChg chg="add mod">
+          <ac:chgData name="Simon Hitipeuw" userId="ba61fe65-476a-4611-b813-31bb818e518c" providerId="ADAL" clId="{D7912EC4-88AF-F345-AE4E-6C91C674C27B}" dt="2021-09-14T13:40:03.670" v="1550" actId="14100"/>
+          <ac:grpSpMkLst>
+            <pc:docMk/>
+            <pc:sldMk cId="0" sldId="272"/>
+            <ac:grpSpMk id="7" creationId="{A94BA79B-B3CF-7F49-BD4A-20402A8D2F90}"/>
+          </ac:grpSpMkLst>
+        </pc:grpChg>
+        <pc:picChg chg="add del mod">
+          <ac:chgData name="Simon Hitipeuw" userId="ba61fe65-476a-4611-b813-31bb818e518c" providerId="ADAL" clId="{D7912EC4-88AF-F345-AE4E-6C91C674C27B}" dt="2021-09-14T13:37:55.687" v="1458" actId="21"/>
+          <ac:picMkLst>
+            <pc:docMk/>
+            <pc:sldMk cId="0" sldId="272"/>
+            <ac:picMk id="6" creationId="{82B435D4-62A2-2D49-A6C0-91B7528B6F4E}"/>
+          </ac:picMkLst>
+        </pc:picChg>
+        <pc:picChg chg="mod">
+          <ac:chgData name="Simon Hitipeuw" userId="ba61fe65-476a-4611-b813-31bb818e518c" providerId="ADAL" clId="{D7912EC4-88AF-F345-AE4E-6C91C674C27B}" dt="2021-09-14T13:40:03.670" v="1550" actId="14100"/>
+          <ac:picMkLst>
+            <pc:docMk/>
+            <pc:sldMk cId="0" sldId="272"/>
+            <ac:picMk id="9" creationId="{959F2D0F-EC58-D542-866B-133BC47F12F2}"/>
+          </ac:picMkLst>
+        </pc:picChg>
+      </pc:sldChg>
+      <pc:sldChg chg="modSp mod">
+        <pc:chgData name="Simon Hitipeuw" userId="ba61fe65-476a-4611-b813-31bb818e518c" providerId="ADAL" clId="{D7912EC4-88AF-F345-AE4E-6C91C674C27B}" dt="2021-09-14T13:01:38.152" v="1093" actId="20577"/>
+        <pc:sldMkLst>
+          <pc:docMk/>
+          <pc:sldMk cId="1010043746" sldId="283"/>
+        </pc:sldMkLst>
+        <pc:spChg chg="mod">
+          <ac:chgData name="Simon Hitipeuw" userId="ba61fe65-476a-4611-b813-31bb818e518c" providerId="ADAL" clId="{D7912EC4-88AF-F345-AE4E-6C91C674C27B}" dt="2021-09-14T13:01:38.152" v="1093" actId="20577"/>
+          <ac:spMkLst>
+            <pc:docMk/>
+            <pc:sldMk cId="1010043746" sldId="283"/>
+            <ac:spMk id="149" creationId="{00000000-0000-0000-0000-000000000000}"/>
+          </ac:spMkLst>
+        </pc:spChg>
+      </pc:sldChg>
+      <pc:sldChg chg="addSp delSp modSp new del mod ord">
+        <pc:chgData name="Simon Hitipeuw" userId="ba61fe65-476a-4611-b813-31bb818e518c" providerId="ADAL" clId="{D7912EC4-88AF-F345-AE4E-6C91C674C27B}" dt="2021-09-14T12:37:30.545" v="367" actId="2696"/>
+        <pc:sldMkLst>
+          <pc:docMk/>
+          <pc:sldMk cId="970879198" sldId="290"/>
+        </pc:sldMkLst>
+        <pc:spChg chg="add del mod">
+          <ac:chgData name="Simon Hitipeuw" userId="ba61fe65-476a-4611-b813-31bb818e518c" providerId="ADAL" clId="{D7912EC4-88AF-F345-AE4E-6C91C674C27B}" dt="2021-09-14T12:37:28.431" v="366" actId="21"/>
+          <ac:spMkLst>
+            <pc:docMk/>
+            <pc:sldMk cId="970879198" sldId="290"/>
+            <ac:spMk id="2" creationId="{F8DF0B0F-A913-9345-A4A0-C6B869A21543}"/>
+          </ac:spMkLst>
+        </pc:spChg>
+      </pc:sldChg>
+      <pc:sldChg chg="modSp new del mod ord">
+        <pc:chgData name="Simon Hitipeuw" userId="ba61fe65-476a-4611-b813-31bb818e518c" providerId="ADAL" clId="{D7912EC4-88AF-F345-AE4E-6C91C674C27B}" dt="2021-09-14T13:44:22.748" v="1557" actId="2696"/>
+        <pc:sldMkLst>
+          <pc:docMk/>
+          <pc:sldMk cId="1177109375" sldId="290"/>
+        </pc:sldMkLst>
+        <pc:spChg chg="mod">
+          <ac:chgData name="Simon Hitipeuw" userId="ba61fe65-476a-4611-b813-31bb818e518c" providerId="ADAL" clId="{D7912EC4-88AF-F345-AE4E-6C91C674C27B}" dt="2021-09-14T12:37:41.543" v="384" actId="20577"/>
+          <ac:spMkLst>
+            <pc:docMk/>
+            <pc:sldMk cId="1177109375" sldId="290"/>
+            <ac:spMk id="2" creationId="{369C638F-21EF-654A-9C1B-804349FEF0BC}"/>
+          </ac:spMkLst>
+        </pc:spChg>
+        <pc:spChg chg="mod">
+          <ac:chgData name="Simon Hitipeuw" userId="ba61fe65-476a-4611-b813-31bb818e518c" providerId="ADAL" clId="{D7912EC4-88AF-F345-AE4E-6C91C674C27B}" dt="2021-09-14T13:44:21.353" v="1556" actId="20577"/>
+          <ac:spMkLst>
+            <pc:docMk/>
+            <pc:sldMk cId="1177109375" sldId="290"/>
+            <ac:spMk id="3" creationId="{3E935B90-3724-5547-A28A-DED943E3F4DC}"/>
+          </ac:spMkLst>
+        </pc:spChg>
+      </pc:sldChg>
+      <pc:sldChg chg="add del mod modShow">
+        <pc:chgData name="Simon Hitipeuw" userId="ba61fe65-476a-4611-b813-31bb818e518c" providerId="ADAL" clId="{D7912EC4-88AF-F345-AE4E-6C91C674C27B}" dt="2021-09-14T13:50:09.469" v="1558" actId="2696"/>
+        <pc:sldMkLst>
+          <pc:docMk/>
+          <pc:sldMk cId="2797989401" sldId="291"/>
+        </pc:sldMkLst>
+      </pc:sldChg>
+      <pc:sldChg chg="addSp delSp modSp add mod ord">
+        <pc:chgData name="Simon Hitipeuw" userId="ba61fe65-476a-4611-b813-31bb818e518c" providerId="ADAL" clId="{D7912EC4-88AF-F345-AE4E-6C91C674C27B}" dt="2021-09-14T13:00:05.527" v="1074" actId="478"/>
+        <pc:sldMkLst>
+          <pc:docMk/>
+          <pc:sldMk cId="0" sldId="292"/>
+        </pc:sldMkLst>
+        <pc:spChg chg="add mod">
+          <ac:chgData name="Simon Hitipeuw" userId="ba61fe65-476a-4611-b813-31bb818e518c" providerId="ADAL" clId="{D7912EC4-88AF-F345-AE4E-6C91C674C27B}" dt="2021-09-14T12:56:16.198" v="977" actId="1076"/>
+          <ac:spMkLst>
+            <pc:docMk/>
+            <pc:sldMk cId="0" sldId="292"/>
+            <ac:spMk id="2" creationId="{262A0228-0DE6-664E-BD3E-9475A0F48D97}"/>
+          </ac:spMkLst>
+        </pc:spChg>
+        <pc:spChg chg="add mod">
+          <ac:chgData name="Simon Hitipeuw" userId="ba61fe65-476a-4611-b813-31bb818e518c" providerId="ADAL" clId="{D7912EC4-88AF-F345-AE4E-6C91C674C27B}" dt="2021-09-14T12:57:13.896" v="1053" actId="20577"/>
+          <ac:spMkLst>
+            <pc:docMk/>
+            <pc:sldMk cId="0" sldId="292"/>
+            <ac:spMk id="3" creationId="{DA528747-6035-CC4B-AD71-197B3E32D5CE}"/>
+          </ac:spMkLst>
+        </pc:spChg>
+        <pc:spChg chg="add del mod">
+          <ac:chgData name="Simon Hitipeuw" userId="ba61fe65-476a-4611-b813-31bb818e518c" providerId="ADAL" clId="{D7912EC4-88AF-F345-AE4E-6C91C674C27B}" dt="2021-09-14T13:00:05.527" v="1074" actId="478"/>
+          <ac:spMkLst>
+            <pc:docMk/>
+            <pc:sldMk cId="0" sldId="292"/>
+            <ac:spMk id="6" creationId="{AAB27EA5-241D-ED42-9CC0-1B39B7E6DFCB}"/>
+          </ac:spMkLst>
+        </pc:spChg>
+        <pc:spChg chg="mod">
+          <ac:chgData name="Simon Hitipeuw" userId="ba61fe65-476a-4611-b813-31bb818e518c" providerId="ADAL" clId="{D7912EC4-88AF-F345-AE4E-6C91C674C27B}" dt="2021-09-14T12:55:56.609" v="972" actId="20577"/>
+          <ac:spMkLst>
+            <pc:docMk/>
+            <pc:sldMk cId="0" sldId="292"/>
+            <ac:spMk id="232" creationId="{00000000-0000-0000-0000-000000000000}"/>
+          </ac:spMkLst>
+        </pc:spChg>
+        <pc:picChg chg="mod">
+          <ac:chgData name="Simon Hitipeuw" userId="ba61fe65-476a-4611-b813-31bb818e518c" providerId="ADAL" clId="{D7912EC4-88AF-F345-AE4E-6C91C674C27B}" dt="2021-09-14T12:56:12.971" v="976" actId="14100"/>
+          <ac:picMkLst>
+            <pc:docMk/>
+            <pc:sldMk cId="0" sldId="292"/>
+            <ac:picMk id="233" creationId="{00000000-0000-0000-0000-000000000000}"/>
+          </ac:picMkLst>
+        </pc:picChg>
+      </pc:sldChg>
+      <pc:sldChg chg="modSp add mod">
+        <pc:chgData name="Simon Hitipeuw" userId="ba61fe65-476a-4611-b813-31bb818e518c" providerId="ADAL" clId="{D7912EC4-88AF-F345-AE4E-6C91C674C27B}" dt="2021-09-14T14:06:33.494" v="1587" actId="20577"/>
+        <pc:sldMkLst>
+          <pc:docMk/>
+          <pc:sldMk cId="338141704" sldId="305"/>
+        </pc:sldMkLst>
+        <pc:spChg chg="mod">
+          <ac:chgData name="Simon Hitipeuw" userId="ba61fe65-476a-4611-b813-31bb818e518c" providerId="ADAL" clId="{D7912EC4-88AF-F345-AE4E-6C91C674C27B}" dt="2021-09-14T14:06:33.494" v="1587" actId="20577"/>
+          <ac:spMkLst>
+            <pc:docMk/>
+            <pc:sldMk cId="338141704" sldId="305"/>
+            <ac:spMk id="6" creationId="{0EA42367-6FFB-E247-80B6-D80E884097AD}"/>
+          </ac:spMkLst>
+        </pc:spChg>
+      </pc:sldChg>
+      <pc:sldMasterChg chg="delSldLayout">
+        <pc:chgData name="Simon Hitipeuw" userId="ba61fe65-476a-4611-b813-31bb818e518c" providerId="ADAL" clId="{D7912EC4-88AF-F345-AE4E-6C91C674C27B}" dt="2021-09-14T12:37:30.545" v="367" actId="2696"/>
+        <pc:sldMasterMkLst>
+          <pc:docMk/>
+          <pc:sldMasterMk cId="0" sldId="2147483659"/>
+        </pc:sldMasterMkLst>
+        <pc:sldLayoutChg chg="del">
+          <pc:chgData name="Simon Hitipeuw" userId="ba61fe65-476a-4611-b813-31bb818e518c" providerId="ADAL" clId="{D7912EC4-88AF-F345-AE4E-6C91C674C27B}" dt="2021-09-14T12:37:30.545" v="367" actId="2696"/>
+          <pc:sldLayoutMkLst>
+            <pc:docMk/>
+            <pc:sldMasterMk cId="0" sldId="2147483659"/>
+            <pc:sldLayoutMk cId="0" sldId="2147483658"/>
+          </pc:sldLayoutMkLst>
+        </pc:sldLayoutChg>
+      </pc:sldMasterChg>
     </pc:docChg>
   </pc:docChgLst>
   <pc:docChgLst>
@@ -1556,2689 +5131,17 @@
     </pc:docChg>
   </pc:docChgLst>
   <pc:docChgLst>
-    <pc:chgData name="Sam Derakhshandeh" userId="S::27741@ma-web.nl::25dbf886-86ce-40a8-a7a4-33199b4fd093" providerId="AD" clId="Web-{A15E7CBA-987D-4FC5-806E-9C0674420E45}"/>
-    <pc:docChg chg="modSld">
-      <pc:chgData name="Sam Derakhshandeh" userId="S::27741@ma-web.nl::25dbf886-86ce-40a8-a7a4-33199b4fd093" providerId="AD" clId="Web-{A15E7CBA-987D-4FC5-806E-9C0674420E45}" dt="2020-09-22T12:27:39.317" v="0" actId="1076"/>
-      <pc:docMkLst>
-        <pc:docMk/>
-      </pc:docMkLst>
-      <pc:sldChg chg="modSp">
-        <pc:chgData name="Sam Derakhshandeh" userId="S::27741@ma-web.nl::25dbf886-86ce-40a8-a7a4-33199b4fd093" providerId="AD" clId="Web-{A15E7CBA-987D-4FC5-806E-9C0674420E45}" dt="2020-09-22T12:27:39.317" v="0" actId="1076"/>
-        <pc:sldMkLst>
-          <pc:docMk/>
-          <pc:sldMk cId="0" sldId="277"/>
-        </pc:sldMkLst>
-        <pc:spChg chg="mod">
-          <ac:chgData name="Sam Derakhshandeh" userId="S::27741@ma-web.nl::25dbf886-86ce-40a8-a7a4-33199b4fd093" providerId="AD" clId="Web-{A15E7CBA-987D-4FC5-806E-9C0674420E45}" dt="2020-09-22T12:27:39.317" v="0" actId="1076"/>
-          <ac:spMkLst>
-            <pc:docMk/>
-            <pc:sldMk cId="0" sldId="277"/>
-            <ac:spMk id="211" creationId="{00000000-0000-0000-0000-000000000000}"/>
-          </ac:spMkLst>
-        </pc:spChg>
-      </pc:sldChg>
-    </pc:docChg>
-  </pc:docChgLst>
-  <pc:docChgLst>
-    <pc:chgData name="Dragan Javorac" userId="S::d.javorac@ma-web.nl::913c2858-fb97-4c6e-a42c-b1f1a16b225e" providerId="AD" clId="Web-{F9FB4F6B-60BE-4195-881A-C2A0D0F39379}"/>
-    <pc:docChg chg="delSld modSld">
-      <pc:chgData name="Dragan Javorac" userId="S::d.javorac@ma-web.nl::913c2858-fb97-4c6e-a42c-b1f1a16b225e" providerId="AD" clId="Web-{F9FB4F6B-60BE-4195-881A-C2A0D0F39379}" dt="2021-09-10T08:09:18.763" v="12" actId="14100"/>
-      <pc:docMkLst>
-        <pc:docMk/>
-      </pc:docMkLst>
-      <pc:sldChg chg="modSp">
-        <pc:chgData name="Dragan Javorac" userId="S::d.javorac@ma-web.nl::913c2858-fb97-4c6e-a42c-b1f1a16b225e" providerId="AD" clId="Web-{F9FB4F6B-60BE-4195-881A-C2A0D0F39379}" dt="2021-09-10T08:07:09.901" v="4" actId="20577"/>
-        <pc:sldMkLst>
-          <pc:docMk/>
-          <pc:sldMk cId="0" sldId="272"/>
-        </pc:sldMkLst>
-        <pc:spChg chg="mod">
-          <ac:chgData name="Dragan Javorac" userId="S::d.javorac@ma-web.nl::913c2858-fb97-4c6e-a42c-b1f1a16b225e" providerId="AD" clId="Web-{F9FB4F6B-60BE-4195-881A-C2A0D0F39379}" dt="2021-09-10T08:07:09.901" v="4" actId="20577"/>
-          <ac:spMkLst>
-            <pc:docMk/>
-            <pc:sldMk cId="0" sldId="272"/>
-            <ac:spMk id="173" creationId="{00000000-0000-0000-0000-000000000000}"/>
-          </ac:spMkLst>
-        </pc:spChg>
-      </pc:sldChg>
-      <pc:sldChg chg="addSp delSp modSp">
-        <pc:chgData name="Dragan Javorac" userId="S::d.javorac@ma-web.nl::913c2858-fb97-4c6e-a42c-b1f1a16b225e" providerId="AD" clId="Web-{F9FB4F6B-60BE-4195-881A-C2A0D0F39379}" dt="2021-09-10T08:09:18.763" v="12" actId="14100"/>
-        <pc:sldMkLst>
-          <pc:docMk/>
-          <pc:sldMk cId="0" sldId="275"/>
-        </pc:sldMkLst>
-        <pc:spChg chg="del">
-          <ac:chgData name="Dragan Javorac" userId="S::d.javorac@ma-web.nl::913c2858-fb97-4c6e-a42c-b1f1a16b225e" providerId="AD" clId="Web-{F9FB4F6B-60BE-4195-881A-C2A0D0F39379}" dt="2021-09-10T08:09:15.263" v="10"/>
-          <ac:spMkLst>
-            <pc:docMk/>
-            <pc:sldMk cId="0" sldId="275"/>
-            <ac:spMk id="199" creationId="{00000000-0000-0000-0000-000000000000}"/>
-          </ac:spMkLst>
-        </pc:spChg>
-        <pc:spChg chg="del">
-          <ac:chgData name="Dragan Javorac" userId="S::d.javorac@ma-web.nl::913c2858-fb97-4c6e-a42c-b1f1a16b225e" providerId="AD" clId="Web-{F9FB4F6B-60BE-4195-881A-C2A0D0F39379}" dt="2021-09-10T08:09:14.200" v="9"/>
-          <ac:spMkLst>
-            <pc:docMk/>
-            <pc:sldMk cId="0" sldId="275"/>
-            <ac:spMk id="200" creationId="{00000000-0000-0000-0000-000000000000}"/>
-          </ac:spMkLst>
-        </pc:spChg>
-        <pc:picChg chg="add del mod">
-          <ac:chgData name="Dragan Javorac" userId="S::d.javorac@ma-web.nl::913c2858-fb97-4c6e-a42c-b1f1a16b225e" providerId="AD" clId="Web-{F9FB4F6B-60BE-4195-881A-C2A0D0F39379}" dt="2021-09-10T08:09:03.747" v="7"/>
-          <ac:picMkLst>
-            <pc:docMk/>
-            <pc:sldMk cId="0" sldId="275"/>
-            <ac:picMk id="3" creationId="{25168ADD-D6F5-4AEA-A20A-E0FBF82F7F1B}"/>
-          </ac:picMkLst>
-        </pc:picChg>
-        <pc:picChg chg="add mod">
-          <ac:chgData name="Dragan Javorac" userId="S::d.javorac@ma-web.nl::913c2858-fb97-4c6e-a42c-b1f1a16b225e" providerId="AD" clId="Web-{F9FB4F6B-60BE-4195-881A-C2A0D0F39379}" dt="2021-09-10T08:09:18.763" v="12" actId="14100"/>
-          <ac:picMkLst>
-            <pc:docMk/>
-            <pc:sldMk cId="0" sldId="275"/>
-            <ac:picMk id="4" creationId="{0281DD53-40DD-4EB5-A4D3-D9B07BD8D881}"/>
-          </ac:picMkLst>
-        </pc:picChg>
-        <pc:picChg chg="del">
-          <ac:chgData name="Dragan Javorac" userId="S::d.javorac@ma-web.nl::913c2858-fb97-4c6e-a42c-b1f1a16b225e" providerId="AD" clId="Web-{F9FB4F6B-60BE-4195-881A-C2A0D0F39379}" dt="2021-09-10T08:08:50.668" v="5"/>
-          <ac:picMkLst>
-            <pc:docMk/>
-            <pc:sldMk cId="0" sldId="275"/>
-            <ac:picMk id="198" creationId="{00000000-0000-0000-0000-000000000000}"/>
-          </ac:picMkLst>
-        </pc:picChg>
-      </pc:sldChg>
-      <pc:sldChg chg="del">
-        <pc:chgData name="Dragan Javorac" userId="S::d.javorac@ma-web.nl::913c2858-fb97-4c6e-a42c-b1f1a16b225e" providerId="AD" clId="Web-{F9FB4F6B-60BE-4195-881A-C2A0D0F39379}" dt="2021-09-10T08:06:42.885" v="0"/>
-        <pc:sldMkLst>
-          <pc:docMk/>
-          <pc:sldMk cId="0" sldId="276"/>
-        </pc:sldMkLst>
-      </pc:sldChg>
-      <pc:sldChg chg="del">
-        <pc:chgData name="Dragan Javorac" userId="S::d.javorac@ma-web.nl::913c2858-fb97-4c6e-a42c-b1f1a16b225e" providerId="AD" clId="Web-{F9FB4F6B-60BE-4195-881A-C2A0D0F39379}" dt="2021-09-10T08:06:51.603" v="2"/>
-        <pc:sldMkLst>
-          <pc:docMk/>
-          <pc:sldMk cId="0" sldId="277"/>
-        </pc:sldMkLst>
-      </pc:sldChg>
-      <pc:sldChg chg="del">
-        <pc:chgData name="Dragan Javorac" userId="S::d.javorac@ma-web.nl::913c2858-fb97-4c6e-a42c-b1f1a16b225e" providerId="AD" clId="Web-{F9FB4F6B-60BE-4195-881A-C2A0D0F39379}" dt="2021-09-10T08:06:50.072" v="1"/>
-        <pc:sldMkLst>
-          <pc:docMk/>
-          <pc:sldMk cId="0" sldId="278"/>
-        </pc:sldMkLst>
-      </pc:sldChg>
-    </pc:docChg>
-  </pc:docChgLst>
-  <pc:docChgLst>
-    <pc:chgData name="Hidde Braun" userId="S::h.braun@ma-web.nl::dd5b87d6-85a5-4271-8322-ce6e5fcd58d2" providerId="AD" clId="Web-{AE0BA4F4-0DED-451C-9AAF-72AE0DC9F54E}"/>
-    <pc:docChg chg="modSld">
-      <pc:chgData name="Hidde Braun" userId="S::h.braun@ma-web.nl::dd5b87d6-85a5-4271-8322-ce6e5fcd58d2" providerId="AD" clId="Web-{AE0BA4F4-0DED-451C-9AAF-72AE0DC9F54E}" dt="2021-09-13T14:45:30.898" v="21" actId="1076"/>
-      <pc:docMkLst>
-        <pc:docMk/>
-      </pc:docMkLst>
-      <pc:sldChg chg="modSp">
-        <pc:chgData name="Hidde Braun" userId="S::h.braun@ma-web.nl::dd5b87d6-85a5-4271-8322-ce6e5fcd58d2" providerId="AD" clId="Web-{AE0BA4F4-0DED-451C-9AAF-72AE0DC9F54E}" dt="2021-09-13T14:43:09.878" v="5" actId="20577"/>
-        <pc:sldMkLst>
-          <pc:docMk/>
-          <pc:sldMk cId="0" sldId="266"/>
-        </pc:sldMkLst>
-        <pc:spChg chg="mod">
-          <ac:chgData name="Hidde Braun" userId="S::h.braun@ma-web.nl::dd5b87d6-85a5-4271-8322-ce6e5fcd58d2" providerId="AD" clId="Web-{AE0BA4F4-0DED-451C-9AAF-72AE0DC9F54E}" dt="2021-09-13T14:43:09.878" v="5" actId="20577"/>
-          <ac:spMkLst>
-            <pc:docMk/>
-            <pc:sldMk cId="0" sldId="266"/>
-            <ac:spMk id="124" creationId="{00000000-0000-0000-0000-000000000000}"/>
-          </ac:spMkLst>
-        </pc:spChg>
-      </pc:sldChg>
-      <pc:sldChg chg="modSp">
-        <pc:chgData name="Hidde Braun" userId="S::h.braun@ma-web.nl::dd5b87d6-85a5-4271-8322-ce6e5fcd58d2" providerId="AD" clId="Web-{AE0BA4F4-0DED-451C-9AAF-72AE0DC9F54E}" dt="2021-09-13T14:45:30.898" v="21" actId="1076"/>
-        <pc:sldMkLst>
-          <pc:docMk/>
-          <pc:sldMk cId="3498386614" sldId="280"/>
-        </pc:sldMkLst>
-        <pc:spChg chg="mod">
-          <ac:chgData name="Hidde Braun" userId="S::h.braun@ma-web.nl::dd5b87d6-85a5-4271-8322-ce6e5fcd58d2" providerId="AD" clId="Web-{AE0BA4F4-0DED-451C-9AAF-72AE0DC9F54E}" dt="2021-09-13T14:45:30.898" v="21" actId="1076"/>
-          <ac:spMkLst>
-            <pc:docMk/>
-            <pc:sldMk cId="3498386614" sldId="280"/>
-            <ac:spMk id="2" creationId="{D2A575BE-15F1-4B99-933E-0800AC4935C1}"/>
-          </ac:spMkLst>
-        </pc:spChg>
-      </pc:sldChg>
-    </pc:docChg>
-  </pc:docChgLst>
-  <pc:docChgLst>
-    <pc:chgData name="Dejorden Moerman" userId="S::d.moerman@ma-web.nl::c3692616-0f9c-4091-b0eb-3846ce219960" providerId="AD" clId="Web-{C98425A4-5303-41E1-8010-CDAFB0CF96D9}"/>
-    <pc:docChg chg="modSld">
-      <pc:chgData name="Dejorden Moerman" userId="S::d.moerman@ma-web.nl::c3692616-0f9c-4091-b0eb-3846ce219960" providerId="AD" clId="Web-{C98425A4-5303-41E1-8010-CDAFB0CF96D9}" dt="2022-10-06T09:57:34.321" v="6" actId="20577"/>
-      <pc:docMkLst>
-        <pc:docMk/>
-      </pc:docMkLst>
-      <pc:sldChg chg="modSp">
-        <pc:chgData name="Dejorden Moerman" userId="S::d.moerman@ma-web.nl::c3692616-0f9c-4091-b0eb-3846ce219960" providerId="AD" clId="Web-{C98425A4-5303-41E1-8010-CDAFB0CF96D9}" dt="2022-10-06T09:57:34.321" v="6" actId="20577"/>
-        <pc:sldMkLst>
-          <pc:docMk/>
-          <pc:sldMk cId="1663220008" sldId="321"/>
-        </pc:sldMkLst>
-        <pc:spChg chg="mod">
-          <ac:chgData name="Dejorden Moerman" userId="S::d.moerman@ma-web.nl::c3692616-0f9c-4091-b0eb-3846ce219960" providerId="AD" clId="Web-{C98425A4-5303-41E1-8010-CDAFB0CF96D9}" dt="2022-10-06T09:57:34.321" v="6" actId="20577"/>
-          <ac:spMkLst>
-            <pc:docMk/>
-            <pc:sldMk cId="1663220008" sldId="321"/>
-            <ac:spMk id="124" creationId="{00000000-0000-0000-0000-000000000000}"/>
-          </ac:spMkLst>
-        </pc:spChg>
-      </pc:sldChg>
-    </pc:docChg>
-  </pc:docChgLst>
-  <pc:docChgLst>
-    <pc:chgData name="Damon Jellema" userId="S::31037@ma-web.nl::57242738-5d7d-4073-974f-16c2c05ddd17" providerId="AD" clId="Web-{9581094C-17D1-4268-8DD6-55B40F32FBEB}"/>
-    <pc:docChg chg="addSld delSld modSld">
-      <pc:chgData name="Damon Jellema" userId="S::31037@ma-web.nl::57242738-5d7d-4073-974f-16c2c05ddd17" providerId="AD" clId="Web-{9581094C-17D1-4268-8DD6-55B40F32FBEB}" dt="2020-09-22T12:22:36.768" v="5" actId="1076"/>
-      <pc:docMkLst>
-        <pc:docMk/>
-      </pc:docMkLst>
-      <pc:sldChg chg="del">
-        <pc:chgData name="Damon Jellema" userId="S::31037@ma-web.nl::57242738-5d7d-4073-974f-16c2c05ddd17" providerId="AD" clId="Web-{9581094C-17D1-4268-8DD6-55B40F32FBEB}" dt="2020-09-22T12:13:57.701" v="2"/>
-        <pc:sldMkLst>
-          <pc:docMk/>
-          <pc:sldMk cId="0" sldId="273"/>
-        </pc:sldMkLst>
-      </pc:sldChg>
-      <pc:sldChg chg="modSp">
-        <pc:chgData name="Damon Jellema" userId="S::31037@ma-web.nl::57242738-5d7d-4073-974f-16c2c05ddd17" providerId="AD" clId="Web-{9581094C-17D1-4268-8DD6-55B40F32FBEB}" dt="2020-09-22T12:22:36.768" v="5" actId="1076"/>
-        <pc:sldMkLst>
-          <pc:docMk/>
-          <pc:sldMk cId="0" sldId="277"/>
-        </pc:sldMkLst>
-        <pc:picChg chg="mod">
-          <ac:chgData name="Damon Jellema" userId="S::31037@ma-web.nl::57242738-5d7d-4073-974f-16c2c05ddd17" providerId="AD" clId="Web-{9581094C-17D1-4268-8DD6-55B40F32FBEB}" dt="2020-09-22T12:22:36.768" v="5" actId="1076"/>
-          <ac:picMkLst>
-            <pc:docMk/>
-            <pc:sldMk cId="0" sldId="277"/>
-            <ac:picMk id="213" creationId="{00000000-0000-0000-0000-000000000000}"/>
-          </ac:picMkLst>
-        </pc:picChg>
-      </pc:sldChg>
-      <pc:sldChg chg="new del">
-        <pc:chgData name="Damon Jellema" userId="S::31037@ma-web.nl::57242738-5d7d-4073-974f-16c2c05ddd17" providerId="AD" clId="Web-{9581094C-17D1-4268-8DD6-55B40F32FBEB}" dt="2020-09-22T12:11:11.606" v="1"/>
-        <pc:sldMkLst>
-          <pc:docMk/>
-          <pc:sldMk cId="277405177" sldId="281"/>
-        </pc:sldMkLst>
-      </pc:sldChg>
-      <pc:sldChg chg="new del">
-        <pc:chgData name="Damon Jellema" userId="S::31037@ma-web.nl::57242738-5d7d-4073-974f-16c2c05ddd17" providerId="AD" clId="Web-{9581094C-17D1-4268-8DD6-55B40F32FBEB}" dt="2020-09-22T12:14:38.826" v="4"/>
-        <pc:sldMkLst>
-          <pc:docMk/>
-          <pc:sldMk cId="313410937" sldId="281"/>
-        </pc:sldMkLst>
-      </pc:sldChg>
-    </pc:docChg>
-  </pc:docChgLst>
-  <pc:docChgLst>
-    <pc:chgData name="Theo den Blanken" userId="S::t.denblanken@ma-web.nl::3930183c-d2df-48c9-87a0-a6b49431dd0e" providerId="AD" clId="Web-{D7E9E388-3444-4763-56C3-738EF55A00BE}"/>
-    <pc:docChg chg="modSld">
-      <pc:chgData name="Theo den Blanken" userId="S::t.denblanken@ma-web.nl::3930183c-d2df-48c9-87a0-a6b49431dd0e" providerId="AD" clId="Web-{D7E9E388-3444-4763-56C3-738EF55A00BE}" dt="2020-09-15T08:47:05.214" v="2" actId="20577"/>
-      <pc:docMkLst>
-        <pc:docMk/>
-      </pc:docMkLst>
-      <pc:sldChg chg="modSp">
-        <pc:chgData name="Theo den Blanken" userId="S::t.denblanken@ma-web.nl::3930183c-d2df-48c9-87a0-a6b49431dd0e" providerId="AD" clId="Web-{D7E9E388-3444-4763-56C3-738EF55A00BE}" dt="2020-09-15T08:47:05.214" v="2" actId="20577"/>
-        <pc:sldMkLst>
-          <pc:docMk/>
-          <pc:sldMk cId="0" sldId="264"/>
-        </pc:sldMkLst>
-        <pc:spChg chg="mod">
-          <ac:chgData name="Theo den Blanken" userId="S::t.denblanken@ma-web.nl::3930183c-d2df-48c9-87a0-a6b49431dd0e" providerId="AD" clId="Web-{D7E9E388-3444-4763-56C3-738EF55A00BE}" dt="2020-09-15T08:47:05.214" v="2" actId="20577"/>
-          <ac:spMkLst>
-            <pc:docMk/>
-            <pc:sldMk cId="0" sldId="264"/>
-            <ac:spMk id="111" creationId="{00000000-0000-0000-0000-000000000000}"/>
-          </ac:spMkLst>
-        </pc:spChg>
-      </pc:sldChg>
-      <pc:sldChg chg="modSp">
-        <pc:chgData name="Theo den Blanken" userId="S::t.denblanken@ma-web.nl::3930183c-d2df-48c9-87a0-a6b49431dd0e" providerId="AD" clId="Web-{D7E9E388-3444-4763-56C3-738EF55A00BE}" dt="2020-09-15T08:44:58.907" v="1" actId="20577"/>
-        <pc:sldMkLst>
-          <pc:docMk/>
-          <pc:sldMk cId="0" sldId="268"/>
-        </pc:sldMkLst>
-        <pc:spChg chg="mod">
-          <ac:chgData name="Theo den Blanken" userId="S::t.denblanken@ma-web.nl::3930183c-d2df-48c9-87a0-a6b49431dd0e" providerId="AD" clId="Web-{D7E9E388-3444-4763-56C3-738EF55A00BE}" dt="2020-09-15T08:44:58.907" v="1" actId="20577"/>
-          <ac:spMkLst>
-            <pc:docMk/>
-            <pc:sldMk cId="0" sldId="268"/>
-            <ac:spMk id="142" creationId="{00000000-0000-0000-0000-000000000000}"/>
-          </ac:spMkLst>
-        </pc:spChg>
-      </pc:sldChg>
-    </pc:docChg>
-  </pc:docChgLst>
-  <pc:docChgLst>
-    <pc:chgData name="Dragan Javorac" userId="S::d.javorac@ma-web.nl::913c2858-fb97-4c6e-a42c-b1f1a16b225e" providerId="AD" clId="Web-{81B3D06A-C464-4F7E-965B-787070BD1171}"/>
-    <pc:docChg chg="addSld delSld modSld sldOrd">
-      <pc:chgData name="Dragan Javorac" userId="S::d.javorac@ma-web.nl::913c2858-fb97-4c6e-a42c-b1f1a16b225e" providerId="AD" clId="Web-{81B3D06A-C464-4F7E-965B-787070BD1171}" dt="2021-09-10T07:27:52.246" v="603" actId="20577"/>
-      <pc:docMkLst>
-        <pc:docMk/>
-      </pc:docMkLst>
-      <pc:sldChg chg="modSp">
-        <pc:chgData name="Dragan Javorac" userId="S::d.javorac@ma-web.nl::913c2858-fb97-4c6e-a42c-b1f1a16b225e" providerId="AD" clId="Web-{81B3D06A-C464-4F7E-965B-787070BD1171}" dt="2021-09-10T07:26:36.258" v="560" actId="20577"/>
-        <pc:sldMkLst>
-          <pc:docMk/>
-          <pc:sldMk cId="0" sldId="257"/>
-        </pc:sldMkLst>
-        <pc:spChg chg="mod">
-          <ac:chgData name="Dragan Javorac" userId="S::d.javorac@ma-web.nl::913c2858-fb97-4c6e-a42c-b1f1a16b225e" providerId="AD" clId="Web-{81B3D06A-C464-4F7E-965B-787070BD1171}" dt="2021-09-10T07:26:36.258" v="560" actId="20577"/>
-          <ac:spMkLst>
-            <pc:docMk/>
-            <pc:sldMk cId="0" sldId="257"/>
-            <ac:spMk id="61" creationId="{00000000-0000-0000-0000-000000000000}"/>
-          </ac:spMkLst>
-        </pc:spChg>
-      </pc:sldChg>
-      <pc:sldChg chg="modSp">
-        <pc:chgData name="Dragan Javorac" userId="S::d.javorac@ma-web.nl::913c2858-fb97-4c6e-a42c-b1f1a16b225e" providerId="AD" clId="Web-{81B3D06A-C464-4F7E-965B-787070BD1171}" dt="2021-09-10T06:47:20.638" v="1" actId="1076"/>
-        <pc:sldMkLst>
-          <pc:docMk/>
-          <pc:sldMk cId="0" sldId="259"/>
-        </pc:sldMkLst>
-        <pc:spChg chg="mod">
-          <ac:chgData name="Dragan Javorac" userId="S::d.javorac@ma-web.nl::913c2858-fb97-4c6e-a42c-b1f1a16b225e" providerId="AD" clId="Web-{81B3D06A-C464-4F7E-965B-787070BD1171}" dt="2021-09-10T06:47:20.638" v="1" actId="1076"/>
-          <ac:spMkLst>
-            <pc:docMk/>
-            <pc:sldMk cId="0" sldId="259"/>
-            <ac:spMk id="72" creationId="{00000000-0000-0000-0000-000000000000}"/>
-          </ac:spMkLst>
-        </pc:spChg>
-      </pc:sldChg>
-      <pc:sldChg chg="modSp">
-        <pc:chgData name="Dragan Javorac" userId="S::d.javorac@ma-web.nl::913c2858-fb97-4c6e-a42c-b1f1a16b225e" providerId="AD" clId="Web-{81B3D06A-C464-4F7E-965B-787070BD1171}" dt="2021-09-10T07:10:46.663" v="100" actId="20577"/>
-        <pc:sldMkLst>
-          <pc:docMk/>
-          <pc:sldMk cId="0" sldId="264"/>
-        </pc:sldMkLst>
-        <pc:spChg chg="mod">
-          <ac:chgData name="Dragan Javorac" userId="S::d.javorac@ma-web.nl::913c2858-fb97-4c6e-a42c-b1f1a16b225e" providerId="AD" clId="Web-{81B3D06A-C464-4F7E-965B-787070BD1171}" dt="2021-09-10T07:10:46.663" v="100" actId="20577"/>
-          <ac:spMkLst>
-            <pc:docMk/>
-            <pc:sldMk cId="0" sldId="264"/>
-            <ac:spMk id="111" creationId="{00000000-0000-0000-0000-000000000000}"/>
-          </ac:spMkLst>
-        </pc:spChg>
-      </pc:sldChg>
-      <pc:sldChg chg="modSp">
-        <pc:chgData name="Dragan Javorac" userId="S::d.javorac@ma-web.nl::913c2858-fb97-4c6e-a42c-b1f1a16b225e" providerId="AD" clId="Web-{81B3D06A-C464-4F7E-965B-787070BD1171}" dt="2021-09-10T07:11:39.900" v="111" actId="20577"/>
-        <pc:sldMkLst>
-          <pc:docMk/>
-          <pc:sldMk cId="0" sldId="269"/>
-        </pc:sldMkLst>
-        <pc:spChg chg="mod">
-          <ac:chgData name="Dragan Javorac" userId="S::d.javorac@ma-web.nl::913c2858-fb97-4c6e-a42c-b1f1a16b225e" providerId="AD" clId="Web-{81B3D06A-C464-4F7E-965B-787070BD1171}" dt="2021-09-10T07:11:39.900" v="111" actId="20577"/>
-          <ac:spMkLst>
-            <pc:docMk/>
-            <pc:sldMk cId="0" sldId="269"/>
-            <ac:spMk id="149" creationId="{00000000-0000-0000-0000-000000000000}"/>
-          </ac:spMkLst>
-        </pc:spChg>
-      </pc:sldChg>
-      <pc:sldChg chg="modSp">
-        <pc:chgData name="Dragan Javorac" userId="S::d.javorac@ma-web.nl::913c2858-fb97-4c6e-a42c-b1f1a16b225e" providerId="AD" clId="Web-{81B3D06A-C464-4F7E-965B-787070BD1171}" dt="2021-09-10T07:26:26.992" v="557" actId="1076"/>
-        <pc:sldMkLst>
-          <pc:docMk/>
-          <pc:sldMk cId="0" sldId="271"/>
-        </pc:sldMkLst>
-        <pc:spChg chg="mod">
-          <ac:chgData name="Dragan Javorac" userId="S::d.javorac@ma-web.nl::913c2858-fb97-4c6e-a42c-b1f1a16b225e" providerId="AD" clId="Web-{81B3D06A-C464-4F7E-965B-787070BD1171}" dt="2021-09-10T07:26:26.992" v="557" actId="1076"/>
-          <ac:spMkLst>
-            <pc:docMk/>
-            <pc:sldMk cId="0" sldId="271"/>
-            <ac:spMk id="167" creationId="{00000000-0000-0000-0000-000000000000}"/>
-          </ac:spMkLst>
-        </pc:spChg>
-      </pc:sldChg>
-      <pc:sldChg chg="addSp delSp modSp add replId">
-        <pc:chgData name="Dragan Javorac" userId="S::d.javorac@ma-web.nl::913c2858-fb97-4c6e-a42c-b1f1a16b225e" providerId="AD" clId="Web-{81B3D06A-C464-4F7E-965B-787070BD1171}" dt="2021-09-10T07:21:39.931" v="419" actId="20577"/>
-        <pc:sldMkLst>
-          <pc:docMk/>
-          <pc:sldMk cId="2627193179" sldId="281"/>
-        </pc:sldMkLst>
-        <pc:spChg chg="mod">
-          <ac:chgData name="Dragan Javorac" userId="S::d.javorac@ma-web.nl::913c2858-fb97-4c6e-a42c-b1f1a16b225e" providerId="AD" clId="Web-{81B3D06A-C464-4F7E-965B-787070BD1171}" dt="2021-09-10T07:14:41.128" v="181" actId="20577"/>
-          <ac:spMkLst>
-            <pc:docMk/>
-            <pc:sldMk cId="2627193179" sldId="281"/>
-            <ac:spMk id="148" creationId="{00000000-0000-0000-0000-000000000000}"/>
-          </ac:spMkLst>
-        </pc:spChg>
-        <pc:spChg chg="mod">
-          <ac:chgData name="Dragan Javorac" userId="S::d.javorac@ma-web.nl::913c2858-fb97-4c6e-a42c-b1f1a16b225e" providerId="AD" clId="Web-{81B3D06A-C464-4F7E-965B-787070BD1171}" dt="2021-09-10T07:21:39.931" v="419" actId="20577"/>
-          <ac:spMkLst>
-            <pc:docMk/>
-            <pc:sldMk cId="2627193179" sldId="281"/>
-            <ac:spMk id="149" creationId="{00000000-0000-0000-0000-000000000000}"/>
-          </ac:spMkLst>
-        </pc:spChg>
-        <pc:picChg chg="add del mod">
-          <ac:chgData name="Dragan Javorac" userId="S::d.javorac@ma-web.nl::913c2858-fb97-4c6e-a42c-b1f1a16b225e" providerId="AD" clId="Web-{81B3D06A-C464-4F7E-965B-787070BD1171}" dt="2021-09-10T07:16:08.195" v="231"/>
-          <ac:picMkLst>
-            <pc:docMk/>
-            <pc:sldMk cId="2627193179" sldId="281"/>
-            <ac:picMk id="3" creationId="{6246AA1B-43A8-42C5-8980-97B0DD37E694}"/>
-          </ac:picMkLst>
-        </pc:picChg>
-        <pc:picChg chg="add mod">
-          <ac:chgData name="Dragan Javorac" userId="S::d.javorac@ma-web.nl::913c2858-fb97-4c6e-a42c-b1f1a16b225e" providerId="AD" clId="Web-{81B3D06A-C464-4F7E-965B-787070BD1171}" dt="2021-09-10T07:16:10.304" v="232" actId="1076"/>
-          <ac:picMkLst>
-            <pc:docMk/>
-            <pc:sldMk cId="2627193179" sldId="281"/>
-            <ac:picMk id="4" creationId="{2290E53D-BA4D-4583-B8AF-7F1E668069C9}"/>
-          </ac:picMkLst>
-        </pc:picChg>
-        <pc:picChg chg="add del mod">
-          <ac:chgData name="Dragan Javorac" userId="S::d.javorac@ma-web.nl::913c2858-fb97-4c6e-a42c-b1f1a16b225e" providerId="AD" clId="Web-{81B3D06A-C464-4F7E-965B-787070BD1171}" dt="2021-09-10T07:16:07.085" v="230"/>
-          <ac:picMkLst>
-            <pc:docMk/>
-            <pc:sldMk cId="2627193179" sldId="281"/>
-            <ac:picMk id="5" creationId="{C5D978C6-73A5-414F-85EF-0B5E63418DB3}"/>
-          </ac:picMkLst>
-        </pc:picChg>
-        <pc:picChg chg="del">
-          <ac:chgData name="Dragan Javorac" userId="S::d.javorac@ma-web.nl::913c2858-fb97-4c6e-a42c-b1f1a16b225e" providerId="AD" clId="Web-{81B3D06A-C464-4F7E-965B-787070BD1171}" dt="2021-09-10T06:49:39.162" v="10"/>
-          <ac:picMkLst>
-            <pc:docMk/>
-            <pc:sldMk cId="2627193179" sldId="281"/>
-            <ac:picMk id="151" creationId="{00000000-0000-0000-0000-000000000000}"/>
-          </ac:picMkLst>
-        </pc:picChg>
-      </pc:sldChg>
-      <pc:sldChg chg="delSp modSp add ord replId">
-        <pc:chgData name="Dragan Javorac" userId="S::d.javorac@ma-web.nl::913c2858-fb97-4c6e-a42c-b1f1a16b225e" providerId="AD" clId="Web-{81B3D06A-C464-4F7E-965B-787070BD1171}" dt="2021-09-10T07:11:07.101" v="109" actId="20577"/>
-        <pc:sldMkLst>
-          <pc:docMk/>
-          <pc:sldMk cId="745908616" sldId="282"/>
-        </pc:sldMkLst>
-        <pc:spChg chg="mod">
-          <ac:chgData name="Dragan Javorac" userId="S::d.javorac@ma-web.nl::913c2858-fb97-4c6e-a42c-b1f1a16b225e" providerId="AD" clId="Web-{81B3D06A-C464-4F7E-965B-787070BD1171}" dt="2021-09-10T07:10:53.976" v="105" actId="20577"/>
-          <ac:spMkLst>
-            <pc:docMk/>
-            <pc:sldMk cId="745908616" sldId="282"/>
-            <ac:spMk id="110" creationId="{00000000-0000-0000-0000-000000000000}"/>
-          </ac:spMkLst>
-        </pc:spChg>
-        <pc:spChg chg="mod">
-          <ac:chgData name="Dragan Javorac" userId="S::d.javorac@ma-web.nl::913c2858-fb97-4c6e-a42c-b1f1a16b225e" providerId="AD" clId="Web-{81B3D06A-C464-4F7E-965B-787070BD1171}" dt="2021-09-10T07:11:07.101" v="109" actId="20577"/>
-          <ac:spMkLst>
-            <pc:docMk/>
-            <pc:sldMk cId="745908616" sldId="282"/>
-            <ac:spMk id="111" creationId="{00000000-0000-0000-0000-000000000000}"/>
-          </ac:spMkLst>
-        </pc:spChg>
-        <pc:spChg chg="del">
-          <ac:chgData name="Dragan Javorac" userId="S::d.javorac@ma-web.nl::913c2858-fb97-4c6e-a42c-b1f1a16b225e" providerId="AD" clId="Web-{81B3D06A-C464-4F7E-965B-787070BD1171}" dt="2021-09-10T07:11:01.789" v="108"/>
-          <ac:spMkLst>
-            <pc:docMk/>
-            <pc:sldMk cId="745908616" sldId="282"/>
-            <ac:spMk id="112" creationId="{00000000-0000-0000-0000-000000000000}"/>
-          </ac:spMkLst>
-        </pc:spChg>
-        <pc:picChg chg="del">
-          <ac:chgData name="Dragan Javorac" userId="S::d.javorac@ma-web.nl::913c2858-fb97-4c6e-a42c-b1f1a16b225e" providerId="AD" clId="Web-{81B3D06A-C464-4F7E-965B-787070BD1171}" dt="2021-09-10T07:10:40.428" v="96"/>
-          <ac:picMkLst>
-            <pc:docMk/>
-            <pc:sldMk cId="745908616" sldId="282"/>
-            <ac:picMk id="113" creationId="{00000000-0000-0000-0000-000000000000}"/>
-          </ac:picMkLst>
-        </pc:picChg>
-      </pc:sldChg>
-      <pc:sldChg chg="addSp delSp modSp add replId">
-        <pc:chgData name="Dragan Javorac" userId="S::d.javorac@ma-web.nl::913c2858-fb97-4c6e-a42c-b1f1a16b225e" providerId="AD" clId="Web-{81B3D06A-C464-4F7E-965B-787070BD1171}" dt="2021-09-10T07:26:16.507" v="555" actId="20577"/>
-        <pc:sldMkLst>
-          <pc:docMk/>
-          <pc:sldMk cId="1010043746" sldId="283"/>
-        </pc:sldMkLst>
-        <pc:spChg chg="mod">
-          <ac:chgData name="Dragan Javorac" userId="S::d.javorac@ma-web.nl::913c2858-fb97-4c6e-a42c-b1f1a16b225e" providerId="AD" clId="Web-{81B3D06A-C464-4F7E-965B-787070BD1171}" dt="2021-09-10T07:26:16.507" v="555" actId="20577"/>
-          <ac:spMkLst>
-            <pc:docMk/>
-            <pc:sldMk cId="1010043746" sldId="283"/>
-            <ac:spMk id="149" creationId="{00000000-0000-0000-0000-000000000000}"/>
-          </ac:spMkLst>
-        </pc:spChg>
-        <pc:picChg chg="del">
-          <ac:chgData name="Dragan Javorac" userId="S::d.javorac@ma-web.nl::913c2858-fb97-4c6e-a42c-b1f1a16b225e" providerId="AD" clId="Web-{81B3D06A-C464-4F7E-965B-787070BD1171}" dt="2021-09-10T07:14:17.517" v="165"/>
-          <ac:picMkLst>
-            <pc:docMk/>
-            <pc:sldMk cId="1010043746" sldId="283"/>
-            <ac:picMk id="3" creationId="{6246AA1B-43A8-42C5-8980-97B0DD37E694}"/>
-          </ac:picMkLst>
-        </pc:picChg>
-        <pc:picChg chg="add mod">
-          <ac:chgData name="Dragan Javorac" userId="S::d.javorac@ma-web.nl::913c2858-fb97-4c6e-a42c-b1f1a16b225e" providerId="AD" clId="Web-{81B3D06A-C464-4F7E-965B-787070BD1171}" dt="2021-09-10T07:25:37.958" v="518" actId="1076"/>
-          <ac:picMkLst>
-            <pc:docMk/>
-            <pc:sldMk cId="1010043746" sldId="283"/>
-            <ac:picMk id="4" creationId="{48B9D4BA-9BA8-4641-A557-D552C07A744A}"/>
-          </ac:picMkLst>
-        </pc:picChg>
-      </pc:sldChg>
-      <pc:sldChg chg="addSp delSp modSp add replId">
-        <pc:chgData name="Dragan Javorac" userId="S::d.javorac@ma-web.nl::913c2858-fb97-4c6e-a42c-b1f1a16b225e" providerId="AD" clId="Web-{81B3D06A-C464-4F7E-965B-787070BD1171}" dt="2021-09-10T07:27:52.246" v="603" actId="20577"/>
-        <pc:sldMkLst>
-          <pc:docMk/>
-          <pc:sldMk cId="2819114601" sldId="284"/>
-        </pc:sldMkLst>
-        <pc:spChg chg="mod">
-          <ac:chgData name="Dragan Javorac" userId="S::d.javorac@ma-web.nl::913c2858-fb97-4c6e-a42c-b1f1a16b225e" providerId="AD" clId="Web-{81B3D06A-C464-4F7E-965B-787070BD1171}" dt="2021-09-10T07:27:52.246" v="603" actId="20577"/>
-          <ac:spMkLst>
-            <pc:docMk/>
-            <pc:sldMk cId="2819114601" sldId="284"/>
-            <ac:spMk id="149" creationId="{00000000-0000-0000-0000-000000000000}"/>
-          </ac:spMkLst>
-        </pc:spChg>
-        <pc:picChg chg="del">
-          <ac:chgData name="Dragan Javorac" userId="S::d.javorac@ma-web.nl::913c2858-fb97-4c6e-a42c-b1f1a16b225e" providerId="AD" clId="Web-{81B3D06A-C464-4F7E-965B-787070BD1171}" dt="2021-09-10T07:23:21.217" v="466"/>
-          <ac:picMkLst>
-            <pc:docMk/>
-            <pc:sldMk cId="2819114601" sldId="284"/>
-            <ac:picMk id="3" creationId="{6246AA1B-43A8-42C5-8980-97B0DD37E694}"/>
-          </ac:picMkLst>
-        </pc:picChg>
-        <pc:picChg chg="del">
-          <ac:chgData name="Dragan Javorac" userId="S::d.javorac@ma-web.nl::913c2858-fb97-4c6e-a42c-b1f1a16b225e" providerId="AD" clId="Web-{81B3D06A-C464-4F7E-965B-787070BD1171}" dt="2021-09-10T07:17:15.932" v="286"/>
-          <ac:picMkLst>
-            <pc:docMk/>
-            <pc:sldMk cId="2819114601" sldId="284"/>
-            <ac:picMk id="4" creationId="{2290E53D-BA4D-4583-B8AF-7F1E668069C9}"/>
-          </ac:picMkLst>
-        </pc:picChg>
-        <pc:picChg chg="del mod">
-          <ac:chgData name="Dragan Javorac" userId="S::d.javorac@ma-web.nl::913c2858-fb97-4c6e-a42c-b1f1a16b225e" providerId="AD" clId="Web-{81B3D06A-C464-4F7E-965B-787070BD1171}" dt="2021-09-10T07:17:58.403" v="317"/>
-          <ac:picMkLst>
-            <pc:docMk/>
-            <pc:sldMk cId="2819114601" sldId="284"/>
-            <ac:picMk id="5" creationId="{C5D978C6-73A5-414F-85EF-0B5E63418DB3}"/>
-          </ac:picMkLst>
-        </pc:picChg>
-        <pc:picChg chg="add del mod">
-          <ac:chgData name="Dragan Javorac" userId="S::d.javorac@ma-web.nl::913c2858-fb97-4c6e-a42c-b1f1a16b225e" providerId="AD" clId="Web-{81B3D06A-C464-4F7E-965B-787070BD1171}" dt="2021-09-10T07:17:58.997" v="318"/>
-          <ac:picMkLst>
-            <pc:docMk/>
-            <pc:sldMk cId="2819114601" sldId="284"/>
-            <ac:picMk id="6" creationId="{4058052C-F984-434A-AC46-645A604EF284}"/>
-          </ac:picMkLst>
-        </pc:picChg>
-        <pc:picChg chg="add del mod">
-          <ac:chgData name="Dragan Javorac" userId="S::d.javorac@ma-web.nl::913c2858-fb97-4c6e-a42c-b1f1a16b225e" providerId="AD" clId="Web-{81B3D06A-C464-4F7E-965B-787070BD1171}" dt="2021-09-10T07:23:23.139" v="467"/>
-          <ac:picMkLst>
-            <pc:docMk/>
-            <pc:sldMk cId="2819114601" sldId="284"/>
-            <ac:picMk id="7" creationId="{7F398606-5A53-42D9-B419-9C25066AD901}"/>
-          </ac:picMkLst>
-        </pc:picChg>
-        <pc:picChg chg="add del mod">
-          <ac:chgData name="Dragan Javorac" userId="S::d.javorac@ma-web.nl::913c2858-fb97-4c6e-a42c-b1f1a16b225e" providerId="AD" clId="Web-{81B3D06A-C464-4F7E-965B-787070BD1171}" dt="2021-09-10T07:23:20.263" v="465"/>
-          <ac:picMkLst>
-            <pc:docMk/>
-            <pc:sldMk cId="2819114601" sldId="284"/>
-            <ac:picMk id="8" creationId="{DD91688F-AE4B-4ED1-B7D5-BE83ABCD8125}"/>
-          </ac:picMkLst>
-        </pc:picChg>
-        <pc:picChg chg="add del mod">
-          <ac:chgData name="Dragan Javorac" userId="S::d.javorac@ma-web.nl::913c2858-fb97-4c6e-a42c-b1f1a16b225e" providerId="AD" clId="Web-{81B3D06A-C464-4F7E-965B-787070BD1171}" dt="2021-09-10T07:23:34.655" v="472"/>
-          <ac:picMkLst>
-            <pc:docMk/>
-            <pc:sldMk cId="2819114601" sldId="284"/>
-            <ac:picMk id="9" creationId="{8BFA1690-4CD5-43FB-8051-FC89CC2CE5E8}"/>
-          </ac:picMkLst>
-        </pc:picChg>
-        <pc:picChg chg="add mod">
-          <ac:chgData name="Dragan Javorac" userId="S::d.javorac@ma-web.nl::913c2858-fb97-4c6e-a42c-b1f1a16b225e" providerId="AD" clId="Web-{81B3D06A-C464-4F7E-965B-787070BD1171}" dt="2021-09-10T07:23:57.750" v="491" actId="14100"/>
-          <ac:picMkLst>
-            <pc:docMk/>
-            <pc:sldMk cId="2819114601" sldId="284"/>
-            <ac:picMk id="10" creationId="{E0CA4AA8-948D-41E8-94A3-5F6A006BD7E1}"/>
-          </ac:picMkLst>
-        </pc:picChg>
-      </pc:sldChg>
-      <pc:sldChg chg="delSp modSp add ord replId">
-        <pc:chgData name="Dragan Javorac" userId="S::d.javorac@ma-web.nl::913c2858-fb97-4c6e-a42c-b1f1a16b225e" providerId="AD" clId="Web-{81B3D06A-C464-4F7E-965B-787070BD1171}" dt="2021-09-10T07:21:36.024" v="417" actId="20577"/>
-        <pc:sldMkLst>
-          <pc:docMk/>
-          <pc:sldMk cId="3476295912" sldId="285"/>
-        </pc:sldMkLst>
-        <pc:spChg chg="mod">
-          <ac:chgData name="Dragan Javorac" userId="S::d.javorac@ma-web.nl::913c2858-fb97-4c6e-a42c-b1f1a16b225e" providerId="AD" clId="Web-{81B3D06A-C464-4F7E-965B-787070BD1171}" dt="2021-09-10T07:21:34.274" v="416" actId="20577"/>
-          <ac:spMkLst>
-            <pc:docMk/>
-            <pc:sldMk cId="3476295912" sldId="285"/>
-            <ac:spMk id="149" creationId="{00000000-0000-0000-0000-000000000000}"/>
-          </ac:spMkLst>
-        </pc:spChg>
-        <pc:spChg chg="mod">
-          <ac:chgData name="Dragan Javorac" userId="S::d.javorac@ma-web.nl::913c2858-fb97-4c6e-a42c-b1f1a16b225e" providerId="AD" clId="Web-{81B3D06A-C464-4F7E-965B-787070BD1171}" dt="2021-09-10T07:21:36.024" v="417" actId="20577"/>
-          <ac:spMkLst>
-            <pc:docMk/>
-            <pc:sldMk cId="3476295912" sldId="285"/>
-            <ac:spMk id="150" creationId="{00000000-0000-0000-0000-000000000000}"/>
-          </ac:spMkLst>
-        </pc:spChg>
-        <pc:picChg chg="del">
-          <ac:chgData name="Dragan Javorac" userId="S::d.javorac@ma-web.nl::913c2858-fb97-4c6e-a42c-b1f1a16b225e" providerId="AD" clId="Web-{81B3D06A-C464-4F7E-965B-787070BD1171}" dt="2021-09-10T07:17:31.386" v="300"/>
-          <ac:picMkLst>
-            <pc:docMk/>
-            <pc:sldMk cId="3476295912" sldId="285"/>
-            <ac:picMk id="3" creationId="{6246AA1B-43A8-42C5-8980-97B0DD37E694}"/>
-          </ac:picMkLst>
-        </pc:picChg>
-        <pc:picChg chg="mod">
-          <ac:chgData name="Dragan Javorac" userId="S::d.javorac@ma-web.nl::913c2858-fb97-4c6e-a42c-b1f1a16b225e" providerId="AD" clId="Web-{81B3D06A-C464-4F7E-965B-787070BD1171}" dt="2021-09-10T07:17:52.357" v="314" actId="1076"/>
-          <ac:picMkLst>
-            <pc:docMk/>
-            <pc:sldMk cId="3476295912" sldId="285"/>
-            <ac:picMk id="5" creationId="{C5D978C6-73A5-414F-85EF-0B5E63418DB3}"/>
-          </ac:picMkLst>
-        </pc:picChg>
-        <pc:picChg chg="mod">
-          <ac:chgData name="Dragan Javorac" userId="S::d.javorac@ma-web.nl::913c2858-fb97-4c6e-a42c-b1f1a16b225e" providerId="AD" clId="Web-{81B3D06A-C464-4F7E-965B-787070BD1171}" dt="2021-09-10T07:17:52.512" v="315" actId="1076"/>
-          <ac:picMkLst>
-            <pc:docMk/>
-            <pc:sldMk cId="3476295912" sldId="285"/>
-            <ac:picMk id="6" creationId="{4058052C-F984-434A-AC46-645A604EF284}"/>
-          </ac:picMkLst>
-        </pc:picChg>
-      </pc:sldChg>
-      <pc:sldChg chg="addSp delSp modSp add ord replId">
-        <pc:chgData name="Dragan Javorac" userId="S::d.javorac@ma-web.nl::913c2858-fb97-4c6e-a42c-b1f1a16b225e" providerId="AD" clId="Web-{81B3D06A-C464-4F7E-965B-787070BD1171}" dt="2021-09-10T07:22:22.307" v="450" actId="1076"/>
-        <pc:sldMkLst>
-          <pc:docMk/>
-          <pc:sldMk cId="3947988643" sldId="286"/>
-        </pc:sldMkLst>
-        <pc:spChg chg="mod">
-          <ac:chgData name="Dragan Javorac" userId="S::d.javorac@ma-web.nl::913c2858-fb97-4c6e-a42c-b1f1a16b225e" providerId="AD" clId="Web-{81B3D06A-C464-4F7E-965B-787070BD1171}" dt="2021-09-10T07:22:20.432" v="448" actId="20577"/>
-          <ac:spMkLst>
-            <pc:docMk/>
-            <pc:sldMk cId="3947988643" sldId="286"/>
-            <ac:spMk id="149" creationId="{00000000-0000-0000-0000-000000000000}"/>
-          </ac:spMkLst>
-        </pc:spChg>
-        <pc:picChg chg="del">
-          <ac:chgData name="Dragan Javorac" userId="S::d.javorac@ma-web.nl::913c2858-fb97-4c6e-a42c-b1f1a16b225e" providerId="AD" clId="Web-{81B3D06A-C464-4F7E-965B-787070BD1171}" dt="2021-09-10T07:20:41.693" v="367"/>
-          <ac:picMkLst>
-            <pc:docMk/>
-            <pc:sldMk cId="3947988643" sldId="286"/>
-            <ac:picMk id="3" creationId="{6246AA1B-43A8-42C5-8980-97B0DD37E694}"/>
-          </ac:picMkLst>
-        </pc:picChg>
-        <pc:picChg chg="add mod">
-          <ac:chgData name="Dragan Javorac" userId="S::d.javorac@ma-web.nl::913c2858-fb97-4c6e-a42c-b1f1a16b225e" providerId="AD" clId="Web-{81B3D06A-C464-4F7E-965B-787070BD1171}" dt="2021-09-10T07:20:47.818" v="370" actId="1076"/>
-          <ac:picMkLst>
-            <pc:docMk/>
-            <pc:sldMk cId="3947988643" sldId="286"/>
-            <ac:picMk id="4" creationId="{A31A2D1B-EDAB-4A98-806C-C3405F2890B8}"/>
-          </ac:picMkLst>
-        </pc:picChg>
-        <pc:picChg chg="add mod">
-          <ac:chgData name="Dragan Javorac" userId="S::d.javorac@ma-web.nl::913c2858-fb97-4c6e-a42c-b1f1a16b225e" providerId="AD" clId="Web-{81B3D06A-C464-4F7E-965B-787070BD1171}" dt="2021-09-10T07:22:22.307" v="450" actId="1076"/>
-          <ac:picMkLst>
-            <pc:docMk/>
-            <pc:sldMk cId="3947988643" sldId="286"/>
-            <ac:picMk id="5" creationId="{CC9DA678-83B6-4940-BB18-F5ACC610ECC8}"/>
-          </ac:picMkLst>
-        </pc:picChg>
-        <pc:picChg chg="mod">
-          <ac:chgData name="Dragan Javorac" userId="S::d.javorac@ma-web.nl::913c2858-fb97-4c6e-a42c-b1f1a16b225e" providerId="AD" clId="Web-{81B3D06A-C464-4F7E-965B-787070BD1171}" dt="2021-09-10T07:20:13.457" v="359" actId="1076"/>
-          <ac:picMkLst>
-            <pc:docMk/>
-            <pc:sldMk cId="3947988643" sldId="286"/>
-            <ac:picMk id="7" creationId="{7F398606-5A53-42D9-B419-9C25066AD901}"/>
-          </ac:picMkLst>
-        </pc:picChg>
-        <pc:picChg chg="del">
-          <ac:chgData name="Dragan Javorac" userId="S::d.javorac@ma-web.nl::913c2858-fb97-4c6e-a42c-b1f1a16b225e" providerId="AD" clId="Web-{81B3D06A-C464-4F7E-965B-787070BD1171}" dt="2021-09-10T07:20:36.161" v="365"/>
-          <ac:picMkLst>
-            <pc:docMk/>
-            <pc:sldMk cId="3947988643" sldId="286"/>
-            <ac:picMk id="8" creationId="{DD91688F-AE4B-4ED1-B7D5-BE83ABCD8125}"/>
-          </ac:picMkLst>
-        </pc:picChg>
-      </pc:sldChg>
-      <pc:sldChg chg="delSp add del ord replId">
-        <pc:chgData name="Dragan Javorac" userId="S::d.javorac@ma-web.nl::913c2858-fb97-4c6e-a42c-b1f1a16b225e" providerId="AD" clId="Web-{81B3D06A-C464-4F7E-965B-787070BD1171}" dt="2021-09-10T07:25:44.708" v="519"/>
-        <pc:sldMkLst>
-          <pc:docMk/>
-          <pc:sldMk cId="1943282406" sldId="287"/>
-        </pc:sldMkLst>
-        <pc:picChg chg="del">
-          <ac:chgData name="Dragan Javorac" userId="S::d.javorac@ma-web.nl::913c2858-fb97-4c6e-a42c-b1f1a16b225e" providerId="AD" clId="Web-{81B3D06A-C464-4F7E-965B-787070BD1171}" dt="2021-09-10T07:23:15.404" v="464"/>
-          <ac:picMkLst>
-            <pc:docMk/>
-            <pc:sldMk cId="1943282406" sldId="287"/>
-            <ac:picMk id="8" creationId="{DD91688F-AE4B-4ED1-B7D5-BE83ABCD8125}"/>
-          </ac:picMkLst>
-        </pc:picChg>
-      </pc:sldChg>
-    </pc:docChg>
-  </pc:docChgLst>
-  <pc:docChgLst>
-    <pc:chgData name="Dragan Javorac" userId="913c2858-fb97-4c6e-a42c-b1f1a16b225e" providerId="ADAL" clId="{8A676685-C88E-42C7-BB02-C6F664646BD8}"/>
-    <pc:docChg chg="custSel delSld modSld">
-      <pc:chgData name="Dragan Javorac" userId="913c2858-fb97-4c6e-a42c-b1f1a16b225e" providerId="ADAL" clId="{8A676685-C88E-42C7-BB02-C6F664646BD8}" dt="2021-09-10T08:02:06.505" v="53" actId="1076"/>
-      <pc:docMkLst>
-        <pc:docMk/>
-      </pc:docMkLst>
-      <pc:sldChg chg="addSp delSp modSp mod">
-        <pc:chgData name="Dragan Javorac" userId="913c2858-fb97-4c6e-a42c-b1f1a16b225e" providerId="ADAL" clId="{8A676685-C88E-42C7-BB02-C6F664646BD8}" dt="2021-09-10T08:02:06.505" v="53" actId="1076"/>
-        <pc:sldMkLst>
-          <pc:docMk/>
-          <pc:sldMk cId="0" sldId="260"/>
-        </pc:sldMkLst>
-        <pc:spChg chg="mod">
-          <ac:chgData name="Dragan Javorac" userId="913c2858-fb97-4c6e-a42c-b1f1a16b225e" providerId="ADAL" clId="{8A676685-C88E-42C7-BB02-C6F664646BD8}" dt="2021-09-10T08:00:41.904" v="33" actId="20577"/>
-          <ac:spMkLst>
-            <pc:docMk/>
-            <pc:sldMk cId="0" sldId="260"/>
-            <ac:spMk id="77" creationId="{00000000-0000-0000-0000-000000000000}"/>
-          </ac:spMkLst>
-        </pc:spChg>
-        <pc:spChg chg="mod">
-          <ac:chgData name="Dragan Javorac" userId="913c2858-fb97-4c6e-a42c-b1f1a16b225e" providerId="ADAL" clId="{8A676685-C88E-42C7-BB02-C6F664646BD8}" dt="2021-09-10T08:01:47.203" v="42" actId="20577"/>
-          <ac:spMkLst>
-            <pc:docMk/>
-            <pc:sldMk cId="0" sldId="260"/>
-            <ac:spMk id="78" creationId="{00000000-0000-0000-0000-000000000000}"/>
-          </ac:spMkLst>
-        </pc:spChg>
-        <pc:spChg chg="mod">
-          <ac:chgData name="Dragan Javorac" userId="913c2858-fb97-4c6e-a42c-b1f1a16b225e" providerId="ADAL" clId="{8A676685-C88E-42C7-BB02-C6F664646BD8}" dt="2021-09-10T08:02:04.006" v="52" actId="20577"/>
-          <ac:spMkLst>
-            <pc:docMk/>
-            <pc:sldMk cId="0" sldId="260"/>
-            <ac:spMk id="79" creationId="{00000000-0000-0000-0000-000000000000}"/>
-          </ac:spMkLst>
-        </pc:spChg>
-        <pc:picChg chg="mod">
-          <ac:chgData name="Dragan Javorac" userId="913c2858-fb97-4c6e-a42c-b1f1a16b225e" providerId="ADAL" clId="{8A676685-C88E-42C7-BB02-C6F664646BD8}" dt="2021-09-10T08:01:49.889" v="43" actId="1076"/>
-          <ac:picMkLst>
-            <pc:docMk/>
-            <pc:sldMk cId="0" sldId="260"/>
-            <ac:picMk id="80" creationId="{00000000-0000-0000-0000-000000000000}"/>
-          </ac:picMkLst>
-        </pc:picChg>
-        <pc:picChg chg="del">
-          <ac:chgData name="Dragan Javorac" userId="913c2858-fb97-4c6e-a42c-b1f1a16b225e" providerId="ADAL" clId="{8A676685-C88E-42C7-BB02-C6F664646BD8}" dt="2021-09-10T08:01:07.898" v="34" actId="478"/>
-          <ac:picMkLst>
-            <pc:docMk/>
-            <pc:sldMk cId="0" sldId="260"/>
-            <ac:picMk id="81" creationId="{00000000-0000-0000-0000-000000000000}"/>
-          </ac:picMkLst>
-        </pc:picChg>
-        <pc:picChg chg="add mod">
-          <ac:chgData name="Dragan Javorac" userId="913c2858-fb97-4c6e-a42c-b1f1a16b225e" providerId="ADAL" clId="{8A676685-C88E-42C7-BB02-C6F664646BD8}" dt="2021-09-10T08:02:06.505" v="53" actId="1076"/>
-          <ac:picMkLst>
-            <pc:docMk/>
-            <pc:sldMk cId="0" sldId="260"/>
-            <ac:picMk id="1026" creationId="{1CC81E10-2845-4AF2-A224-36BC74209F85}"/>
-          </ac:picMkLst>
-        </pc:picChg>
-        <pc:picChg chg="add mod">
-          <ac:chgData name="Dragan Javorac" userId="913c2858-fb97-4c6e-a42c-b1f1a16b225e" providerId="ADAL" clId="{8A676685-C88E-42C7-BB02-C6F664646BD8}" dt="2021-09-10T08:01:43.830" v="37" actId="1076"/>
-          <ac:picMkLst>
-            <pc:docMk/>
-            <pc:sldMk cId="0" sldId="260"/>
-            <ac:picMk id="1027" creationId="{4EC5CD85-2658-426E-9477-3CEC2C5897A2}"/>
-          </ac:picMkLst>
-        </pc:picChg>
-      </pc:sldChg>
-      <pc:sldChg chg="del">
-        <pc:chgData name="Dragan Javorac" userId="913c2858-fb97-4c6e-a42c-b1f1a16b225e" providerId="ADAL" clId="{8A676685-C88E-42C7-BB02-C6F664646BD8}" dt="2021-09-10T07:59:44.800" v="0" actId="2696"/>
-        <pc:sldMkLst>
-          <pc:docMk/>
-          <pc:sldMk cId="745908616" sldId="282"/>
-        </pc:sldMkLst>
-      </pc:sldChg>
-    </pc:docChg>
-  </pc:docChgLst>
-  <pc:docChgLst>
-    <pc:chgData name="Dragan Javorac" userId="913c2858-fb97-4c6e-a42c-b1f1a16b225e" providerId="ADAL" clId="{CFF70A02-D37A-4A1C-9761-FE9AA042093F}"/>
-    <pc:docChg chg="undo custSel addSld delSld modSld sldOrd modMainMaster">
-      <pc:chgData name="Dragan Javorac" userId="913c2858-fb97-4c6e-a42c-b1f1a16b225e" providerId="ADAL" clId="{CFF70A02-D37A-4A1C-9761-FE9AA042093F}" dt="2022-09-08T08:36:40.709" v="1903" actId="1076"/>
-      <pc:docMkLst>
-        <pc:docMk/>
-      </pc:docMkLst>
-      <pc:sldChg chg="modSp mod">
-        <pc:chgData name="Dragan Javorac" userId="913c2858-fb97-4c6e-a42c-b1f1a16b225e" providerId="ADAL" clId="{CFF70A02-D37A-4A1C-9761-FE9AA042093F}" dt="2022-09-08T08:28:59.381" v="1861" actId="20577"/>
-        <pc:sldMkLst>
-          <pc:docMk/>
-          <pc:sldMk cId="0" sldId="257"/>
-        </pc:sldMkLst>
-        <pc:spChg chg="mod">
-          <ac:chgData name="Dragan Javorac" userId="913c2858-fb97-4c6e-a42c-b1f1a16b225e" providerId="ADAL" clId="{CFF70A02-D37A-4A1C-9761-FE9AA042093F}" dt="2022-09-08T08:28:59.381" v="1861" actId="20577"/>
-          <ac:spMkLst>
-            <pc:docMk/>
-            <pc:sldMk cId="0" sldId="257"/>
-            <ac:spMk id="61" creationId="{00000000-0000-0000-0000-000000000000}"/>
-          </ac:spMkLst>
-        </pc:spChg>
-      </pc:sldChg>
-      <pc:sldChg chg="addSp modSp del mod">
-        <pc:chgData name="Dragan Javorac" userId="913c2858-fb97-4c6e-a42c-b1f1a16b225e" providerId="ADAL" clId="{CFF70A02-D37A-4A1C-9761-FE9AA042093F}" dt="2022-09-08T08:28:20.785" v="1815" actId="47"/>
-        <pc:sldMkLst>
-          <pc:docMk/>
-          <pc:sldMk cId="0" sldId="259"/>
-        </pc:sldMkLst>
-        <pc:picChg chg="add mod">
-          <ac:chgData name="Dragan Javorac" userId="913c2858-fb97-4c6e-a42c-b1f1a16b225e" providerId="ADAL" clId="{CFF70A02-D37A-4A1C-9761-FE9AA042093F}" dt="2022-09-08T08:28:13.669" v="1814" actId="1076"/>
-          <ac:picMkLst>
-            <pc:docMk/>
-            <pc:sldMk cId="0" sldId="259"/>
-            <ac:picMk id="2" creationId="{4D2DD8A4-EBDA-F376-F1BA-8A8CF8BE640C}"/>
-          </ac:picMkLst>
-        </pc:picChg>
-      </pc:sldChg>
-      <pc:sldChg chg="del">
-        <pc:chgData name="Dragan Javorac" userId="913c2858-fb97-4c6e-a42c-b1f1a16b225e" providerId="ADAL" clId="{CFF70A02-D37A-4A1C-9761-FE9AA042093F}" dt="2022-09-08T07:42:38.255" v="0" actId="47"/>
-        <pc:sldMkLst>
-          <pc:docMk/>
-          <pc:sldMk cId="0" sldId="263"/>
-        </pc:sldMkLst>
-      </pc:sldChg>
-      <pc:sldChg chg="del">
-        <pc:chgData name="Dragan Javorac" userId="913c2858-fb97-4c6e-a42c-b1f1a16b225e" providerId="ADAL" clId="{CFF70A02-D37A-4A1C-9761-FE9AA042093F}" dt="2022-09-08T07:42:38.255" v="0" actId="47"/>
-        <pc:sldMkLst>
-          <pc:docMk/>
-          <pc:sldMk cId="0" sldId="264"/>
-        </pc:sldMkLst>
-      </pc:sldChg>
-      <pc:sldChg chg="modSp mod ord">
-        <pc:chgData name="Dragan Javorac" userId="913c2858-fb97-4c6e-a42c-b1f1a16b225e" providerId="ADAL" clId="{CFF70A02-D37A-4A1C-9761-FE9AA042093F}" dt="2022-09-08T07:51:45.555" v="419"/>
-        <pc:sldMkLst>
-          <pc:docMk/>
-          <pc:sldMk cId="0" sldId="266"/>
-        </pc:sldMkLst>
-        <pc:spChg chg="mod">
-          <ac:chgData name="Dragan Javorac" userId="913c2858-fb97-4c6e-a42c-b1f1a16b225e" providerId="ADAL" clId="{CFF70A02-D37A-4A1C-9761-FE9AA042093F}" dt="2022-09-08T07:44:43.315" v="16" actId="20577"/>
-          <ac:spMkLst>
-            <pc:docMk/>
-            <pc:sldMk cId="0" sldId="266"/>
-            <ac:spMk id="124" creationId="{00000000-0000-0000-0000-000000000000}"/>
-          </ac:spMkLst>
-        </pc:spChg>
-      </pc:sldChg>
-      <pc:sldChg chg="addSp delSp modSp mod">
-        <pc:chgData name="Dragan Javorac" userId="913c2858-fb97-4c6e-a42c-b1f1a16b225e" providerId="ADAL" clId="{CFF70A02-D37A-4A1C-9761-FE9AA042093F}" dt="2022-09-08T07:49:04.061" v="154" actId="207"/>
-        <pc:sldMkLst>
-          <pc:docMk/>
-          <pc:sldMk cId="0" sldId="267"/>
-        </pc:sldMkLst>
-        <pc:spChg chg="add mod">
-          <ac:chgData name="Dragan Javorac" userId="913c2858-fb97-4c6e-a42c-b1f1a16b225e" providerId="ADAL" clId="{CFF70A02-D37A-4A1C-9761-FE9AA042093F}" dt="2022-09-08T07:49:04.061" v="154" actId="207"/>
-          <ac:spMkLst>
-            <pc:docMk/>
-            <pc:sldMk cId="0" sldId="267"/>
-            <ac:spMk id="7" creationId="{52DF19C7-1317-5F37-CE7E-EC3B444E69B3}"/>
-          </ac:spMkLst>
-        </pc:spChg>
-        <pc:spChg chg="add mod">
-          <ac:chgData name="Dragan Javorac" userId="913c2858-fb97-4c6e-a42c-b1f1a16b225e" providerId="ADAL" clId="{CFF70A02-D37A-4A1C-9761-FE9AA042093F}" dt="2022-09-08T07:49:04.061" v="154" actId="207"/>
-          <ac:spMkLst>
-            <pc:docMk/>
-            <pc:sldMk cId="0" sldId="267"/>
-            <ac:spMk id="8" creationId="{454C6EAC-F2E3-64A2-E21D-8495448857AE}"/>
-          </ac:spMkLst>
-        </pc:spChg>
-        <pc:spChg chg="add mod">
-          <ac:chgData name="Dragan Javorac" userId="913c2858-fb97-4c6e-a42c-b1f1a16b225e" providerId="ADAL" clId="{CFF70A02-D37A-4A1C-9761-FE9AA042093F}" dt="2022-09-08T07:49:04.061" v="154" actId="207"/>
-          <ac:spMkLst>
-            <pc:docMk/>
-            <pc:sldMk cId="0" sldId="267"/>
-            <ac:spMk id="9" creationId="{6F1F36F8-2969-1E9A-B7BE-6102C38549FE}"/>
-          </ac:spMkLst>
-        </pc:spChg>
-        <pc:picChg chg="add mod">
-          <ac:chgData name="Dragan Javorac" userId="913c2858-fb97-4c6e-a42c-b1f1a16b225e" providerId="ADAL" clId="{CFF70A02-D37A-4A1C-9761-FE9AA042093F}" dt="2022-09-08T07:47:07.874" v="25" actId="1076"/>
-          <ac:picMkLst>
-            <pc:docMk/>
-            <pc:sldMk cId="0" sldId="267"/>
-            <ac:picMk id="4" creationId="{5169E581-485B-0459-962B-77975206680F}"/>
-          </ac:picMkLst>
-        </pc:picChg>
-        <pc:picChg chg="add del">
-          <ac:chgData name="Dragan Javorac" userId="913c2858-fb97-4c6e-a42c-b1f1a16b225e" providerId="ADAL" clId="{CFF70A02-D37A-4A1C-9761-FE9AA042093F}" dt="2022-09-08T07:46:58.132" v="21" actId="478"/>
-          <ac:picMkLst>
-            <pc:docMk/>
-            <pc:sldMk cId="0" sldId="267"/>
-            <ac:picMk id="6" creationId="{1FE29C32-22D9-1B7F-A6BB-BCFC55861BF6}"/>
-          </ac:picMkLst>
-        </pc:picChg>
-        <pc:picChg chg="del">
-          <ac:chgData name="Dragan Javorac" userId="913c2858-fb97-4c6e-a42c-b1f1a16b225e" providerId="ADAL" clId="{CFF70A02-D37A-4A1C-9761-FE9AA042093F}" dt="2022-09-08T07:46:55.897" v="20" actId="478"/>
-          <ac:picMkLst>
-            <pc:docMk/>
-            <pc:sldMk cId="0" sldId="267"/>
-            <ac:picMk id="134" creationId="{00000000-0000-0000-0000-000000000000}"/>
-          </ac:picMkLst>
-        </pc:picChg>
-      </pc:sldChg>
-      <pc:sldChg chg="addSp delSp modSp mod">
-        <pc:chgData name="Dragan Javorac" userId="913c2858-fb97-4c6e-a42c-b1f1a16b225e" providerId="ADAL" clId="{CFF70A02-D37A-4A1C-9761-FE9AA042093F}" dt="2022-09-08T08:02:03.436" v="931" actId="14100"/>
-        <pc:sldMkLst>
-          <pc:docMk/>
-          <pc:sldMk cId="0" sldId="268"/>
-        </pc:sldMkLst>
-        <pc:spChg chg="add mod">
-          <ac:chgData name="Dragan Javorac" userId="913c2858-fb97-4c6e-a42c-b1f1a16b225e" providerId="ADAL" clId="{CFF70A02-D37A-4A1C-9761-FE9AA042093F}" dt="2022-09-08T08:02:03.436" v="931" actId="14100"/>
-          <ac:spMkLst>
-            <pc:docMk/>
-            <pc:sldMk cId="0" sldId="268"/>
-            <ac:spMk id="7" creationId="{76CBA04D-1A86-023C-0A42-5EC04152CC7F}"/>
-          </ac:spMkLst>
-        </pc:spChg>
-        <pc:spChg chg="add mod">
-          <ac:chgData name="Dragan Javorac" userId="913c2858-fb97-4c6e-a42c-b1f1a16b225e" providerId="ADAL" clId="{CFF70A02-D37A-4A1C-9761-FE9AA042093F}" dt="2022-09-08T08:01:34.292" v="850" actId="14100"/>
-          <ac:spMkLst>
-            <pc:docMk/>
-            <pc:sldMk cId="0" sldId="268"/>
-            <ac:spMk id="10" creationId="{5CBB458D-4B60-1961-3B09-2CFE2AED166B}"/>
-          </ac:spMkLst>
-        </pc:spChg>
-        <pc:spChg chg="del">
-          <ac:chgData name="Dragan Javorac" userId="913c2858-fb97-4c6e-a42c-b1f1a16b225e" providerId="ADAL" clId="{CFF70A02-D37A-4A1C-9761-FE9AA042093F}" dt="2022-09-08T07:58:57.804" v="817" actId="478"/>
-          <ac:spMkLst>
-            <pc:docMk/>
-            <pc:sldMk cId="0" sldId="268"/>
-            <ac:spMk id="141" creationId="{00000000-0000-0000-0000-000000000000}"/>
-          </ac:spMkLst>
-        </pc:spChg>
-        <pc:spChg chg="del mod">
-          <ac:chgData name="Dragan Javorac" userId="913c2858-fb97-4c6e-a42c-b1f1a16b225e" providerId="ADAL" clId="{CFF70A02-D37A-4A1C-9761-FE9AA042093F}" dt="2022-09-08T07:58:57.039" v="816" actId="478"/>
-          <ac:spMkLst>
-            <pc:docMk/>
-            <pc:sldMk cId="0" sldId="268"/>
-            <ac:spMk id="142" creationId="{00000000-0000-0000-0000-000000000000}"/>
-          </ac:spMkLst>
-        </pc:spChg>
-        <pc:spChg chg="del">
-          <ac:chgData name="Dragan Javorac" userId="913c2858-fb97-4c6e-a42c-b1f1a16b225e" providerId="ADAL" clId="{CFF70A02-D37A-4A1C-9761-FE9AA042093F}" dt="2022-09-08T07:58:59.763" v="819" actId="478"/>
-          <ac:spMkLst>
-            <pc:docMk/>
-            <pc:sldMk cId="0" sldId="268"/>
-            <ac:spMk id="143" creationId="{00000000-0000-0000-0000-000000000000}"/>
-          </ac:spMkLst>
-        </pc:spChg>
-        <pc:picChg chg="add del">
-          <ac:chgData name="Dragan Javorac" userId="913c2858-fb97-4c6e-a42c-b1f1a16b225e" providerId="ADAL" clId="{CFF70A02-D37A-4A1C-9761-FE9AA042093F}" dt="2022-09-08T07:59:16.937" v="823" actId="478"/>
-          <ac:picMkLst>
-            <pc:docMk/>
-            <pc:sldMk cId="0" sldId="268"/>
-            <ac:picMk id="4" creationId="{3A922504-C192-0157-3ED4-59A21875753E}"/>
-          </ac:picMkLst>
-        </pc:picChg>
-        <pc:picChg chg="add mod modCrop">
-          <ac:chgData name="Dragan Javorac" userId="913c2858-fb97-4c6e-a42c-b1f1a16b225e" providerId="ADAL" clId="{CFF70A02-D37A-4A1C-9761-FE9AA042093F}" dt="2022-09-08T08:01:21.428" v="834" actId="1076"/>
-          <ac:picMkLst>
-            <pc:docMk/>
-            <pc:sldMk cId="0" sldId="268"/>
-            <ac:picMk id="6" creationId="{FFCC90F7-F033-529B-C251-CD265B3B3264}"/>
-          </ac:picMkLst>
-        </pc:picChg>
-        <pc:picChg chg="add mod">
-          <ac:chgData name="Dragan Javorac" userId="913c2858-fb97-4c6e-a42c-b1f1a16b225e" providerId="ADAL" clId="{CFF70A02-D37A-4A1C-9761-FE9AA042093F}" dt="2022-09-08T08:01:24.300" v="835" actId="1076"/>
-          <ac:picMkLst>
-            <pc:docMk/>
-            <pc:sldMk cId="0" sldId="268"/>
-            <ac:picMk id="9" creationId="{F250197B-04EF-D31D-6507-14ED7CB858B0}"/>
-          </ac:picMkLst>
-        </pc:picChg>
-        <pc:picChg chg="del">
-          <ac:chgData name="Dragan Javorac" userId="913c2858-fb97-4c6e-a42c-b1f1a16b225e" providerId="ADAL" clId="{CFF70A02-D37A-4A1C-9761-FE9AA042093F}" dt="2022-09-08T07:58:59.015" v="818" actId="478"/>
-          <ac:picMkLst>
-            <pc:docMk/>
-            <pc:sldMk cId="0" sldId="268"/>
-            <ac:picMk id="139" creationId="{00000000-0000-0000-0000-000000000000}"/>
-          </ac:picMkLst>
-        </pc:picChg>
-      </pc:sldChg>
-      <pc:sldChg chg="del">
-        <pc:chgData name="Dragan Javorac" userId="913c2858-fb97-4c6e-a42c-b1f1a16b225e" providerId="ADAL" clId="{CFF70A02-D37A-4A1C-9761-FE9AA042093F}" dt="2022-09-08T08:08:17.234" v="1047" actId="47"/>
-        <pc:sldMkLst>
-          <pc:docMk/>
-          <pc:sldMk cId="0" sldId="269"/>
-        </pc:sldMkLst>
-      </pc:sldChg>
-      <pc:sldChg chg="addSp delSp modSp mod">
-        <pc:chgData name="Dragan Javorac" userId="913c2858-fb97-4c6e-a42c-b1f1a16b225e" providerId="ADAL" clId="{CFF70A02-D37A-4A1C-9761-FE9AA042093F}" dt="2022-09-08T08:27:15.373" v="1812" actId="732"/>
-        <pc:sldMkLst>
-          <pc:docMk/>
-          <pc:sldMk cId="0" sldId="270"/>
-        </pc:sldMkLst>
-        <pc:spChg chg="del">
-          <ac:chgData name="Dragan Javorac" userId="913c2858-fb97-4c6e-a42c-b1f1a16b225e" providerId="ADAL" clId="{CFF70A02-D37A-4A1C-9761-FE9AA042093F}" dt="2022-09-08T08:26:35.882" v="1795" actId="478"/>
-          <ac:spMkLst>
-            <pc:docMk/>
-            <pc:sldMk cId="0" sldId="270"/>
-            <ac:spMk id="157" creationId="{00000000-0000-0000-0000-000000000000}"/>
-          </ac:spMkLst>
-        </pc:spChg>
-        <pc:spChg chg="mod">
-          <ac:chgData name="Dragan Javorac" userId="913c2858-fb97-4c6e-a42c-b1f1a16b225e" providerId="ADAL" clId="{CFF70A02-D37A-4A1C-9761-FE9AA042093F}" dt="2022-09-08T08:26:58.277" v="1807" actId="14100"/>
-          <ac:spMkLst>
-            <pc:docMk/>
-            <pc:sldMk cId="0" sldId="270"/>
-            <ac:spMk id="159" creationId="{00000000-0000-0000-0000-000000000000}"/>
-          </ac:spMkLst>
-        </pc:spChg>
-        <pc:spChg chg="mod">
-          <ac:chgData name="Dragan Javorac" userId="913c2858-fb97-4c6e-a42c-b1f1a16b225e" providerId="ADAL" clId="{CFF70A02-D37A-4A1C-9761-FE9AA042093F}" dt="2022-09-08T08:27:01.645" v="1808" actId="1076"/>
-          <ac:spMkLst>
-            <pc:docMk/>
-            <pc:sldMk cId="0" sldId="270"/>
-            <ac:spMk id="160" creationId="{00000000-0000-0000-0000-000000000000}"/>
-          </ac:spMkLst>
-        </pc:spChg>
-        <pc:spChg chg="mod">
-          <ac:chgData name="Dragan Javorac" userId="913c2858-fb97-4c6e-a42c-b1f1a16b225e" providerId="ADAL" clId="{CFF70A02-D37A-4A1C-9761-FE9AA042093F}" dt="2022-09-08T08:27:10.605" v="1811" actId="1076"/>
-          <ac:spMkLst>
-            <pc:docMk/>
-            <pc:sldMk cId="0" sldId="270"/>
-            <ac:spMk id="161" creationId="{00000000-0000-0000-0000-000000000000}"/>
-          </ac:spMkLst>
-        </pc:spChg>
-        <pc:spChg chg="mod">
-          <ac:chgData name="Dragan Javorac" userId="913c2858-fb97-4c6e-a42c-b1f1a16b225e" providerId="ADAL" clId="{CFF70A02-D37A-4A1C-9761-FE9AA042093F}" dt="2022-09-08T08:26:50.942" v="1803" actId="14100"/>
-          <ac:spMkLst>
-            <pc:docMk/>
-            <pc:sldMk cId="0" sldId="270"/>
-            <ac:spMk id="162" creationId="{00000000-0000-0000-0000-000000000000}"/>
-          </ac:spMkLst>
-        </pc:spChg>
-        <pc:picChg chg="add mod ord modCrop">
-          <ac:chgData name="Dragan Javorac" userId="913c2858-fb97-4c6e-a42c-b1f1a16b225e" providerId="ADAL" clId="{CFF70A02-D37A-4A1C-9761-FE9AA042093F}" dt="2022-09-08T08:27:15.373" v="1812" actId="732"/>
-          <ac:picMkLst>
-            <pc:docMk/>
-            <pc:sldMk cId="0" sldId="270"/>
-            <ac:picMk id="4" creationId="{B6F7DFCF-66E9-601F-4360-54620A4B8B51}"/>
-          </ac:picMkLst>
-        </pc:picChg>
-        <pc:picChg chg="del">
-          <ac:chgData name="Dragan Javorac" userId="913c2858-fb97-4c6e-a42c-b1f1a16b225e" providerId="ADAL" clId="{CFF70A02-D37A-4A1C-9761-FE9AA042093F}" dt="2022-09-08T08:25:58.425" v="1782" actId="478"/>
-          <ac:picMkLst>
-            <pc:docMk/>
-            <pc:sldMk cId="0" sldId="270"/>
-            <ac:picMk id="158" creationId="{00000000-0000-0000-0000-000000000000}"/>
-          </ac:picMkLst>
-        </pc:picChg>
-      </pc:sldChg>
-      <pc:sldChg chg="ord">
-        <pc:chgData name="Dragan Javorac" userId="913c2858-fb97-4c6e-a42c-b1f1a16b225e" providerId="ADAL" clId="{CFF70A02-D37A-4A1C-9761-FE9AA042093F}" dt="2022-09-08T08:14:11.497" v="1314"/>
-        <pc:sldMkLst>
-          <pc:docMk/>
-          <pc:sldMk cId="0" sldId="271"/>
-        </pc:sldMkLst>
-      </pc:sldChg>
-      <pc:sldChg chg="ord">
-        <pc:chgData name="Dragan Javorac" userId="913c2858-fb97-4c6e-a42c-b1f1a16b225e" providerId="ADAL" clId="{CFF70A02-D37A-4A1C-9761-FE9AA042093F}" dt="2022-09-08T08:14:11.497" v="1314"/>
-        <pc:sldMkLst>
-          <pc:docMk/>
-          <pc:sldMk cId="0" sldId="272"/>
-        </pc:sldMkLst>
-      </pc:sldChg>
-      <pc:sldChg chg="addSp delSp modSp mod ord">
-        <pc:chgData name="Dragan Javorac" userId="913c2858-fb97-4c6e-a42c-b1f1a16b225e" providerId="ADAL" clId="{CFF70A02-D37A-4A1C-9761-FE9AA042093F}" dt="2022-09-08T08:24:58.706" v="1779" actId="478"/>
-        <pc:sldMkLst>
-          <pc:docMk/>
-          <pc:sldMk cId="0" sldId="274"/>
-        </pc:sldMkLst>
-        <pc:spChg chg="mod">
-          <ac:chgData name="Dragan Javorac" userId="913c2858-fb97-4c6e-a42c-b1f1a16b225e" providerId="ADAL" clId="{CFF70A02-D37A-4A1C-9761-FE9AA042093F}" dt="2022-09-08T08:24:54.619" v="1778" actId="6549"/>
-          <ac:spMkLst>
-            <pc:docMk/>
-            <pc:sldMk cId="0" sldId="274"/>
-            <ac:spMk id="189" creationId="{00000000-0000-0000-0000-000000000000}"/>
-          </ac:spMkLst>
-        </pc:spChg>
-        <pc:spChg chg="del">
-          <ac:chgData name="Dragan Javorac" userId="913c2858-fb97-4c6e-a42c-b1f1a16b225e" providerId="ADAL" clId="{CFF70A02-D37A-4A1C-9761-FE9AA042093F}" dt="2022-09-08T08:24:58.706" v="1779" actId="478"/>
-          <ac:spMkLst>
-            <pc:docMk/>
-            <pc:sldMk cId="0" sldId="274"/>
-            <ac:spMk id="190" creationId="{00000000-0000-0000-0000-000000000000}"/>
-          </ac:spMkLst>
-        </pc:spChg>
-        <pc:picChg chg="add mod">
-          <ac:chgData name="Dragan Javorac" userId="913c2858-fb97-4c6e-a42c-b1f1a16b225e" providerId="ADAL" clId="{CFF70A02-D37A-4A1C-9761-FE9AA042093F}" dt="2022-09-08T08:24:41.871" v="1745" actId="1076"/>
-          <ac:picMkLst>
-            <pc:docMk/>
-            <pc:sldMk cId="0" sldId="274"/>
-            <ac:picMk id="4" creationId="{68E812B7-32D2-3A70-A1A5-AF3090CAC27B}"/>
-          </ac:picMkLst>
-        </pc:picChg>
-        <pc:picChg chg="del">
-          <ac:chgData name="Dragan Javorac" userId="913c2858-fb97-4c6e-a42c-b1f1a16b225e" providerId="ADAL" clId="{CFF70A02-D37A-4A1C-9761-FE9AA042093F}" dt="2022-09-08T08:24:27.121" v="1742" actId="478"/>
-          <ac:picMkLst>
-            <pc:docMk/>
-            <pc:sldMk cId="0" sldId="274"/>
-            <ac:picMk id="191" creationId="{00000000-0000-0000-0000-000000000000}"/>
-          </ac:picMkLst>
-        </pc:picChg>
-      </pc:sldChg>
-      <pc:sldChg chg="addSp delSp modSp mod">
-        <pc:chgData name="Dragan Javorac" userId="913c2858-fb97-4c6e-a42c-b1f1a16b225e" providerId="ADAL" clId="{CFF70A02-D37A-4A1C-9761-FE9AA042093F}" dt="2022-09-08T08:24:04.340" v="1740" actId="20577"/>
-        <pc:sldMkLst>
-          <pc:docMk/>
-          <pc:sldMk cId="1010043746" sldId="283"/>
-        </pc:sldMkLst>
-        <pc:spChg chg="add mod">
-          <ac:chgData name="Dragan Javorac" userId="913c2858-fb97-4c6e-a42c-b1f1a16b225e" providerId="ADAL" clId="{CFF70A02-D37A-4A1C-9761-FE9AA042093F}" dt="2022-09-08T08:23:48.434" v="1717" actId="20577"/>
-          <ac:spMkLst>
-            <pc:docMk/>
-            <pc:sldMk cId="1010043746" sldId="283"/>
-            <ac:spMk id="8" creationId="{E186B639-0E3E-8273-8C52-F924EA0273BA}"/>
-          </ac:spMkLst>
-        </pc:spChg>
-        <pc:spChg chg="add mod">
-          <ac:chgData name="Dragan Javorac" userId="913c2858-fb97-4c6e-a42c-b1f1a16b225e" providerId="ADAL" clId="{CFF70A02-D37A-4A1C-9761-FE9AA042093F}" dt="2022-09-08T08:24:00.598" v="1737" actId="20577"/>
-          <ac:spMkLst>
-            <pc:docMk/>
-            <pc:sldMk cId="1010043746" sldId="283"/>
-            <ac:spMk id="9" creationId="{F2E4B7BD-9140-9A71-3106-F8714E1AEE3B}"/>
-          </ac:spMkLst>
-        </pc:spChg>
-        <pc:spChg chg="mod">
-          <ac:chgData name="Dragan Javorac" userId="913c2858-fb97-4c6e-a42c-b1f1a16b225e" providerId="ADAL" clId="{CFF70A02-D37A-4A1C-9761-FE9AA042093F}" dt="2022-09-08T08:24:04.340" v="1740" actId="20577"/>
-          <ac:spMkLst>
-            <pc:docMk/>
-            <pc:sldMk cId="1010043746" sldId="283"/>
-            <ac:spMk id="149" creationId="{00000000-0000-0000-0000-000000000000}"/>
-          </ac:spMkLst>
-        </pc:spChg>
-        <pc:picChg chg="del">
-          <ac:chgData name="Dragan Javorac" userId="913c2858-fb97-4c6e-a42c-b1f1a16b225e" providerId="ADAL" clId="{CFF70A02-D37A-4A1C-9761-FE9AA042093F}" dt="2022-09-08T08:23:15.238" v="1690" actId="478"/>
-          <ac:picMkLst>
-            <pc:docMk/>
-            <pc:sldMk cId="1010043746" sldId="283"/>
-            <ac:picMk id="4" creationId="{48B9D4BA-9BA8-4641-A557-D552C07A744A}"/>
-          </ac:picMkLst>
-        </pc:picChg>
-        <pc:picChg chg="add mod">
-          <ac:chgData name="Dragan Javorac" userId="913c2858-fb97-4c6e-a42c-b1f1a16b225e" providerId="ADAL" clId="{CFF70A02-D37A-4A1C-9761-FE9AA042093F}" dt="2022-09-08T08:23:16.999" v="1692" actId="1076"/>
-          <ac:picMkLst>
-            <pc:docMk/>
-            <pc:sldMk cId="1010043746" sldId="283"/>
-            <ac:picMk id="5" creationId="{7B29F47A-D949-7B2D-2739-5042CC97E3EB}"/>
-          </ac:picMkLst>
-        </pc:picChg>
-        <pc:picChg chg="add del">
-          <ac:chgData name="Dragan Javorac" userId="913c2858-fb97-4c6e-a42c-b1f1a16b225e" providerId="ADAL" clId="{CFF70A02-D37A-4A1C-9761-FE9AA042093F}" dt="2022-09-08T08:23:29.858" v="1694" actId="22"/>
-          <ac:picMkLst>
-            <pc:docMk/>
-            <pc:sldMk cId="1010043746" sldId="283"/>
-            <ac:picMk id="7" creationId="{7C646355-78BE-A211-D04A-C3993BEE60B4}"/>
-          </ac:picMkLst>
-        </pc:picChg>
-      </pc:sldChg>
-      <pc:sldChg chg="delSp modSp mod">
-        <pc:chgData name="Dragan Javorac" userId="913c2858-fb97-4c6e-a42c-b1f1a16b225e" providerId="ADAL" clId="{CFF70A02-D37A-4A1C-9761-FE9AA042093F}" dt="2022-09-08T08:36:40.709" v="1903" actId="1076"/>
-        <pc:sldMkLst>
-          <pc:docMk/>
-          <pc:sldMk cId="2819114601" sldId="284"/>
-        </pc:sldMkLst>
-        <pc:spChg chg="del">
-          <ac:chgData name="Dragan Javorac" userId="913c2858-fb97-4c6e-a42c-b1f1a16b225e" providerId="ADAL" clId="{CFF70A02-D37A-4A1C-9761-FE9AA042093F}" dt="2022-09-08T08:36:35.687" v="1901" actId="478"/>
-          <ac:spMkLst>
-            <pc:docMk/>
-            <pc:sldMk cId="2819114601" sldId="284"/>
-            <ac:spMk id="150" creationId="{00000000-0000-0000-0000-000000000000}"/>
-          </ac:spMkLst>
-        </pc:spChg>
-        <pc:picChg chg="mod">
-          <ac:chgData name="Dragan Javorac" userId="913c2858-fb97-4c6e-a42c-b1f1a16b225e" providerId="ADAL" clId="{CFF70A02-D37A-4A1C-9761-FE9AA042093F}" dt="2022-09-08T08:36:40.709" v="1903" actId="1076"/>
-          <ac:picMkLst>
-            <pc:docMk/>
-            <pc:sldMk cId="2819114601" sldId="284"/>
-            <ac:picMk id="10" creationId="{E0CA4AA8-948D-41E8-94A3-5F6A006BD7E1}"/>
-          </ac:picMkLst>
-        </pc:picChg>
-      </pc:sldChg>
-      <pc:sldChg chg="addSp delSp modSp mod setBg">
-        <pc:chgData name="Dragan Javorac" userId="913c2858-fb97-4c6e-a42c-b1f1a16b225e" providerId="ADAL" clId="{CFF70A02-D37A-4A1C-9761-FE9AA042093F}" dt="2022-09-08T08:35:46.989" v="1899"/>
-        <pc:sldMkLst>
-          <pc:docMk/>
-          <pc:sldMk cId="2710829399" sldId="288"/>
-        </pc:sldMkLst>
-        <pc:spChg chg="mod">
-          <ac:chgData name="Dragan Javorac" userId="913c2858-fb97-4c6e-a42c-b1f1a16b225e" providerId="ADAL" clId="{CFF70A02-D37A-4A1C-9761-FE9AA042093F}" dt="2022-09-08T08:30:47.160" v="1870" actId="404"/>
-          <ac:spMkLst>
-            <pc:docMk/>
-            <pc:sldMk cId="2710829399" sldId="288"/>
-            <ac:spMk id="126" creationId="{00000000-0000-0000-0000-000000000000}"/>
-          </ac:spMkLst>
-        </pc:spChg>
-        <pc:spChg chg="mod">
-          <ac:chgData name="Dragan Javorac" userId="913c2858-fb97-4c6e-a42c-b1f1a16b225e" providerId="ADAL" clId="{CFF70A02-D37A-4A1C-9761-FE9AA042093F}" dt="2022-09-08T07:48:55.511" v="153" actId="207"/>
-          <ac:spMkLst>
-            <pc:docMk/>
-            <pc:sldMk cId="2710829399" sldId="288"/>
-            <ac:spMk id="127" creationId="{00000000-0000-0000-0000-000000000000}"/>
-          </ac:spMkLst>
-        </pc:spChg>
-        <pc:picChg chg="add del mod">
-          <ac:chgData name="Dragan Javorac" userId="913c2858-fb97-4c6e-a42c-b1f1a16b225e" providerId="ADAL" clId="{CFF70A02-D37A-4A1C-9761-FE9AA042093F}" dt="2022-09-08T08:30:40.881" v="1866" actId="478"/>
-          <ac:picMkLst>
-            <pc:docMk/>
-            <pc:sldMk cId="2710829399" sldId="288"/>
-            <ac:picMk id="3" creationId="{0092973C-451D-7B68-A359-01B2AB939341}"/>
-          </ac:picMkLst>
-        </pc:picChg>
-      </pc:sldChg>
-      <pc:sldChg chg="del">
-        <pc:chgData name="Dragan Javorac" userId="913c2858-fb97-4c6e-a42c-b1f1a16b225e" providerId="ADAL" clId="{CFF70A02-D37A-4A1C-9761-FE9AA042093F}" dt="2022-09-08T07:42:38.255" v="0" actId="47"/>
-        <pc:sldMkLst>
-          <pc:docMk/>
-          <pc:sldMk cId="1972725637" sldId="289"/>
-        </pc:sldMkLst>
-      </pc:sldChg>
-      <pc:sldChg chg="del">
-        <pc:chgData name="Dragan Javorac" userId="913c2858-fb97-4c6e-a42c-b1f1a16b225e" providerId="ADAL" clId="{CFF70A02-D37A-4A1C-9761-FE9AA042093F}" dt="2022-09-08T07:42:38.255" v="0" actId="47"/>
-        <pc:sldMkLst>
-          <pc:docMk/>
-          <pc:sldMk cId="0" sldId="292"/>
-        </pc:sldMkLst>
-      </pc:sldChg>
-      <pc:sldChg chg="addSp delSp modSp add mod">
-        <pc:chgData name="Dragan Javorac" userId="913c2858-fb97-4c6e-a42c-b1f1a16b225e" providerId="ADAL" clId="{CFF70A02-D37A-4A1C-9761-FE9AA042093F}" dt="2022-09-08T07:51:31.095" v="413" actId="20577"/>
-        <pc:sldMkLst>
-          <pc:docMk/>
-          <pc:sldMk cId="52050728" sldId="306"/>
-        </pc:sldMkLst>
-        <pc:spChg chg="add mod">
-          <ac:chgData name="Dragan Javorac" userId="913c2858-fb97-4c6e-a42c-b1f1a16b225e" providerId="ADAL" clId="{CFF70A02-D37A-4A1C-9761-FE9AA042093F}" dt="2022-09-08T07:50:08.869" v="229" actId="20577"/>
-          <ac:spMkLst>
-            <pc:docMk/>
-            <pc:sldMk cId="52050728" sldId="306"/>
-            <ac:spMk id="6" creationId="{54558DC9-AF43-8083-99D0-4C5F672193A2}"/>
-          </ac:spMkLst>
-        </pc:spChg>
-        <pc:spChg chg="mod">
-          <ac:chgData name="Dragan Javorac" userId="913c2858-fb97-4c6e-a42c-b1f1a16b225e" providerId="ADAL" clId="{CFF70A02-D37A-4A1C-9761-FE9AA042093F}" dt="2022-09-08T07:50:17.055" v="263" actId="20577"/>
-          <ac:spMkLst>
-            <pc:docMk/>
-            <pc:sldMk cId="52050728" sldId="306"/>
-            <ac:spMk id="7" creationId="{52DF19C7-1317-5F37-CE7E-EC3B444E69B3}"/>
-          </ac:spMkLst>
-        </pc:spChg>
-        <pc:spChg chg="del">
-          <ac:chgData name="Dragan Javorac" userId="913c2858-fb97-4c6e-a42c-b1f1a16b225e" providerId="ADAL" clId="{CFF70A02-D37A-4A1C-9761-FE9AA042093F}" dt="2022-09-08T07:49:21.822" v="184" actId="478"/>
-          <ac:spMkLst>
-            <pc:docMk/>
-            <pc:sldMk cId="52050728" sldId="306"/>
-            <ac:spMk id="8" creationId="{454C6EAC-F2E3-64A2-E21D-8495448857AE}"/>
-          </ac:spMkLst>
-        </pc:spChg>
-        <pc:spChg chg="del">
-          <ac:chgData name="Dragan Javorac" userId="913c2858-fb97-4c6e-a42c-b1f1a16b225e" providerId="ADAL" clId="{CFF70A02-D37A-4A1C-9761-FE9AA042093F}" dt="2022-09-08T07:49:22.632" v="185" actId="478"/>
-          <ac:spMkLst>
-            <pc:docMk/>
-            <pc:sldMk cId="52050728" sldId="306"/>
-            <ac:spMk id="9" creationId="{6F1F36F8-2969-1E9A-B7BE-6102C38549FE}"/>
-          </ac:spMkLst>
-        </pc:spChg>
-        <pc:spChg chg="mod">
-          <ac:chgData name="Dragan Javorac" userId="913c2858-fb97-4c6e-a42c-b1f1a16b225e" providerId="ADAL" clId="{CFF70A02-D37A-4A1C-9761-FE9AA042093F}" dt="2022-09-08T07:49:15.871" v="181" actId="20577"/>
-          <ac:spMkLst>
-            <pc:docMk/>
-            <pc:sldMk cId="52050728" sldId="306"/>
-            <ac:spMk id="132" creationId="{00000000-0000-0000-0000-000000000000}"/>
-          </ac:spMkLst>
-        </pc:spChg>
-        <pc:spChg chg="mod">
-          <ac:chgData name="Dragan Javorac" userId="913c2858-fb97-4c6e-a42c-b1f1a16b225e" providerId="ADAL" clId="{CFF70A02-D37A-4A1C-9761-FE9AA042093F}" dt="2022-09-08T07:51:31.095" v="413" actId="20577"/>
-          <ac:spMkLst>
-            <pc:docMk/>
-            <pc:sldMk cId="52050728" sldId="306"/>
-            <ac:spMk id="133" creationId="{00000000-0000-0000-0000-000000000000}"/>
-          </ac:spMkLst>
-        </pc:spChg>
-        <pc:picChg chg="del">
-          <ac:chgData name="Dragan Javorac" userId="913c2858-fb97-4c6e-a42c-b1f1a16b225e" providerId="ADAL" clId="{CFF70A02-D37A-4A1C-9761-FE9AA042093F}" dt="2022-09-08T07:49:18.625" v="182" actId="478"/>
-          <ac:picMkLst>
-            <pc:docMk/>
-            <pc:sldMk cId="52050728" sldId="306"/>
-            <ac:picMk id="4" creationId="{5169E581-485B-0459-962B-77975206680F}"/>
-          </ac:picMkLst>
-        </pc:picChg>
-        <pc:picChg chg="add mod ord">
-          <ac:chgData name="Dragan Javorac" userId="913c2858-fb97-4c6e-a42c-b1f1a16b225e" providerId="ADAL" clId="{CFF70A02-D37A-4A1C-9761-FE9AA042093F}" dt="2022-09-08T07:49:48.726" v="189" actId="167"/>
-          <ac:picMkLst>
-            <pc:docMk/>
-            <pc:sldMk cId="52050728" sldId="306"/>
-            <ac:picMk id="5" creationId="{C37270CF-758C-0B92-5A78-2A26AEE83A47}"/>
-          </ac:picMkLst>
-        </pc:picChg>
-      </pc:sldChg>
-      <pc:sldChg chg="addSp delSp modSp add mod">
-        <pc:chgData name="Dragan Javorac" userId="913c2858-fb97-4c6e-a42c-b1f1a16b225e" providerId="ADAL" clId="{CFF70A02-D37A-4A1C-9761-FE9AA042093F}" dt="2022-09-08T08:36:09.529" v="1900" actId="16037"/>
-        <pc:sldMkLst>
-          <pc:docMk/>
-          <pc:sldMk cId="3593851730" sldId="307"/>
-        </pc:sldMkLst>
-        <pc:spChg chg="mod">
-          <ac:chgData name="Dragan Javorac" userId="913c2858-fb97-4c6e-a42c-b1f1a16b225e" providerId="ADAL" clId="{CFF70A02-D37A-4A1C-9761-FE9AA042093F}" dt="2022-09-08T08:36:09.529" v="1900" actId="16037"/>
-          <ac:spMkLst>
-            <pc:docMk/>
-            <pc:sldMk cId="3593851730" sldId="307"/>
-            <ac:spMk id="6" creationId="{54558DC9-AF43-8083-99D0-4C5F672193A2}"/>
-          </ac:spMkLst>
-        </pc:spChg>
-        <pc:spChg chg="mod">
-          <ac:chgData name="Dragan Javorac" userId="913c2858-fb97-4c6e-a42c-b1f1a16b225e" providerId="ADAL" clId="{CFF70A02-D37A-4A1C-9761-FE9AA042093F}" dt="2022-09-08T07:55:42.970" v="721" actId="20577"/>
-          <ac:spMkLst>
-            <pc:docMk/>
-            <pc:sldMk cId="3593851730" sldId="307"/>
-            <ac:spMk id="7" creationId="{52DF19C7-1317-5F37-CE7E-EC3B444E69B3}"/>
-          </ac:spMkLst>
-        </pc:spChg>
-        <pc:spChg chg="mod">
-          <ac:chgData name="Dragan Javorac" userId="913c2858-fb97-4c6e-a42c-b1f1a16b225e" providerId="ADAL" clId="{CFF70A02-D37A-4A1C-9761-FE9AA042093F}" dt="2022-09-08T07:54:20.798" v="615" actId="20577"/>
-          <ac:spMkLst>
-            <pc:docMk/>
-            <pc:sldMk cId="3593851730" sldId="307"/>
-            <ac:spMk id="132" creationId="{00000000-0000-0000-0000-000000000000}"/>
-          </ac:spMkLst>
-        </pc:spChg>
-        <pc:spChg chg="mod">
-          <ac:chgData name="Dragan Javorac" userId="913c2858-fb97-4c6e-a42c-b1f1a16b225e" providerId="ADAL" clId="{CFF70A02-D37A-4A1C-9761-FE9AA042093F}" dt="2022-09-08T07:56:35.782" v="814" actId="20577"/>
-          <ac:spMkLst>
-            <pc:docMk/>
-            <pc:sldMk cId="3593851730" sldId="307"/>
-            <ac:spMk id="133" creationId="{00000000-0000-0000-0000-000000000000}"/>
-          </ac:spMkLst>
-        </pc:spChg>
-        <pc:picChg chg="add mod ord">
-          <ac:chgData name="Dragan Javorac" userId="913c2858-fb97-4c6e-a42c-b1f1a16b225e" providerId="ADAL" clId="{CFF70A02-D37A-4A1C-9761-FE9AA042093F}" dt="2022-09-08T07:55:10.559" v="624" actId="1076"/>
-          <ac:picMkLst>
-            <pc:docMk/>
-            <pc:sldMk cId="3593851730" sldId="307"/>
-            <ac:picMk id="4" creationId="{A818E353-8817-4C22-1D4B-BBA711C5E4BA}"/>
-          </ac:picMkLst>
-        </pc:picChg>
-        <pc:picChg chg="del">
-          <ac:chgData name="Dragan Javorac" userId="913c2858-fb97-4c6e-a42c-b1f1a16b225e" providerId="ADAL" clId="{CFF70A02-D37A-4A1C-9761-FE9AA042093F}" dt="2022-09-08T07:54:55.373" v="617" actId="478"/>
-          <ac:picMkLst>
-            <pc:docMk/>
-            <pc:sldMk cId="3593851730" sldId="307"/>
-            <ac:picMk id="5" creationId="{C37270CF-758C-0B92-5A78-2A26AEE83A47}"/>
-          </ac:picMkLst>
-        </pc:picChg>
-      </pc:sldChg>
-      <pc:sldChg chg="addSp delSp modSp add mod ord">
-        <pc:chgData name="Dragan Javorac" userId="913c2858-fb97-4c6e-a42c-b1f1a16b225e" providerId="ADAL" clId="{CFF70A02-D37A-4A1C-9761-FE9AA042093F}" dt="2022-09-08T07:54:09.632" v="597" actId="1076"/>
-        <pc:sldMkLst>
-          <pc:docMk/>
-          <pc:sldMk cId="241724827" sldId="308"/>
-        </pc:sldMkLst>
-        <pc:spChg chg="add mod">
-          <ac:chgData name="Dragan Javorac" userId="913c2858-fb97-4c6e-a42c-b1f1a16b225e" providerId="ADAL" clId="{CFF70A02-D37A-4A1C-9761-FE9AA042093F}" dt="2022-09-08T07:53:47.617" v="591" actId="1076"/>
-          <ac:spMkLst>
-            <pc:docMk/>
-            <pc:sldMk cId="241724827" sldId="308"/>
-            <ac:spMk id="11" creationId="{AB0B9670-351C-AB99-D631-F667093E18DA}"/>
-          </ac:spMkLst>
-        </pc:spChg>
-        <pc:spChg chg="mod">
-          <ac:chgData name="Dragan Javorac" userId="913c2858-fb97-4c6e-a42c-b1f1a16b225e" providerId="ADAL" clId="{CFF70A02-D37A-4A1C-9761-FE9AA042093F}" dt="2022-09-08T07:51:56.641" v="445" actId="20577"/>
-          <ac:spMkLst>
-            <pc:docMk/>
-            <pc:sldMk cId="241724827" sldId="308"/>
-            <ac:spMk id="123" creationId="{00000000-0000-0000-0000-000000000000}"/>
-          </ac:spMkLst>
-        </pc:spChg>
-        <pc:spChg chg="mod">
-          <ac:chgData name="Dragan Javorac" userId="913c2858-fb97-4c6e-a42c-b1f1a16b225e" providerId="ADAL" clId="{CFF70A02-D37A-4A1C-9761-FE9AA042093F}" dt="2022-09-08T07:52:35.519" v="551" actId="20577"/>
-          <ac:spMkLst>
-            <pc:docMk/>
-            <pc:sldMk cId="241724827" sldId="308"/>
-            <ac:spMk id="124" creationId="{00000000-0000-0000-0000-000000000000}"/>
-          </ac:spMkLst>
-        </pc:spChg>
-        <pc:picChg chg="add mod">
-          <ac:chgData name="Dragan Javorac" userId="913c2858-fb97-4c6e-a42c-b1f1a16b225e" providerId="ADAL" clId="{CFF70A02-D37A-4A1C-9761-FE9AA042093F}" dt="2022-09-08T07:52:55.690" v="554" actId="1076"/>
-          <ac:picMkLst>
-            <pc:docMk/>
-            <pc:sldMk cId="241724827" sldId="308"/>
-            <ac:picMk id="4" creationId="{C52E1C42-D29B-1628-0E90-AED809D6A6B5}"/>
-          </ac:picMkLst>
-        </pc:picChg>
-        <pc:picChg chg="del">
-          <ac:chgData name="Dragan Javorac" userId="913c2858-fb97-4c6e-a42c-b1f1a16b225e" providerId="ADAL" clId="{CFF70A02-D37A-4A1C-9761-FE9AA042093F}" dt="2022-09-08T07:52:41.378" v="552" actId="478"/>
-          <ac:picMkLst>
-            <pc:docMk/>
-            <pc:sldMk cId="241724827" sldId="308"/>
-            <ac:picMk id="5" creationId="{28EC5DD6-44F3-4ABD-B19C-D788953EFD09}"/>
-          </ac:picMkLst>
-        </pc:picChg>
-        <pc:picChg chg="add mod">
-          <ac:chgData name="Dragan Javorac" userId="913c2858-fb97-4c6e-a42c-b1f1a16b225e" providerId="ADAL" clId="{CFF70A02-D37A-4A1C-9761-FE9AA042093F}" dt="2022-09-08T07:54:07.503" v="596" actId="1076"/>
-          <ac:picMkLst>
-            <pc:docMk/>
-            <pc:sldMk cId="241724827" sldId="308"/>
-            <ac:picMk id="7" creationId="{E723F42A-55FC-C470-33DB-CBB5FDBCDCFC}"/>
-          </ac:picMkLst>
-        </pc:picChg>
-        <pc:picChg chg="add mod">
-          <ac:chgData name="Dragan Javorac" userId="913c2858-fb97-4c6e-a42c-b1f1a16b225e" providerId="ADAL" clId="{CFF70A02-D37A-4A1C-9761-FE9AA042093F}" dt="2022-09-08T07:54:06.160" v="595" actId="1076"/>
-          <ac:picMkLst>
-            <pc:docMk/>
-            <pc:sldMk cId="241724827" sldId="308"/>
-            <ac:picMk id="9" creationId="{05F4809D-11A5-F37F-A07B-4D45A9415144}"/>
-          </ac:picMkLst>
-        </pc:picChg>
-        <pc:picChg chg="add mod">
-          <ac:chgData name="Dragan Javorac" userId="913c2858-fb97-4c6e-a42c-b1f1a16b225e" providerId="ADAL" clId="{CFF70A02-D37A-4A1C-9761-FE9AA042093F}" dt="2022-09-08T07:54:09.632" v="597" actId="1076"/>
-          <ac:picMkLst>
-            <pc:docMk/>
-            <pc:sldMk cId="241724827" sldId="308"/>
-            <ac:picMk id="10" creationId="{4A103D32-2DDE-14E5-26AA-1BFF5DA40C3A}"/>
-          </ac:picMkLst>
-        </pc:picChg>
-      </pc:sldChg>
-      <pc:sldChg chg="addSp delSp modSp add mod">
-        <pc:chgData name="Dragan Javorac" userId="913c2858-fb97-4c6e-a42c-b1f1a16b225e" providerId="ADAL" clId="{CFF70A02-D37A-4A1C-9761-FE9AA042093F}" dt="2022-09-08T08:07:27.389" v="1046" actId="1076"/>
-        <pc:sldMkLst>
-          <pc:docMk/>
-          <pc:sldMk cId="2373212971" sldId="309"/>
-        </pc:sldMkLst>
-        <pc:spChg chg="add mod">
-          <ac:chgData name="Dragan Javorac" userId="913c2858-fb97-4c6e-a42c-b1f1a16b225e" providerId="ADAL" clId="{CFF70A02-D37A-4A1C-9761-FE9AA042093F}" dt="2022-09-08T08:07:24.950" v="1044" actId="14100"/>
-          <ac:spMkLst>
-            <pc:docMk/>
-            <pc:sldMk cId="2373212971" sldId="309"/>
-            <ac:spMk id="6" creationId="{C4E20C7A-785E-6201-27FD-F372B3CAC054}"/>
-          </ac:spMkLst>
-        </pc:spChg>
-        <pc:spChg chg="del">
-          <ac:chgData name="Dragan Javorac" userId="913c2858-fb97-4c6e-a42c-b1f1a16b225e" providerId="ADAL" clId="{CFF70A02-D37A-4A1C-9761-FE9AA042093F}" dt="2022-09-08T08:07:19.116" v="1042" actId="478"/>
-          <ac:spMkLst>
-            <pc:docMk/>
-            <pc:sldMk cId="2373212971" sldId="309"/>
-            <ac:spMk id="7" creationId="{76CBA04D-1A86-023C-0A42-5EC04152CC7F}"/>
-          </ac:spMkLst>
-        </pc:spChg>
-        <pc:spChg chg="mod">
-          <ac:chgData name="Dragan Javorac" userId="913c2858-fb97-4c6e-a42c-b1f1a16b225e" providerId="ADAL" clId="{CFF70A02-D37A-4A1C-9761-FE9AA042093F}" dt="2022-09-08T08:06:38.773" v="971" actId="14100"/>
-          <ac:spMkLst>
-            <pc:docMk/>
-            <pc:sldMk cId="2373212971" sldId="309"/>
-            <ac:spMk id="10" creationId="{5CBB458D-4B60-1961-3B09-2CFE2AED166B}"/>
-          </ac:spMkLst>
-        </pc:spChg>
-        <pc:spChg chg="mod">
-          <ac:chgData name="Dragan Javorac" userId="913c2858-fb97-4c6e-a42c-b1f1a16b225e" providerId="ADAL" clId="{CFF70A02-D37A-4A1C-9761-FE9AA042093F}" dt="2022-09-08T08:07:27.389" v="1046" actId="1076"/>
-          <ac:spMkLst>
-            <pc:docMk/>
-            <pc:sldMk cId="2373212971" sldId="309"/>
-            <ac:spMk id="140" creationId="{00000000-0000-0000-0000-000000000000}"/>
-          </ac:spMkLst>
-        </pc:spChg>
-        <pc:picChg chg="add mod modCrop">
-          <ac:chgData name="Dragan Javorac" userId="913c2858-fb97-4c6e-a42c-b1f1a16b225e" providerId="ADAL" clId="{CFF70A02-D37A-4A1C-9761-FE9AA042093F}" dt="2022-09-08T08:07:15.837" v="1041" actId="1076"/>
-          <ac:picMkLst>
-            <pc:docMk/>
-            <pc:sldMk cId="2373212971" sldId="309"/>
-            <ac:picMk id="4" creationId="{FF16A8AC-01B8-D080-BD00-7B26EF5DB5C9}"/>
-          </ac:picMkLst>
-        </pc:picChg>
-        <pc:picChg chg="add mod ord">
-          <ac:chgData name="Dragan Javorac" userId="913c2858-fb97-4c6e-a42c-b1f1a16b225e" providerId="ADAL" clId="{CFF70A02-D37A-4A1C-9761-FE9AA042093F}" dt="2022-09-08T08:06:36.830" v="970" actId="167"/>
-          <ac:picMkLst>
-            <pc:docMk/>
-            <pc:sldMk cId="2373212971" sldId="309"/>
-            <ac:picMk id="5" creationId="{1FA2CC54-6D6E-FBA8-FCAE-A7743A3DF029}"/>
-          </ac:picMkLst>
-        </pc:picChg>
-        <pc:picChg chg="del">
-          <ac:chgData name="Dragan Javorac" userId="913c2858-fb97-4c6e-a42c-b1f1a16b225e" providerId="ADAL" clId="{CFF70A02-D37A-4A1C-9761-FE9AA042093F}" dt="2022-09-08T08:02:52.293" v="942" actId="478"/>
-          <ac:picMkLst>
-            <pc:docMk/>
-            <pc:sldMk cId="2373212971" sldId="309"/>
-            <ac:picMk id="6" creationId="{FFCC90F7-F033-529B-C251-CD265B3B3264}"/>
-          </ac:picMkLst>
-        </pc:picChg>
-        <pc:picChg chg="del">
-          <ac:chgData name="Dragan Javorac" userId="913c2858-fb97-4c6e-a42c-b1f1a16b225e" providerId="ADAL" clId="{CFF70A02-D37A-4A1C-9761-FE9AA042093F}" dt="2022-09-08T08:06:23.109" v="944" actId="478"/>
-          <ac:picMkLst>
-            <pc:docMk/>
-            <pc:sldMk cId="2373212971" sldId="309"/>
-            <ac:picMk id="9" creationId="{F250197B-04EF-D31D-6507-14ED7CB858B0}"/>
-          </ac:picMkLst>
-        </pc:picChg>
-      </pc:sldChg>
-      <pc:sldChg chg="addSp delSp modSp add mod">
-        <pc:chgData name="Dragan Javorac" userId="913c2858-fb97-4c6e-a42c-b1f1a16b225e" providerId="ADAL" clId="{CFF70A02-D37A-4A1C-9761-FE9AA042093F}" dt="2022-09-08T08:14:21.225" v="1333" actId="14100"/>
-        <pc:sldMkLst>
-          <pc:docMk/>
-          <pc:sldMk cId="4261168887" sldId="310"/>
-        </pc:sldMkLst>
-        <pc:spChg chg="add mod">
-          <ac:chgData name="Dragan Javorac" userId="913c2858-fb97-4c6e-a42c-b1f1a16b225e" providerId="ADAL" clId="{CFF70A02-D37A-4A1C-9761-FE9AA042093F}" dt="2022-09-08T08:14:21.225" v="1333" actId="14100"/>
-          <ac:spMkLst>
-            <pc:docMk/>
-            <pc:sldMk cId="4261168887" sldId="310"/>
-            <ac:spMk id="3" creationId="{142A05E1-049A-0D8A-F1A6-9E7CB316C583}"/>
-          </ac:spMkLst>
-        </pc:spChg>
-        <pc:spChg chg="del">
-          <ac:chgData name="Dragan Javorac" userId="913c2858-fb97-4c6e-a42c-b1f1a16b225e" providerId="ADAL" clId="{CFF70A02-D37A-4A1C-9761-FE9AA042093F}" dt="2022-09-08T08:08:32.661" v="1078" actId="478"/>
-          <ac:spMkLst>
-            <pc:docMk/>
-            <pc:sldMk cId="4261168887" sldId="310"/>
-            <ac:spMk id="6" creationId="{C4E20C7A-785E-6201-27FD-F372B3CAC054}"/>
-          </ac:spMkLst>
-        </pc:spChg>
-        <pc:spChg chg="del">
-          <ac:chgData name="Dragan Javorac" userId="913c2858-fb97-4c6e-a42c-b1f1a16b225e" providerId="ADAL" clId="{CFF70A02-D37A-4A1C-9761-FE9AA042093F}" dt="2022-09-08T08:08:32.149" v="1077" actId="478"/>
-          <ac:spMkLst>
-            <pc:docMk/>
-            <pc:sldMk cId="4261168887" sldId="310"/>
-            <ac:spMk id="10" creationId="{5CBB458D-4B60-1961-3B09-2CFE2AED166B}"/>
-          </ac:spMkLst>
-        </pc:spChg>
-        <pc:spChg chg="mod">
-          <ac:chgData name="Dragan Javorac" userId="913c2858-fb97-4c6e-a42c-b1f1a16b225e" providerId="ADAL" clId="{CFF70A02-D37A-4A1C-9761-FE9AA042093F}" dt="2022-09-08T08:08:28.756" v="1076" actId="20577"/>
-          <ac:spMkLst>
-            <pc:docMk/>
-            <pc:sldMk cId="4261168887" sldId="310"/>
-            <ac:spMk id="140" creationId="{00000000-0000-0000-0000-000000000000}"/>
-          </ac:spMkLst>
-        </pc:spChg>
-        <pc:picChg chg="del">
-          <ac:chgData name="Dragan Javorac" userId="913c2858-fb97-4c6e-a42c-b1f1a16b225e" providerId="ADAL" clId="{CFF70A02-D37A-4A1C-9761-FE9AA042093F}" dt="2022-09-08T08:08:33.967" v="1080" actId="478"/>
-          <ac:picMkLst>
-            <pc:docMk/>
-            <pc:sldMk cId="4261168887" sldId="310"/>
-            <ac:picMk id="4" creationId="{FF16A8AC-01B8-D080-BD00-7B26EF5DB5C9}"/>
-          </ac:picMkLst>
-        </pc:picChg>
-        <pc:picChg chg="del">
-          <ac:chgData name="Dragan Javorac" userId="913c2858-fb97-4c6e-a42c-b1f1a16b225e" providerId="ADAL" clId="{CFF70A02-D37A-4A1C-9761-FE9AA042093F}" dt="2022-09-08T08:08:33.185" v="1079" actId="478"/>
-          <ac:picMkLst>
-            <pc:docMk/>
-            <pc:sldMk cId="4261168887" sldId="310"/>
-            <ac:picMk id="5" creationId="{1FA2CC54-6D6E-FBA8-FCAE-A7743A3DF029}"/>
-          </ac:picMkLst>
-        </pc:picChg>
-        <pc:picChg chg="add mod">
-          <ac:chgData name="Dragan Javorac" userId="913c2858-fb97-4c6e-a42c-b1f1a16b225e" providerId="ADAL" clId="{CFF70A02-D37A-4A1C-9761-FE9AA042093F}" dt="2022-09-08T08:09:13.724" v="1164" actId="1076"/>
-          <ac:picMkLst>
-            <pc:docMk/>
-            <pc:sldMk cId="4261168887" sldId="310"/>
-            <ac:picMk id="8" creationId="{0144DF8B-F656-C0D5-CF77-77991B09DE5A}"/>
-          </ac:picMkLst>
-        </pc:picChg>
-      </pc:sldChg>
-      <pc:sldChg chg="addSp delSp modSp add mod setBg">
-        <pc:chgData name="Dragan Javorac" userId="913c2858-fb97-4c6e-a42c-b1f1a16b225e" providerId="ADAL" clId="{CFF70A02-D37A-4A1C-9761-FE9AA042093F}" dt="2022-09-08T08:35:00.707" v="1878"/>
-        <pc:sldMkLst>
-          <pc:docMk/>
-          <pc:sldMk cId="2519399557" sldId="311"/>
-        </pc:sldMkLst>
-        <pc:spChg chg="mod">
-          <ac:chgData name="Dragan Javorac" userId="913c2858-fb97-4c6e-a42c-b1f1a16b225e" providerId="ADAL" clId="{CFF70A02-D37A-4A1C-9761-FE9AA042093F}" dt="2022-09-08T08:11:33.850" v="1265" actId="14100"/>
-          <ac:spMkLst>
-            <pc:docMk/>
-            <pc:sldMk cId="2519399557" sldId="311"/>
-            <ac:spMk id="6" creationId="{C4E20C7A-785E-6201-27FD-F372B3CAC054}"/>
-          </ac:spMkLst>
-        </pc:spChg>
-        <pc:spChg chg="add mod">
-          <ac:chgData name="Dragan Javorac" userId="913c2858-fb97-4c6e-a42c-b1f1a16b225e" providerId="ADAL" clId="{CFF70A02-D37A-4A1C-9761-FE9AA042093F}" dt="2022-09-08T08:11:56.369" v="1312" actId="20577"/>
-          <ac:spMkLst>
-            <pc:docMk/>
-            <pc:sldMk cId="2519399557" sldId="311"/>
-            <ac:spMk id="8" creationId="{40092607-BADC-284F-636C-0D4167FF8BB5}"/>
-          </ac:spMkLst>
-        </pc:spChg>
-        <pc:spChg chg="mod">
-          <ac:chgData name="Dragan Javorac" userId="913c2858-fb97-4c6e-a42c-b1f1a16b225e" providerId="ADAL" clId="{CFF70A02-D37A-4A1C-9761-FE9AA042093F}" dt="2022-09-08T08:11:10.212" v="1215" actId="14100"/>
-          <ac:spMkLst>
-            <pc:docMk/>
-            <pc:sldMk cId="2519399557" sldId="311"/>
-            <ac:spMk id="10" creationId="{5CBB458D-4B60-1961-3B09-2CFE2AED166B}"/>
-          </ac:spMkLst>
-        </pc:spChg>
-        <pc:spChg chg="mod">
-          <ac:chgData name="Dragan Javorac" userId="913c2858-fb97-4c6e-a42c-b1f1a16b225e" providerId="ADAL" clId="{CFF70A02-D37A-4A1C-9761-FE9AA042093F}" dt="2022-09-08T08:09:40.150" v="1199" actId="20577"/>
-          <ac:spMkLst>
-            <pc:docMk/>
-            <pc:sldMk cId="2519399557" sldId="311"/>
-            <ac:spMk id="140" creationId="{00000000-0000-0000-0000-000000000000}"/>
-          </ac:spMkLst>
-        </pc:spChg>
-        <pc:picChg chg="del">
-          <ac:chgData name="Dragan Javorac" userId="913c2858-fb97-4c6e-a42c-b1f1a16b225e" providerId="ADAL" clId="{CFF70A02-D37A-4A1C-9761-FE9AA042093F}" dt="2022-09-08T08:11:26.604" v="1262" actId="478"/>
-          <ac:picMkLst>
-            <pc:docMk/>
-            <pc:sldMk cId="2519399557" sldId="311"/>
-            <ac:picMk id="4" creationId="{FF16A8AC-01B8-D080-BD00-7B26EF5DB5C9}"/>
-          </ac:picMkLst>
-        </pc:picChg>
-        <pc:picChg chg="del">
-          <ac:chgData name="Dragan Javorac" userId="913c2858-fb97-4c6e-a42c-b1f1a16b225e" providerId="ADAL" clId="{CFF70A02-D37A-4A1C-9761-FE9AA042093F}" dt="2022-09-08T08:11:00.012" v="1201" actId="478"/>
-          <ac:picMkLst>
-            <pc:docMk/>
-            <pc:sldMk cId="2519399557" sldId="311"/>
-            <ac:picMk id="5" creationId="{1FA2CC54-6D6E-FBA8-FCAE-A7743A3DF029}"/>
-          </ac:picMkLst>
-        </pc:picChg>
-        <pc:picChg chg="add mod ord">
-          <ac:chgData name="Dragan Javorac" userId="913c2858-fb97-4c6e-a42c-b1f1a16b225e" providerId="ADAL" clId="{CFF70A02-D37A-4A1C-9761-FE9AA042093F}" dt="2022-09-08T08:11:07.767" v="1214" actId="167"/>
-          <ac:picMkLst>
-            <pc:docMk/>
-            <pc:sldMk cId="2519399557" sldId="311"/>
-            <ac:picMk id="7" creationId="{C7E0409D-88B3-40FE-338D-858D5D07BD3C}"/>
-          </ac:picMkLst>
-        </pc:picChg>
-      </pc:sldChg>
-      <pc:sldChg chg="addSp delSp modSp add mod">
-        <pc:chgData name="Dragan Javorac" userId="913c2858-fb97-4c6e-a42c-b1f1a16b225e" providerId="ADAL" clId="{CFF70A02-D37A-4A1C-9761-FE9AA042093F}" dt="2022-09-08T08:20:03.027" v="1686" actId="5793"/>
-        <pc:sldMkLst>
-          <pc:docMk/>
-          <pc:sldMk cId="1710459310" sldId="312"/>
-        </pc:sldMkLst>
-        <pc:spChg chg="add mod">
-          <ac:chgData name="Dragan Javorac" userId="913c2858-fb97-4c6e-a42c-b1f1a16b225e" providerId="ADAL" clId="{CFF70A02-D37A-4A1C-9761-FE9AA042093F}" dt="2022-09-08T08:20:03.027" v="1686" actId="5793"/>
-          <ac:spMkLst>
-            <pc:docMk/>
-            <pc:sldMk cId="1710459310" sldId="312"/>
-            <ac:spMk id="2" creationId="{881D63DA-3010-CD95-E555-D188A1562DBF}"/>
-          </ac:spMkLst>
-        </pc:spChg>
-        <pc:spChg chg="add del mod">
-          <ac:chgData name="Dragan Javorac" userId="913c2858-fb97-4c6e-a42c-b1f1a16b225e" providerId="ADAL" clId="{CFF70A02-D37A-4A1C-9761-FE9AA042093F}" dt="2022-09-08T08:15:42.217" v="1380" actId="478"/>
-          <ac:spMkLst>
-            <pc:docMk/>
-            <pc:sldMk cId="1710459310" sldId="312"/>
-            <ac:spMk id="4" creationId="{851B2573-9EB4-7835-7E2F-EA64ED78E4FD}"/>
-          </ac:spMkLst>
-        </pc:spChg>
-        <pc:spChg chg="add mod">
-          <ac:chgData name="Dragan Javorac" userId="913c2858-fb97-4c6e-a42c-b1f1a16b225e" providerId="ADAL" clId="{CFF70A02-D37A-4A1C-9761-FE9AA042093F}" dt="2022-09-08T08:16:35.573" v="1509" actId="1076"/>
-          <ac:spMkLst>
-            <pc:docMk/>
-            <pc:sldMk cId="1710459310" sldId="312"/>
-            <ac:spMk id="5" creationId="{8EC8EC03-8A6F-D1F3-0D07-2AF316946D7D}"/>
-          </ac:spMkLst>
-        </pc:spChg>
-        <pc:spChg chg="add mod">
-          <ac:chgData name="Dragan Javorac" userId="913c2858-fb97-4c6e-a42c-b1f1a16b225e" providerId="ADAL" clId="{CFF70A02-D37A-4A1C-9761-FE9AA042093F}" dt="2022-09-08T08:16:37.412" v="1510" actId="1076"/>
-          <ac:spMkLst>
-            <pc:docMk/>
-            <pc:sldMk cId="1710459310" sldId="312"/>
-            <ac:spMk id="6" creationId="{A383A91F-8623-2242-4C86-CDDB6F86E022}"/>
-          </ac:spMkLst>
-        </pc:spChg>
-        <pc:spChg chg="add mod">
-          <ac:chgData name="Dragan Javorac" userId="913c2858-fb97-4c6e-a42c-b1f1a16b225e" providerId="ADAL" clId="{CFF70A02-D37A-4A1C-9761-FE9AA042093F}" dt="2022-09-08T08:16:39.580" v="1511" actId="1076"/>
-          <ac:spMkLst>
-            <pc:docMk/>
-            <pc:sldMk cId="1710459310" sldId="312"/>
-            <ac:spMk id="10" creationId="{F3303494-008C-821A-AC2A-41EFA72ACBE1}"/>
-          </ac:spMkLst>
-        </pc:spChg>
-        <pc:spChg chg="add">
-          <ac:chgData name="Dragan Javorac" userId="913c2858-fb97-4c6e-a42c-b1f1a16b225e" providerId="ADAL" clId="{CFF70A02-D37A-4A1C-9761-FE9AA042093F}" dt="2022-09-08T08:16:54.997" v="1514" actId="11529"/>
-          <ac:spMkLst>
-            <pc:docMk/>
-            <pc:sldMk cId="1710459310" sldId="312"/>
-            <ac:spMk id="13" creationId="{055FF7C1-C714-5F27-A969-CA91AA5F75A4}"/>
-          </ac:spMkLst>
-        </pc:spChg>
-        <pc:spChg chg="add mod">
-          <ac:chgData name="Dragan Javorac" userId="913c2858-fb97-4c6e-a42c-b1f1a16b225e" providerId="ADAL" clId="{CFF70A02-D37A-4A1C-9761-FE9AA042093F}" dt="2022-09-08T08:16:57.558" v="1516" actId="1076"/>
-          <ac:spMkLst>
-            <pc:docMk/>
-            <pc:sldMk cId="1710459310" sldId="312"/>
-            <ac:spMk id="14" creationId="{1240D8AD-FF15-6D11-E1CC-BACF4255570D}"/>
-          </ac:spMkLst>
-        </pc:spChg>
-        <pc:spChg chg="add mod">
-          <ac:chgData name="Dragan Javorac" userId="913c2858-fb97-4c6e-a42c-b1f1a16b225e" providerId="ADAL" clId="{CFF70A02-D37A-4A1C-9761-FE9AA042093F}" dt="2022-09-08T08:18:53.024" v="1640" actId="164"/>
-          <ac:spMkLst>
-            <pc:docMk/>
-            <pc:sldMk cId="1710459310" sldId="312"/>
-            <ac:spMk id="21" creationId="{8DCE1409-A9B8-B57D-57DE-12D575D0D834}"/>
-          </ac:spMkLst>
-        </pc:spChg>
-        <pc:spChg chg="add mod">
-          <ac:chgData name="Dragan Javorac" userId="913c2858-fb97-4c6e-a42c-b1f1a16b225e" providerId="ADAL" clId="{CFF70A02-D37A-4A1C-9761-FE9AA042093F}" dt="2022-09-08T08:18:53.024" v="1640" actId="164"/>
-          <ac:spMkLst>
-            <pc:docMk/>
-            <pc:sldMk cId="1710459310" sldId="312"/>
-            <ac:spMk id="22" creationId="{8A3803ED-A32C-1D7B-2771-700FEEB5C95F}"/>
-          </ac:spMkLst>
-        </pc:spChg>
-        <pc:spChg chg="add mod">
-          <ac:chgData name="Dragan Javorac" userId="913c2858-fb97-4c6e-a42c-b1f1a16b225e" providerId="ADAL" clId="{CFF70A02-D37A-4A1C-9761-FE9AA042093F}" dt="2022-09-08T08:18:53.024" v="1640" actId="164"/>
-          <ac:spMkLst>
-            <pc:docMk/>
-            <pc:sldMk cId="1710459310" sldId="312"/>
-            <ac:spMk id="24" creationId="{2D405FF8-9CB4-9E04-41A8-1E879C972F2A}"/>
-          </ac:spMkLst>
-        </pc:spChg>
-        <pc:spChg chg="add mod">
-          <ac:chgData name="Dragan Javorac" userId="913c2858-fb97-4c6e-a42c-b1f1a16b225e" providerId="ADAL" clId="{CFF70A02-D37A-4A1C-9761-FE9AA042093F}" dt="2022-09-08T08:18:47.401" v="1639" actId="571"/>
-          <ac:spMkLst>
-            <pc:docMk/>
-            <pc:sldMk cId="1710459310" sldId="312"/>
-            <ac:spMk id="25" creationId="{501A04A8-B539-5D96-83A1-5BA834E24EF6}"/>
-          </ac:spMkLst>
-        </pc:spChg>
-        <pc:spChg chg="add del">
-          <ac:chgData name="Dragan Javorac" userId="913c2858-fb97-4c6e-a42c-b1f1a16b225e" providerId="ADAL" clId="{CFF70A02-D37A-4A1C-9761-FE9AA042093F}" dt="2022-09-08T08:19:18.427" v="1647" actId="478"/>
-          <ac:spMkLst>
-            <pc:docMk/>
-            <pc:sldMk cId="1710459310" sldId="312"/>
-            <ac:spMk id="27" creationId="{2E1EE259-A1B2-2149-A808-F215E26FBFD0}"/>
-          </ac:spMkLst>
-        </pc:spChg>
-        <pc:spChg chg="mod">
-          <ac:chgData name="Dragan Javorac" userId="913c2858-fb97-4c6e-a42c-b1f1a16b225e" providerId="ADAL" clId="{CFF70A02-D37A-4A1C-9761-FE9AA042093F}" dt="2022-09-08T08:17:22.017" v="1545" actId="20577"/>
-          <ac:spMkLst>
-            <pc:docMk/>
-            <pc:sldMk cId="1710459310" sldId="312"/>
-            <ac:spMk id="172" creationId="{00000000-0000-0000-0000-000000000000}"/>
-          </ac:spMkLst>
-        </pc:spChg>
-        <pc:spChg chg="del">
-          <ac:chgData name="Dragan Javorac" userId="913c2858-fb97-4c6e-a42c-b1f1a16b225e" providerId="ADAL" clId="{CFF70A02-D37A-4A1C-9761-FE9AA042093F}" dt="2022-09-08T08:15:31.231" v="1376" actId="478"/>
-          <ac:spMkLst>
-            <pc:docMk/>
-            <pc:sldMk cId="1710459310" sldId="312"/>
-            <ac:spMk id="173" creationId="{00000000-0000-0000-0000-000000000000}"/>
-          </ac:spMkLst>
-        </pc:spChg>
-        <pc:spChg chg="del">
-          <ac:chgData name="Dragan Javorac" userId="913c2858-fb97-4c6e-a42c-b1f1a16b225e" providerId="ADAL" clId="{CFF70A02-D37A-4A1C-9761-FE9AA042093F}" dt="2022-09-08T08:17:03.291" v="1517" actId="478"/>
-          <ac:spMkLst>
-            <pc:docMk/>
-            <pc:sldMk cId="1710459310" sldId="312"/>
-            <ac:spMk id="174" creationId="{00000000-0000-0000-0000-000000000000}"/>
-          </ac:spMkLst>
-        </pc:spChg>
-        <pc:grpChg chg="del">
-          <ac:chgData name="Dragan Javorac" userId="913c2858-fb97-4c6e-a42c-b1f1a16b225e" providerId="ADAL" clId="{CFF70A02-D37A-4A1C-9761-FE9AA042093F}" dt="2022-09-08T08:15:32.545" v="1377" actId="478"/>
-          <ac:grpSpMkLst>
-            <pc:docMk/>
-            <pc:sldMk cId="1710459310" sldId="312"/>
-            <ac:grpSpMk id="7" creationId="{A94BA79B-B3CF-7F49-BD4A-20402A8D2F90}"/>
-          </ac:grpSpMkLst>
-        </pc:grpChg>
-        <pc:grpChg chg="add mod">
-          <ac:chgData name="Dragan Javorac" userId="913c2858-fb97-4c6e-a42c-b1f1a16b225e" providerId="ADAL" clId="{CFF70A02-D37A-4A1C-9761-FE9AA042093F}" dt="2022-09-08T08:19:50.842" v="1661" actId="1076"/>
-          <ac:grpSpMkLst>
-            <pc:docMk/>
-            <pc:sldMk cId="1710459310" sldId="312"/>
-            <ac:grpSpMk id="26" creationId="{615BF236-7A9C-7006-CC99-CA42087675C7}"/>
-          </ac:grpSpMkLst>
-        </pc:grpChg>
-        <pc:picChg chg="add mod">
-          <ac:chgData name="Dragan Javorac" userId="913c2858-fb97-4c6e-a42c-b1f1a16b225e" providerId="ADAL" clId="{CFF70A02-D37A-4A1C-9761-FE9AA042093F}" dt="2022-09-08T08:18:53.024" v="1640" actId="164"/>
-          <ac:picMkLst>
-            <pc:docMk/>
-            <pc:sldMk cId="1710459310" sldId="312"/>
-            <ac:picMk id="16" creationId="{2F09DCF8-D28E-8D6F-2888-D919657A4543}"/>
-          </ac:picMkLst>
-        </pc:picChg>
-        <pc:picChg chg="add mod">
-          <ac:chgData name="Dragan Javorac" userId="913c2858-fb97-4c6e-a42c-b1f1a16b225e" providerId="ADAL" clId="{CFF70A02-D37A-4A1C-9761-FE9AA042093F}" dt="2022-09-08T08:18:53.024" v="1640" actId="164"/>
-          <ac:picMkLst>
-            <pc:docMk/>
-            <pc:sldMk cId="1710459310" sldId="312"/>
-            <ac:picMk id="18" creationId="{E2B100AF-BBD3-1D81-CE74-5FCAC380AABB}"/>
-          </ac:picMkLst>
-        </pc:picChg>
-        <pc:picChg chg="add mod">
-          <ac:chgData name="Dragan Javorac" userId="913c2858-fb97-4c6e-a42c-b1f1a16b225e" providerId="ADAL" clId="{CFF70A02-D37A-4A1C-9761-FE9AA042093F}" dt="2022-09-08T08:18:53.024" v="1640" actId="164"/>
-          <ac:picMkLst>
-            <pc:docMk/>
-            <pc:sldMk cId="1710459310" sldId="312"/>
-            <ac:picMk id="20" creationId="{9FBCC931-0C89-62AC-E5AF-FCB4DB005041}"/>
-          </ac:picMkLst>
-        </pc:picChg>
-        <pc:picChg chg="add mod">
-          <ac:chgData name="Dragan Javorac" userId="913c2858-fb97-4c6e-a42c-b1f1a16b225e" providerId="ADAL" clId="{CFF70A02-D37A-4A1C-9761-FE9AA042093F}" dt="2022-09-08T08:18:53.024" v="1640" actId="164"/>
-          <ac:picMkLst>
-            <pc:docMk/>
-            <pc:sldMk cId="1710459310" sldId="312"/>
-            <ac:picMk id="23" creationId="{84BC7DAE-1FF6-D063-0E8A-58FBB658044A}"/>
-          </ac:picMkLst>
-        </pc:picChg>
-        <pc:picChg chg="add mod">
-          <ac:chgData name="Dragan Javorac" userId="913c2858-fb97-4c6e-a42c-b1f1a16b225e" providerId="ADAL" clId="{CFF70A02-D37A-4A1C-9761-FE9AA042093F}" dt="2022-09-08T08:19:52.881" v="1662" actId="1076"/>
-          <ac:picMkLst>
-            <pc:docMk/>
-            <pc:sldMk cId="1710459310" sldId="312"/>
-            <ac:picMk id="29" creationId="{8F5912D6-BF26-0B72-09FD-1E61294EADC7}"/>
-          </ac:picMkLst>
-        </pc:picChg>
-        <pc:picChg chg="add mod">
-          <ac:chgData name="Dragan Javorac" userId="913c2858-fb97-4c6e-a42c-b1f1a16b225e" providerId="ADAL" clId="{CFF70A02-D37A-4A1C-9761-FE9AA042093F}" dt="2022-09-08T08:19:42.570" v="1655" actId="1076"/>
-          <ac:picMkLst>
-            <pc:docMk/>
-            <pc:sldMk cId="1710459310" sldId="312"/>
-            <ac:picMk id="31" creationId="{DF6EA176-C4C6-1AD6-69F4-69D47B8E8BA8}"/>
-          </ac:picMkLst>
-        </pc:picChg>
-        <pc:picChg chg="add mod">
-          <ac:chgData name="Dragan Javorac" userId="913c2858-fb97-4c6e-a42c-b1f1a16b225e" providerId="ADAL" clId="{CFF70A02-D37A-4A1C-9761-FE9AA042093F}" dt="2022-09-08T08:19:41.874" v="1654" actId="1076"/>
-          <ac:picMkLst>
-            <pc:docMk/>
-            <pc:sldMk cId="1710459310" sldId="312"/>
-            <ac:picMk id="33" creationId="{DF076E56-0CD7-9D65-019C-91C9B4F7F7CE}"/>
-          </ac:picMkLst>
-        </pc:picChg>
-        <pc:picChg chg="add mod">
-          <ac:chgData name="Dragan Javorac" userId="913c2858-fb97-4c6e-a42c-b1f1a16b225e" providerId="ADAL" clId="{CFF70A02-D37A-4A1C-9761-FE9AA042093F}" dt="2022-09-08T08:19:44.882" v="1657" actId="1076"/>
-          <ac:picMkLst>
-            <pc:docMk/>
-            <pc:sldMk cId="1710459310" sldId="312"/>
-            <ac:picMk id="34" creationId="{9E896F0A-5799-BFFA-D6F3-9EF625A7765C}"/>
-          </ac:picMkLst>
-        </pc:picChg>
-        <pc:picChg chg="del">
-          <ac:chgData name="Dragan Javorac" userId="913c2858-fb97-4c6e-a42c-b1f1a16b225e" providerId="ADAL" clId="{CFF70A02-D37A-4A1C-9761-FE9AA042093F}" dt="2022-09-08T08:15:33.364" v="1378" actId="478"/>
-          <ac:picMkLst>
-            <pc:docMk/>
-            <pc:sldMk cId="1710459310" sldId="312"/>
-            <ac:picMk id="175" creationId="{00000000-0000-0000-0000-000000000000}"/>
-          </ac:picMkLst>
-        </pc:picChg>
-        <pc:cxnChg chg="add del mod">
-          <ac:chgData name="Dragan Javorac" userId="913c2858-fb97-4c6e-a42c-b1f1a16b225e" providerId="ADAL" clId="{CFF70A02-D37A-4A1C-9761-FE9AA042093F}" dt="2022-09-08T08:16:48.322" v="1513" actId="11529"/>
-          <ac:cxnSpMkLst>
-            <pc:docMk/>
-            <pc:sldMk cId="1710459310" sldId="312"/>
-            <ac:cxnSpMk id="12" creationId="{4F821D97-6AEC-063F-95FB-EAED9EAABC7D}"/>
-          </ac:cxnSpMkLst>
-        </pc:cxnChg>
-      </pc:sldChg>
-      <pc:sldChg chg="add del ord">
-        <pc:chgData name="Dragan Javorac" userId="913c2858-fb97-4c6e-a42c-b1f1a16b225e" providerId="ADAL" clId="{CFF70A02-D37A-4A1C-9761-FE9AA042093F}" dt="2022-09-08T08:24:13.358" v="1741" actId="47"/>
-        <pc:sldMkLst>
-          <pc:docMk/>
-          <pc:sldMk cId="1556587105" sldId="313"/>
-        </pc:sldMkLst>
-      </pc:sldChg>
-      <pc:sldMasterChg chg="setBg modSldLayout">
-        <pc:chgData name="Dragan Javorac" userId="913c2858-fb97-4c6e-a42c-b1f1a16b225e" providerId="ADAL" clId="{CFF70A02-D37A-4A1C-9761-FE9AA042093F}" dt="2022-09-08T08:35:46.989" v="1899"/>
-        <pc:sldMasterMkLst>
-          <pc:docMk/>
-          <pc:sldMasterMk cId="0" sldId="2147483659"/>
-        </pc:sldMasterMkLst>
-        <pc:sldLayoutChg chg="setBg">
-          <pc:chgData name="Dragan Javorac" userId="913c2858-fb97-4c6e-a42c-b1f1a16b225e" providerId="ADAL" clId="{CFF70A02-D37A-4A1C-9761-FE9AA042093F}" dt="2022-09-08T08:35:46.989" v="1899"/>
-          <pc:sldLayoutMkLst>
-            <pc:docMk/>
-            <pc:sldMasterMk cId="0" sldId="2147483659"/>
-            <pc:sldLayoutMk cId="0" sldId="2147483648"/>
-          </pc:sldLayoutMkLst>
-        </pc:sldLayoutChg>
-        <pc:sldLayoutChg chg="setBg">
-          <pc:chgData name="Dragan Javorac" userId="913c2858-fb97-4c6e-a42c-b1f1a16b225e" providerId="ADAL" clId="{CFF70A02-D37A-4A1C-9761-FE9AA042093F}" dt="2022-09-08T08:35:46.989" v="1899"/>
-          <pc:sldLayoutMkLst>
-            <pc:docMk/>
-            <pc:sldMasterMk cId="0" sldId="2147483659"/>
-            <pc:sldLayoutMk cId="0" sldId="2147483649"/>
-          </pc:sldLayoutMkLst>
-        </pc:sldLayoutChg>
-        <pc:sldLayoutChg chg="setBg">
-          <pc:chgData name="Dragan Javorac" userId="913c2858-fb97-4c6e-a42c-b1f1a16b225e" providerId="ADAL" clId="{CFF70A02-D37A-4A1C-9761-FE9AA042093F}" dt="2022-09-08T08:35:46.989" v="1899"/>
-          <pc:sldLayoutMkLst>
-            <pc:docMk/>
-            <pc:sldMasterMk cId="0" sldId="2147483659"/>
-            <pc:sldLayoutMk cId="0" sldId="2147483650"/>
-          </pc:sldLayoutMkLst>
-        </pc:sldLayoutChg>
-        <pc:sldLayoutChg chg="setBg">
-          <pc:chgData name="Dragan Javorac" userId="913c2858-fb97-4c6e-a42c-b1f1a16b225e" providerId="ADAL" clId="{CFF70A02-D37A-4A1C-9761-FE9AA042093F}" dt="2022-09-08T08:35:46.989" v="1899"/>
-          <pc:sldLayoutMkLst>
-            <pc:docMk/>
-            <pc:sldMasterMk cId="0" sldId="2147483659"/>
-            <pc:sldLayoutMk cId="0" sldId="2147483651"/>
-          </pc:sldLayoutMkLst>
-        </pc:sldLayoutChg>
-        <pc:sldLayoutChg chg="setBg">
-          <pc:chgData name="Dragan Javorac" userId="913c2858-fb97-4c6e-a42c-b1f1a16b225e" providerId="ADAL" clId="{CFF70A02-D37A-4A1C-9761-FE9AA042093F}" dt="2022-09-08T08:35:46.989" v="1899"/>
-          <pc:sldLayoutMkLst>
-            <pc:docMk/>
-            <pc:sldMasterMk cId="0" sldId="2147483659"/>
-            <pc:sldLayoutMk cId="0" sldId="2147483652"/>
-          </pc:sldLayoutMkLst>
-        </pc:sldLayoutChg>
-        <pc:sldLayoutChg chg="setBg">
-          <pc:chgData name="Dragan Javorac" userId="913c2858-fb97-4c6e-a42c-b1f1a16b225e" providerId="ADAL" clId="{CFF70A02-D37A-4A1C-9761-FE9AA042093F}" dt="2022-09-08T08:35:46.989" v="1899"/>
-          <pc:sldLayoutMkLst>
-            <pc:docMk/>
-            <pc:sldMasterMk cId="0" sldId="2147483659"/>
-            <pc:sldLayoutMk cId="0" sldId="2147483653"/>
-          </pc:sldLayoutMkLst>
-        </pc:sldLayoutChg>
-        <pc:sldLayoutChg chg="setBg">
-          <pc:chgData name="Dragan Javorac" userId="913c2858-fb97-4c6e-a42c-b1f1a16b225e" providerId="ADAL" clId="{CFF70A02-D37A-4A1C-9761-FE9AA042093F}" dt="2022-09-08T08:35:46.989" v="1899"/>
-          <pc:sldLayoutMkLst>
-            <pc:docMk/>
-            <pc:sldMasterMk cId="0" sldId="2147483659"/>
-            <pc:sldLayoutMk cId="0" sldId="2147483654"/>
-          </pc:sldLayoutMkLst>
-        </pc:sldLayoutChg>
-        <pc:sldLayoutChg chg="setBg">
-          <pc:chgData name="Dragan Javorac" userId="913c2858-fb97-4c6e-a42c-b1f1a16b225e" providerId="ADAL" clId="{CFF70A02-D37A-4A1C-9761-FE9AA042093F}" dt="2022-09-08T08:35:46.989" v="1899"/>
-          <pc:sldLayoutMkLst>
-            <pc:docMk/>
-            <pc:sldMasterMk cId="0" sldId="2147483659"/>
-            <pc:sldLayoutMk cId="0" sldId="2147483655"/>
-          </pc:sldLayoutMkLst>
-        </pc:sldLayoutChg>
-        <pc:sldLayoutChg chg="setBg">
-          <pc:chgData name="Dragan Javorac" userId="913c2858-fb97-4c6e-a42c-b1f1a16b225e" providerId="ADAL" clId="{CFF70A02-D37A-4A1C-9761-FE9AA042093F}" dt="2022-09-08T08:35:46.989" v="1899"/>
-          <pc:sldLayoutMkLst>
-            <pc:docMk/>
-            <pc:sldMasterMk cId="0" sldId="2147483659"/>
-            <pc:sldLayoutMk cId="0" sldId="2147483656"/>
-          </pc:sldLayoutMkLst>
-        </pc:sldLayoutChg>
-        <pc:sldLayoutChg chg="setBg">
-          <pc:chgData name="Dragan Javorac" userId="913c2858-fb97-4c6e-a42c-b1f1a16b225e" providerId="ADAL" clId="{CFF70A02-D37A-4A1C-9761-FE9AA042093F}" dt="2022-09-08T08:35:46.989" v="1899"/>
-          <pc:sldLayoutMkLst>
-            <pc:docMk/>
-            <pc:sldMasterMk cId="0" sldId="2147483659"/>
-            <pc:sldLayoutMk cId="0" sldId="2147483657"/>
-          </pc:sldLayoutMkLst>
-        </pc:sldLayoutChg>
-      </pc:sldMasterChg>
-    </pc:docChg>
-  </pc:docChgLst>
-  <pc:docChgLst>
-    <pc:chgData name="Simon Hitipeuw" userId="ba61fe65-476a-4611-b813-31bb818e518c" providerId="ADAL" clId="{D7912EC4-88AF-F345-AE4E-6C91C674C27B}"/>
-    <pc:docChg chg="undo custSel addSld delSld modSld sldOrd">
-      <pc:chgData name="Simon Hitipeuw" userId="ba61fe65-476a-4611-b813-31bb818e518c" providerId="ADAL" clId="{D7912EC4-88AF-F345-AE4E-6C91C674C27B}" dt="2021-09-16T07:41:40.761" v="1800"/>
-      <pc:docMkLst>
-        <pc:docMk/>
-      </pc:docMkLst>
-      <pc:sldChg chg="delSp modSp mod">
-        <pc:chgData name="Simon Hitipeuw" userId="ba61fe65-476a-4611-b813-31bb818e518c" providerId="ADAL" clId="{D7912EC4-88AF-F345-AE4E-6C91C674C27B}" dt="2021-09-14T13:12:35.277" v="1142" actId="478"/>
-        <pc:sldMkLst>
-          <pc:docMk/>
-          <pc:sldMk cId="0" sldId="256"/>
-        </pc:sldMkLst>
-        <pc:spChg chg="del mod">
-          <ac:chgData name="Simon Hitipeuw" userId="ba61fe65-476a-4611-b813-31bb818e518c" providerId="ADAL" clId="{D7912EC4-88AF-F345-AE4E-6C91C674C27B}" dt="2021-09-14T13:12:35.277" v="1142" actId="478"/>
-          <ac:spMkLst>
-            <pc:docMk/>
-            <pc:sldMk cId="0" sldId="256"/>
-            <ac:spMk id="3" creationId="{08EF0D68-7804-40FD-BC06-C409DA1A58AC}"/>
-          </ac:spMkLst>
-        </pc:spChg>
-      </pc:sldChg>
-      <pc:sldChg chg="addSp delSp modSp del mod modShow">
-        <pc:chgData name="Simon Hitipeuw" userId="ba61fe65-476a-4611-b813-31bb818e518c" providerId="ADAL" clId="{D7912EC4-88AF-F345-AE4E-6C91C674C27B}" dt="2021-09-14T12:53:36.454" v="810" actId="2696"/>
-        <pc:sldMkLst>
-          <pc:docMk/>
-          <pc:sldMk cId="0" sldId="260"/>
-        </pc:sldMkLst>
-        <pc:spChg chg="add del mod">
-          <ac:chgData name="Simon Hitipeuw" userId="ba61fe65-476a-4611-b813-31bb818e518c" providerId="ADAL" clId="{D7912EC4-88AF-F345-AE4E-6C91C674C27B}" dt="2021-09-14T12:52:09.593" v="740" actId="478"/>
-          <ac:spMkLst>
-            <pc:docMk/>
-            <pc:sldMk cId="0" sldId="260"/>
-            <ac:spMk id="2" creationId="{42FFF797-732B-A840-AAC7-483F7184FEB0}"/>
-          </ac:spMkLst>
-        </pc:spChg>
-        <pc:spChg chg="add mod">
-          <ac:chgData name="Simon Hitipeuw" userId="ba61fe65-476a-4611-b813-31bb818e518c" providerId="ADAL" clId="{D7912EC4-88AF-F345-AE4E-6C91C674C27B}" dt="2021-09-14T12:52:34.822" v="778" actId="20577"/>
-          <ac:spMkLst>
-            <pc:docMk/>
-            <pc:sldMk cId="0" sldId="260"/>
-            <ac:spMk id="4" creationId="{83A31EE2-07C5-414E-B409-CF7F823C388D}"/>
-          </ac:spMkLst>
-        </pc:spChg>
-        <pc:spChg chg="mod">
-          <ac:chgData name="Simon Hitipeuw" userId="ba61fe65-476a-4611-b813-31bb818e518c" providerId="ADAL" clId="{D7912EC4-88AF-F345-AE4E-6C91C674C27B}" dt="2021-09-14T12:53:26.202" v="807" actId="20577"/>
-          <ac:spMkLst>
-            <pc:docMk/>
-            <pc:sldMk cId="0" sldId="260"/>
-            <ac:spMk id="77" creationId="{00000000-0000-0000-0000-000000000000}"/>
-          </ac:spMkLst>
-        </pc:spChg>
-        <pc:spChg chg="del">
-          <ac:chgData name="Simon Hitipeuw" userId="ba61fe65-476a-4611-b813-31bb818e518c" providerId="ADAL" clId="{D7912EC4-88AF-F345-AE4E-6C91C674C27B}" dt="2021-09-14T12:51:48.929" v="732" actId="478"/>
-          <ac:spMkLst>
-            <pc:docMk/>
-            <pc:sldMk cId="0" sldId="260"/>
-            <ac:spMk id="78" creationId="{00000000-0000-0000-0000-000000000000}"/>
-          </ac:spMkLst>
-        </pc:spChg>
-        <pc:spChg chg="del mod">
-          <ac:chgData name="Simon Hitipeuw" userId="ba61fe65-476a-4611-b813-31bb818e518c" providerId="ADAL" clId="{D7912EC4-88AF-F345-AE4E-6C91C674C27B}" dt="2021-09-14T12:51:54.333" v="734" actId="478"/>
-          <ac:spMkLst>
-            <pc:docMk/>
-            <pc:sldMk cId="0" sldId="260"/>
-            <ac:spMk id="79" creationId="{00000000-0000-0000-0000-000000000000}"/>
-          </ac:spMkLst>
-        </pc:spChg>
-        <pc:picChg chg="del">
-          <ac:chgData name="Simon Hitipeuw" userId="ba61fe65-476a-4611-b813-31bb818e518c" providerId="ADAL" clId="{D7912EC4-88AF-F345-AE4E-6C91C674C27B}" dt="2021-09-14T12:52:11.956" v="741" actId="478"/>
-          <ac:picMkLst>
-            <pc:docMk/>
-            <pc:sldMk cId="0" sldId="260"/>
-            <ac:picMk id="80" creationId="{00000000-0000-0000-0000-000000000000}"/>
-          </ac:picMkLst>
-        </pc:picChg>
-        <pc:picChg chg="del">
-          <ac:chgData name="Simon Hitipeuw" userId="ba61fe65-476a-4611-b813-31bb818e518c" providerId="ADAL" clId="{D7912EC4-88AF-F345-AE4E-6C91C674C27B}" dt="2021-09-14T12:51:48.929" v="732" actId="478"/>
-          <ac:picMkLst>
-            <pc:docMk/>
-            <pc:sldMk cId="0" sldId="260"/>
-            <ac:picMk id="1026" creationId="{1CC81E10-2845-4AF2-A224-36BC74209F85}"/>
-          </ac:picMkLst>
-        </pc:picChg>
-        <pc:picChg chg="del">
-          <ac:chgData name="Simon Hitipeuw" userId="ba61fe65-476a-4611-b813-31bb818e518c" providerId="ADAL" clId="{D7912EC4-88AF-F345-AE4E-6C91C674C27B}" dt="2021-09-14T12:51:48.929" v="732" actId="478"/>
-          <ac:picMkLst>
-            <pc:docMk/>
-            <pc:sldMk cId="0" sldId="260"/>
-            <ac:picMk id="1027" creationId="{4EC5CD85-2658-426E-9477-3CEC2C5897A2}"/>
-          </ac:picMkLst>
-        </pc:picChg>
-      </pc:sldChg>
-      <pc:sldChg chg="del mod modShow">
-        <pc:chgData name="Simon Hitipeuw" userId="ba61fe65-476a-4611-b813-31bb818e518c" providerId="ADAL" clId="{D7912EC4-88AF-F345-AE4E-6C91C674C27B}" dt="2021-09-14T13:50:10.017" v="1559" actId="2696"/>
-        <pc:sldMkLst>
-          <pc:docMk/>
-          <pc:sldMk cId="0" sldId="261"/>
-        </pc:sldMkLst>
-      </pc:sldChg>
-      <pc:sldChg chg="del mod modShow">
-        <pc:chgData name="Simon Hitipeuw" userId="ba61fe65-476a-4611-b813-31bb818e518c" providerId="ADAL" clId="{D7912EC4-88AF-F345-AE4E-6C91C674C27B}" dt="2021-09-14T13:50:10.500" v="1560" actId="2696"/>
-        <pc:sldMkLst>
-          <pc:docMk/>
-          <pc:sldMk cId="0" sldId="262"/>
-        </pc:sldMkLst>
-      </pc:sldChg>
-      <pc:sldChg chg="addSp delSp modSp mod">
-        <pc:chgData name="Simon Hitipeuw" userId="ba61fe65-476a-4611-b813-31bb818e518c" providerId="ADAL" clId="{D7912EC4-88AF-F345-AE4E-6C91C674C27B}" dt="2021-09-14T13:30:52.542" v="1454" actId="1076"/>
-        <pc:sldMkLst>
-          <pc:docMk/>
-          <pc:sldMk cId="0" sldId="263"/>
-        </pc:sldMkLst>
-        <pc:spChg chg="add del mod topLvl">
-          <ac:chgData name="Simon Hitipeuw" userId="ba61fe65-476a-4611-b813-31bb818e518c" providerId="ADAL" clId="{D7912EC4-88AF-F345-AE4E-6C91C674C27B}" dt="2021-09-14T13:24:27.598" v="1224" actId="478"/>
-          <ac:spMkLst>
-            <pc:docMk/>
-            <pc:sldMk cId="0" sldId="263"/>
-            <ac:spMk id="2" creationId="{9532DF3E-B889-5A4F-876E-520B9B970177}"/>
-          </ac:spMkLst>
-        </pc:spChg>
-        <pc:spChg chg="add mod">
-          <ac:chgData name="Simon Hitipeuw" userId="ba61fe65-476a-4611-b813-31bb818e518c" providerId="ADAL" clId="{D7912EC4-88AF-F345-AE4E-6C91C674C27B}" dt="2021-09-14T13:30:44.194" v="1452" actId="14100"/>
-          <ac:spMkLst>
-            <pc:docMk/>
-            <pc:sldMk cId="0" sldId="263"/>
-            <ac:spMk id="4" creationId="{4172C29A-7A8E-1645-B9F4-64BB78C54684}"/>
-          </ac:spMkLst>
-        </pc:spChg>
-        <pc:spChg chg="mod">
-          <ac:chgData name="Simon Hitipeuw" userId="ba61fe65-476a-4611-b813-31bb818e518c" providerId="ADAL" clId="{D7912EC4-88AF-F345-AE4E-6C91C674C27B}" dt="2021-09-14T13:16:09.832" v="1198" actId="255"/>
-          <ac:spMkLst>
-            <pc:docMk/>
-            <pc:sldMk cId="0" sldId="263"/>
-            <ac:spMk id="102" creationId="{00000000-0000-0000-0000-000000000000}"/>
-          </ac:spMkLst>
-        </pc:spChg>
-        <pc:spChg chg="mod">
-          <ac:chgData name="Simon Hitipeuw" userId="ba61fe65-476a-4611-b813-31bb818e518c" providerId="ADAL" clId="{D7912EC4-88AF-F345-AE4E-6C91C674C27B}" dt="2021-09-14T13:30:49.669" v="1453" actId="1076"/>
-          <ac:spMkLst>
-            <pc:docMk/>
-            <pc:sldMk cId="0" sldId="263"/>
-            <ac:spMk id="103" creationId="{00000000-0000-0000-0000-000000000000}"/>
-          </ac:spMkLst>
-        </pc:spChg>
-        <pc:spChg chg="del">
-          <ac:chgData name="Simon Hitipeuw" userId="ba61fe65-476a-4611-b813-31bb818e518c" providerId="ADAL" clId="{D7912EC4-88AF-F345-AE4E-6C91C674C27B}" dt="2021-09-14T13:15:35.580" v="1195" actId="478"/>
-          <ac:spMkLst>
-            <pc:docMk/>
-            <pc:sldMk cId="0" sldId="263"/>
-            <ac:spMk id="104" creationId="{00000000-0000-0000-0000-000000000000}"/>
-          </ac:spMkLst>
-        </pc:spChg>
-        <pc:grpChg chg="add del mod">
-          <ac:chgData name="Simon Hitipeuw" userId="ba61fe65-476a-4611-b813-31bb818e518c" providerId="ADAL" clId="{D7912EC4-88AF-F345-AE4E-6C91C674C27B}" dt="2021-09-14T13:24:27.598" v="1224" actId="478"/>
-          <ac:grpSpMkLst>
-            <pc:docMk/>
-            <pc:sldMk cId="0" sldId="263"/>
-            <ac:grpSpMk id="3" creationId="{47B2F440-F89C-5444-9769-C1D7F10107DE}"/>
-          </ac:grpSpMkLst>
-        </pc:grpChg>
-        <pc:grpChg chg="add mod">
-          <ac:chgData name="Simon Hitipeuw" userId="ba61fe65-476a-4611-b813-31bb818e518c" providerId="ADAL" clId="{D7912EC4-88AF-F345-AE4E-6C91C674C27B}" dt="2021-09-14T13:30:44.194" v="1452" actId="14100"/>
-          <ac:grpSpMkLst>
-            <pc:docMk/>
-            <pc:sldMk cId="0" sldId="263"/>
-            <ac:grpSpMk id="5" creationId="{6169B463-61DE-F64E-A7A1-053D4971A02A}"/>
-          </ac:grpSpMkLst>
-        </pc:grpChg>
-        <pc:picChg chg="add del mod">
-          <ac:chgData name="Simon Hitipeuw" userId="ba61fe65-476a-4611-b813-31bb818e518c" providerId="ADAL" clId="{D7912EC4-88AF-F345-AE4E-6C91C674C27B}" dt="2021-09-14T13:22:09.153" v="1208" actId="21"/>
-          <ac:picMkLst>
-            <pc:docMk/>
-            <pc:sldMk cId="0" sldId="263"/>
-            <ac:picMk id="7" creationId="{54491822-E1D9-4C4E-9B79-FDB52524F305}"/>
-          </ac:picMkLst>
-        </pc:picChg>
-        <pc:picChg chg="add del mod topLvl">
-          <ac:chgData name="Simon Hitipeuw" userId="ba61fe65-476a-4611-b813-31bb818e518c" providerId="ADAL" clId="{D7912EC4-88AF-F345-AE4E-6C91C674C27B}" dt="2021-09-14T13:24:29.676" v="1225" actId="478"/>
-          <ac:picMkLst>
-            <pc:docMk/>
-            <pc:sldMk cId="0" sldId="263"/>
-            <ac:picMk id="8" creationId="{2E08E2A2-FADA-2444-8EB3-C1B538CDC6EA}"/>
-          </ac:picMkLst>
-        </pc:picChg>
-        <pc:picChg chg="add mod">
-          <ac:chgData name="Simon Hitipeuw" userId="ba61fe65-476a-4611-b813-31bb818e518c" providerId="ADAL" clId="{D7912EC4-88AF-F345-AE4E-6C91C674C27B}" dt="2021-09-14T13:30:44.194" v="1452" actId="14100"/>
-          <ac:picMkLst>
-            <pc:docMk/>
-            <pc:sldMk cId="0" sldId="263"/>
-            <ac:picMk id="11" creationId="{2431C16D-C88B-4A49-A3DC-1CA852A3CAD6}"/>
-          </ac:picMkLst>
-        </pc:picChg>
-        <pc:picChg chg="mod">
-          <ac:chgData name="Simon Hitipeuw" userId="ba61fe65-476a-4611-b813-31bb818e518c" providerId="ADAL" clId="{D7912EC4-88AF-F345-AE4E-6C91C674C27B}" dt="2021-09-14T13:30:52.542" v="1454" actId="1076"/>
-          <ac:picMkLst>
-            <pc:docMk/>
-            <pc:sldMk cId="0" sldId="263"/>
-            <ac:picMk id="105" creationId="{00000000-0000-0000-0000-000000000000}"/>
-          </ac:picMkLst>
-        </pc:picChg>
-      </pc:sldChg>
-      <pc:sldChg chg="modSp mod">
-        <pc:chgData name="Simon Hitipeuw" userId="ba61fe65-476a-4611-b813-31bb818e518c" providerId="ADAL" clId="{D7912EC4-88AF-F345-AE4E-6C91C674C27B}" dt="2021-09-16T07:41:40.761" v="1800"/>
-        <pc:sldMkLst>
-          <pc:docMk/>
-          <pc:sldMk cId="0" sldId="266"/>
-        </pc:sldMkLst>
-        <pc:spChg chg="mod">
-          <ac:chgData name="Simon Hitipeuw" userId="ba61fe65-476a-4611-b813-31bb818e518c" providerId="ADAL" clId="{D7912EC4-88AF-F345-AE4E-6C91C674C27B}" dt="2021-09-16T07:41:40.761" v="1800"/>
-          <ac:spMkLst>
-            <pc:docMk/>
-            <pc:sldMk cId="0" sldId="266"/>
-            <ac:spMk id="124" creationId="{00000000-0000-0000-0000-000000000000}"/>
-          </ac:spMkLst>
-        </pc:spChg>
-      </pc:sldChg>
-      <pc:sldChg chg="addSp delSp modSp mod">
-        <pc:chgData name="Simon Hitipeuw" userId="ba61fe65-476a-4611-b813-31bb818e518c" providerId="ADAL" clId="{D7912EC4-88AF-F345-AE4E-6C91C674C27B}" dt="2021-09-14T13:40:30.634" v="1555" actId="14100"/>
-        <pc:sldMkLst>
-          <pc:docMk/>
-          <pc:sldMk cId="0" sldId="272"/>
-        </pc:sldMkLst>
-        <pc:spChg chg="mod">
-          <ac:chgData name="Simon Hitipeuw" userId="ba61fe65-476a-4611-b813-31bb818e518c" providerId="ADAL" clId="{D7912EC4-88AF-F345-AE4E-6C91C674C27B}" dt="2021-09-14T13:40:03.670" v="1550" actId="14100"/>
-          <ac:spMkLst>
-            <pc:docMk/>
-            <pc:sldMk cId="0" sldId="272"/>
-            <ac:spMk id="8" creationId="{EED8E4F0-2976-3346-8DFC-772C6929F265}"/>
-          </ac:spMkLst>
-        </pc:spChg>
-        <pc:spChg chg="mod">
-          <ac:chgData name="Simon Hitipeuw" userId="ba61fe65-476a-4611-b813-31bb818e518c" providerId="ADAL" clId="{D7912EC4-88AF-F345-AE4E-6C91C674C27B}" dt="2021-09-14T13:04:54.003" v="1117" actId="20577"/>
-          <ac:spMkLst>
-            <pc:docMk/>
-            <pc:sldMk cId="0" sldId="272"/>
-            <ac:spMk id="172" creationId="{00000000-0000-0000-0000-000000000000}"/>
-          </ac:spMkLst>
-        </pc:spChg>
-        <pc:spChg chg="mod">
-          <ac:chgData name="Simon Hitipeuw" userId="ba61fe65-476a-4611-b813-31bb818e518c" providerId="ADAL" clId="{D7912EC4-88AF-F345-AE4E-6C91C674C27B}" dt="2021-09-14T13:40:30.634" v="1555" actId="14100"/>
-          <ac:spMkLst>
-            <pc:docMk/>
-            <pc:sldMk cId="0" sldId="272"/>
-            <ac:spMk id="173" creationId="{00000000-0000-0000-0000-000000000000}"/>
-          </ac:spMkLst>
-        </pc:spChg>
-        <pc:grpChg chg="add mod">
-          <ac:chgData name="Simon Hitipeuw" userId="ba61fe65-476a-4611-b813-31bb818e518c" providerId="ADAL" clId="{D7912EC4-88AF-F345-AE4E-6C91C674C27B}" dt="2021-09-14T13:40:03.670" v="1550" actId="14100"/>
-          <ac:grpSpMkLst>
-            <pc:docMk/>
-            <pc:sldMk cId="0" sldId="272"/>
-            <ac:grpSpMk id="7" creationId="{A94BA79B-B3CF-7F49-BD4A-20402A8D2F90}"/>
-          </ac:grpSpMkLst>
-        </pc:grpChg>
-        <pc:picChg chg="add del mod">
-          <ac:chgData name="Simon Hitipeuw" userId="ba61fe65-476a-4611-b813-31bb818e518c" providerId="ADAL" clId="{D7912EC4-88AF-F345-AE4E-6C91C674C27B}" dt="2021-09-14T13:37:55.687" v="1458" actId="21"/>
-          <ac:picMkLst>
-            <pc:docMk/>
-            <pc:sldMk cId="0" sldId="272"/>
-            <ac:picMk id="6" creationId="{82B435D4-62A2-2D49-A6C0-91B7528B6F4E}"/>
-          </ac:picMkLst>
-        </pc:picChg>
-        <pc:picChg chg="mod">
-          <ac:chgData name="Simon Hitipeuw" userId="ba61fe65-476a-4611-b813-31bb818e518c" providerId="ADAL" clId="{D7912EC4-88AF-F345-AE4E-6C91C674C27B}" dt="2021-09-14T13:40:03.670" v="1550" actId="14100"/>
-          <ac:picMkLst>
-            <pc:docMk/>
-            <pc:sldMk cId="0" sldId="272"/>
-            <ac:picMk id="9" creationId="{959F2D0F-EC58-D542-866B-133BC47F12F2}"/>
-          </ac:picMkLst>
-        </pc:picChg>
-      </pc:sldChg>
-      <pc:sldChg chg="modSp mod">
-        <pc:chgData name="Simon Hitipeuw" userId="ba61fe65-476a-4611-b813-31bb818e518c" providerId="ADAL" clId="{D7912EC4-88AF-F345-AE4E-6C91C674C27B}" dt="2021-09-14T13:01:38.152" v="1093" actId="20577"/>
-        <pc:sldMkLst>
-          <pc:docMk/>
-          <pc:sldMk cId="1010043746" sldId="283"/>
-        </pc:sldMkLst>
-        <pc:spChg chg="mod">
-          <ac:chgData name="Simon Hitipeuw" userId="ba61fe65-476a-4611-b813-31bb818e518c" providerId="ADAL" clId="{D7912EC4-88AF-F345-AE4E-6C91C674C27B}" dt="2021-09-14T13:01:38.152" v="1093" actId="20577"/>
-          <ac:spMkLst>
-            <pc:docMk/>
-            <pc:sldMk cId="1010043746" sldId="283"/>
-            <ac:spMk id="149" creationId="{00000000-0000-0000-0000-000000000000}"/>
-          </ac:spMkLst>
-        </pc:spChg>
-      </pc:sldChg>
-      <pc:sldChg chg="addSp delSp modSp new del mod ord">
-        <pc:chgData name="Simon Hitipeuw" userId="ba61fe65-476a-4611-b813-31bb818e518c" providerId="ADAL" clId="{D7912EC4-88AF-F345-AE4E-6C91C674C27B}" dt="2021-09-14T12:37:30.545" v="367" actId="2696"/>
-        <pc:sldMkLst>
-          <pc:docMk/>
-          <pc:sldMk cId="970879198" sldId="290"/>
-        </pc:sldMkLst>
-        <pc:spChg chg="add del mod">
-          <ac:chgData name="Simon Hitipeuw" userId="ba61fe65-476a-4611-b813-31bb818e518c" providerId="ADAL" clId="{D7912EC4-88AF-F345-AE4E-6C91C674C27B}" dt="2021-09-14T12:37:28.431" v="366" actId="21"/>
-          <ac:spMkLst>
-            <pc:docMk/>
-            <pc:sldMk cId="970879198" sldId="290"/>
-            <ac:spMk id="2" creationId="{F8DF0B0F-A913-9345-A4A0-C6B869A21543}"/>
-          </ac:spMkLst>
-        </pc:spChg>
-      </pc:sldChg>
-      <pc:sldChg chg="modSp new del mod ord">
-        <pc:chgData name="Simon Hitipeuw" userId="ba61fe65-476a-4611-b813-31bb818e518c" providerId="ADAL" clId="{D7912EC4-88AF-F345-AE4E-6C91C674C27B}" dt="2021-09-14T13:44:22.748" v="1557" actId="2696"/>
-        <pc:sldMkLst>
-          <pc:docMk/>
-          <pc:sldMk cId="1177109375" sldId="290"/>
-        </pc:sldMkLst>
-        <pc:spChg chg="mod">
-          <ac:chgData name="Simon Hitipeuw" userId="ba61fe65-476a-4611-b813-31bb818e518c" providerId="ADAL" clId="{D7912EC4-88AF-F345-AE4E-6C91C674C27B}" dt="2021-09-14T12:37:41.543" v="384" actId="20577"/>
-          <ac:spMkLst>
-            <pc:docMk/>
-            <pc:sldMk cId="1177109375" sldId="290"/>
-            <ac:spMk id="2" creationId="{369C638F-21EF-654A-9C1B-804349FEF0BC}"/>
-          </ac:spMkLst>
-        </pc:spChg>
-        <pc:spChg chg="mod">
-          <ac:chgData name="Simon Hitipeuw" userId="ba61fe65-476a-4611-b813-31bb818e518c" providerId="ADAL" clId="{D7912EC4-88AF-F345-AE4E-6C91C674C27B}" dt="2021-09-14T13:44:21.353" v="1556" actId="20577"/>
-          <ac:spMkLst>
-            <pc:docMk/>
-            <pc:sldMk cId="1177109375" sldId="290"/>
-            <ac:spMk id="3" creationId="{3E935B90-3724-5547-A28A-DED943E3F4DC}"/>
-          </ac:spMkLst>
-        </pc:spChg>
-      </pc:sldChg>
-      <pc:sldChg chg="add del mod modShow">
-        <pc:chgData name="Simon Hitipeuw" userId="ba61fe65-476a-4611-b813-31bb818e518c" providerId="ADAL" clId="{D7912EC4-88AF-F345-AE4E-6C91C674C27B}" dt="2021-09-14T13:50:09.469" v="1558" actId="2696"/>
-        <pc:sldMkLst>
-          <pc:docMk/>
-          <pc:sldMk cId="2797989401" sldId="291"/>
-        </pc:sldMkLst>
-      </pc:sldChg>
-      <pc:sldChg chg="addSp delSp modSp add mod ord">
-        <pc:chgData name="Simon Hitipeuw" userId="ba61fe65-476a-4611-b813-31bb818e518c" providerId="ADAL" clId="{D7912EC4-88AF-F345-AE4E-6C91C674C27B}" dt="2021-09-14T13:00:05.527" v="1074" actId="478"/>
-        <pc:sldMkLst>
-          <pc:docMk/>
-          <pc:sldMk cId="0" sldId="292"/>
-        </pc:sldMkLst>
-        <pc:spChg chg="add mod">
-          <ac:chgData name="Simon Hitipeuw" userId="ba61fe65-476a-4611-b813-31bb818e518c" providerId="ADAL" clId="{D7912EC4-88AF-F345-AE4E-6C91C674C27B}" dt="2021-09-14T12:56:16.198" v="977" actId="1076"/>
-          <ac:spMkLst>
-            <pc:docMk/>
-            <pc:sldMk cId="0" sldId="292"/>
-            <ac:spMk id="2" creationId="{262A0228-0DE6-664E-BD3E-9475A0F48D97}"/>
-          </ac:spMkLst>
-        </pc:spChg>
-        <pc:spChg chg="add mod">
-          <ac:chgData name="Simon Hitipeuw" userId="ba61fe65-476a-4611-b813-31bb818e518c" providerId="ADAL" clId="{D7912EC4-88AF-F345-AE4E-6C91C674C27B}" dt="2021-09-14T12:57:13.896" v="1053" actId="20577"/>
-          <ac:spMkLst>
-            <pc:docMk/>
-            <pc:sldMk cId="0" sldId="292"/>
-            <ac:spMk id="3" creationId="{DA528747-6035-CC4B-AD71-197B3E32D5CE}"/>
-          </ac:spMkLst>
-        </pc:spChg>
-        <pc:spChg chg="add del mod">
-          <ac:chgData name="Simon Hitipeuw" userId="ba61fe65-476a-4611-b813-31bb818e518c" providerId="ADAL" clId="{D7912EC4-88AF-F345-AE4E-6C91C674C27B}" dt="2021-09-14T13:00:05.527" v="1074" actId="478"/>
-          <ac:spMkLst>
-            <pc:docMk/>
-            <pc:sldMk cId="0" sldId="292"/>
-            <ac:spMk id="6" creationId="{AAB27EA5-241D-ED42-9CC0-1B39B7E6DFCB}"/>
-          </ac:spMkLst>
-        </pc:spChg>
-        <pc:spChg chg="mod">
-          <ac:chgData name="Simon Hitipeuw" userId="ba61fe65-476a-4611-b813-31bb818e518c" providerId="ADAL" clId="{D7912EC4-88AF-F345-AE4E-6C91C674C27B}" dt="2021-09-14T12:55:56.609" v="972" actId="20577"/>
-          <ac:spMkLst>
-            <pc:docMk/>
-            <pc:sldMk cId="0" sldId="292"/>
-            <ac:spMk id="232" creationId="{00000000-0000-0000-0000-000000000000}"/>
-          </ac:spMkLst>
-        </pc:spChg>
-        <pc:picChg chg="mod">
-          <ac:chgData name="Simon Hitipeuw" userId="ba61fe65-476a-4611-b813-31bb818e518c" providerId="ADAL" clId="{D7912EC4-88AF-F345-AE4E-6C91C674C27B}" dt="2021-09-14T12:56:12.971" v="976" actId="14100"/>
-          <ac:picMkLst>
-            <pc:docMk/>
-            <pc:sldMk cId="0" sldId="292"/>
-            <ac:picMk id="233" creationId="{00000000-0000-0000-0000-000000000000}"/>
-          </ac:picMkLst>
-        </pc:picChg>
-      </pc:sldChg>
-      <pc:sldChg chg="modSp add mod">
-        <pc:chgData name="Simon Hitipeuw" userId="ba61fe65-476a-4611-b813-31bb818e518c" providerId="ADAL" clId="{D7912EC4-88AF-F345-AE4E-6C91C674C27B}" dt="2021-09-14T14:06:33.494" v="1587" actId="20577"/>
-        <pc:sldMkLst>
-          <pc:docMk/>
-          <pc:sldMk cId="338141704" sldId="305"/>
-        </pc:sldMkLst>
-        <pc:spChg chg="mod">
-          <ac:chgData name="Simon Hitipeuw" userId="ba61fe65-476a-4611-b813-31bb818e518c" providerId="ADAL" clId="{D7912EC4-88AF-F345-AE4E-6C91C674C27B}" dt="2021-09-14T14:06:33.494" v="1587" actId="20577"/>
-          <ac:spMkLst>
-            <pc:docMk/>
-            <pc:sldMk cId="338141704" sldId="305"/>
-            <ac:spMk id="6" creationId="{0EA42367-6FFB-E247-80B6-D80E884097AD}"/>
-          </ac:spMkLst>
-        </pc:spChg>
-      </pc:sldChg>
-      <pc:sldMasterChg chg="delSldLayout">
-        <pc:chgData name="Simon Hitipeuw" userId="ba61fe65-476a-4611-b813-31bb818e518c" providerId="ADAL" clId="{D7912EC4-88AF-F345-AE4E-6C91C674C27B}" dt="2021-09-14T12:37:30.545" v="367" actId="2696"/>
-        <pc:sldMasterMkLst>
-          <pc:docMk/>
-          <pc:sldMasterMk cId="0" sldId="2147483659"/>
-        </pc:sldMasterMkLst>
-        <pc:sldLayoutChg chg="del">
-          <pc:chgData name="Simon Hitipeuw" userId="ba61fe65-476a-4611-b813-31bb818e518c" providerId="ADAL" clId="{D7912EC4-88AF-F345-AE4E-6C91C674C27B}" dt="2021-09-14T12:37:30.545" v="367" actId="2696"/>
-          <pc:sldLayoutMkLst>
-            <pc:docMk/>
-            <pc:sldMasterMk cId="0" sldId="2147483659"/>
-            <pc:sldLayoutMk cId="0" sldId="2147483658"/>
-          </pc:sldLayoutMkLst>
-        </pc:sldLayoutChg>
-      </pc:sldMasterChg>
-    </pc:docChg>
-  </pc:docChgLst>
-  <pc:docChgLst>
-    <pc:chgData name="Gaël Griffith" userId="S::25393@ma-web.nl::6be9e67f-10d8-411a-9f9d-6868b1a89518" providerId="AD" clId="Web-{9770246A-E0B9-462A-B7F5-B1948BF31F61}"/>
-    <pc:docChg chg="modSld">
-      <pc:chgData name="Gaël Griffith" userId="S::25393@ma-web.nl::6be9e67f-10d8-411a-9f9d-6868b1a89518" providerId="AD" clId="Web-{9770246A-E0B9-462A-B7F5-B1948BF31F61}" dt="2020-09-15T11:59:22.850" v="0" actId="1076"/>
-      <pc:docMkLst>
-        <pc:docMk/>
-      </pc:docMkLst>
-      <pc:sldChg chg="modSp">
-        <pc:chgData name="Gaël Griffith" userId="S::25393@ma-web.nl::6be9e67f-10d8-411a-9f9d-6868b1a89518" providerId="AD" clId="Web-{9770246A-E0B9-462A-B7F5-B1948BF31F61}" dt="2020-09-15T11:59:22.850" v="0" actId="1076"/>
-        <pc:sldMkLst>
-          <pc:docMk/>
-          <pc:sldMk cId="0" sldId="256"/>
-        </pc:sldMkLst>
-        <pc:spChg chg="mod">
-          <ac:chgData name="Gaël Griffith" userId="S::25393@ma-web.nl::6be9e67f-10d8-411a-9f9d-6868b1a89518" providerId="AD" clId="Web-{9770246A-E0B9-462A-B7F5-B1948BF31F61}" dt="2020-09-15T11:59:22.850" v="0" actId="1076"/>
-          <ac:spMkLst>
-            <pc:docMk/>
-            <pc:sldMk cId="0" sldId="256"/>
-            <ac:spMk id="54" creationId="{00000000-0000-0000-0000-000000000000}"/>
-          </ac:spMkLst>
-        </pc:spChg>
-      </pc:sldChg>
-    </pc:docChg>
-  </pc:docChgLst>
-  <pc:docChgLst>
-    <pc:chgData name="Theo den Blanken" userId="S::t.denblanken@ma-web.nl::3930183c-d2df-48c9-87a0-a6b49431dd0e" providerId="AD" clId="Web-{0B48A62D-765A-4A9F-9A55-72A06796F534}"/>
-    <pc:docChg chg="addSld modSld">
-      <pc:chgData name="Theo den Blanken" userId="S::t.denblanken@ma-web.nl::3930183c-d2df-48c9-87a0-a6b49431dd0e" providerId="AD" clId="Web-{0B48A62D-765A-4A9F-9A55-72A06796F534}" dt="2020-09-22T07:55:25.765" v="209" actId="20577"/>
-      <pc:docMkLst>
-        <pc:docMk/>
-      </pc:docMkLst>
-      <pc:sldChg chg="modSp">
-        <pc:chgData name="Theo den Blanken" userId="S::t.denblanken@ma-web.nl::3930183c-d2df-48c9-87a0-a6b49431dd0e" providerId="AD" clId="Web-{0B48A62D-765A-4A9F-9A55-72A06796F534}" dt="2020-09-22T07:39:47.209" v="79" actId="20577"/>
-        <pc:sldMkLst>
-          <pc:docMk/>
-          <pc:sldMk cId="0" sldId="272"/>
-        </pc:sldMkLst>
-        <pc:spChg chg="mod">
-          <ac:chgData name="Theo den Blanken" userId="S::t.denblanken@ma-web.nl::3930183c-d2df-48c9-87a0-a6b49431dd0e" providerId="AD" clId="Web-{0B48A62D-765A-4A9F-9A55-72A06796F534}" dt="2020-09-22T07:39:47.209" v="79" actId="20577"/>
-          <ac:spMkLst>
-            <pc:docMk/>
-            <pc:sldMk cId="0" sldId="272"/>
-            <ac:spMk id="173" creationId="{00000000-0000-0000-0000-000000000000}"/>
-          </ac:spMkLst>
-        </pc:spChg>
-      </pc:sldChg>
-      <pc:sldChg chg="modSp">
-        <pc:chgData name="Theo den Blanken" userId="S::t.denblanken@ma-web.nl::3930183c-d2df-48c9-87a0-a6b49431dd0e" providerId="AD" clId="Web-{0B48A62D-765A-4A9F-9A55-72A06796F534}" dt="2020-09-22T07:43:17.602" v="96" actId="20577"/>
-        <pc:sldMkLst>
-          <pc:docMk/>
-          <pc:sldMk cId="0" sldId="277"/>
-        </pc:sldMkLst>
-        <pc:spChg chg="mod">
-          <ac:chgData name="Theo den Blanken" userId="S::t.denblanken@ma-web.nl::3930183c-d2df-48c9-87a0-a6b49431dd0e" providerId="AD" clId="Web-{0B48A62D-765A-4A9F-9A55-72A06796F534}" dt="2020-09-22T07:43:17.602" v="96" actId="20577"/>
-          <ac:spMkLst>
-            <pc:docMk/>
-            <pc:sldMk cId="0" sldId="277"/>
-            <ac:spMk id="211" creationId="{00000000-0000-0000-0000-000000000000}"/>
-          </ac:spMkLst>
-        </pc:spChg>
-      </pc:sldChg>
-      <pc:sldChg chg="addSp modSp new">
-        <pc:chgData name="Theo den Blanken" userId="S::t.denblanken@ma-web.nl::3930183c-d2df-48c9-87a0-a6b49431dd0e" providerId="AD" clId="Web-{0B48A62D-765A-4A9F-9A55-72A06796F534}" dt="2020-09-22T07:55:25.109" v="207" actId="20577"/>
-        <pc:sldMkLst>
-          <pc:docMk/>
-          <pc:sldMk cId="3498386614" sldId="280"/>
-        </pc:sldMkLst>
-        <pc:spChg chg="mod">
-          <ac:chgData name="Theo den Blanken" userId="S::t.denblanken@ma-web.nl::3930183c-d2df-48c9-87a0-a6b49431dd0e" providerId="AD" clId="Web-{0B48A62D-765A-4A9F-9A55-72A06796F534}" dt="2020-09-22T07:54:21.311" v="187" actId="1076"/>
-          <ac:spMkLst>
-            <pc:docMk/>
-            <pc:sldMk cId="3498386614" sldId="280"/>
-            <ac:spMk id="2" creationId="{D2A575BE-15F1-4B99-933E-0800AC4935C1}"/>
-          </ac:spMkLst>
-        </pc:spChg>
-        <pc:spChg chg="add mod">
-          <ac:chgData name="Theo den Blanken" userId="S::t.denblanken@ma-web.nl::3930183c-d2df-48c9-87a0-a6b49431dd0e" providerId="AD" clId="Web-{0B48A62D-765A-4A9F-9A55-72A06796F534}" dt="2020-09-22T07:55:25.109" v="207" actId="20577"/>
-          <ac:spMkLst>
-            <pc:docMk/>
-            <pc:sldMk cId="3498386614" sldId="280"/>
-            <ac:spMk id="5" creationId="{7CAE2FEB-8465-4B14-AD64-9AF2D6705311}"/>
-          </ac:spMkLst>
-        </pc:spChg>
-        <pc:picChg chg="add mod">
-          <ac:chgData name="Theo den Blanken" userId="S::t.denblanken@ma-web.nl::3930183c-d2df-48c9-87a0-a6b49431dd0e" providerId="AD" clId="Web-{0B48A62D-765A-4A9F-9A55-72A06796F534}" dt="2020-09-22T07:54:21.358" v="188" actId="1076"/>
-          <ac:picMkLst>
-            <pc:docMk/>
-            <pc:sldMk cId="3498386614" sldId="280"/>
-            <ac:picMk id="4" creationId="{0F6B11A0-748E-4B29-A769-D4333DECFBDE}"/>
-          </ac:picMkLst>
-        </pc:picChg>
-      </pc:sldChg>
-    </pc:docChg>
-  </pc:docChgLst>
-  <pc:docChgLst>
-    <pc:chgData name="Rick Dohmen" userId="S::30476@ma-web.nl::b09bd7e2-1d9e-4809-8adf-28d02244fbfb" providerId="AD" clId="Web-{CFB8AEF8-2481-44E7-841A-B56EE42CE31E}"/>
+    <pc:chgData name="Robin Zhao" userId="S::31716@ma-web.nl::4e613f56-d46b-475e-ab67-29ffad4eb63e" providerId="AD" clId="Web-{130BDAF5-69DD-4728-90AE-6EE6AE1DAC7E}"/>
     <pc:docChg chg="sldOrd">
-      <pc:chgData name="Rick Dohmen" userId="S::30476@ma-web.nl::b09bd7e2-1d9e-4809-8adf-28d02244fbfb" providerId="AD" clId="Web-{CFB8AEF8-2481-44E7-841A-B56EE42CE31E}" dt="2020-09-22T10:03:27.325" v="1"/>
+      <pc:chgData name="Robin Zhao" userId="S::31716@ma-web.nl::4e613f56-d46b-475e-ab67-29ffad4eb63e" providerId="AD" clId="Web-{130BDAF5-69DD-4728-90AE-6EE6AE1DAC7E}" dt="2020-09-28T08:54:49.211" v="0"/>
       <pc:docMkLst>
         <pc:docMk/>
       </pc:docMkLst>
       <pc:sldChg chg="ord">
-        <pc:chgData name="Rick Dohmen" userId="S::30476@ma-web.nl::b09bd7e2-1d9e-4809-8adf-28d02244fbfb" providerId="AD" clId="Web-{CFB8AEF8-2481-44E7-841A-B56EE42CE31E}" dt="2020-09-22T10:03:27.325" v="1"/>
-        <pc:sldMkLst>
-          <pc:docMk/>
-          <pc:sldMk cId="0" sldId="278"/>
-        </pc:sldMkLst>
-      </pc:sldChg>
-    </pc:docChg>
-  </pc:docChgLst>
-  <pc:docChgLst>
-    <pc:chgData name="Jayden Held" userId="S::31764@ma-web.nl::4689731f-c808-4d0d-94b6-ee9124daf0e5" providerId="AD" clId="Web-{098D7B84-D4D0-4FCE-B5F8-8716BAF98F0C}"/>
-    <pc:docChg chg="modSld">
-      <pc:chgData name="Jayden Held" userId="S::31764@ma-web.nl::4689731f-c808-4d0d-94b6-ee9124daf0e5" providerId="AD" clId="Web-{098D7B84-D4D0-4FCE-B5F8-8716BAF98F0C}" dt="2020-09-22T12:27:20.688" v="0" actId="1076"/>
-      <pc:docMkLst>
-        <pc:docMk/>
-      </pc:docMkLst>
-      <pc:sldChg chg="modSp">
-        <pc:chgData name="Jayden Held" userId="S::31764@ma-web.nl::4689731f-c808-4d0d-94b6-ee9124daf0e5" providerId="AD" clId="Web-{098D7B84-D4D0-4FCE-B5F8-8716BAF98F0C}" dt="2020-09-22T12:27:20.688" v="0" actId="1076"/>
+        <pc:chgData name="Robin Zhao" userId="S::31716@ma-web.nl::4e613f56-d46b-475e-ab67-29ffad4eb63e" providerId="AD" clId="Web-{130BDAF5-69DD-4728-90AE-6EE6AE1DAC7E}" dt="2020-09-28T08:54:49.211" v="0"/>
         <pc:sldMkLst>
           <pc:docMk/>
           <pc:sldMk cId="0" sldId="277"/>
-        </pc:sldMkLst>
-        <pc:spChg chg="mod">
-          <ac:chgData name="Jayden Held" userId="S::31764@ma-web.nl::4689731f-c808-4d0d-94b6-ee9124daf0e5" providerId="AD" clId="Web-{098D7B84-D4D0-4FCE-B5F8-8716BAF98F0C}" dt="2020-09-22T12:27:20.688" v="0" actId="1076"/>
-          <ac:spMkLst>
-            <pc:docMk/>
-            <pc:sldMk cId="0" sldId="277"/>
-            <ac:spMk id="211" creationId="{00000000-0000-0000-0000-000000000000}"/>
-          </ac:spMkLst>
-        </pc:spChg>
-      </pc:sldChg>
-    </pc:docChg>
-  </pc:docChgLst>
-  <pc:docChgLst>
-    <pc:chgData name="Jaymar Westerlow" userId="S::32333@ma-web.nl::371717c8-0353-4e09-9bac-7f5fe4782bc5" providerId="AD" clId="Web-{E7046F53-AEFC-464E-BD65-BF6C2CB144F0}"/>
-    <pc:docChg chg="modSld sldOrd">
-      <pc:chgData name="Jaymar Westerlow" userId="S::32333@ma-web.nl::371717c8-0353-4e09-9bac-7f5fe4782bc5" providerId="AD" clId="Web-{E7046F53-AEFC-464E-BD65-BF6C2CB144F0}" dt="2020-09-22T12:53:03.502" v="1" actId="1076"/>
-      <pc:docMkLst>
-        <pc:docMk/>
-      </pc:docMkLst>
-      <pc:sldChg chg="modSp ord">
-        <pc:chgData name="Jaymar Westerlow" userId="S::32333@ma-web.nl::371717c8-0353-4e09-9bac-7f5fe4782bc5" providerId="AD" clId="Web-{E7046F53-AEFC-464E-BD65-BF6C2CB144F0}" dt="2020-09-22T12:53:03.502" v="1" actId="1076"/>
-        <pc:sldMkLst>
-          <pc:docMk/>
-          <pc:sldMk cId="3498386614" sldId="280"/>
-        </pc:sldMkLst>
-        <pc:spChg chg="mod">
-          <ac:chgData name="Jaymar Westerlow" userId="S::32333@ma-web.nl::371717c8-0353-4e09-9bac-7f5fe4782bc5" providerId="AD" clId="Web-{E7046F53-AEFC-464E-BD65-BF6C2CB144F0}" dt="2020-09-22T12:53:03.502" v="1" actId="1076"/>
-          <ac:spMkLst>
-            <pc:docMk/>
-            <pc:sldMk cId="3498386614" sldId="280"/>
-            <ac:spMk id="5" creationId="{7CAE2FEB-8465-4B14-AD64-9AF2D6705311}"/>
-          </ac:spMkLst>
-        </pc:spChg>
-      </pc:sldChg>
-    </pc:docChg>
-  </pc:docChgLst>
-  <pc:docChgLst>
-    <pc:chgData name="Dragan Javorac" userId="913c2858-fb97-4c6e-a42c-b1f1a16b225e" providerId="ADAL" clId="{5AC97985-0A90-4BAD-81FB-88F74D5EE673}"/>
-    <pc:docChg chg="modSld modMainMaster">
-      <pc:chgData name="Dragan Javorac" userId="913c2858-fb97-4c6e-a42c-b1f1a16b225e" providerId="ADAL" clId="{5AC97985-0A90-4BAD-81FB-88F74D5EE673}" dt="2022-09-12T12:06:47.423" v="80"/>
-      <pc:docMkLst>
-        <pc:docMk/>
-      </pc:docMkLst>
-      <pc:sldChg chg="setBg">
-        <pc:chgData name="Dragan Javorac" userId="913c2858-fb97-4c6e-a42c-b1f1a16b225e" providerId="ADAL" clId="{5AC97985-0A90-4BAD-81FB-88F74D5EE673}" dt="2022-09-12T12:06:47.423" v="80"/>
-        <pc:sldMkLst>
-          <pc:docMk/>
-          <pc:sldMk cId="1710459310" sldId="312"/>
-        </pc:sldMkLst>
-      </pc:sldChg>
-      <pc:sldMasterChg chg="setBg modSldLayout">
-        <pc:chgData name="Dragan Javorac" userId="913c2858-fb97-4c6e-a42c-b1f1a16b225e" providerId="ADAL" clId="{5AC97985-0A90-4BAD-81FB-88F74D5EE673}" dt="2022-09-12T12:06:47.423" v="80"/>
-        <pc:sldMasterMkLst>
-          <pc:docMk/>
-          <pc:sldMasterMk cId="0" sldId="2147483659"/>
-        </pc:sldMasterMkLst>
-        <pc:sldLayoutChg chg="setBg">
-          <pc:chgData name="Dragan Javorac" userId="913c2858-fb97-4c6e-a42c-b1f1a16b225e" providerId="ADAL" clId="{5AC97985-0A90-4BAD-81FB-88F74D5EE673}" dt="2022-09-12T12:06:47.423" v="80"/>
-          <pc:sldLayoutMkLst>
-            <pc:docMk/>
-            <pc:sldMasterMk cId="0" sldId="2147483659"/>
-            <pc:sldLayoutMk cId="0" sldId="2147483648"/>
-          </pc:sldLayoutMkLst>
-        </pc:sldLayoutChg>
-        <pc:sldLayoutChg chg="setBg">
-          <pc:chgData name="Dragan Javorac" userId="913c2858-fb97-4c6e-a42c-b1f1a16b225e" providerId="ADAL" clId="{5AC97985-0A90-4BAD-81FB-88F74D5EE673}" dt="2022-09-12T12:06:47.423" v="80"/>
-          <pc:sldLayoutMkLst>
-            <pc:docMk/>
-            <pc:sldMasterMk cId="0" sldId="2147483659"/>
-            <pc:sldLayoutMk cId="0" sldId="2147483649"/>
-          </pc:sldLayoutMkLst>
-        </pc:sldLayoutChg>
-        <pc:sldLayoutChg chg="setBg">
-          <pc:chgData name="Dragan Javorac" userId="913c2858-fb97-4c6e-a42c-b1f1a16b225e" providerId="ADAL" clId="{5AC97985-0A90-4BAD-81FB-88F74D5EE673}" dt="2022-09-12T12:06:47.423" v="80"/>
-          <pc:sldLayoutMkLst>
-            <pc:docMk/>
-            <pc:sldMasterMk cId="0" sldId="2147483659"/>
-            <pc:sldLayoutMk cId="0" sldId="2147483650"/>
-          </pc:sldLayoutMkLst>
-        </pc:sldLayoutChg>
-        <pc:sldLayoutChg chg="setBg">
-          <pc:chgData name="Dragan Javorac" userId="913c2858-fb97-4c6e-a42c-b1f1a16b225e" providerId="ADAL" clId="{5AC97985-0A90-4BAD-81FB-88F74D5EE673}" dt="2022-09-12T12:06:47.423" v="80"/>
-          <pc:sldLayoutMkLst>
-            <pc:docMk/>
-            <pc:sldMasterMk cId="0" sldId="2147483659"/>
-            <pc:sldLayoutMk cId="0" sldId="2147483651"/>
-          </pc:sldLayoutMkLst>
-        </pc:sldLayoutChg>
-        <pc:sldLayoutChg chg="setBg">
-          <pc:chgData name="Dragan Javorac" userId="913c2858-fb97-4c6e-a42c-b1f1a16b225e" providerId="ADAL" clId="{5AC97985-0A90-4BAD-81FB-88F74D5EE673}" dt="2022-09-12T12:06:47.423" v="80"/>
-          <pc:sldLayoutMkLst>
-            <pc:docMk/>
-            <pc:sldMasterMk cId="0" sldId="2147483659"/>
-            <pc:sldLayoutMk cId="0" sldId="2147483652"/>
-          </pc:sldLayoutMkLst>
-        </pc:sldLayoutChg>
-        <pc:sldLayoutChg chg="setBg">
-          <pc:chgData name="Dragan Javorac" userId="913c2858-fb97-4c6e-a42c-b1f1a16b225e" providerId="ADAL" clId="{5AC97985-0A90-4BAD-81FB-88F74D5EE673}" dt="2022-09-12T12:06:47.423" v="80"/>
-          <pc:sldLayoutMkLst>
-            <pc:docMk/>
-            <pc:sldMasterMk cId="0" sldId="2147483659"/>
-            <pc:sldLayoutMk cId="0" sldId="2147483653"/>
-          </pc:sldLayoutMkLst>
-        </pc:sldLayoutChg>
-        <pc:sldLayoutChg chg="setBg">
-          <pc:chgData name="Dragan Javorac" userId="913c2858-fb97-4c6e-a42c-b1f1a16b225e" providerId="ADAL" clId="{5AC97985-0A90-4BAD-81FB-88F74D5EE673}" dt="2022-09-12T12:06:47.423" v="80"/>
-          <pc:sldLayoutMkLst>
-            <pc:docMk/>
-            <pc:sldMasterMk cId="0" sldId="2147483659"/>
-            <pc:sldLayoutMk cId="0" sldId="2147483654"/>
-          </pc:sldLayoutMkLst>
-        </pc:sldLayoutChg>
-        <pc:sldLayoutChg chg="setBg">
-          <pc:chgData name="Dragan Javorac" userId="913c2858-fb97-4c6e-a42c-b1f1a16b225e" providerId="ADAL" clId="{5AC97985-0A90-4BAD-81FB-88F74D5EE673}" dt="2022-09-12T12:06:47.423" v="80"/>
-          <pc:sldLayoutMkLst>
-            <pc:docMk/>
-            <pc:sldMasterMk cId="0" sldId="2147483659"/>
-            <pc:sldLayoutMk cId="0" sldId="2147483655"/>
-          </pc:sldLayoutMkLst>
-        </pc:sldLayoutChg>
-        <pc:sldLayoutChg chg="setBg">
-          <pc:chgData name="Dragan Javorac" userId="913c2858-fb97-4c6e-a42c-b1f1a16b225e" providerId="ADAL" clId="{5AC97985-0A90-4BAD-81FB-88F74D5EE673}" dt="2022-09-12T12:06:47.423" v="80"/>
-          <pc:sldLayoutMkLst>
-            <pc:docMk/>
-            <pc:sldMasterMk cId="0" sldId="2147483659"/>
-            <pc:sldLayoutMk cId="0" sldId="2147483656"/>
-          </pc:sldLayoutMkLst>
-        </pc:sldLayoutChg>
-        <pc:sldLayoutChg chg="setBg">
-          <pc:chgData name="Dragan Javorac" userId="913c2858-fb97-4c6e-a42c-b1f1a16b225e" providerId="ADAL" clId="{5AC97985-0A90-4BAD-81FB-88F74D5EE673}" dt="2022-09-12T12:06:47.423" v="80"/>
-          <pc:sldLayoutMkLst>
-            <pc:docMk/>
-            <pc:sldMasterMk cId="0" sldId="2147483659"/>
-            <pc:sldLayoutMk cId="0" sldId="2147483657"/>
-          </pc:sldLayoutMkLst>
-        </pc:sldLayoutChg>
-      </pc:sldMasterChg>
-    </pc:docChg>
-  </pc:docChgLst>
-  <pc:docChgLst>
-    <pc:chgData name="Dragan Javorac" userId="S::d.javorac@ma-web.nl::913c2858-fb97-4c6e-a42c-b1f1a16b225e" providerId="AD" clId="Web-{F9DD05B4-3B30-40B3-8968-37F0DD3FB73E}"/>
-    <pc:docChg chg="addSld delSld modSld sldOrd">
-      <pc:chgData name="Dragan Javorac" userId="S::d.javorac@ma-web.nl::913c2858-fb97-4c6e-a42c-b1f1a16b225e" providerId="AD" clId="Web-{F9DD05B4-3B30-40B3-8968-37F0DD3FB73E}" dt="2021-09-10T08:21:00.077" v="283" actId="14100"/>
-      <pc:docMkLst>
-        <pc:docMk/>
-      </pc:docMkLst>
-      <pc:sldChg chg="addSp delSp modSp ord">
-        <pc:chgData name="Dragan Javorac" userId="S::d.javorac@ma-web.nl::913c2858-fb97-4c6e-a42c-b1f1a16b225e" providerId="AD" clId="Web-{F9DD05B4-3B30-40B3-8968-37F0DD3FB73E}" dt="2021-09-10T08:21:00.077" v="283" actId="14100"/>
-        <pc:sldMkLst>
-          <pc:docMk/>
-          <pc:sldMk cId="0" sldId="266"/>
-        </pc:sldMkLst>
-        <pc:spChg chg="mod">
-          <ac:chgData name="Dragan Javorac" userId="S::d.javorac@ma-web.nl::913c2858-fb97-4c6e-a42c-b1f1a16b225e" providerId="AD" clId="Web-{F9DD05B4-3B30-40B3-8968-37F0DD3FB73E}" dt="2021-09-10T08:11:41.657" v="12" actId="20577"/>
-          <ac:spMkLst>
-            <pc:docMk/>
-            <pc:sldMk cId="0" sldId="266"/>
-            <ac:spMk id="123" creationId="{00000000-0000-0000-0000-000000000000}"/>
-          </ac:spMkLst>
-        </pc:spChg>
-        <pc:spChg chg="mod">
-          <ac:chgData name="Dragan Javorac" userId="S::d.javorac@ma-web.nl::913c2858-fb97-4c6e-a42c-b1f1a16b225e" providerId="AD" clId="Web-{F9DD05B4-3B30-40B3-8968-37F0DD3FB73E}" dt="2021-09-10T08:20:59.655" v="282" actId="20577"/>
-          <ac:spMkLst>
-            <pc:docMk/>
-            <pc:sldMk cId="0" sldId="266"/>
-            <ac:spMk id="124" creationId="{00000000-0000-0000-0000-000000000000}"/>
-          </ac:spMkLst>
-        </pc:spChg>
-        <pc:spChg chg="mod">
-          <ac:chgData name="Dragan Javorac" userId="S::d.javorac@ma-web.nl::913c2858-fb97-4c6e-a42c-b1f1a16b225e" providerId="AD" clId="Web-{F9DD05B4-3B30-40B3-8968-37F0DD3FB73E}" dt="2021-09-10T08:15:11.693" v="274" actId="20577"/>
-          <ac:spMkLst>
-            <pc:docMk/>
-            <pc:sldMk cId="0" sldId="266"/>
-            <ac:spMk id="126" creationId="{00000000-0000-0000-0000-000000000000}"/>
-          </ac:spMkLst>
-        </pc:spChg>
-        <pc:spChg chg="del">
-          <ac:chgData name="Dragan Javorac" userId="S::d.javorac@ma-web.nl::913c2858-fb97-4c6e-a42c-b1f1a16b225e" providerId="AD" clId="Web-{F9DD05B4-3B30-40B3-8968-37F0DD3FB73E}" dt="2021-09-10T08:12:14.330" v="66"/>
-          <ac:spMkLst>
-            <pc:docMk/>
-            <pc:sldMk cId="0" sldId="266"/>
-            <ac:spMk id="127" creationId="{00000000-0000-0000-0000-000000000000}"/>
-          </ac:spMkLst>
-        </pc:spChg>
-        <pc:picChg chg="add del mod">
-          <ac:chgData name="Dragan Javorac" userId="S::d.javorac@ma-web.nl::913c2858-fb97-4c6e-a42c-b1f1a16b225e" providerId="AD" clId="Web-{F9DD05B4-3B30-40B3-8968-37F0DD3FB73E}" dt="2021-09-10T08:15:39.757" v="276"/>
-          <ac:picMkLst>
-            <pc:docMk/>
-            <pc:sldMk cId="0" sldId="266"/>
-            <ac:picMk id="3" creationId="{A3B0DE03-AAA2-4B64-9ABD-E6698061F1BB}"/>
-          </ac:picMkLst>
-        </pc:picChg>
-        <pc:picChg chg="add del mod">
-          <ac:chgData name="Dragan Javorac" userId="S::d.javorac@ma-web.nl::913c2858-fb97-4c6e-a42c-b1f1a16b225e" providerId="AD" clId="Web-{F9DD05B4-3B30-40B3-8968-37F0DD3FB73E}" dt="2021-09-10T08:20:58.811" v="279"/>
-          <ac:picMkLst>
-            <pc:docMk/>
-            <pc:sldMk cId="0" sldId="266"/>
-            <ac:picMk id="4" creationId="{6B0B2F3F-A7DA-44A8-A9D5-E07B19C67DC5}"/>
-          </ac:picMkLst>
-        </pc:picChg>
-        <pc:picChg chg="add mod">
-          <ac:chgData name="Dragan Javorac" userId="S::d.javorac@ma-web.nl::913c2858-fb97-4c6e-a42c-b1f1a16b225e" providerId="AD" clId="Web-{F9DD05B4-3B30-40B3-8968-37F0DD3FB73E}" dt="2021-09-10T08:21:00.077" v="283" actId="14100"/>
-          <ac:picMkLst>
-            <pc:docMk/>
-            <pc:sldMk cId="0" sldId="266"/>
-            <ac:picMk id="5" creationId="{28EC5DD6-44F3-4ABD-B19C-D788953EFD09}"/>
-          </ac:picMkLst>
-        </pc:picChg>
-        <pc:picChg chg="del">
-          <ac:chgData name="Dragan Javorac" userId="S::d.javorac@ma-web.nl::913c2858-fb97-4c6e-a42c-b1f1a16b225e" providerId="AD" clId="Web-{F9DD05B4-3B30-40B3-8968-37F0DD3FB73E}" dt="2021-09-10T08:11:53.579" v="15"/>
-          <ac:picMkLst>
-            <pc:docMk/>
-            <pc:sldMk cId="0" sldId="266"/>
-            <ac:picMk id="125" creationId="{00000000-0000-0000-0000-000000000000}"/>
-          </ac:picMkLst>
-        </pc:picChg>
-      </pc:sldChg>
-      <pc:sldChg chg="add del replId">
-        <pc:chgData name="Dragan Javorac" userId="S::d.javorac@ma-web.nl::913c2858-fb97-4c6e-a42c-b1f1a16b225e" providerId="AD" clId="Web-{F9DD05B4-3B30-40B3-8968-37F0DD3FB73E}" dt="2021-09-10T08:11:30.954" v="2"/>
-        <pc:sldMkLst>
-          <pc:docMk/>
-          <pc:sldMk cId="1837386783" sldId="287"/>
-        </pc:sldMkLst>
-      </pc:sldChg>
-      <pc:sldChg chg="add replId">
-        <pc:chgData name="Dragan Javorac" userId="S::d.javorac@ma-web.nl::913c2858-fb97-4c6e-a42c-b1f1a16b225e" providerId="AD" clId="Web-{F9DD05B4-3B30-40B3-8968-37F0DD3FB73E}" dt="2021-09-10T08:11:29.250" v="1"/>
-        <pc:sldMkLst>
-          <pc:docMk/>
-          <pc:sldMk cId="2710829399" sldId="288"/>
-        </pc:sldMkLst>
-      </pc:sldChg>
-    </pc:docChg>
-  </pc:docChgLst>
-  <pc:docChgLst>
-    <pc:chgData name="Olli Appelt" userId="S::30849@ma-web.nl::13d99c3c-79e2-4de1-ad16-6eefc6ff8cd0" providerId="AD" clId="Web-{C1A6421E-1D36-42FF-83AC-15B51FA1ADD8}"/>
-    <pc:docChg chg="sldOrd">
-      <pc:chgData name="Olli Appelt" userId="S::30849@ma-web.nl::13d99c3c-79e2-4de1-ad16-6eefc6ff8cd0" providerId="AD" clId="Web-{C1A6421E-1D36-42FF-83AC-15B51FA1ADD8}" dt="2020-09-22T10:04:33.514" v="0"/>
-      <pc:docMkLst>
-        <pc:docMk/>
-      </pc:docMkLst>
-      <pc:sldChg chg="ord">
-        <pc:chgData name="Olli Appelt" userId="S::30849@ma-web.nl::13d99c3c-79e2-4de1-ad16-6eefc6ff8cd0" providerId="AD" clId="Web-{C1A6421E-1D36-42FF-83AC-15B51FA1ADD8}" dt="2020-09-22T10:04:33.514" v="0"/>
-        <pc:sldMkLst>
-          <pc:docMk/>
-          <pc:sldMk cId="3498386614" sldId="280"/>
         </pc:sldMkLst>
       </pc:sldChg>
     </pc:docChg>
@@ -4262,909 +5165,6 @@
             <pc:docMk/>
             <pc:sldMk cId="0" sldId="256"/>
             <ac:spMk id="3" creationId="{08EF0D68-7804-40FD-BC06-C409DA1A58AC}"/>
-          </ac:spMkLst>
-        </pc:spChg>
-      </pc:sldChg>
-    </pc:docChg>
-  </pc:docChgLst>
-  <pc:docChgLst>
-    <pc:chgData name="Dragan Javorac" userId="913c2858-fb97-4c6e-a42c-b1f1a16b225e" providerId="ADAL" clId="{0D1D5DA1-06A9-4196-A6FC-486A43896461}"/>
-    <pc:docChg chg="undo custSel addSld modSld sldOrd">
-      <pc:chgData name="Dragan Javorac" userId="913c2858-fb97-4c6e-a42c-b1f1a16b225e" providerId="ADAL" clId="{0D1D5DA1-06A9-4196-A6FC-486A43896461}" dt="2022-09-19T13:24:01.379" v="323" actId="20577"/>
-      <pc:docMkLst>
-        <pc:docMk/>
-      </pc:docMkLst>
-      <pc:sldChg chg="addSp delSp modSp add mod">
-        <pc:chgData name="Dragan Javorac" userId="913c2858-fb97-4c6e-a42c-b1f1a16b225e" providerId="ADAL" clId="{0D1D5DA1-06A9-4196-A6FC-486A43896461}" dt="2022-09-19T13:24:01.379" v="323" actId="20577"/>
-        <pc:sldMkLst>
-          <pc:docMk/>
-          <pc:sldMk cId="1931300285" sldId="307"/>
-        </pc:sldMkLst>
-        <pc:spChg chg="del mod">
-          <ac:chgData name="Dragan Javorac" userId="913c2858-fb97-4c6e-a42c-b1f1a16b225e" providerId="ADAL" clId="{0D1D5DA1-06A9-4196-A6FC-486A43896461}" dt="2022-09-19T13:22:23.693" v="259" actId="478"/>
-          <ac:spMkLst>
-            <pc:docMk/>
-            <pc:sldMk cId="1931300285" sldId="307"/>
-            <ac:spMk id="3" creationId="{D2760693-9F4D-E90E-DE33-9D4131C937A8}"/>
-          </ac:spMkLst>
-        </pc:spChg>
-        <pc:spChg chg="add mod">
-          <ac:chgData name="Dragan Javorac" userId="913c2858-fb97-4c6e-a42c-b1f1a16b225e" providerId="ADAL" clId="{0D1D5DA1-06A9-4196-A6FC-486A43896461}" dt="2022-09-19T13:24:01.379" v="323" actId="20577"/>
-          <ac:spMkLst>
-            <pc:docMk/>
-            <pc:sldMk cId="1931300285" sldId="307"/>
-            <ac:spMk id="11" creationId="{4B86F6CF-D0E8-AA10-B912-866754E7CAA1}"/>
-          </ac:spMkLst>
-        </pc:spChg>
-        <pc:spChg chg="add mod">
-          <ac:chgData name="Dragan Javorac" userId="913c2858-fb97-4c6e-a42c-b1f1a16b225e" providerId="ADAL" clId="{0D1D5DA1-06A9-4196-A6FC-486A43896461}" dt="2022-09-19T13:22:45.941" v="322" actId="20577"/>
-          <ac:spMkLst>
-            <pc:docMk/>
-            <pc:sldMk cId="1931300285" sldId="307"/>
-            <ac:spMk id="12" creationId="{1B14FA2F-07C7-64F3-79C0-E855F50CF5A5}"/>
-          </ac:spMkLst>
-        </pc:spChg>
-        <pc:spChg chg="del">
-          <ac:chgData name="Dragan Javorac" userId="913c2858-fb97-4c6e-a42c-b1f1a16b225e" providerId="ADAL" clId="{0D1D5DA1-06A9-4196-A6FC-486A43896461}" dt="2022-09-19T13:21:10.233" v="189" actId="478"/>
-          <ac:spMkLst>
-            <pc:docMk/>
-            <pc:sldMk cId="1931300285" sldId="307"/>
-            <ac:spMk id="13" creationId="{CB521ED4-6C78-77A2-6526-72C7F7B614F1}"/>
-          </ac:spMkLst>
-        </pc:spChg>
-        <pc:spChg chg="mod">
-          <ac:chgData name="Dragan Javorac" userId="913c2858-fb97-4c6e-a42c-b1f1a16b225e" providerId="ADAL" clId="{0D1D5DA1-06A9-4196-A6FC-486A43896461}" dt="2022-09-19T13:22:01.142" v="251" actId="1076"/>
-          <ac:spMkLst>
-            <pc:docMk/>
-            <pc:sldMk cId="1931300285" sldId="307"/>
-            <ac:spMk id="14" creationId="{DDEE1412-D9DA-432E-C1AB-CEAE927E1C01}"/>
-          </ac:spMkLst>
-        </pc:spChg>
-        <pc:spChg chg="del mod">
-          <ac:chgData name="Dragan Javorac" userId="913c2858-fb97-4c6e-a42c-b1f1a16b225e" providerId="ADAL" clId="{0D1D5DA1-06A9-4196-A6FC-486A43896461}" dt="2022-09-19T13:21:06.658" v="187" actId="478"/>
-          <ac:spMkLst>
-            <pc:docMk/>
-            <pc:sldMk cId="1931300285" sldId="307"/>
-            <ac:spMk id="15" creationId="{13D73B07-DFAF-CEF8-B630-E5505CCD0684}"/>
-          </ac:spMkLst>
-        </pc:spChg>
-        <pc:spChg chg="mod">
-          <ac:chgData name="Dragan Javorac" userId="913c2858-fb97-4c6e-a42c-b1f1a16b225e" providerId="ADAL" clId="{0D1D5DA1-06A9-4196-A6FC-486A43896461}" dt="2022-09-19T13:20:49.405" v="130" actId="20577"/>
-          <ac:spMkLst>
-            <pc:docMk/>
-            <pc:sldMk cId="1931300285" sldId="307"/>
-            <ac:spMk id="123" creationId="{00000000-0000-0000-0000-000000000000}"/>
-          </ac:spMkLst>
-        </pc:spChg>
-        <pc:spChg chg="mod">
-          <ac:chgData name="Dragan Javorac" userId="913c2858-fb97-4c6e-a42c-b1f1a16b225e" providerId="ADAL" clId="{0D1D5DA1-06A9-4196-A6FC-486A43896461}" dt="2022-09-19T13:22:36.518" v="304" actId="20577"/>
-          <ac:spMkLst>
-            <pc:docMk/>
-            <pc:sldMk cId="1931300285" sldId="307"/>
-            <ac:spMk id="124" creationId="{00000000-0000-0000-0000-000000000000}"/>
-          </ac:spMkLst>
-        </pc:spChg>
-        <pc:picChg chg="add del mod">
-          <ac:chgData name="Dragan Javorac" userId="913c2858-fb97-4c6e-a42c-b1f1a16b225e" providerId="ADAL" clId="{0D1D5DA1-06A9-4196-A6FC-486A43896461}" dt="2022-09-19T13:21:14.294" v="191" actId="478"/>
-          <ac:picMkLst>
-            <pc:docMk/>
-            <pc:sldMk cId="1931300285" sldId="307"/>
-            <ac:picMk id="4" creationId="{3738B006-A18C-326D-FB2B-CE571A2DA228}"/>
-          </ac:picMkLst>
-        </pc:picChg>
-        <pc:picChg chg="add del mod">
-          <ac:chgData name="Dragan Javorac" userId="913c2858-fb97-4c6e-a42c-b1f1a16b225e" providerId="ADAL" clId="{0D1D5DA1-06A9-4196-A6FC-486A43896461}" dt="2022-09-19T13:21:14.703" v="192" actId="478"/>
-          <ac:picMkLst>
-            <pc:docMk/>
-            <pc:sldMk cId="1931300285" sldId="307"/>
-            <ac:picMk id="6" creationId="{A3F65F6C-3C75-3D79-EA48-7A56097B2259}"/>
-          </ac:picMkLst>
-        </pc:picChg>
-        <pc:picChg chg="add mod">
-          <ac:chgData name="Dragan Javorac" userId="913c2858-fb97-4c6e-a42c-b1f1a16b225e" providerId="ADAL" clId="{0D1D5DA1-06A9-4196-A6FC-486A43896461}" dt="2022-09-19T13:22:02.686" v="252" actId="1076"/>
-          <ac:picMkLst>
-            <pc:docMk/>
-            <pc:sldMk cId="1931300285" sldId="307"/>
-            <ac:picMk id="8" creationId="{004CEDCD-5DE7-674D-D632-31CC5DD15B0C}"/>
-          </ac:picMkLst>
-        </pc:picChg>
-        <pc:picChg chg="add mod">
-          <ac:chgData name="Dragan Javorac" userId="913c2858-fb97-4c6e-a42c-b1f1a16b225e" providerId="ADAL" clId="{0D1D5DA1-06A9-4196-A6FC-486A43896461}" dt="2022-09-19T13:22:25.368" v="260" actId="1076"/>
-          <ac:picMkLst>
-            <pc:docMk/>
-            <pc:sldMk cId="1931300285" sldId="307"/>
-            <ac:picMk id="10" creationId="{36FF7AFB-FEFA-3A23-0D4A-60536DDFC3DE}"/>
-          </ac:picMkLst>
-        </pc:picChg>
-      </pc:sldChg>
-      <pc:sldChg chg="delSp modSp add mod ord">
-        <pc:chgData name="Dragan Javorac" userId="913c2858-fb97-4c6e-a42c-b1f1a16b225e" providerId="ADAL" clId="{0D1D5DA1-06A9-4196-A6FC-486A43896461}" dt="2022-09-19T13:20:35.326" v="108"/>
-        <pc:sldMkLst>
-          <pc:docMk/>
-          <pc:sldMk cId="104205086" sldId="308"/>
-        </pc:sldMkLst>
-        <pc:spChg chg="mod">
-          <ac:chgData name="Dragan Javorac" userId="913c2858-fb97-4c6e-a42c-b1f1a16b225e" providerId="ADAL" clId="{0D1D5DA1-06A9-4196-A6FC-486A43896461}" dt="2022-09-19T13:20:19.941" v="103" actId="14100"/>
-          <ac:spMkLst>
-            <pc:docMk/>
-            <pc:sldMk cId="104205086" sldId="308"/>
-            <ac:spMk id="3" creationId="{D2760693-9F4D-E90E-DE33-9D4131C937A8}"/>
-          </ac:spMkLst>
-        </pc:spChg>
-        <pc:spChg chg="del">
-          <ac:chgData name="Dragan Javorac" userId="913c2858-fb97-4c6e-a42c-b1f1a16b225e" providerId="ADAL" clId="{0D1D5DA1-06A9-4196-A6FC-486A43896461}" dt="2022-09-19T13:19:48.011" v="93" actId="478"/>
-          <ac:spMkLst>
-            <pc:docMk/>
-            <pc:sldMk cId="104205086" sldId="308"/>
-            <ac:spMk id="13" creationId="{CB521ED4-6C78-77A2-6526-72C7F7B614F1}"/>
-          </ac:spMkLst>
-        </pc:spChg>
-        <pc:spChg chg="mod">
-          <ac:chgData name="Dragan Javorac" userId="913c2858-fb97-4c6e-a42c-b1f1a16b225e" providerId="ADAL" clId="{0D1D5DA1-06A9-4196-A6FC-486A43896461}" dt="2022-09-19T13:20:26.423" v="106" actId="14100"/>
-          <ac:spMkLst>
-            <pc:docMk/>
-            <pc:sldMk cId="104205086" sldId="308"/>
-            <ac:spMk id="14" creationId="{DDEE1412-D9DA-432E-C1AB-CEAE927E1C01}"/>
-          </ac:spMkLst>
-        </pc:spChg>
-        <pc:spChg chg="mod">
-          <ac:chgData name="Dragan Javorac" userId="913c2858-fb97-4c6e-a42c-b1f1a16b225e" providerId="ADAL" clId="{0D1D5DA1-06A9-4196-A6FC-486A43896461}" dt="2022-09-19T13:20:24.502" v="105" actId="1076"/>
-          <ac:spMkLst>
-            <pc:docMk/>
-            <pc:sldMk cId="104205086" sldId="308"/>
-            <ac:spMk id="15" creationId="{13D73B07-DFAF-CEF8-B630-E5505CCD0684}"/>
-          </ac:spMkLst>
-        </pc:spChg>
-        <pc:spChg chg="mod">
-          <ac:chgData name="Dragan Javorac" userId="913c2858-fb97-4c6e-a42c-b1f1a16b225e" providerId="ADAL" clId="{0D1D5DA1-06A9-4196-A6FC-486A43896461}" dt="2022-09-19T13:19:43.773" v="91" actId="14100"/>
-          <ac:spMkLst>
-            <pc:docMk/>
-            <pc:sldMk cId="104205086" sldId="308"/>
-            <ac:spMk id="124" creationId="{00000000-0000-0000-0000-000000000000}"/>
-          </ac:spMkLst>
-        </pc:spChg>
-        <pc:picChg chg="mod">
-          <ac:chgData name="Dragan Javorac" userId="913c2858-fb97-4c6e-a42c-b1f1a16b225e" providerId="ADAL" clId="{0D1D5DA1-06A9-4196-A6FC-486A43896461}" dt="2022-09-19T13:19:41.511" v="90" actId="1076"/>
-          <ac:picMkLst>
-            <pc:docMk/>
-            <pc:sldMk cId="104205086" sldId="308"/>
-            <ac:picMk id="4" creationId="{3738B006-A18C-326D-FB2B-CE571A2DA228}"/>
-          </ac:picMkLst>
-        </pc:picChg>
-        <pc:picChg chg="mod">
-          <ac:chgData name="Dragan Javorac" userId="913c2858-fb97-4c6e-a42c-b1f1a16b225e" providerId="ADAL" clId="{0D1D5DA1-06A9-4196-A6FC-486A43896461}" dt="2022-09-19T13:19:30.310" v="73" actId="1076"/>
-          <ac:picMkLst>
-            <pc:docMk/>
-            <pc:sldMk cId="104205086" sldId="308"/>
-            <ac:picMk id="6" creationId="{A3F65F6C-3C75-3D79-EA48-7A56097B2259}"/>
-          </ac:picMkLst>
-        </pc:picChg>
-        <pc:picChg chg="del">
-          <ac:chgData name="Dragan Javorac" userId="913c2858-fb97-4c6e-a42c-b1f1a16b225e" providerId="ADAL" clId="{0D1D5DA1-06A9-4196-A6FC-486A43896461}" dt="2022-09-19T13:19:25.029" v="72" actId="478"/>
-          <ac:picMkLst>
-            <pc:docMk/>
-            <pc:sldMk cId="104205086" sldId="308"/>
-            <ac:picMk id="8" creationId="{004CEDCD-5DE7-674D-D632-31CC5DD15B0C}"/>
-          </ac:picMkLst>
-        </pc:picChg>
-      </pc:sldChg>
-    </pc:docChg>
-  </pc:docChgLst>
-  <pc:docChgLst>
-    <pc:chgData name="Vincent Pinas" userId="S::30472@ma-web.nl::c7212e72-f849-4d45-aea2-0ff92b67f944" providerId="AD" clId="Web-{70D41DEE-34DE-43F5-9B18-C4AAA835B021}"/>
-    <pc:docChg chg="modSld">
-      <pc:chgData name="Vincent Pinas" userId="S::30472@ma-web.nl::c7212e72-f849-4d45-aea2-0ff92b67f944" providerId="AD" clId="Web-{70D41DEE-34DE-43F5-9B18-C4AAA835B021}" dt="2020-09-22T12:12:47.745" v="0" actId="1076"/>
-      <pc:docMkLst>
-        <pc:docMk/>
-      </pc:docMkLst>
-      <pc:sldChg chg="modSp">
-        <pc:chgData name="Vincent Pinas" userId="S::30472@ma-web.nl::c7212e72-f849-4d45-aea2-0ff92b67f944" providerId="AD" clId="Web-{70D41DEE-34DE-43F5-9B18-C4AAA835B021}" dt="2020-09-22T12:12:47.745" v="0" actId="1076"/>
-        <pc:sldMkLst>
-          <pc:docMk/>
-          <pc:sldMk cId="0" sldId="277"/>
-        </pc:sldMkLst>
-        <pc:picChg chg="mod">
-          <ac:chgData name="Vincent Pinas" userId="S::30472@ma-web.nl::c7212e72-f849-4d45-aea2-0ff92b67f944" providerId="AD" clId="Web-{70D41DEE-34DE-43F5-9B18-C4AAA835B021}" dt="2020-09-22T12:12:47.745" v="0" actId="1076"/>
-          <ac:picMkLst>
-            <pc:docMk/>
-            <pc:sldMk cId="0" sldId="277"/>
-            <ac:picMk id="213" creationId="{00000000-0000-0000-0000-000000000000}"/>
-          </ac:picMkLst>
-        </pc:picChg>
-      </pc:sldChg>
-    </pc:docChg>
-  </pc:docChgLst>
-  <pc:docChgLst>
-    <pc:chgData name="Robin Zhao" userId="S::31716@ma-web.nl::4e613f56-d46b-475e-ab67-29ffad4eb63e" providerId="AD" clId="Web-{130BDAF5-69DD-4728-90AE-6EE6AE1DAC7E}"/>
-    <pc:docChg chg="sldOrd">
-      <pc:chgData name="Robin Zhao" userId="S::31716@ma-web.nl::4e613f56-d46b-475e-ab67-29ffad4eb63e" providerId="AD" clId="Web-{130BDAF5-69DD-4728-90AE-6EE6AE1DAC7E}" dt="2020-09-28T08:54:49.211" v="0"/>
-      <pc:docMkLst>
-        <pc:docMk/>
-      </pc:docMkLst>
-      <pc:sldChg chg="ord">
-        <pc:chgData name="Robin Zhao" userId="S::31716@ma-web.nl::4e613f56-d46b-475e-ab67-29ffad4eb63e" providerId="AD" clId="Web-{130BDAF5-69DD-4728-90AE-6EE6AE1DAC7E}" dt="2020-09-28T08:54:49.211" v="0"/>
-        <pc:sldMkLst>
-          <pc:docMk/>
-          <pc:sldMk cId="0" sldId="277"/>
-        </pc:sldMkLst>
-      </pc:sldChg>
-    </pc:docChg>
-  </pc:docChgLst>
-  <pc:docChgLst>
-    <pc:chgData name="Theo den Blanken" userId="S::t.denblanken@ma-web.nl::3930183c-d2df-48c9-87a0-a6b49431dd0e" providerId="AD" clId="Web-{8DE76574-72CB-42D5-B5AE-8B943B924FB4}"/>
-    <pc:docChg chg="sldOrd">
-      <pc:chgData name="Theo den Blanken" userId="S::t.denblanken@ma-web.nl::3930183c-d2df-48c9-87a0-a6b49431dd0e" providerId="AD" clId="Web-{8DE76574-72CB-42D5-B5AE-8B943B924FB4}" dt="2020-09-22T12:08:39.803" v="0"/>
-      <pc:docMkLst>
-        <pc:docMk/>
-      </pc:docMkLst>
-      <pc:sldChg chg="ord">
-        <pc:chgData name="Theo den Blanken" userId="S::t.denblanken@ma-web.nl::3930183c-d2df-48c9-87a0-a6b49431dd0e" providerId="AD" clId="Web-{8DE76574-72CB-42D5-B5AE-8B943B924FB4}" dt="2020-09-22T12:08:39.803" v="0"/>
-        <pc:sldMkLst>
-          <pc:docMk/>
-          <pc:sldMk cId="3498386614" sldId="280"/>
-        </pc:sldMkLst>
-      </pc:sldChg>
-    </pc:docChg>
-  </pc:docChgLst>
-  <pc:docChgLst>
-    <pc:chgData name="João Jubitana" userId="S::29061@ma-web.nl::745c5968-aedf-495d-a4cf-705b566ea11f" providerId="AD" clId="Web-{8DAA4051-A0BD-4D10-8EE0-D89365AE9CCD}"/>
-    <pc:docChg chg="modSld">
-      <pc:chgData name="João Jubitana" userId="S::29061@ma-web.nl::745c5968-aedf-495d-a4cf-705b566ea11f" providerId="AD" clId="Web-{8DAA4051-A0BD-4D10-8EE0-D89365AE9CCD}" dt="2020-09-22T13:06:54.646" v="0" actId="1076"/>
-      <pc:docMkLst>
-        <pc:docMk/>
-      </pc:docMkLst>
-      <pc:sldChg chg="modSp">
-        <pc:chgData name="João Jubitana" userId="S::29061@ma-web.nl::745c5968-aedf-495d-a4cf-705b566ea11f" providerId="AD" clId="Web-{8DAA4051-A0BD-4D10-8EE0-D89365AE9CCD}" dt="2020-09-22T13:06:54.646" v="0" actId="1076"/>
-        <pc:sldMkLst>
-          <pc:docMk/>
-          <pc:sldMk cId="0" sldId="263"/>
-        </pc:sldMkLst>
-        <pc:picChg chg="mod">
-          <ac:chgData name="João Jubitana" userId="S::29061@ma-web.nl::745c5968-aedf-495d-a4cf-705b566ea11f" providerId="AD" clId="Web-{8DAA4051-A0BD-4D10-8EE0-D89365AE9CCD}" dt="2020-09-22T13:06:54.646" v="0" actId="1076"/>
-          <ac:picMkLst>
-            <pc:docMk/>
-            <pc:sldMk cId="0" sldId="263"/>
-            <ac:picMk id="105" creationId="{00000000-0000-0000-0000-000000000000}"/>
-          </ac:picMkLst>
-        </pc:picChg>
-      </pc:sldChg>
-    </pc:docChg>
-  </pc:docChgLst>
-  <pc:docChgLst>
-    <pc:chgData name="Theo den Blanken" userId="S::t.denblanken@ma-web.nl::3930183c-d2df-48c9-87a0-a6b49431dd0e" providerId="AD" clId="Web-{E332237D-9350-4CC4-9CA4-89D3C465EF36}"/>
-    <pc:docChg chg="modSld">
-      <pc:chgData name="Theo den Blanken" userId="S::t.denblanken@ma-web.nl::3930183c-d2df-48c9-87a0-a6b49431dd0e" providerId="AD" clId="Web-{E332237D-9350-4CC4-9CA4-89D3C465EF36}" dt="2020-09-20T10:55:41.229" v="42" actId="14100"/>
-      <pc:docMkLst>
-        <pc:docMk/>
-      </pc:docMkLst>
-      <pc:sldChg chg="addSp modSp">
-        <pc:chgData name="Theo den Blanken" userId="S::t.denblanken@ma-web.nl::3930183c-d2df-48c9-87a0-a6b49431dd0e" providerId="AD" clId="Web-{E332237D-9350-4CC4-9CA4-89D3C465EF36}" dt="2020-09-20T10:49:07.569" v="4" actId="1076"/>
-        <pc:sldMkLst>
-          <pc:docMk/>
-          <pc:sldMk cId="0" sldId="256"/>
-        </pc:sldMkLst>
-        <pc:spChg chg="mod">
-          <ac:chgData name="Theo den Blanken" userId="S::t.denblanken@ma-web.nl::3930183c-d2df-48c9-87a0-a6b49431dd0e" providerId="AD" clId="Web-{E332237D-9350-4CC4-9CA4-89D3C465EF36}" dt="2020-09-20T10:48:31.912" v="0" actId="20577"/>
-          <ac:spMkLst>
-            <pc:docMk/>
-            <pc:sldMk cId="0" sldId="256"/>
-            <ac:spMk id="55" creationId="{00000000-0000-0000-0000-000000000000}"/>
-          </ac:spMkLst>
-        </pc:spChg>
-        <pc:picChg chg="add mod">
-          <ac:chgData name="Theo den Blanken" userId="S::t.denblanken@ma-web.nl::3930183c-d2df-48c9-87a0-a6b49431dd0e" providerId="AD" clId="Web-{E332237D-9350-4CC4-9CA4-89D3C465EF36}" dt="2020-09-20T10:49:07.569" v="4" actId="1076"/>
-          <ac:picMkLst>
-            <pc:docMk/>
-            <pc:sldMk cId="0" sldId="256"/>
-            <ac:picMk id="2" creationId="{DF0D9B61-2351-48E4-87F3-3DDD13DD3682}"/>
-          </ac:picMkLst>
-        </pc:picChg>
-      </pc:sldChg>
-      <pc:sldChg chg="addSp modSp">
-        <pc:chgData name="Theo den Blanken" userId="S::t.denblanken@ma-web.nl::3930183c-d2df-48c9-87a0-a6b49431dd0e" providerId="AD" clId="Web-{E332237D-9350-4CC4-9CA4-89D3C465EF36}" dt="2020-09-20T10:52:57.478" v="21" actId="20577"/>
-        <pc:sldMkLst>
-          <pc:docMk/>
-          <pc:sldMk cId="0" sldId="265"/>
-        </pc:sldMkLst>
-        <pc:spChg chg="mod">
-          <ac:chgData name="Theo den Blanken" userId="S::t.denblanken@ma-web.nl::3930183c-d2df-48c9-87a0-a6b49431dd0e" providerId="AD" clId="Web-{E332237D-9350-4CC4-9CA4-89D3C465EF36}" dt="2020-09-20T10:52:57.478" v="21" actId="20577"/>
-          <ac:spMkLst>
-            <pc:docMk/>
-            <pc:sldMk cId="0" sldId="265"/>
-            <ac:spMk id="118" creationId="{00000000-0000-0000-0000-000000000000}"/>
-          </ac:spMkLst>
-        </pc:spChg>
-        <pc:picChg chg="add">
-          <ac:chgData name="Theo den Blanken" userId="S::t.denblanken@ma-web.nl::3930183c-d2df-48c9-87a0-a6b49431dd0e" providerId="AD" clId="Web-{E332237D-9350-4CC4-9CA4-89D3C465EF36}" dt="2020-09-20T10:49:21.100" v="5"/>
-          <ac:picMkLst>
-            <pc:docMk/>
-            <pc:sldMk cId="0" sldId="265"/>
-            <ac:picMk id="2" creationId="{68DEAF07-F8CE-4256-A849-9DAA5FA79599}"/>
-          </ac:picMkLst>
-        </pc:picChg>
-      </pc:sldChg>
-      <pc:sldChg chg="addSp modSp">
-        <pc:chgData name="Theo den Blanken" userId="S::t.denblanken@ma-web.nl::3930183c-d2df-48c9-87a0-a6b49431dd0e" providerId="AD" clId="Web-{E332237D-9350-4CC4-9CA4-89D3C465EF36}" dt="2020-09-20T10:54:18.416" v="28" actId="1076"/>
-        <pc:sldMkLst>
-          <pc:docMk/>
-          <pc:sldMk cId="0" sldId="266"/>
-        </pc:sldMkLst>
-        <pc:picChg chg="add mod">
-          <ac:chgData name="Theo den Blanken" userId="S::t.denblanken@ma-web.nl::3930183c-d2df-48c9-87a0-a6b49431dd0e" providerId="AD" clId="Web-{E332237D-9350-4CC4-9CA4-89D3C465EF36}" dt="2020-09-20T10:54:18.416" v="28" actId="1076"/>
-          <ac:picMkLst>
-            <pc:docMk/>
-            <pc:sldMk cId="0" sldId="266"/>
-            <ac:picMk id="2" creationId="{29EBCF2B-02D4-4A90-B36F-0E010945E346}"/>
-          </ac:picMkLst>
-        </pc:picChg>
-      </pc:sldChg>
-      <pc:sldChg chg="addSp">
-        <pc:chgData name="Theo den Blanken" userId="S::t.denblanken@ma-web.nl::3930183c-d2df-48c9-87a0-a6b49431dd0e" providerId="AD" clId="Web-{E332237D-9350-4CC4-9CA4-89D3C465EF36}" dt="2020-09-20T10:54:31.932" v="29"/>
-        <pc:sldMkLst>
-          <pc:docMk/>
-          <pc:sldMk cId="0" sldId="267"/>
-        </pc:sldMkLst>
-        <pc:picChg chg="add">
-          <ac:chgData name="Theo den Blanken" userId="S::t.denblanken@ma-web.nl::3930183c-d2df-48c9-87a0-a6b49431dd0e" providerId="AD" clId="Web-{E332237D-9350-4CC4-9CA4-89D3C465EF36}" dt="2020-09-20T10:54:31.932" v="29"/>
-          <ac:picMkLst>
-            <pc:docMk/>
-            <pc:sldMk cId="0" sldId="267"/>
-            <ac:picMk id="2" creationId="{764F4A1A-0F91-4848-B824-BC360B4A69DE}"/>
-          </ac:picMkLst>
-        </pc:picChg>
-      </pc:sldChg>
-      <pc:sldChg chg="addSp">
-        <pc:chgData name="Theo den Blanken" userId="S::t.denblanken@ma-web.nl::3930183c-d2df-48c9-87a0-a6b49431dd0e" providerId="AD" clId="Web-{E332237D-9350-4CC4-9CA4-89D3C465EF36}" dt="2020-09-20T10:54:36.026" v="30"/>
-        <pc:sldMkLst>
-          <pc:docMk/>
-          <pc:sldMk cId="0" sldId="268"/>
-        </pc:sldMkLst>
-        <pc:picChg chg="add">
-          <ac:chgData name="Theo den Blanken" userId="S::t.denblanken@ma-web.nl::3930183c-d2df-48c9-87a0-a6b49431dd0e" providerId="AD" clId="Web-{E332237D-9350-4CC4-9CA4-89D3C465EF36}" dt="2020-09-20T10:54:36.026" v="30"/>
-          <ac:picMkLst>
-            <pc:docMk/>
-            <pc:sldMk cId="0" sldId="268"/>
-            <ac:picMk id="2" creationId="{F7670763-1CAF-493E-8775-AD21EBFC7761}"/>
-          </ac:picMkLst>
-        </pc:picChg>
-      </pc:sldChg>
-      <pc:sldChg chg="addSp">
-        <pc:chgData name="Theo den Blanken" userId="S::t.denblanken@ma-web.nl::3930183c-d2df-48c9-87a0-a6b49431dd0e" providerId="AD" clId="Web-{E332237D-9350-4CC4-9CA4-89D3C465EF36}" dt="2020-09-20T10:54:42.119" v="31"/>
-        <pc:sldMkLst>
-          <pc:docMk/>
-          <pc:sldMk cId="0" sldId="269"/>
-        </pc:sldMkLst>
-        <pc:picChg chg="add">
-          <ac:chgData name="Theo den Blanken" userId="S::t.denblanken@ma-web.nl::3930183c-d2df-48c9-87a0-a6b49431dd0e" providerId="AD" clId="Web-{E332237D-9350-4CC4-9CA4-89D3C465EF36}" dt="2020-09-20T10:54:42.119" v="31"/>
-          <ac:picMkLst>
-            <pc:docMk/>
-            <pc:sldMk cId="0" sldId="269"/>
-            <ac:picMk id="2" creationId="{163D86EE-7824-4A53-AA0C-7915644C84D4}"/>
-          </ac:picMkLst>
-        </pc:picChg>
-      </pc:sldChg>
-      <pc:sldChg chg="addSp modSp">
-        <pc:chgData name="Theo den Blanken" userId="S::t.denblanken@ma-web.nl::3930183c-d2df-48c9-87a0-a6b49431dd0e" providerId="AD" clId="Web-{E332237D-9350-4CC4-9CA4-89D3C465EF36}" dt="2020-09-20T10:54:44.182" v="32"/>
-        <pc:sldMkLst>
-          <pc:docMk/>
-          <pc:sldMk cId="0" sldId="270"/>
-        </pc:sldMkLst>
-        <pc:spChg chg="mod">
-          <ac:chgData name="Theo den Blanken" userId="S::t.denblanken@ma-web.nl::3930183c-d2df-48c9-87a0-a6b49431dd0e" providerId="AD" clId="Web-{E332237D-9350-4CC4-9CA4-89D3C465EF36}" dt="2020-09-20T10:53:21.056" v="23" actId="20577"/>
-          <ac:spMkLst>
-            <pc:docMk/>
-            <pc:sldMk cId="0" sldId="270"/>
-            <ac:spMk id="156" creationId="{00000000-0000-0000-0000-000000000000}"/>
-          </ac:spMkLst>
-        </pc:spChg>
-        <pc:picChg chg="add">
-          <ac:chgData name="Theo den Blanken" userId="S::t.denblanken@ma-web.nl::3930183c-d2df-48c9-87a0-a6b49431dd0e" providerId="AD" clId="Web-{E332237D-9350-4CC4-9CA4-89D3C465EF36}" dt="2020-09-20T10:54:44.182" v="32"/>
-          <ac:picMkLst>
-            <pc:docMk/>
-            <pc:sldMk cId="0" sldId="270"/>
-            <ac:picMk id="2" creationId="{CB91B26E-3311-46BD-83AC-D6218A6563ED}"/>
-          </ac:picMkLst>
-        </pc:picChg>
-      </pc:sldChg>
-      <pc:sldChg chg="addSp">
-        <pc:chgData name="Theo den Blanken" userId="S::t.denblanken@ma-web.nl::3930183c-d2df-48c9-87a0-a6b49431dd0e" providerId="AD" clId="Web-{E332237D-9350-4CC4-9CA4-89D3C465EF36}" dt="2020-09-20T10:49:26.319" v="6"/>
-        <pc:sldMkLst>
-          <pc:docMk/>
-          <pc:sldMk cId="0" sldId="271"/>
-        </pc:sldMkLst>
-        <pc:picChg chg="add">
-          <ac:chgData name="Theo den Blanken" userId="S::t.denblanken@ma-web.nl::3930183c-d2df-48c9-87a0-a6b49431dd0e" providerId="AD" clId="Web-{E332237D-9350-4CC4-9CA4-89D3C465EF36}" dt="2020-09-20T10:49:26.319" v="6"/>
-          <ac:picMkLst>
-            <pc:docMk/>
-            <pc:sldMk cId="0" sldId="271"/>
-            <ac:picMk id="2" creationId="{059DD54D-5BD3-4894-B0F1-B3A7321E7653}"/>
-          </ac:picMkLst>
-        </pc:picChg>
-      </pc:sldChg>
-      <pc:sldChg chg="addSp modSp">
-        <pc:chgData name="Theo den Blanken" userId="S::t.denblanken@ma-web.nl::3930183c-d2df-48c9-87a0-a6b49431dd0e" providerId="AD" clId="Web-{E332237D-9350-4CC4-9CA4-89D3C465EF36}" dt="2020-09-20T10:55:01.385" v="35"/>
-        <pc:sldMkLst>
-          <pc:docMk/>
-          <pc:sldMk cId="0" sldId="274"/>
-        </pc:sldMkLst>
-        <pc:spChg chg="mod">
-          <ac:chgData name="Theo den Blanken" userId="S::t.denblanken@ma-web.nl::3930183c-d2df-48c9-87a0-a6b49431dd0e" providerId="AD" clId="Web-{E332237D-9350-4CC4-9CA4-89D3C465EF36}" dt="2020-09-20T10:54:59.307" v="34" actId="20577"/>
-          <ac:spMkLst>
-            <pc:docMk/>
-            <pc:sldMk cId="0" sldId="274"/>
-            <ac:spMk id="188" creationId="{00000000-0000-0000-0000-000000000000}"/>
-          </ac:spMkLst>
-        </pc:spChg>
-        <pc:picChg chg="add">
-          <ac:chgData name="Theo den Blanken" userId="S::t.denblanken@ma-web.nl::3930183c-d2df-48c9-87a0-a6b49431dd0e" providerId="AD" clId="Web-{E332237D-9350-4CC4-9CA4-89D3C465EF36}" dt="2020-09-20T10:55:01.385" v="35"/>
-          <ac:picMkLst>
-            <pc:docMk/>
-            <pc:sldMk cId="0" sldId="274"/>
-            <ac:picMk id="2" creationId="{8D687D8E-0697-492E-AD10-001516C71391}"/>
-          </ac:picMkLst>
-        </pc:picChg>
-      </pc:sldChg>
-      <pc:sldChg chg="addSp modSp">
-        <pc:chgData name="Theo den Blanken" userId="S::t.denblanken@ma-web.nl::3930183c-d2df-48c9-87a0-a6b49431dd0e" providerId="AD" clId="Web-{E332237D-9350-4CC4-9CA4-89D3C465EF36}" dt="2020-09-20T10:55:07.776" v="36"/>
-        <pc:sldMkLst>
-          <pc:docMk/>
-          <pc:sldMk cId="0" sldId="275"/>
-        </pc:sldMkLst>
-        <pc:spChg chg="mod">
-          <ac:chgData name="Theo den Blanken" userId="S::t.denblanken@ma-web.nl::3930183c-d2df-48c9-87a0-a6b49431dd0e" providerId="AD" clId="Web-{E332237D-9350-4CC4-9CA4-89D3C465EF36}" dt="2020-09-20T10:53:47.978" v="25" actId="20577"/>
-          <ac:spMkLst>
-            <pc:docMk/>
-            <pc:sldMk cId="0" sldId="275"/>
-            <ac:spMk id="196" creationId="{00000000-0000-0000-0000-000000000000}"/>
-          </ac:spMkLst>
-        </pc:spChg>
-        <pc:picChg chg="add">
-          <ac:chgData name="Theo den Blanken" userId="S::t.denblanken@ma-web.nl::3930183c-d2df-48c9-87a0-a6b49431dd0e" providerId="AD" clId="Web-{E332237D-9350-4CC4-9CA4-89D3C465EF36}" dt="2020-09-20T10:55:07.776" v="36"/>
-          <ac:picMkLst>
-            <pc:docMk/>
-            <pc:sldMk cId="0" sldId="275"/>
-            <ac:picMk id="2" creationId="{8CAD382E-9227-448F-A5FD-B3CA9796732C}"/>
-          </ac:picMkLst>
-        </pc:picChg>
-      </pc:sldChg>
-      <pc:sldChg chg="addSp modSp">
-        <pc:chgData name="Theo den Blanken" userId="S::t.denblanken@ma-web.nl::3930183c-d2df-48c9-87a0-a6b49431dd0e" providerId="AD" clId="Web-{E332237D-9350-4CC4-9CA4-89D3C465EF36}" dt="2020-09-20T10:50:21.179" v="8" actId="1076"/>
-        <pc:sldMkLst>
-          <pc:docMk/>
-          <pc:sldMk cId="0" sldId="276"/>
-        </pc:sldMkLst>
-        <pc:picChg chg="add mod">
-          <ac:chgData name="Theo den Blanken" userId="S::t.denblanken@ma-web.nl::3930183c-d2df-48c9-87a0-a6b49431dd0e" providerId="AD" clId="Web-{E332237D-9350-4CC4-9CA4-89D3C465EF36}" dt="2020-09-20T10:50:21.179" v="8" actId="1076"/>
-          <ac:picMkLst>
-            <pc:docMk/>
-            <pc:sldMk cId="0" sldId="276"/>
-            <ac:picMk id="2" creationId="{99DDC664-A5E4-481D-A7CD-5BAB3BBCD241}"/>
-          </ac:picMkLst>
-        </pc:picChg>
-      </pc:sldChg>
-      <pc:sldChg chg="addSp modSp">
-        <pc:chgData name="Theo den Blanken" userId="S::t.denblanken@ma-web.nl::3930183c-d2df-48c9-87a0-a6b49431dd0e" providerId="AD" clId="Web-{E332237D-9350-4CC4-9CA4-89D3C465EF36}" dt="2020-09-20T10:55:41.229" v="42" actId="14100"/>
-        <pc:sldMkLst>
-          <pc:docMk/>
-          <pc:sldMk cId="0" sldId="277"/>
-        </pc:sldMkLst>
-        <pc:picChg chg="add mod">
-          <ac:chgData name="Theo den Blanken" userId="S::t.denblanken@ma-web.nl::3930183c-d2df-48c9-87a0-a6b49431dd0e" providerId="AD" clId="Web-{E332237D-9350-4CC4-9CA4-89D3C465EF36}" dt="2020-09-20T10:55:41.229" v="42" actId="14100"/>
-          <ac:picMkLst>
-            <pc:docMk/>
-            <pc:sldMk cId="0" sldId="277"/>
-            <ac:picMk id="2" creationId="{3B40BF36-7D02-46B3-9497-15EF4E346699}"/>
-          </ac:picMkLst>
-        </pc:picChg>
-      </pc:sldChg>
-      <pc:sldChg chg="addSp modSp">
-        <pc:chgData name="Theo den Blanken" userId="S::t.denblanken@ma-web.nl::3930183c-d2df-48c9-87a0-a6b49431dd0e" providerId="AD" clId="Web-{E332237D-9350-4CC4-9CA4-89D3C465EF36}" dt="2020-09-20T10:55:18.057" v="38"/>
-        <pc:sldMkLst>
-          <pc:docMk/>
-          <pc:sldMk cId="0" sldId="278"/>
-        </pc:sldMkLst>
-        <pc:spChg chg="mod">
-          <ac:chgData name="Theo den Blanken" userId="S::t.denblanken@ma-web.nl::3930183c-d2df-48c9-87a0-a6b49431dd0e" providerId="AD" clId="Web-{E332237D-9350-4CC4-9CA4-89D3C465EF36}" dt="2020-09-20T10:51:17.133" v="15" actId="20577"/>
-          <ac:spMkLst>
-            <pc:docMk/>
-            <pc:sldMk cId="0" sldId="278"/>
-            <ac:spMk id="218" creationId="{00000000-0000-0000-0000-000000000000}"/>
-          </ac:spMkLst>
-        </pc:spChg>
-        <pc:spChg chg="mod">
-          <ac:chgData name="Theo den Blanken" userId="S::t.denblanken@ma-web.nl::3930183c-d2df-48c9-87a0-a6b49431dd0e" providerId="AD" clId="Web-{E332237D-9350-4CC4-9CA4-89D3C465EF36}" dt="2020-09-20T10:51:51.102" v="17" actId="20577"/>
-          <ac:spMkLst>
-            <pc:docMk/>
-            <pc:sldMk cId="0" sldId="278"/>
-            <ac:spMk id="219" creationId="{00000000-0000-0000-0000-000000000000}"/>
-          </ac:spMkLst>
-        </pc:spChg>
-        <pc:picChg chg="add">
-          <ac:chgData name="Theo den Blanken" userId="S::t.denblanken@ma-web.nl::3930183c-d2df-48c9-87a0-a6b49431dd0e" providerId="AD" clId="Web-{E332237D-9350-4CC4-9CA4-89D3C465EF36}" dt="2020-09-20T10:55:18.057" v="38"/>
-          <ac:picMkLst>
-            <pc:docMk/>
-            <pc:sldMk cId="0" sldId="278"/>
-            <ac:picMk id="2" creationId="{1BA6A3F7-5F4E-4FFE-865F-31C746F7DEE8}"/>
-          </ac:picMkLst>
-        </pc:picChg>
-      </pc:sldChg>
-      <pc:sldChg chg="addSp modSp">
-        <pc:chgData name="Theo den Blanken" userId="S::t.denblanken@ma-web.nl::3930183c-d2df-48c9-87a0-a6b49431dd0e" providerId="AD" clId="Web-{E332237D-9350-4CC4-9CA4-89D3C465EF36}" dt="2020-09-20T10:55:14.573" v="37"/>
-        <pc:sldMkLst>
-          <pc:docMk/>
-          <pc:sldMk cId="0" sldId="279"/>
-        </pc:sldMkLst>
-        <pc:spChg chg="mod">
-          <ac:chgData name="Theo den Blanken" userId="S::t.denblanken@ma-web.nl::3930183c-d2df-48c9-87a0-a6b49431dd0e" providerId="AD" clId="Web-{E332237D-9350-4CC4-9CA4-89D3C465EF36}" dt="2020-09-20T10:52:25.602" v="19" actId="20577"/>
-          <ac:spMkLst>
-            <pc:docMk/>
-            <pc:sldMk cId="0" sldId="279"/>
-            <ac:spMk id="226" creationId="{00000000-0000-0000-0000-000000000000}"/>
-          </ac:spMkLst>
-        </pc:spChg>
-        <pc:picChg chg="add">
-          <ac:chgData name="Theo den Blanken" userId="S::t.denblanken@ma-web.nl::3930183c-d2df-48c9-87a0-a6b49431dd0e" providerId="AD" clId="Web-{E332237D-9350-4CC4-9CA4-89D3C465EF36}" dt="2020-09-20T10:55:14.573" v="37"/>
-          <ac:picMkLst>
-            <pc:docMk/>
-            <pc:sldMk cId="0" sldId="279"/>
-            <ac:picMk id="2" creationId="{5AD4DF15-780F-434A-989C-A2507A33000A}"/>
-          </ac:picMkLst>
-        </pc:picChg>
-      </pc:sldChg>
-    </pc:docChg>
-  </pc:docChgLst>
-  <pc:docChgLst>
-    <pc:chgData name="Kilian Rijks" userId="S::30697@ma-web.nl::f8ce6190-20f5-4f44-ad1c-c5dcb23f9695" providerId="AD" clId="Web-{D02C8E39-8AB5-45AA-A943-2F33A4BAEB8E}"/>
-    <pc:docChg chg="sldOrd">
-      <pc:chgData name="Kilian Rijks" userId="S::30697@ma-web.nl::f8ce6190-20f5-4f44-ad1c-c5dcb23f9695" providerId="AD" clId="Web-{D02C8E39-8AB5-45AA-A943-2F33A4BAEB8E}" dt="2020-09-22T12:28:56.255" v="0"/>
-      <pc:docMkLst>
-        <pc:docMk/>
-      </pc:docMkLst>
-      <pc:sldChg chg="ord">
-        <pc:chgData name="Kilian Rijks" userId="S::30697@ma-web.nl::f8ce6190-20f5-4f44-ad1c-c5dcb23f9695" providerId="AD" clId="Web-{D02C8E39-8AB5-45AA-A943-2F33A4BAEB8E}" dt="2020-09-22T12:28:56.255" v="0"/>
-        <pc:sldMkLst>
-          <pc:docMk/>
-          <pc:sldMk cId="3498386614" sldId="280"/>
-        </pc:sldMkLst>
-      </pc:sldChg>
-    </pc:docChg>
-  </pc:docChgLst>
-  <pc:docChgLst>
-    <pc:chgData name="Dragan Javorac" userId="S::d.javorac@ma-web.nl::913c2858-fb97-4c6e-a42c-b1f1a16b225e" providerId="AD" clId="Web-{258425E5-4C16-47EA-90C4-4C25AE509D14}"/>
-    <pc:docChg chg="modSld">
-      <pc:chgData name="Dragan Javorac" userId="S::d.javorac@ma-web.nl::913c2858-fb97-4c6e-a42c-b1f1a16b225e" providerId="AD" clId="Web-{258425E5-4C16-47EA-90C4-4C25AE509D14}" dt="2021-09-13T11:03:03.348" v="5" actId="20577"/>
-      <pc:docMkLst>
-        <pc:docMk/>
-      </pc:docMkLst>
-      <pc:sldChg chg="modSp">
-        <pc:chgData name="Dragan Javorac" userId="S::d.javorac@ma-web.nl::913c2858-fb97-4c6e-a42c-b1f1a16b225e" providerId="AD" clId="Web-{258425E5-4C16-47EA-90C4-4C25AE509D14}" dt="2021-09-13T11:03:03.348" v="5" actId="20577"/>
-        <pc:sldMkLst>
-          <pc:docMk/>
-          <pc:sldMk cId="0" sldId="260"/>
-        </pc:sldMkLst>
-        <pc:spChg chg="mod">
-          <ac:chgData name="Dragan Javorac" userId="S::d.javorac@ma-web.nl::913c2858-fb97-4c6e-a42c-b1f1a16b225e" providerId="AD" clId="Web-{258425E5-4C16-47EA-90C4-4C25AE509D14}" dt="2021-09-13T11:03:03.348" v="5" actId="20577"/>
-          <ac:spMkLst>
-            <pc:docMk/>
-            <pc:sldMk cId="0" sldId="260"/>
-            <ac:spMk id="78" creationId="{00000000-0000-0000-0000-000000000000}"/>
-          </ac:spMkLst>
-        </pc:spChg>
-      </pc:sldChg>
-    </pc:docChg>
-  </pc:docChgLst>
-  <pc:docChgLst>
-    <pc:chgData name="Theo den Blanken" userId="S::t.denblanken@ma-web.nl::3930183c-d2df-48c9-87a0-a6b49431dd0e" providerId="AD" clId="Web-{46F29928-479D-42D3-A177-6DC1E957BE42}"/>
-    <pc:docChg chg="modSld">
-      <pc:chgData name="Theo den Blanken" userId="S::t.denblanken@ma-web.nl::3930183c-d2df-48c9-87a0-a6b49431dd0e" providerId="AD" clId="Web-{46F29928-479D-42D3-A177-6DC1E957BE42}" dt="2020-09-21T18:30:37.846" v="11" actId="20577"/>
-      <pc:docMkLst>
-        <pc:docMk/>
-      </pc:docMkLst>
-      <pc:sldChg chg="modSp">
-        <pc:chgData name="Theo den Blanken" userId="S::t.denblanken@ma-web.nl::3930183c-d2df-48c9-87a0-a6b49431dd0e" providerId="AD" clId="Web-{46F29928-479D-42D3-A177-6DC1E957BE42}" dt="2020-09-21T18:30:37.846" v="11" actId="20577"/>
-        <pc:sldMkLst>
-          <pc:docMk/>
-          <pc:sldMk cId="0" sldId="256"/>
-        </pc:sldMkLst>
-        <pc:spChg chg="mod">
-          <ac:chgData name="Theo den Blanken" userId="S::t.denblanken@ma-web.nl::3930183c-d2df-48c9-87a0-a6b49431dd0e" providerId="AD" clId="Web-{46F29928-479D-42D3-A177-6DC1E957BE42}" dt="2020-09-21T18:30:19.565" v="5" actId="20577"/>
-          <ac:spMkLst>
-            <pc:docMk/>
-            <pc:sldMk cId="0" sldId="256"/>
-            <ac:spMk id="3" creationId="{08EF0D68-7804-40FD-BC06-C409DA1A58AC}"/>
-          </ac:spMkLst>
-        </pc:spChg>
-        <pc:spChg chg="mod">
-          <ac:chgData name="Theo den Blanken" userId="S::t.denblanken@ma-web.nl::3930183c-d2df-48c9-87a0-a6b49431dd0e" providerId="AD" clId="Web-{46F29928-479D-42D3-A177-6DC1E957BE42}" dt="2020-09-21T18:30:37.846" v="11" actId="20577"/>
-          <ac:spMkLst>
-            <pc:docMk/>
-            <pc:sldMk cId="0" sldId="256"/>
-            <ac:spMk id="54" creationId="{00000000-0000-0000-0000-000000000000}"/>
-          </ac:spMkLst>
-        </pc:spChg>
-      </pc:sldChg>
-    </pc:docChg>
-  </pc:docChgLst>
-  <pc:docChgLst>
-    <pc:chgData name="Dragan Javorac" userId="S::d.javorac@ma-web.nl::913c2858-fb97-4c6e-a42c-b1f1a16b225e" providerId="AD" clId="Web-{7AAA3DEF-22B0-4FE7-9B67-5596CC3FE3C8}"/>
-    <pc:docChg chg="addSld delSld modSld sldOrd">
-      <pc:chgData name="Dragan Javorac" userId="S::d.javorac@ma-web.nl::913c2858-fb97-4c6e-a42c-b1f1a16b225e" providerId="AD" clId="Web-{7AAA3DEF-22B0-4FE7-9B67-5596CC3FE3C8}" dt="2021-09-10T09:03:08.373" v="102" actId="20577"/>
-      <pc:docMkLst>
-        <pc:docMk/>
-      </pc:docMkLst>
-      <pc:sldChg chg="modSp">
-        <pc:chgData name="Dragan Javorac" userId="S::d.javorac@ma-web.nl::913c2858-fb97-4c6e-a42c-b1f1a16b225e" providerId="AD" clId="Web-{7AAA3DEF-22B0-4FE7-9B67-5596CC3FE3C8}" dt="2021-09-10T09:03:06.123" v="101" actId="20577"/>
-        <pc:sldMkLst>
-          <pc:docMk/>
-          <pc:sldMk cId="0" sldId="257"/>
-        </pc:sldMkLst>
-        <pc:spChg chg="mod">
-          <ac:chgData name="Dragan Javorac" userId="S::d.javorac@ma-web.nl::913c2858-fb97-4c6e-a42c-b1f1a16b225e" providerId="AD" clId="Web-{7AAA3DEF-22B0-4FE7-9B67-5596CC3FE3C8}" dt="2021-09-10T09:03:06.123" v="101" actId="20577"/>
-          <ac:spMkLst>
-            <pc:docMk/>
-            <pc:sldMk cId="0" sldId="257"/>
-            <ac:spMk id="61" creationId="{00000000-0000-0000-0000-000000000000}"/>
-          </ac:spMkLst>
-        </pc:spChg>
-      </pc:sldChg>
-      <pc:sldChg chg="modSp">
-        <pc:chgData name="Dragan Javorac" userId="S::d.javorac@ma-web.nl::913c2858-fb97-4c6e-a42c-b1f1a16b225e" providerId="AD" clId="Web-{7AAA3DEF-22B0-4FE7-9B67-5596CC3FE3C8}" dt="2021-09-10T08:58:59.058" v="37" actId="20577"/>
-        <pc:sldMkLst>
-          <pc:docMk/>
-          <pc:sldMk cId="0" sldId="258"/>
-        </pc:sldMkLst>
-        <pc:spChg chg="mod">
-          <ac:chgData name="Dragan Javorac" userId="S::d.javorac@ma-web.nl::913c2858-fb97-4c6e-a42c-b1f1a16b225e" providerId="AD" clId="Web-{7AAA3DEF-22B0-4FE7-9B67-5596CC3FE3C8}" dt="2021-09-10T08:53:44.819" v="8" actId="20577"/>
-          <ac:spMkLst>
-            <pc:docMk/>
-            <pc:sldMk cId="0" sldId="258"/>
-            <ac:spMk id="66" creationId="{00000000-0000-0000-0000-000000000000}"/>
-          </ac:spMkLst>
-        </pc:spChg>
-        <pc:spChg chg="mod">
-          <ac:chgData name="Dragan Javorac" userId="S::d.javorac@ma-web.nl::913c2858-fb97-4c6e-a42c-b1f1a16b225e" providerId="AD" clId="Web-{7AAA3DEF-22B0-4FE7-9B67-5596CC3FE3C8}" dt="2021-09-10T08:58:59.058" v="37" actId="20577"/>
-          <ac:spMkLst>
-            <pc:docMk/>
-            <pc:sldMk cId="0" sldId="258"/>
-            <ac:spMk id="67" creationId="{00000000-0000-0000-0000-000000000000}"/>
-          </ac:spMkLst>
-        </pc:spChg>
-      </pc:sldChg>
-      <pc:sldChg chg="modSp ord">
-        <pc:chgData name="Dragan Javorac" userId="S::d.javorac@ma-web.nl::913c2858-fb97-4c6e-a42c-b1f1a16b225e" providerId="AD" clId="Web-{7AAA3DEF-22B0-4FE7-9B67-5596CC3FE3C8}" dt="2021-09-10T08:59:26.402" v="50"/>
-        <pc:sldMkLst>
-          <pc:docMk/>
-          <pc:sldMk cId="0" sldId="259"/>
-        </pc:sldMkLst>
-        <pc:spChg chg="mod">
-          <ac:chgData name="Dragan Javorac" userId="S::d.javorac@ma-web.nl::913c2858-fb97-4c6e-a42c-b1f1a16b225e" providerId="AD" clId="Web-{7AAA3DEF-22B0-4FE7-9B67-5596CC3FE3C8}" dt="2021-09-10T08:59:24.855" v="49" actId="20577"/>
-          <ac:spMkLst>
-            <pc:docMk/>
-            <pc:sldMk cId="0" sldId="259"/>
-            <ac:spMk id="72" creationId="{00000000-0000-0000-0000-000000000000}"/>
-          </ac:spMkLst>
-        </pc:spChg>
-      </pc:sldChg>
-      <pc:sldChg chg="modSp">
-        <pc:chgData name="Dragan Javorac" userId="S::d.javorac@ma-web.nl::913c2858-fb97-4c6e-a42c-b1f1a16b225e" providerId="AD" clId="Web-{7AAA3DEF-22B0-4FE7-9B67-5596CC3FE3C8}" dt="2021-09-10T09:02:50.326" v="97" actId="20577"/>
-        <pc:sldMkLst>
-          <pc:docMk/>
-          <pc:sldMk cId="0" sldId="271"/>
-        </pc:sldMkLst>
-        <pc:spChg chg="mod">
-          <ac:chgData name="Dragan Javorac" userId="S::d.javorac@ma-web.nl::913c2858-fb97-4c6e-a42c-b1f1a16b225e" providerId="AD" clId="Web-{7AAA3DEF-22B0-4FE7-9B67-5596CC3FE3C8}" dt="2021-09-10T09:02:50.326" v="97" actId="20577"/>
-          <ac:spMkLst>
-            <pc:docMk/>
-            <pc:sldMk cId="0" sldId="271"/>
-            <ac:spMk id="167" creationId="{00000000-0000-0000-0000-000000000000}"/>
-          </ac:spMkLst>
-        </pc:spChg>
-      </pc:sldChg>
-      <pc:sldChg chg="del">
-        <pc:chgData name="Dragan Javorac" userId="S::d.javorac@ma-web.nl::913c2858-fb97-4c6e-a42c-b1f1a16b225e" providerId="AD" clId="Web-{7AAA3DEF-22B0-4FE7-9B67-5596CC3FE3C8}" dt="2021-09-10T08:59:55.433" v="51"/>
-        <pc:sldMkLst>
-          <pc:docMk/>
-          <pc:sldMk cId="0" sldId="279"/>
-        </pc:sldMkLst>
-      </pc:sldChg>
-      <pc:sldChg chg="delSp modSp">
-        <pc:chgData name="Dragan Javorac" userId="S::d.javorac@ma-web.nl::913c2858-fb97-4c6e-a42c-b1f1a16b225e" providerId="AD" clId="Web-{7AAA3DEF-22B0-4FE7-9B67-5596CC3FE3C8}" dt="2021-09-10T09:01:58.607" v="96"/>
-        <pc:sldMkLst>
-          <pc:docMk/>
-          <pc:sldMk cId="3498386614" sldId="280"/>
-        </pc:sldMkLst>
-        <pc:spChg chg="del mod">
-          <ac:chgData name="Dragan Javorac" userId="S::d.javorac@ma-web.nl::913c2858-fb97-4c6e-a42c-b1f1a16b225e" providerId="AD" clId="Web-{7AAA3DEF-22B0-4FE7-9B67-5596CC3FE3C8}" dt="2021-09-10T09:01:58.607" v="96"/>
-          <ac:spMkLst>
-            <pc:docMk/>
-            <pc:sldMk cId="3498386614" sldId="280"/>
-            <ac:spMk id="5" creationId="{7CAE2FEB-8465-4B14-AD64-9AF2D6705311}"/>
-          </ac:spMkLst>
-        </pc:spChg>
-      </pc:sldChg>
-      <pc:sldChg chg="modSp add replId">
-        <pc:chgData name="Dragan Javorac" userId="S::d.javorac@ma-web.nl::913c2858-fb97-4c6e-a42c-b1f1a16b225e" providerId="AD" clId="Web-{7AAA3DEF-22B0-4FE7-9B67-5596CC3FE3C8}" dt="2021-09-10T09:03:08.373" v="102" actId="20577"/>
-        <pc:sldMkLst>
-          <pc:docMk/>
-          <pc:sldMk cId="1972725637" sldId="289"/>
-        </pc:sldMkLst>
-        <pc:spChg chg="mod">
-          <ac:chgData name="Dragan Javorac" userId="S::d.javorac@ma-web.nl::913c2858-fb97-4c6e-a42c-b1f1a16b225e" providerId="AD" clId="Web-{7AAA3DEF-22B0-4FE7-9B67-5596CC3FE3C8}" dt="2021-09-10T09:03:08.373" v="102" actId="20577"/>
-          <ac:spMkLst>
-            <pc:docMk/>
-            <pc:sldMk cId="1972725637" sldId="289"/>
-            <ac:spMk id="72" creationId="{00000000-0000-0000-0000-000000000000}"/>
-          </ac:spMkLst>
-        </pc:spChg>
-      </pc:sldChg>
-    </pc:docChg>
-  </pc:docChgLst>
-  <pc:docChgLst>
-    <pc:chgData name="Bram de Vries" userId="S::32018@ma-web.nl::4a465a1c-bf44-4b44-8c1b-d17b3d3bc55c" providerId="AD" clId="Web-{0653E803-6DA8-159F-A8E1-4BA24DF9782E}"/>
-    <pc:docChg chg="sldOrd">
-      <pc:chgData name="Bram de Vries" userId="S::32018@ma-web.nl::4a465a1c-bf44-4b44-8c1b-d17b3d3bc55c" providerId="AD" clId="Web-{0653E803-6DA8-159F-A8E1-4BA24DF9782E}" dt="2020-09-22T13:10:34.837" v="0"/>
-      <pc:docMkLst>
-        <pc:docMk/>
-      </pc:docMkLst>
-      <pc:sldChg chg="ord">
-        <pc:chgData name="Bram de Vries" userId="S::32018@ma-web.nl::4a465a1c-bf44-4b44-8c1b-d17b3d3bc55c" providerId="AD" clId="Web-{0653E803-6DA8-159F-A8E1-4BA24DF9782E}" dt="2020-09-22T13:10:34.837" v="0"/>
-        <pc:sldMkLst>
-          <pc:docMk/>
-          <pc:sldMk cId="3498386614" sldId="280"/>
-        </pc:sldMkLst>
-      </pc:sldChg>
-    </pc:docChg>
-  </pc:docChgLst>
-  <pc:docChgLst>
-    <pc:chgData name="Leon Boussen" userId="S::30542@ma-web.nl::4c4bdcad-5434-46d3-9c0d-43321ec09323" providerId="AD" clId="Web-{D842B0EF-B0D4-4F73-92FB-C9443D3C5811}"/>
-    <pc:docChg chg="modSld">
-      <pc:chgData name="Leon Boussen" userId="S::30542@ma-web.nl::4c4bdcad-5434-46d3-9c0d-43321ec09323" providerId="AD" clId="Web-{D842B0EF-B0D4-4F73-92FB-C9443D3C5811}" dt="2020-09-22T12:46:41.647" v="0" actId="1076"/>
-      <pc:docMkLst>
-        <pc:docMk/>
-      </pc:docMkLst>
-      <pc:sldChg chg="modSp">
-        <pc:chgData name="Leon Boussen" userId="S::30542@ma-web.nl::4c4bdcad-5434-46d3-9c0d-43321ec09323" providerId="AD" clId="Web-{D842B0EF-B0D4-4F73-92FB-C9443D3C5811}" dt="2020-09-22T12:46:41.647" v="0" actId="1076"/>
-        <pc:sldMkLst>
-          <pc:docMk/>
-          <pc:sldMk cId="0" sldId="256"/>
-        </pc:sldMkLst>
-        <pc:spChg chg="mod">
-          <ac:chgData name="Leon Boussen" userId="S::30542@ma-web.nl::4c4bdcad-5434-46d3-9c0d-43321ec09323" providerId="AD" clId="Web-{D842B0EF-B0D4-4F73-92FB-C9443D3C5811}" dt="2020-09-22T12:46:41.647" v="0" actId="1076"/>
-          <ac:spMkLst>
-            <pc:docMk/>
-            <pc:sldMk cId="0" sldId="256"/>
-            <ac:spMk id="3" creationId="{08EF0D68-7804-40FD-BC06-C409DA1A58AC}"/>
-          </ac:spMkLst>
-        </pc:spChg>
-      </pc:sldChg>
-    </pc:docChg>
-  </pc:docChgLst>
-  <pc:docChgLst>
-    <pc:chgData name="Hidde Braun" userId="dd5b87d6-85a5-4271-8322-ce6e5fcd58d2" providerId="ADAL" clId="{FFBE348E-8B1D-A347-991A-5E80B4DF72B0}"/>
-    <pc:docChg chg="modSld">
-      <pc:chgData name="Hidde Braun" userId="dd5b87d6-85a5-4271-8322-ce6e5fcd58d2" providerId="ADAL" clId="{FFBE348E-8B1D-A347-991A-5E80B4DF72B0}" dt="2021-08-26T10:32:47.940" v="51" actId="20577"/>
-      <pc:docMkLst>
-        <pc:docMk/>
-      </pc:docMkLst>
-      <pc:sldChg chg="modSp mod">
-        <pc:chgData name="Hidde Braun" userId="dd5b87d6-85a5-4271-8322-ce6e5fcd58d2" providerId="ADAL" clId="{FFBE348E-8B1D-A347-991A-5E80B4DF72B0}" dt="2021-08-26T10:32:18.479" v="46" actId="20577"/>
-        <pc:sldMkLst>
-          <pc:docMk/>
-          <pc:sldMk cId="0" sldId="256"/>
-        </pc:sldMkLst>
-        <pc:spChg chg="mod">
-          <ac:chgData name="Hidde Braun" userId="dd5b87d6-85a5-4271-8322-ce6e5fcd58d2" providerId="ADAL" clId="{FFBE348E-8B1D-A347-991A-5E80B4DF72B0}" dt="2021-08-26T10:32:18.479" v="46" actId="20577"/>
-          <ac:spMkLst>
-            <pc:docMk/>
-            <pc:sldMk cId="0" sldId="256"/>
-            <ac:spMk id="54" creationId="{00000000-0000-0000-0000-000000000000}"/>
-          </ac:spMkLst>
-        </pc:spChg>
-      </pc:sldChg>
-      <pc:sldChg chg="modSp mod">
-        <pc:chgData name="Hidde Braun" userId="dd5b87d6-85a5-4271-8322-ce6e5fcd58d2" providerId="ADAL" clId="{FFBE348E-8B1D-A347-991A-5E80B4DF72B0}" dt="2021-08-26T10:32:28.758" v="47" actId="20577"/>
-        <pc:sldMkLst>
-          <pc:docMk/>
-          <pc:sldMk cId="0" sldId="261"/>
-        </pc:sldMkLst>
-        <pc:spChg chg="mod">
-          <ac:chgData name="Hidde Braun" userId="dd5b87d6-85a5-4271-8322-ce6e5fcd58d2" providerId="ADAL" clId="{FFBE348E-8B1D-A347-991A-5E80B4DF72B0}" dt="2021-08-26T10:29:53.416" v="1" actId="20577"/>
-          <ac:spMkLst>
-            <pc:docMk/>
-            <pc:sldMk cId="0" sldId="261"/>
-            <ac:spMk id="86" creationId="{00000000-0000-0000-0000-000000000000}"/>
-          </ac:spMkLst>
-        </pc:spChg>
-        <pc:spChg chg="mod">
-          <ac:chgData name="Hidde Braun" userId="dd5b87d6-85a5-4271-8322-ce6e5fcd58d2" providerId="ADAL" clId="{FFBE348E-8B1D-A347-991A-5E80B4DF72B0}" dt="2021-08-26T10:32:28.758" v="47" actId="20577"/>
-          <ac:spMkLst>
-            <pc:docMk/>
-            <pc:sldMk cId="0" sldId="261"/>
-            <ac:spMk id="87" creationId="{00000000-0000-0000-0000-000000000000}"/>
-          </ac:spMkLst>
-        </pc:spChg>
-      </pc:sldChg>
-      <pc:sldChg chg="modSp mod">
-        <pc:chgData name="Hidde Braun" userId="dd5b87d6-85a5-4271-8322-ce6e5fcd58d2" providerId="ADAL" clId="{FFBE348E-8B1D-A347-991A-5E80B4DF72B0}" dt="2021-08-26T10:32:35.152" v="48" actId="20577"/>
-        <pc:sldMkLst>
-          <pc:docMk/>
-          <pc:sldMk cId="0" sldId="263"/>
-        </pc:sldMkLst>
-        <pc:spChg chg="mod">
-          <ac:chgData name="Hidde Braun" userId="dd5b87d6-85a5-4271-8322-ce6e5fcd58d2" providerId="ADAL" clId="{FFBE348E-8B1D-A347-991A-5E80B4DF72B0}" dt="2021-08-26T10:32:35.152" v="48" actId="20577"/>
-          <ac:spMkLst>
-            <pc:docMk/>
-            <pc:sldMk cId="0" sldId="263"/>
-            <ac:spMk id="103" creationId="{00000000-0000-0000-0000-000000000000}"/>
-          </ac:spMkLst>
-        </pc:spChg>
-      </pc:sldChg>
-      <pc:sldChg chg="modSp mod">
-        <pc:chgData name="Hidde Braun" userId="dd5b87d6-85a5-4271-8322-ce6e5fcd58d2" providerId="ADAL" clId="{FFBE348E-8B1D-A347-991A-5E80B4DF72B0}" dt="2021-08-26T10:32:40.441" v="50" actId="20577"/>
-        <pc:sldMkLst>
-          <pc:docMk/>
-          <pc:sldMk cId="0" sldId="264"/>
-        </pc:sldMkLst>
-        <pc:spChg chg="mod">
-          <ac:chgData name="Hidde Braun" userId="dd5b87d6-85a5-4271-8322-ce6e5fcd58d2" providerId="ADAL" clId="{FFBE348E-8B1D-A347-991A-5E80B4DF72B0}" dt="2021-08-26T10:32:40.441" v="50" actId="20577"/>
-          <ac:spMkLst>
-            <pc:docMk/>
-            <pc:sldMk cId="0" sldId="264"/>
-            <ac:spMk id="110" creationId="{00000000-0000-0000-0000-000000000000}"/>
-          </ac:spMkLst>
-        </pc:spChg>
-      </pc:sldChg>
-      <pc:sldChg chg="modSp mod">
-        <pc:chgData name="Hidde Braun" userId="dd5b87d6-85a5-4271-8322-ce6e5fcd58d2" providerId="ADAL" clId="{FFBE348E-8B1D-A347-991A-5E80B4DF72B0}" dt="2021-08-26T10:31:39.229" v="43" actId="20577"/>
-        <pc:sldMkLst>
-          <pc:docMk/>
-          <pc:sldMk cId="0" sldId="266"/>
-        </pc:sldMkLst>
-        <pc:spChg chg="mod">
-          <ac:chgData name="Hidde Braun" userId="dd5b87d6-85a5-4271-8322-ce6e5fcd58d2" providerId="ADAL" clId="{FFBE348E-8B1D-A347-991A-5E80B4DF72B0}" dt="2021-08-26T10:31:39.229" v="43" actId="20577"/>
-          <ac:spMkLst>
-            <pc:docMk/>
-            <pc:sldMk cId="0" sldId="266"/>
-            <ac:spMk id="126" creationId="{00000000-0000-0000-0000-000000000000}"/>
-          </ac:spMkLst>
-        </pc:spChg>
-      </pc:sldChg>
-      <pc:sldChg chg="modSp mod">
-        <pc:chgData name="Hidde Braun" userId="dd5b87d6-85a5-4271-8322-ce6e5fcd58d2" providerId="ADAL" clId="{FFBE348E-8B1D-A347-991A-5E80B4DF72B0}" dt="2021-08-26T10:32:47.940" v="51" actId="20577"/>
-        <pc:sldMkLst>
-          <pc:docMk/>
-          <pc:sldMk cId="0" sldId="267"/>
-        </pc:sldMkLst>
-        <pc:spChg chg="mod">
-          <ac:chgData name="Hidde Braun" userId="dd5b87d6-85a5-4271-8322-ce6e5fcd58d2" providerId="ADAL" clId="{FFBE348E-8B1D-A347-991A-5E80B4DF72B0}" dt="2021-08-26T10:32:47.940" v="51" actId="20577"/>
-          <ac:spMkLst>
-            <pc:docMk/>
-            <pc:sldMk cId="0" sldId="267"/>
-            <ac:spMk id="133" creationId="{00000000-0000-0000-0000-000000000000}"/>
-          </ac:spMkLst>
-        </pc:spChg>
-      </pc:sldChg>
-    </pc:docChg>
-  </pc:docChgLst>
-  <pc:docChgLst>
-    <pc:chgData name="Hidde Braun" userId="S::h.braun@ma-web.nl::dd5b87d6-85a5-4271-8322-ce6e5fcd58d2" providerId="AD" clId="Web-{B30C5D27-0608-410D-B3E1-BCD79977E8AB}"/>
-    <pc:docChg chg="modSld">
-      <pc:chgData name="Hidde Braun" userId="S::h.braun@ma-web.nl::dd5b87d6-85a5-4271-8322-ce6e5fcd58d2" providerId="AD" clId="Web-{B30C5D27-0608-410D-B3E1-BCD79977E8AB}" dt="2021-09-09T06:56:55.136" v="2" actId="20577"/>
-      <pc:docMkLst>
-        <pc:docMk/>
-      </pc:docMkLst>
-      <pc:sldChg chg="modSp">
-        <pc:chgData name="Hidde Braun" userId="S::h.braun@ma-web.nl::dd5b87d6-85a5-4271-8322-ce6e5fcd58d2" providerId="AD" clId="Web-{B30C5D27-0608-410D-B3E1-BCD79977E8AB}" dt="2021-09-09T06:56:55.136" v="2" actId="20577"/>
-        <pc:sldMkLst>
-          <pc:docMk/>
-          <pc:sldMk cId="0" sldId="261"/>
-        </pc:sldMkLst>
-        <pc:spChg chg="mod">
-          <ac:chgData name="Hidde Braun" userId="S::h.braun@ma-web.nl::dd5b87d6-85a5-4271-8322-ce6e5fcd58d2" providerId="AD" clId="Web-{B30C5D27-0608-410D-B3E1-BCD79977E8AB}" dt="2021-09-09T06:56:55.136" v="2" actId="20577"/>
-          <ac:spMkLst>
-            <pc:docMk/>
-            <pc:sldMk cId="0" sldId="261"/>
-            <ac:spMk id="86" creationId="{00000000-0000-0000-0000-000000000000}"/>
           </ac:spMkLst>
         </pc:spChg>
       </pc:sldChg>
@@ -5817,7 +5817,7 @@
     </p:spTree>
     <p:extLst>
       <p:ext uri="{BB962C8B-B14F-4D97-AF65-F5344CB8AC3E}">
-        <p14:creationId xmlns:p14="http://schemas.microsoft.com/office/powerpoint/2010/main" val="3089225954"/>
+        <p14:creationId xmlns:p14="http://schemas.microsoft.com/office/powerpoint/2010/main" val="1916202522"/>
       </p:ext>
     </p:extLst>
   </p:cSld>
@@ -5926,7 +5926,7 @@
     </p:spTree>
     <p:extLst>
       <p:ext uri="{BB962C8B-B14F-4D97-AF65-F5344CB8AC3E}">
-        <p14:creationId xmlns:p14="http://schemas.microsoft.com/office/powerpoint/2010/main" val="1916202522"/>
+        <p14:creationId xmlns:p14="http://schemas.microsoft.com/office/powerpoint/2010/main" val="2301697341"/>
       </p:ext>
     </p:extLst>
   </p:cSld>
@@ -6035,7 +6035,7 @@
     </p:spTree>
     <p:extLst>
       <p:ext uri="{BB962C8B-B14F-4D97-AF65-F5344CB8AC3E}">
-        <p14:creationId xmlns:p14="http://schemas.microsoft.com/office/powerpoint/2010/main" val="2301697341"/>
+        <p14:creationId xmlns:p14="http://schemas.microsoft.com/office/powerpoint/2010/main" val="3897649546"/>
       </p:ext>
     </p:extLst>
   </p:cSld>
@@ -6144,7 +6144,7 @@
     </p:spTree>
     <p:extLst>
       <p:ext uri="{BB962C8B-B14F-4D97-AF65-F5344CB8AC3E}">
-        <p14:creationId xmlns:p14="http://schemas.microsoft.com/office/powerpoint/2010/main" val="3897649546"/>
+        <p14:creationId xmlns:p14="http://schemas.microsoft.com/office/powerpoint/2010/main" val="3180332950"/>
       </p:ext>
     </p:extLst>
   </p:cSld>
@@ -6253,7 +6253,7 @@
     </p:spTree>
     <p:extLst>
       <p:ext uri="{BB962C8B-B14F-4D97-AF65-F5344CB8AC3E}">
-        <p14:creationId xmlns:p14="http://schemas.microsoft.com/office/powerpoint/2010/main" val="3180332950"/>
+        <p14:creationId xmlns:p14="http://schemas.microsoft.com/office/powerpoint/2010/main" val="1490592118"/>
       </p:ext>
     </p:extLst>
   </p:cSld>
@@ -6362,7 +6362,7 @@
     </p:spTree>
     <p:extLst>
       <p:ext uri="{BB962C8B-B14F-4D97-AF65-F5344CB8AC3E}">
-        <p14:creationId xmlns:p14="http://schemas.microsoft.com/office/powerpoint/2010/main" val="1490592118"/>
+        <p14:creationId xmlns:p14="http://schemas.microsoft.com/office/powerpoint/2010/main" val="2222159720"/>
       </p:ext>
     </p:extLst>
   </p:cSld>
@@ -6471,7 +6471,7 @@
     </p:spTree>
     <p:extLst>
       <p:ext uri="{BB962C8B-B14F-4D97-AF65-F5344CB8AC3E}">
-        <p14:creationId xmlns:p14="http://schemas.microsoft.com/office/powerpoint/2010/main" val="2222159720"/>
+        <p14:creationId xmlns:p14="http://schemas.microsoft.com/office/powerpoint/2010/main" val="1814121642"/>
       </p:ext>
     </p:extLst>
   </p:cSld>
@@ -6481,7 +6481,111 @@
 </p:notes>
 </file>
 
-<file path=ppt/notesSlides/notesSlide17.xml><?xml version="1.0" encoding="utf-8"?>
+<file path=ppt/notesSlides/notesSlide2.xml><?xml version="1.0" encoding="utf-8"?>
+<p:notes xmlns:a="http://schemas.openxmlformats.org/drawingml/2006/main" xmlns:r="http://schemas.openxmlformats.org/officeDocument/2006/relationships" xmlns:p="http://schemas.openxmlformats.org/presentationml/2006/main" showMasterSp="0" showMasterPhAnim="0">
+  <p:cSld>
+    <p:spTree>
+      <p:nvGrpSpPr>
+        <p:cNvPr id="1" name="Shape 114"/>
+        <p:cNvGrpSpPr/>
+        <p:nvPr/>
+      </p:nvGrpSpPr>
+      <p:grpSpPr>
+        <a:xfrm>
+          <a:off x="0" y="0"/>
+          <a:ext cx="0" cy="0"/>
+          <a:chOff x="0" y="0"/>
+          <a:chExt cx="0" cy="0"/>
+        </a:xfrm>
+      </p:grpSpPr>
+      <p:sp>
+        <p:nvSpPr>
+          <p:cNvPr id="115" name="Google Shape;115;g868d3c9f82_0_9:notes"/>
+          <p:cNvSpPr>
+            <a:spLocks noGrp="1" noRot="1" noChangeAspect="1"/>
+          </p:cNvSpPr>
+          <p:nvPr>
+            <p:ph type="sldImg" idx="2"/>
+          </p:nvPr>
+        </p:nvSpPr>
+        <p:spPr>
+          <a:xfrm>
+            <a:off x="381000" y="685800"/>
+            <a:ext cx="6096000" cy="3429000"/>
+          </a:xfrm>
+          <a:custGeom>
+            <a:avLst/>
+            <a:gdLst/>
+            <a:ahLst/>
+            <a:cxnLst/>
+            <a:rect l="l" t="t" r="r" b="b"/>
+            <a:pathLst>
+              <a:path w="120000" h="120000" extrusionOk="0">
+                <a:moveTo>
+                  <a:pt x="0" y="0"/>
+                </a:moveTo>
+                <a:lnTo>
+                  <a:pt x="120000" y="0"/>
+                </a:lnTo>
+                <a:lnTo>
+                  <a:pt x="120000" y="120000"/>
+                </a:lnTo>
+                <a:lnTo>
+                  <a:pt x="0" y="120000"/>
+                </a:lnTo>
+                <a:close/>
+              </a:path>
+            </a:pathLst>
+          </a:custGeom>
+        </p:spPr>
+      </p:sp>
+      <p:sp>
+        <p:nvSpPr>
+          <p:cNvPr id="116" name="Google Shape;116;g868d3c9f82_0_9:notes"/>
+          <p:cNvSpPr txBox="1">
+            <a:spLocks noGrp="1"/>
+          </p:cNvSpPr>
+          <p:nvPr>
+            <p:ph type="body" idx="1"/>
+          </p:nvPr>
+        </p:nvSpPr>
+        <p:spPr>
+          <a:xfrm>
+            <a:off x="685800" y="4343400"/>
+            <a:ext cx="5486400" cy="4114800"/>
+          </a:xfrm>
+          <a:prstGeom prst="rect">
+            <a:avLst/>
+          </a:prstGeom>
+        </p:spPr>
+        <p:txBody>
+          <a:bodyPr spcFirstLastPara="1" wrap="square" lIns="91425" tIns="91425" rIns="91425" bIns="91425" anchor="t" anchorCtr="0">
+            <a:noAutofit/>
+          </a:bodyPr>
+          <a:lstStyle/>
+          <a:p>
+            <a:pPr marL="0" lvl="0" indent="0" algn="l" rtl="0">
+              <a:spcBef>
+                <a:spcPts val="0"/>
+              </a:spcBef>
+              <a:spcAft>
+                <a:spcPts val="0"/>
+              </a:spcAft>
+              <a:buNone/>
+            </a:pPr>
+            <a:endParaRPr/>
+          </a:p>
+        </p:txBody>
+      </p:sp>
+    </p:spTree>
+  </p:cSld>
+  <p:clrMapOvr>
+    <a:masterClrMapping/>
+  </p:clrMapOvr>
+</p:notes>
+</file>
+
+<file path=ppt/notesSlides/notesSlide3.xml><?xml version="1.0" encoding="utf-8"?>
 <p:notes xmlns:a="http://schemas.openxmlformats.org/drawingml/2006/main" xmlns:r="http://schemas.openxmlformats.org/officeDocument/2006/relationships" xmlns:p="http://schemas.openxmlformats.org/presentationml/2006/main" showMasterSp="0" showMasterPhAnim="0">
   <p:cSld>
     <p:spTree>
@@ -6542,219 +6646,6 @@
       <p:sp>
         <p:nvSpPr>
           <p:cNvPr id="121" name="Google Shape;121;g868d3c9f82_0_15:notes"/>
-          <p:cNvSpPr txBox="1">
-            <a:spLocks noGrp="1"/>
-          </p:cNvSpPr>
-          <p:nvPr>
-            <p:ph type="body" idx="1"/>
-          </p:nvPr>
-        </p:nvSpPr>
-        <p:spPr>
-          <a:xfrm>
-            <a:off x="685800" y="4343400"/>
-            <a:ext cx="5486400" cy="4114800"/>
-          </a:xfrm>
-          <a:prstGeom prst="rect">
-            <a:avLst/>
-          </a:prstGeom>
-        </p:spPr>
-        <p:txBody>
-          <a:bodyPr spcFirstLastPara="1" wrap="square" lIns="91425" tIns="91425" rIns="91425" bIns="91425" anchor="t" anchorCtr="0">
-            <a:noAutofit/>
-          </a:bodyPr>
-          <a:lstStyle/>
-          <a:p>
-            <a:pPr marL="0" lvl="0" indent="0" algn="l" rtl="0">
-              <a:spcBef>
-                <a:spcPts val="0"/>
-              </a:spcBef>
-              <a:spcAft>
-                <a:spcPts val="0"/>
-              </a:spcAft>
-              <a:buNone/>
-            </a:pPr>
-            <a:endParaRPr/>
-          </a:p>
-        </p:txBody>
-      </p:sp>
-    </p:spTree>
-    <p:extLst>
-      <p:ext uri="{BB962C8B-B14F-4D97-AF65-F5344CB8AC3E}">
-        <p14:creationId xmlns:p14="http://schemas.microsoft.com/office/powerpoint/2010/main" val="1814121642"/>
-      </p:ext>
-    </p:extLst>
-  </p:cSld>
-  <p:clrMapOvr>
-    <a:masterClrMapping/>
-  </p:clrMapOvr>
-</p:notes>
-</file>
-
-<file path=ppt/notesSlides/notesSlide2.xml><?xml version="1.0" encoding="utf-8"?>
-<p:notes xmlns:a="http://schemas.openxmlformats.org/drawingml/2006/main" xmlns:r="http://schemas.openxmlformats.org/officeDocument/2006/relationships" xmlns:p="http://schemas.openxmlformats.org/presentationml/2006/main" showMasterSp="0" showMasterPhAnim="0">
-  <p:cSld>
-    <p:spTree>
-      <p:nvGrpSpPr>
-        <p:cNvPr id="1" name="Shape 62"/>
-        <p:cNvGrpSpPr/>
-        <p:nvPr/>
-      </p:nvGrpSpPr>
-      <p:grpSpPr>
-        <a:xfrm>
-          <a:off x="0" y="0"/>
-          <a:ext cx="0" cy="0"/>
-          <a:chOff x="0" y="0"/>
-          <a:chExt cx="0" cy="0"/>
-        </a:xfrm>
-      </p:grpSpPr>
-      <p:sp>
-        <p:nvSpPr>
-          <p:cNvPr id="63" name="Google Shape;63;g8dca79b741_0_0:notes"/>
-          <p:cNvSpPr>
-            <a:spLocks noGrp="1" noRot="1" noChangeAspect="1"/>
-          </p:cNvSpPr>
-          <p:nvPr>
-            <p:ph type="sldImg" idx="2"/>
-          </p:nvPr>
-        </p:nvSpPr>
-        <p:spPr>
-          <a:xfrm>
-            <a:off x="381000" y="685800"/>
-            <a:ext cx="6096000" cy="3429000"/>
-          </a:xfrm>
-          <a:custGeom>
-            <a:avLst/>
-            <a:gdLst/>
-            <a:ahLst/>
-            <a:cxnLst/>
-            <a:rect l="l" t="t" r="r" b="b"/>
-            <a:pathLst>
-              <a:path w="120000" h="120000" extrusionOk="0">
-                <a:moveTo>
-                  <a:pt x="0" y="0"/>
-                </a:moveTo>
-                <a:lnTo>
-                  <a:pt x="120000" y="0"/>
-                </a:lnTo>
-                <a:lnTo>
-                  <a:pt x="120000" y="120000"/>
-                </a:lnTo>
-                <a:lnTo>
-                  <a:pt x="0" y="120000"/>
-                </a:lnTo>
-                <a:close/>
-              </a:path>
-            </a:pathLst>
-          </a:custGeom>
-        </p:spPr>
-      </p:sp>
-      <p:sp>
-        <p:nvSpPr>
-          <p:cNvPr id="64" name="Google Shape;64;g8dca79b741_0_0:notes"/>
-          <p:cNvSpPr txBox="1">
-            <a:spLocks noGrp="1"/>
-          </p:cNvSpPr>
-          <p:nvPr>
-            <p:ph type="body" idx="1"/>
-          </p:nvPr>
-        </p:nvSpPr>
-        <p:spPr>
-          <a:xfrm>
-            <a:off x="685800" y="4343400"/>
-            <a:ext cx="5486400" cy="4114800"/>
-          </a:xfrm>
-          <a:prstGeom prst="rect">
-            <a:avLst/>
-          </a:prstGeom>
-        </p:spPr>
-        <p:txBody>
-          <a:bodyPr spcFirstLastPara="1" wrap="square" lIns="91425" tIns="91425" rIns="91425" bIns="91425" anchor="t" anchorCtr="0">
-            <a:noAutofit/>
-          </a:bodyPr>
-          <a:lstStyle/>
-          <a:p>
-            <a:pPr marL="0" lvl="0" indent="0" algn="l" rtl="0">
-              <a:spcBef>
-                <a:spcPts val="0"/>
-              </a:spcBef>
-              <a:spcAft>
-                <a:spcPts val="0"/>
-              </a:spcAft>
-              <a:buNone/>
-            </a:pPr>
-            <a:endParaRPr/>
-          </a:p>
-        </p:txBody>
-      </p:sp>
-    </p:spTree>
-  </p:cSld>
-  <p:clrMapOvr>
-    <a:masterClrMapping/>
-  </p:clrMapOvr>
-</p:notes>
-</file>
-
-<file path=ppt/notesSlides/notesSlide3.xml><?xml version="1.0" encoding="utf-8"?>
-<p:notes xmlns:a="http://schemas.openxmlformats.org/drawingml/2006/main" xmlns:r="http://schemas.openxmlformats.org/officeDocument/2006/relationships" xmlns:p="http://schemas.openxmlformats.org/presentationml/2006/main" showMasterSp="0" showMasterPhAnim="0">
-  <p:cSld>
-    <p:spTree>
-      <p:nvGrpSpPr>
-        <p:cNvPr id="1" name="Shape 114"/>
-        <p:cNvGrpSpPr/>
-        <p:nvPr/>
-      </p:nvGrpSpPr>
-      <p:grpSpPr>
-        <a:xfrm>
-          <a:off x="0" y="0"/>
-          <a:ext cx="0" cy="0"/>
-          <a:chOff x="0" y="0"/>
-          <a:chExt cx="0" cy="0"/>
-        </a:xfrm>
-      </p:grpSpPr>
-      <p:sp>
-        <p:nvSpPr>
-          <p:cNvPr id="115" name="Google Shape;115;g868d3c9f82_0_9:notes"/>
-          <p:cNvSpPr>
-            <a:spLocks noGrp="1" noRot="1" noChangeAspect="1"/>
-          </p:cNvSpPr>
-          <p:nvPr>
-            <p:ph type="sldImg" idx="2"/>
-          </p:nvPr>
-        </p:nvSpPr>
-        <p:spPr>
-          <a:xfrm>
-            <a:off x="381000" y="685800"/>
-            <a:ext cx="6096000" cy="3429000"/>
-          </a:xfrm>
-          <a:custGeom>
-            <a:avLst/>
-            <a:gdLst/>
-            <a:ahLst/>
-            <a:cxnLst/>
-            <a:rect l="l" t="t" r="r" b="b"/>
-            <a:pathLst>
-              <a:path w="120000" h="120000" extrusionOk="0">
-                <a:moveTo>
-                  <a:pt x="0" y="0"/>
-                </a:moveTo>
-                <a:lnTo>
-                  <a:pt x="120000" y="0"/>
-                </a:lnTo>
-                <a:lnTo>
-                  <a:pt x="120000" y="120000"/>
-                </a:lnTo>
-                <a:lnTo>
-                  <a:pt x="0" y="120000"/>
-                </a:lnTo>
-                <a:close/>
-              </a:path>
-            </a:pathLst>
-          </a:custGeom>
-        </p:spPr>
-      </p:sp>
-      <p:sp>
-        <p:nvSpPr>
-          <p:cNvPr id="116" name="Google Shape;116;g868d3c9f82_0_9:notes"/>
           <p:cNvSpPr txBox="1">
             <a:spLocks noGrp="1"/>
           </p:cNvSpPr>
@@ -6895,6 +6786,11 @@
         </p:txBody>
       </p:sp>
     </p:spTree>
+    <p:extLst>
+      <p:ext uri="{BB962C8B-B14F-4D97-AF65-F5344CB8AC3E}">
+        <p14:creationId xmlns:p14="http://schemas.microsoft.com/office/powerpoint/2010/main" val="2399009927"/>
+      </p:ext>
+    </p:extLst>
   </p:cSld>
   <p:clrMapOvr>
     <a:masterClrMapping/>
@@ -7001,7 +6897,7 @@
     </p:spTree>
     <p:extLst>
       <p:ext uri="{BB962C8B-B14F-4D97-AF65-F5344CB8AC3E}">
-        <p14:creationId xmlns:p14="http://schemas.microsoft.com/office/powerpoint/2010/main" val="2399009927"/>
+        <p14:creationId xmlns:p14="http://schemas.microsoft.com/office/powerpoint/2010/main" val="69889757"/>
       </p:ext>
     </p:extLst>
   </p:cSld>
@@ -7110,7 +7006,7 @@
     </p:spTree>
     <p:extLst>
       <p:ext uri="{BB962C8B-B14F-4D97-AF65-F5344CB8AC3E}">
-        <p14:creationId xmlns:p14="http://schemas.microsoft.com/office/powerpoint/2010/main" val="69889757"/>
+        <p14:creationId xmlns:p14="http://schemas.microsoft.com/office/powerpoint/2010/main" val="3339373836"/>
       </p:ext>
     </p:extLst>
   </p:cSld>
@@ -7219,7 +7115,7 @@
     </p:spTree>
     <p:extLst>
       <p:ext uri="{BB962C8B-B14F-4D97-AF65-F5344CB8AC3E}">
-        <p14:creationId xmlns:p14="http://schemas.microsoft.com/office/powerpoint/2010/main" val="3339373836"/>
+        <p14:creationId xmlns:p14="http://schemas.microsoft.com/office/powerpoint/2010/main" val="3104541128"/>
       </p:ext>
     </p:extLst>
   </p:cSld>
@@ -7328,7 +7224,7 @@
     </p:spTree>
     <p:extLst>
       <p:ext uri="{BB962C8B-B14F-4D97-AF65-F5344CB8AC3E}">
-        <p14:creationId xmlns:p14="http://schemas.microsoft.com/office/powerpoint/2010/main" val="3104541128"/>
+        <p14:creationId xmlns:p14="http://schemas.microsoft.com/office/powerpoint/2010/main" val="2877902235"/>
       </p:ext>
     </p:extLst>
   </p:cSld>
@@ -7437,7 +7333,7 @@
     </p:spTree>
     <p:extLst>
       <p:ext uri="{BB962C8B-B14F-4D97-AF65-F5344CB8AC3E}">
-        <p14:creationId xmlns:p14="http://schemas.microsoft.com/office/powerpoint/2010/main" val="2877902235"/>
+        <p14:creationId xmlns:p14="http://schemas.microsoft.com/office/powerpoint/2010/main" val="3089225954"/>
       </p:ext>
     </p:extLst>
   </p:cSld>
@@ -8070,368 +7966,6 @@
 </file>
 
 <file path=ppt/slideLayouts/slideLayout3.xml><?xml version="1.0" encoding="utf-8"?>
-<p:sldLayout xmlns:a="http://schemas.openxmlformats.org/drawingml/2006/main" xmlns:r="http://schemas.openxmlformats.org/officeDocument/2006/relationships" xmlns:p="http://schemas.openxmlformats.org/presentationml/2006/main" matchingName="Title and body" type="tx">
-  <p:cSld name="TITLE_AND_BODY">
-    <p:spTree>
-      <p:nvGrpSpPr>
-        <p:cNvPr id="1" name="Shape 16"/>
-        <p:cNvGrpSpPr/>
-        <p:nvPr/>
-      </p:nvGrpSpPr>
-      <p:grpSpPr>
-        <a:xfrm>
-          <a:off x="0" y="0"/>
-          <a:ext cx="0" cy="0"/>
-          <a:chOff x="0" y="0"/>
-          <a:chExt cx="0" cy="0"/>
-        </a:xfrm>
-      </p:grpSpPr>
-      <p:sp>
-        <p:nvSpPr>
-          <p:cNvPr id="17" name="Google Shape;17;p4"/>
-          <p:cNvSpPr txBox="1">
-            <a:spLocks noGrp="1"/>
-          </p:cNvSpPr>
-          <p:nvPr>
-            <p:ph type="title"/>
-          </p:nvPr>
-        </p:nvSpPr>
-        <p:spPr>
-          <a:xfrm>
-            <a:off x="311700" y="445025"/>
-            <a:ext cx="8520600" cy="572700"/>
-          </a:xfrm>
-          <a:prstGeom prst="rect">
-            <a:avLst/>
-          </a:prstGeom>
-        </p:spPr>
-        <p:txBody>
-          <a:bodyPr spcFirstLastPara="1" wrap="square" lIns="91425" tIns="91425" rIns="91425" bIns="91425" anchor="t" anchorCtr="0">
-            <a:noAutofit/>
-          </a:bodyPr>
-          <a:lstStyle>
-            <a:lvl1pPr lvl="0">
-              <a:spcBef>
-                <a:spcPts val="0"/>
-              </a:spcBef>
-              <a:spcAft>
-                <a:spcPts val="0"/>
-              </a:spcAft>
-              <a:buSzPts val="2800"/>
-              <a:buNone/>
-              <a:defRPr/>
-            </a:lvl1pPr>
-            <a:lvl2pPr lvl="1">
-              <a:spcBef>
-                <a:spcPts val="0"/>
-              </a:spcBef>
-              <a:spcAft>
-                <a:spcPts val="0"/>
-              </a:spcAft>
-              <a:buSzPts val="2800"/>
-              <a:buNone/>
-              <a:defRPr/>
-            </a:lvl2pPr>
-            <a:lvl3pPr lvl="2">
-              <a:spcBef>
-                <a:spcPts val="0"/>
-              </a:spcBef>
-              <a:spcAft>
-                <a:spcPts val="0"/>
-              </a:spcAft>
-              <a:buSzPts val="2800"/>
-              <a:buNone/>
-              <a:defRPr/>
-            </a:lvl3pPr>
-            <a:lvl4pPr lvl="3">
-              <a:spcBef>
-                <a:spcPts val="0"/>
-              </a:spcBef>
-              <a:spcAft>
-                <a:spcPts val="0"/>
-              </a:spcAft>
-              <a:buSzPts val="2800"/>
-              <a:buNone/>
-              <a:defRPr/>
-            </a:lvl4pPr>
-            <a:lvl5pPr lvl="4">
-              <a:spcBef>
-                <a:spcPts val="0"/>
-              </a:spcBef>
-              <a:spcAft>
-                <a:spcPts val="0"/>
-              </a:spcAft>
-              <a:buSzPts val="2800"/>
-              <a:buNone/>
-              <a:defRPr/>
-            </a:lvl5pPr>
-            <a:lvl6pPr lvl="5">
-              <a:spcBef>
-                <a:spcPts val="0"/>
-              </a:spcBef>
-              <a:spcAft>
-                <a:spcPts val="0"/>
-              </a:spcAft>
-              <a:buSzPts val="2800"/>
-              <a:buNone/>
-              <a:defRPr/>
-            </a:lvl6pPr>
-            <a:lvl7pPr lvl="6">
-              <a:spcBef>
-                <a:spcPts val="0"/>
-              </a:spcBef>
-              <a:spcAft>
-                <a:spcPts val="0"/>
-              </a:spcAft>
-              <a:buSzPts val="2800"/>
-              <a:buNone/>
-              <a:defRPr/>
-            </a:lvl7pPr>
-            <a:lvl8pPr lvl="7">
-              <a:spcBef>
-                <a:spcPts val="0"/>
-              </a:spcBef>
-              <a:spcAft>
-                <a:spcPts val="0"/>
-              </a:spcAft>
-              <a:buSzPts val="2800"/>
-              <a:buNone/>
-              <a:defRPr/>
-            </a:lvl8pPr>
-            <a:lvl9pPr lvl="8">
-              <a:spcBef>
-                <a:spcPts val="0"/>
-              </a:spcBef>
-              <a:spcAft>
-                <a:spcPts val="0"/>
-              </a:spcAft>
-              <a:buSzPts val="2800"/>
-              <a:buNone/>
-              <a:defRPr/>
-            </a:lvl9pPr>
-          </a:lstStyle>
-          <a:p>
-            <a:endParaRPr/>
-          </a:p>
-        </p:txBody>
-      </p:sp>
-      <p:sp>
-        <p:nvSpPr>
-          <p:cNvPr id="18" name="Google Shape;18;p4"/>
-          <p:cNvSpPr txBox="1">
-            <a:spLocks noGrp="1"/>
-          </p:cNvSpPr>
-          <p:nvPr>
-            <p:ph type="body" idx="1"/>
-          </p:nvPr>
-        </p:nvSpPr>
-        <p:spPr>
-          <a:xfrm>
-            <a:off x="311700" y="1152475"/>
-            <a:ext cx="8520600" cy="3416400"/>
-          </a:xfrm>
-          <a:prstGeom prst="rect">
-            <a:avLst/>
-          </a:prstGeom>
-        </p:spPr>
-        <p:txBody>
-          <a:bodyPr spcFirstLastPara="1" wrap="square" lIns="91425" tIns="91425" rIns="91425" bIns="91425" anchor="t" anchorCtr="0">
-            <a:noAutofit/>
-          </a:bodyPr>
-          <a:lstStyle>
-            <a:lvl1pPr marL="457200" lvl="0" indent="-342900">
-              <a:spcBef>
-                <a:spcPts val="0"/>
-              </a:spcBef>
-              <a:spcAft>
-                <a:spcPts val="0"/>
-              </a:spcAft>
-              <a:buSzPts val="1800"/>
-              <a:buChar char="●"/>
-              <a:defRPr/>
-            </a:lvl1pPr>
-            <a:lvl2pPr marL="914400" lvl="1" indent="-317500">
-              <a:spcBef>
-                <a:spcPts val="1600"/>
-              </a:spcBef>
-              <a:spcAft>
-                <a:spcPts val="0"/>
-              </a:spcAft>
-              <a:buSzPts val="1400"/>
-              <a:buChar char="○"/>
-              <a:defRPr/>
-            </a:lvl2pPr>
-            <a:lvl3pPr marL="1371600" lvl="2" indent="-317500">
-              <a:spcBef>
-                <a:spcPts val="1600"/>
-              </a:spcBef>
-              <a:spcAft>
-                <a:spcPts val="0"/>
-              </a:spcAft>
-              <a:buSzPts val="1400"/>
-              <a:buChar char="■"/>
-              <a:defRPr/>
-            </a:lvl3pPr>
-            <a:lvl4pPr marL="1828800" lvl="3" indent="-317500">
-              <a:spcBef>
-                <a:spcPts val="1600"/>
-              </a:spcBef>
-              <a:spcAft>
-                <a:spcPts val="0"/>
-              </a:spcAft>
-              <a:buSzPts val="1400"/>
-              <a:buChar char="●"/>
-              <a:defRPr/>
-            </a:lvl4pPr>
-            <a:lvl5pPr marL="2286000" lvl="4" indent="-317500">
-              <a:spcBef>
-                <a:spcPts val="1600"/>
-              </a:spcBef>
-              <a:spcAft>
-                <a:spcPts val="0"/>
-              </a:spcAft>
-              <a:buSzPts val="1400"/>
-              <a:buChar char="○"/>
-              <a:defRPr/>
-            </a:lvl5pPr>
-            <a:lvl6pPr marL="2743200" lvl="5" indent="-317500">
-              <a:spcBef>
-                <a:spcPts val="1600"/>
-              </a:spcBef>
-              <a:spcAft>
-                <a:spcPts val="0"/>
-              </a:spcAft>
-              <a:buSzPts val="1400"/>
-              <a:buChar char="■"/>
-              <a:defRPr/>
-            </a:lvl6pPr>
-            <a:lvl7pPr marL="3200400" lvl="6" indent="-317500">
-              <a:spcBef>
-                <a:spcPts val="1600"/>
-              </a:spcBef>
-              <a:spcAft>
-                <a:spcPts val="0"/>
-              </a:spcAft>
-              <a:buSzPts val="1400"/>
-              <a:buChar char="●"/>
-              <a:defRPr/>
-            </a:lvl7pPr>
-            <a:lvl8pPr marL="3657600" lvl="7" indent="-317500">
-              <a:spcBef>
-                <a:spcPts val="1600"/>
-              </a:spcBef>
-              <a:spcAft>
-                <a:spcPts val="0"/>
-              </a:spcAft>
-              <a:buSzPts val="1400"/>
-              <a:buChar char="○"/>
-              <a:defRPr/>
-            </a:lvl8pPr>
-            <a:lvl9pPr marL="4114800" lvl="8" indent="-317500">
-              <a:spcBef>
-                <a:spcPts val="1600"/>
-              </a:spcBef>
-              <a:spcAft>
-                <a:spcPts val="1600"/>
-              </a:spcAft>
-              <a:buSzPts val="1400"/>
-              <a:buChar char="■"/>
-              <a:defRPr/>
-            </a:lvl9pPr>
-          </a:lstStyle>
-          <a:p>
-            <a:endParaRPr/>
-          </a:p>
-        </p:txBody>
-      </p:sp>
-      <p:sp>
-        <p:nvSpPr>
-          <p:cNvPr id="19" name="Google Shape;19;p4"/>
-          <p:cNvSpPr txBox="1">
-            <a:spLocks noGrp="1"/>
-          </p:cNvSpPr>
-          <p:nvPr>
-            <p:ph type="sldNum" idx="12"/>
-          </p:nvPr>
-        </p:nvSpPr>
-        <p:spPr>
-          <a:xfrm>
-            <a:off x="8472458" y="4663217"/>
-            <a:ext cx="548700" cy="393600"/>
-          </a:xfrm>
-          <a:prstGeom prst="rect">
-            <a:avLst/>
-          </a:prstGeom>
-        </p:spPr>
-        <p:txBody>
-          <a:bodyPr spcFirstLastPara="1" wrap="square" lIns="91425" tIns="91425" rIns="91425" bIns="91425" anchor="ctr" anchorCtr="0">
-            <a:noAutofit/>
-          </a:bodyPr>
-          <a:lstStyle>
-            <a:lvl1pPr lvl="0">
-              <a:buNone/>
-              <a:defRPr/>
-            </a:lvl1pPr>
-            <a:lvl2pPr lvl="1">
-              <a:buNone/>
-              <a:defRPr/>
-            </a:lvl2pPr>
-            <a:lvl3pPr lvl="2">
-              <a:buNone/>
-              <a:defRPr/>
-            </a:lvl3pPr>
-            <a:lvl4pPr lvl="3">
-              <a:buNone/>
-              <a:defRPr/>
-            </a:lvl4pPr>
-            <a:lvl5pPr lvl="4">
-              <a:buNone/>
-              <a:defRPr/>
-            </a:lvl5pPr>
-            <a:lvl6pPr lvl="5">
-              <a:buNone/>
-              <a:defRPr/>
-            </a:lvl6pPr>
-            <a:lvl7pPr lvl="6">
-              <a:buNone/>
-              <a:defRPr/>
-            </a:lvl7pPr>
-            <a:lvl8pPr lvl="7">
-              <a:buNone/>
-              <a:defRPr/>
-            </a:lvl8pPr>
-            <a:lvl9pPr lvl="8">
-              <a:buNone/>
-              <a:defRPr/>
-            </a:lvl9pPr>
-          </a:lstStyle>
-          <a:p>
-            <a:pPr marL="0" lvl="0" indent="0" algn="r" rtl="0">
-              <a:spcBef>
-                <a:spcPts val="0"/>
-              </a:spcBef>
-              <a:spcAft>
-                <a:spcPts val="0"/>
-              </a:spcAft>
-              <a:buNone/>
-            </a:pPr>
-            <a:fld id="{00000000-1234-1234-1234-123412341234}" type="slidenum">
-              <a:rPr lang="nl"/>
-              <a:t>‹#›</a:t>
-            </a:fld>
-            <a:endParaRPr/>
-          </a:p>
-        </p:txBody>
-      </p:sp>
-    </p:spTree>
-  </p:cSld>
-  <p:clrMapOvr>
-    <a:masterClrMapping/>
-  </p:clrMapOvr>
-</p:sldLayout>
-</file>
-
-<file path=ppt/slideLayouts/slideLayout4.xml><?xml version="1.0" encoding="utf-8"?>
 <p:sldLayout xmlns:a="http://schemas.openxmlformats.org/drawingml/2006/main" xmlns:r="http://schemas.openxmlformats.org/officeDocument/2006/relationships" xmlns:p="http://schemas.openxmlformats.org/presentationml/2006/main" matchingName="Title and two columns" type="twoColTx">
   <p:cSld name="TITLE_AND_TWO_COLUMNS">
     <p:spTree>
@@ -8922,7 +8456,7 @@
 </p:sldLayout>
 </file>
 
-<file path=ppt/slideLayouts/slideLayout5.xml><?xml version="1.0" encoding="utf-8"?>
+<file path=ppt/slideLayouts/slideLayout4.xml><?xml version="1.0" encoding="utf-8"?>
 <p:sldLayout xmlns:a="http://schemas.openxmlformats.org/drawingml/2006/main" xmlns:r="http://schemas.openxmlformats.org/officeDocument/2006/relationships" xmlns:p="http://schemas.openxmlformats.org/presentationml/2006/main" matchingName="Title only" type="titleOnly">
   <p:cSld name="TITLE_ONLY">
     <p:spTree>
@@ -9155,7 +8689,7 @@
 </p:sldLayout>
 </file>
 
-<file path=ppt/slideLayouts/slideLayout6.xml><?xml version="1.0" encoding="utf-8"?>
+<file path=ppt/slideLayouts/slideLayout5.xml><?xml version="1.0" encoding="utf-8"?>
 <p:sldLayout xmlns:a="http://schemas.openxmlformats.org/drawingml/2006/main" xmlns:r="http://schemas.openxmlformats.org/officeDocument/2006/relationships" xmlns:p="http://schemas.openxmlformats.org/presentationml/2006/main" matchingName="One column text">
   <p:cSld name="ONE_COLUMN_TEXT">
     <p:spTree>
@@ -9517,7 +9051,7 @@
 </p:sldLayout>
 </file>
 
-<file path=ppt/slideLayouts/slideLayout7.xml><?xml version="1.0" encoding="utf-8"?>
+<file path=ppt/slideLayouts/slideLayout6.xml><?xml version="1.0" encoding="utf-8"?>
 <p:sldLayout xmlns:a="http://schemas.openxmlformats.org/drawingml/2006/main" xmlns:r="http://schemas.openxmlformats.org/officeDocument/2006/relationships" xmlns:p="http://schemas.openxmlformats.org/presentationml/2006/main" matchingName="Main point">
   <p:cSld name="MAIN_POINT">
     <p:spTree>
@@ -9750,7 +9284,7 @@
 </p:sldLayout>
 </file>
 
-<file path=ppt/slideLayouts/slideLayout8.xml><?xml version="1.0" encoding="utf-8"?>
+<file path=ppt/slideLayouts/slideLayout7.xml><?xml version="1.0" encoding="utf-8"?>
 <p:sldLayout xmlns:a="http://schemas.openxmlformats.org/drawingml/2006/main" xmlns:r="http://schemas.openxmlformats.org/officeDocument/2006/relationships" xmlns:p="http://schemas.openxmlformats.org/presentationml/2006/main" matchingName="Section title and description">
   <p:cSld name="SECTION_TITLE_AND_DESCRIPTION">
     <p:spTree>
@@ -10308,7 +9842,7 @@
 </p:sldLayout>
 </file>
 
-<file path=ppt/slideLayouts/slideLayout9.xml><?xml version="1.0" encoding="utf-8"?>
+<file path=ppt/slideLayouts/slideLayout8.xml><?xml version="1.0" encoding="utf-8"?>
 <p:sldLayout xmlns:a="http://schemas.openxmlformats.org/drawingml/2006/main" xmlns:r="http://schemas.openxmlformats.org/officeDocument/2006/relationships" xmlns:p="http://schemas.openxmlformats.org/presentationml/2006/main" matchingName="Big number">
   <p:cSld name="BIG_NUMBER">
     <p:spTree>
@@ -11241,13 +10775,12 @@
   <p:sldLayoutIdLst>
     <p:sldLayoutId id="2147483648" r:id="rId1"/>
     <p:sldLayoutId id="2147483649" r:id="rId2"/>
-    <p:sldLayoutId id="2147483650" r:id="rId3"/>
-    <p:sldLayoutId id="2147483651" r:id="rId4"/>
-    <p:sldLayoutId id="2147483652" r:id="rId5"/>
-    <p:sldLayoutId id="2147483653" r:id="rId6"/>
-    <p:sldLayoutId id="2147483654" r:id="rId7"/>
-    <p:sldLayoutId id="2147483655" r:id="rId8"/>
-    <p:sldLayoutId id="2147483657" r:id="rId9"/>
+    <p:sldLayoutId id="2147483651" r:id="rId3"/>
+    <p:sldLayoutId id="2147483652" r:id="rId4"/>
+    <p:sldLayoutId id="2147483653" r:id="rId5"/>
+    <p:sldLayoutId id="2147483654" r:id="rId6"/>
+    <p:sldLayoutId id="2147483655" r:id="rId7"/>
+    <p:sldLayoutId id="2147483657" r:id="rId8"/>
   </p:sldLayoutIdLst>
   <p:hf sldNum="0" hdr="0" ftr="0" dt="0"/>
   <p:txStyles>
@@ -15377,166 +14910,6 @@
   <p:cSld>
     <p:spTree>
       <p:nvGrpSpPr>
-        <p:cNvPr id="1" name="Shape 65"/>
-        <p:cNvGrpSpPr/>
-        <p:nvPr/>
-      </p:nvGrpSpPr>
-      <p:grpSpPr>
-        <a:xfrm>
-          <a:off x="0" y="0"/>
-          <a:ext cx="0" cy="0"/>
-          <a:chOff x="0" y="0"/>
-          <a:chExt cx="0" cy="0"/>
-        </a:xfrm>
-      </p:grpSpPr>
-      <p:sp>
-        <p:nvSpPr>
-          <p:cNvPr id="66" name="Google Shape;66;p15"/>
-          <p:cNvSpPr txBox="1">
-            <a:spLocks noGrp="1"/>
-          </p:cNvSpPr>
-          <p:nvPr>
-            <p:ph type="title"/>
-          </p:nvPr>
-        </p:nvSpPr>
-        <p:spPr>
-          <a:xfrm>
-            <a:off x="311700" y="445025"/>
-            <a:ext cx="8520600" cy="572700"/>
-          </a:xfrm>
-          <a:prstGeom prst="rect">
-            <a:avLst/>
-          </a:prstGeom>
-        </p:spPr>
-        <p:txBody>
-          <a:bodyPr spcFirstLastPara="1" wrap="square" lIns="91425" tIns="91425" rIns="91425" bIns="91425" anchor="t" anchorCtr="0">
-            <a:noAutofit/>
-          </a:bodyPr>
-          <a:lstStyle/>
-          <a:p>
-            <a:r>
-              <a:rPr lang="nl" dirty="0"/>
-              <a:t>Terugblik les workflow</a:t>
-            </a:r>
-            <a:endParaRPr dirty="0"/>
-          </a:p>
-        </p:txBody>
-      </p:sp>
-      <p:sp>
-        <p:nvSpPr>
-          <p:cNvPr id="67" name="Google Shape;67;p15"/>
-          <p:cNvSpPr txBox="1">
-            <a:spLocks noGrp="1"/>
-          </p:cNvSpPr>
-          <p:nvPr>
-            <p:ph type="body" idx="1"/>
-          </p:nvPr>
-        </p:nvSpPr>
-        <p:spPr>
-          <a:xfrm>
-            <a:off x="311700" y="1152475"/>
-            <a:ext cx="8520600" cy="3416400"/>
-          </a:xfrm>
-          <a:prstGeom prst="rect">
-            <a:avLst/>
-          </a:prstGeom>
-        </p:spPr>
-        <p:txBody>
-          <a:bodyPr spcFirstLastPara="1" wrap="square" lIns="91425" tIns="91425" rIns="91425" bIns="91425" anchor="t" anchorCtr="0">
-            <a:noAutofit/>
-          </a:bodyPr>
-          <a:lstStyle/>
-          <a:p>
-            <a:pPr marL="0" indent="0">
-              <a:lnSpc>
-                <a:spcPct val="114999"/>
-              </a:lnSpc>
-              <a:spcAft>
-                <a:spcPts val="1600"/>
-              </a:spcAft>
-              <a:buNone/>
-            </a:pPr>
-            <a:r>
-              <a:rPr lang="nl-NL" dirty="0"/>
-              <a:t>Voordat we beginnen met nieuwe dingen even de vorige stof ophalen</a:t>
-            </a:r>
-            <a:endParaRPr lang="en-US" dirty="0"/>
-          </a:p>
-          <a:p>
-            <a:pPr marL="0" indent="0">
-              <a:lnSpc>
-                <a:spcPct val="114999"/>
-              </a:lnSpc>
-              <a:spcAft>
-                <a:spcPts val="1600"/>
-              </a:spcAft>
-              <a:buNone/>
-            </a:pPr>
-            <a:r>
-              <a:rPr lang="nl-NL" dirty="0">
-                <a:hlinkClick r:id="rId3"/>
-              </a:rPr>
-              <a:t>https://forms.office.com/r/TkSDJaDUWh</a:t>
-            </a:r>
-            <a:endParaRPr lang="nl-NL" dirty="0"/>
-          </a:p>
-          <a:p>
-            <a:pPr marL="0" indent="0">
-              <a:lnSpc>
-                <a:spcPct val="114999"/>
-              </a:lnSpc>
-              <a:spcAft>
-                <a:spcPts val="1600"/>
-              </a:spcAft>
-              <a:buNone/>
-            </a:pPr>
-            <a:endParaRPr lang="en-US" dirty="0"/>
-          </a:p>
-        </p:txBody>
-      </p:sp>
-      <p:pic>
-        <p:nvPicPr>
-          <p:cNvPr id="3" name="Picture 2">
-            <a:extLst>
-              <a:ext uri="{FF2B5EF4-FFF2-40B4-BE49-F238E27FC236}">
-                <a16:creationId xmlns:a16="http://schemas.microsoft.com/office/drawing/2014/main" id="{5E52D86B-367C-FF2E-6F49-2CDC98815ACD}"/>
-              </a:ext>
-            </a:extLst>
-          </p:cNvPr>
-          <p:cNvPicPr>
-            <a:picLocks noChangeAspect="1"/>
-          </p:cNvPicPr>
-          <p:nvPr/>
-        </p:nvPicPr>
-        <p:blipFill>
-          <a:blip r:embed="rId4"/>
-          <a:stretch>
-            <a:fillRect/>
-          </a:stretch>
-        </p:blipFill>
-        <p:spPr>
-          <a:xfrm>
-            <a:off x="5723963" y="2071221"/>
-            <a:ext cx="2458571" cy="2374756"/>
-          </a:xfrm>
-          <a:prstGeom prst="rect">
-            <a:avLst/>
-          </a:prstGeom>
-        </p:spPr>
-      </p:pic>
-    </p:spTree>
-  </p:cSld>
-  <p:clrMapOvr>
-    <a:masterClrMapping/>
-  </p:clrMapOvr>
-</p:sld>
-</file>
-
-<file path=ppt/slides/slide3.xml><?xml version="1.0" encoding="utf-8"?>
-<p:sld xmlns:a="http://schemas.openxmlformats.org/drawingml/2006/main" xmlns:r="http://schemas.openxmlformats.org/officeDocument/2006/relationships" xmlns:p="http://schemas.openxmlformats.org/presentationml/2006/main">
-  <p:cSld>
-    <p:spTree>
-      <p:nvGrpSpPr>
         <p:cNvPr id="1" name="Shape 117"/>
         <p:cNvGrpSpPr/>
         <p:nvPr/>
@@ -15658,7 +15031,7 @@
 </p:sld>
 </file>
 
-<file path=ppt/slides/slide4.xml><?xml version="1.0" encoding="utf-8"?>
+<file path=ppt/slides/slide3.xml><?xml version="1.0" encoding="utf-8"?>
 <p:sld xmlns:a="http://schemas.openxmlformats.org/drawingml/2006/main" xmlns:r="http://schemas.openxmlformats.org/officeDocument/2006/relationships" xmlns:p="http://schemas.openxmlformats.org/presentationml/2006/main">
   <p:cSld>
     <p:spTree>
@@ -15909,6 +15282,159 @@
         </p:txBody>
       </p:sp>
     </p:spTree>
+  </p:cSld>
+  <p:clrMapOvr>
+    <a:masterClrMapping/>
+  </p:clrMapOvr>
+</p:sld>
+</file>
+
+<file path=ppt/slides/slide4.xml><?xml version="1.0" encoding="utf-8"?>
+<p:sld xmlns:a="http://schemas.openxmlformats.org/drawingml/2006/main" xmlns:r="http://schemas.openxmlformats.org/officeDocument/2006/relationships" xmlns:p="http://schemas.openxmlformats.org/presentationml/2006/main">
+  <p:cSld>
+    <p:spTree>
+      <p:nvGrpSpPr>
+        <p:cNvPr id="1" name=""/>
+        <p:cNvGrpSpPr/>
+        <p:nvPr/>
+      </p:nvGrpSpPr>
+      <p:grpSpPr>
+        <a:xfrm>
+          <a:off x="0" y="0"/>
+          <a:ext cx="0" cy="0"/>
+          <a:chOff x="0" y="0"/>
+          <a:chExt cx="0" cy="0"/>
+        </a:xfrm>
+      </p:grpSpPr>
+      <p:sp>
+        <p:nvSpPr>
+          <p:cNvPr id="2" name="Title 1">
+            <a:extLst>
+              <a:ext uri="{FF2B5EF4-FFF2-40B4-BE49-F238E27FC236}">
+                <a16:creationId xmlns:a16="http://schemas.microsoft.com/office/drawing/2014/main" id="{0598ECB6-DB4C-F7BF-1E11-E3481CF7B49F}"/>
+              </a:ext>
+            </a:extLst>
+          </p:cNvPr>
+          <p:cNvSpPr>
+            <a:spLocks noGrp="1"/>
+          </p:cNvSpPr>
+          <p:nvPr>
+            <p:ph type="title"/>
+          </p:nvPr>
+        </p:nvSpPr>
+        <p:spPr/>
+        <p:txBody>
+          <a:bodyPr/>
+          <a:lstStyle/>
+          <a:p>
+            <a:r>
+              <a:rPr lang="en-US" dirty="0" err="1"/>
+              <a:t>Zet</a:t>
+            </a:r>
+            <a:r>
+              <a:rPr lang="en-US" dirty="0"/>
+              <a:t> branch “main” </a:t>
+            </a:r>
+            <a:r>
+              <a:rPr lang="en-US" dirty="0" err="1"/>
+              <a:t>als</a:t>
+            </a:r>
+            <a:r>
+              <a:rPr lang="en-US" dirty="0"/>
+              <a:t> default branch</a:t>
+            </a:r>
+            <a:endParaRPr lang="nl-NL" dirty="0"/>
+          </a:p>
+        </p:txBody>
+      </p:sp>
+      <p:sp>
+        <p:nvSpPr>
+          <p:cNvPr id="3" name="Text Placeholder 2">
+            <a:extLst>
+              <a:ext uri="{FF2B5EF4-FFF2-40B4-BE49-F238E27FC236}">
+                <a16:creationId xmlns:a16="http://schemas.microsoft.com/office/drawing/2014/main" id="{843DEA74-CD66-F7BA-2913-03CD4FE17E30}"/>
+              </a:ext>
+            </a:extLst>
+          </p:cNvPr>
+          <p:cNvSpPr>
+            <a:spLocks noGrp="1"/>
+          </p:cNvSpPr>
+          <p:nvPr>
+            <p:ph type="body" idx="1"/>
+          </p:nvPr>
+        </p:nvSpPr>
+        <p:spPr>
+          <a:xfrm>
+            <a:off x="311700" y="1152475"/>
+            <a:ext cx="8520600" cy="3416400"/>
+          </a:xfrm>
+        </p:spPr>
+        <p:txBody>
+          <a:bodyPr/>
+          <a:lstStyle/>
+          <a:p>
+            <a:pPr marL="139700" indent="0">
+              <a:buNone/>
+            </a:pPr>
+            <a:r>
+              <a:rPr lang="en-US" b="1" dirty="0">
+                <a:latin typeface="Courier New" panose="02070309020205020404" pitchFamily="49" charset="0"/>
+                <a:cs typeface="Courier New" panose="02070309020205020404" pitchFamily="49" charset="0"/>
+              </a:rPr>
+              <a:t>git config --global </a:t>
+            </a:r>
+            <a:r>
+              <a:rPr lang="en-US" b="1" dirty="0" err="1">
+                <a:latin typeface="Courier New" panose="02070309020205020404" pitchFamily="49" charset="0"/>
+                <a:cs typeface="Courier New" panose="02070309020205020404" pitchFamily="49" charset="0"/>
+              </a:rPr>
+              <a:t>init.defaultBranch</a:t>
+            </a:r>
+            <a:r>
+              <a:rPr lang="en-US" b="1" dirty="0">
+                <a:latin typeface="Courier New" panose="02070309020205020404" pitchFamily="49" charset="0"/>
+                <a:cs typeface="Courier New" panose="02070309020205020404" pitchFamily="49" charset="0"/>
+              </a:rPr>
+              <a:t> main</a:t>
+            </a:r>
+            <a:endParaRPr lang="nl-NL" b="1" dirty="0">
+              <a:latin typeface="Courier New" panose="02070309020205020404" pitchFamily="49" charset="0"/>
+              <a:cs typeface="Courier New" panose="02070309020205020404" pitchFamily="49" charset="0"/>
+            </a:endParaRPr>
+          </a:p>
+        </p:txBody>
+      </p:sp>
+      <p:sp>
+        <p:nvSpPr>
+          <p:cNvPr id="4" name="Text Placeholder 3">
+            <a:extLst>
+              <a:ext uri="{FF2B5EF4-FFF2-40B4-BE49-F238E27FC236}">
+                <a16:creationId xmlns:a16="http://schemas.microsoft.com/office/drawing/2014/main" id="{012444E9-A255-3C6F-37EA-C1EBFB78986F}"/>
+              </a:ext>
+            </a:extLst>
+          </p:cNvPr>
+          <p:cNvSpPr>
+            <a:spLocks noGrp="1"/>
+          </p:cNvSpPr>
+          <p:nvPr>
+            <p:ph type="body" idx="2"/>
+          </p:nvPr>
+        </p:nvSpPr>
+        <p:spPr/>
+        <p:txBody>
+          <a:bodyPr/>
+          <a:lstStyle/>
+          <a:p>
+            <a:endParaRPr lang="nl-NL" dirty="0"/>
+          </a:p>
+        </p:txBody>
+      </p:sp>
+    </p:spTree>
+    <p:extLst>
+      <p:ext uri="{BB962C8B-B14F-4D97-AF65-F5344CB8AC3E}">
+        <p14:creationId xmlns:p14="http://schemas.microsoft.com/office/powerpoint/2010/main" val="1580915841"/>
+      </p:ext>
+    </p:extLst>
   </p:cSld>
   <p:clrMapOvr>
     <a:masterClrMapping/>
@@ -18571,18 +18097,18 @@
 </file>
 
 <file path=customXml/item1.xml><?xml version="1.0" encoding="utf-8"?>
-<p:properties xmlns:p="http://schemas.microsoft.com/office/2006/metadata/properties" xmlns:xsi="http://www.w3.org/2001/XMLSchema-instance" xmlns:pc="http://schemas.microsoft.com/office/infopath/2007/PartnerControls">
-  <documentManagement/>
-</p:properties>
-</file>
-
-<file path=customXml/item2.xml><?xml version="1.0" encoding="utf-8"?>
 <?mso-contentType ?>
 <FormTemplates xmlns="http://schemas.microsoft.com/sharepoint/v3/contenttype/forms">
   <Display>DocumentLibraryForm</Display>
   <Edit>DocumentLibraryForm</Edit>
   <New>DocumentLibraryForm</New>
 </FormTemplates>
+</file>
+
+<file path=customXml/item2.xml><?xml version="1.0" encoding="utf-8"?>
+<p:properties xmlns:p="http://schemas.microsoft.com/office/2006/metadata/properties" xmlns:xsi="http://www.w3.org/2001/XMLSchema-instance" xmlns:pc="http://schemas.microsoft.com/office/infopath/2007/PartnerControls">
+  <documentManagement/>
+</p:properties>
 </file>
 
 <file path=customXml/item3.xml><?xml version="1.0" encoding="utf-8"?>
@@ -18724,6 +18250,14 @@
 </file>
 
 <file path=customXml/itemProps1.xml><?xml version="1.0" encoding="utf-8"?>
+<ds:datastoreItem xmlns:ds="http://schemas.openxmlformats.org/officeDocument/2006/customXml" ds:itemID="{4077D397-A58D-41CD-9DDC-45F29C08B187}">
+  <ds:schemaRefs>
+    <ds:schemaRef ds:uri="http://schemas.microsoft.com/sharepoint/v3/contenttype/forms"/>
+  </ds:schemaRefs>
+</ds:datastoreItem>
+</file>
+
+<file path=customXml/itemProps2.xml><?xml version="1.0" encoding="utf-8"?>
 <ds:datastoreItem xmlns:ds="http://schemas.openxmlformats.org/officeDocument/2006/customXml" ds:itemID="{72B6DE8D-9C4F-42E6-BF5C-BF8BF3BCA2F6}">
   <ds:schemaRefs>
     <ds:schemaRef ds:uri="http://schemas.microsoft.com/office/2006/metadata/properties"/>
@@ -18739,14 +18273,20 @@
 </ds:datastoreItem>
 </file>
 
-<file path=customXml/itemProps2.xml><?xml version="1.0" encoding="utf-8"?>
-<ds:datastoreItem xmlns:ds="http://schemas.openxmlformats.org/officeDocument/2006/customXml" ds:itemID="{4077D397-A58D-41CD-9DDC-45F29C08B187}">
+<file path=customXml/itemProps3.xml><?xml version="1.0" encoding="utf-8"?>
+<ds:datastoreItem xmlns:ds="http://schemas.openxmlformats.org/officeDocument/2006/customXml" ds:itemID="{FF1D4E78-E0D3-4D3D-8A24-8A334BF5A5C8}">
   <ds:schemaRefs>
-    <ds:schemaRef ds:uri="http://schemas.microsoft.com/sharepoint/v3/contenttype/forms"/>
+    <ds:schemaRef ds:uri="http://schemas.microsoft.com/office/2006/metadata/contentType"/>
+    <ds:schemaRef ds:uri="http://schemas.microsoft.com/office/2006/metadata/properties/metaAttributes"/>
+    <ds:schemaRef ds:uri="http://www.w3.org/2001/XMLSchema"/>
+    <ds:schemaRef ds:uri="http://schemas.microsoft.com/office/2006/metadata/properties"/>
+    <ds:schemaRef ds:uri="885d402c-76b9-4792-92a1-2b62a1d56104"/>
+    <ds:schemaRef ds:uri="http://schemas.microsoft.com/office/2006/documentManagement/types"/>
+    <ds:schemaRef ds:uri="http://schemas.microsoft.com/office/infopath/2007/PartnerControls"/>
+    <ds:schemaRef ds:uri="http://schemas.openxmlformats.org/package/2006/metadata/core-properties"/>
+    <ds:schemaRef ds:uri="http://purl.org/dc/elements/1.1/"/>
+    <ds:schemaRef ds:uri="http://purl.org/dc/terms/"/>
+    <ds:schemaRef ds:uri="http://schemas.microsoft.com/internal/obd"/>
   </ds:schemaRefs>
 </ds:datastoreItem>
-</file>
-
-<file path=customXml/itemProps3.xml><?xml version="1.0" encoding="utf-8"?>
-<ds:datastoreItem xmlns:ds="http://schemas.openxmlformats.org/officeDocument/2006/customXml" ds:itemID="{FF1D4E78-E0D3-4D3D-8A24-8A334BF5A5C8}"/>
 </file>